--- a/session1/Version Control.pptx
+++ b/session1/Version Control.pptx
@@ -13,27 +13,29 @@
     <p:sldId id="280" r:id="rId7"/>
     <p:sldId id="281" r:id="rId8"/>
     <p:sldId id="283" r:id="rId9"/>
-    <p:sldId id="282" r:id="rId10"/>
-    <p:sldId id="284" r:id="rId11"/>
+    <p:sldId id="284" r:id="rId10"/>
+    <p:sldId id="282" r:id="rId11"/>
     <p:sldId id="285" r:id="rId12"/>
-    <p:sldId id="261" r:id="rId13"/>
-    <p:sldId id="262" r:id="rId14"/>
-    <p:sldId id="263" r:id="rId15"/>
-    <p:sldId id="264" r:id="rId16"/>
-    <p:sldId id="265" r:id="rId17"/>
-    <p:sldId id="266" r:id="rId18"/>
-    <p:sldId id="267" r:id="rId19"/>
-    <p:sldId id="268" r:id="rId20"/>
-    <p:sldId id="269" r:id="rId21"/>
-    <p:sldId id="270" r:id="rId22"/>
-    <p:sldId id="271" r:id="rId23"/>
-    <p:sldId id="272" r:id="rId24"/>
-    <p:sldId id="273" r:id="rId25"/>
-    <p:sldId id="274" r:id="rId26"/>
-    <p:sldId id="275" r:id="rId27"/>
-    <p:sldId id="276" r:id="rId28"/>
-    <p:sldId id="277" r:id="rId29"/>
-    <p:sldId id="278" r:id="rId30"/>
+    <p:sldId id="287" r:id="rId13"/>
+    <p:sldId id="286" r:id="rId14"/>
+    <p:sldId id="261" r:id="rId15"/>
+    <p:sldId id="262" r:id="rId16"/>
+    <p:sldId id="263" r:id="rId17"/>
+    <p:sldId id="264" r:id="rId18"/>
+    <p:sldId id="265" r:id="rId19"/>
+    <p:sldId id="266" r:id="rId20"/>
+    <p:sldId id="267" r:id="rId21"/>
+    <p:sldId id="268" r:id="rId22"/>
+    <p:sldId id="269" r:id="rId23"/>
+    <p:sldId id="270" r:id="rId24"/>
+    <p:sldId id="271" r:id="rId25"/>
+    <p:sldId id="272" r:id="rId26"/>
+    <p:sldId id="273" r:id="rId27"/>
+    <p:sldId id="274" r:id="rId28"/>
+    <p:sldId id="275" r:id="rId29"/>
+    <p:sldId id="276" r:id="rId30"/>
+    <p:sldId id="277" r:id="rId31"/>
+    <p:sldId id="278" r:id="rId32"/>
   </p:sldIdLst>
   <p:sldSz cx="12192000" cy="6858000"/>
   <p:notesSz cx="6858000" cy="9144000"/>
@@ -3870,40 +3872,314 @@
           <a:p>
             <a:r>
               <a:rPr lang="en-US" sz="3200" dirty="0"/>
-              <a:t>Bare vs. cloned repositories</a:t>
-            </a:r>
-            <a:endParaRPr lang="en-US" sz="3200" b="1" dirty="0"/>
-          </a:p>
-        </p:txBody>
-      </p:sp>
-      <p:sp>
-        <p:nvSpPr>
-          <p:cNvPr id="3" name="Content Placeholder 2"/>
-          <p:cNvSpPr>
-            <a:spLocks noGrp="1"/>
-          </p:cNvSpPr>
-          <p:nvPr>
-            <p:ph idx="1"/>
-          </p:nvPr>
-        </p:nvSpPr>
-        <p:spPr/>
-        <p:txBody>
-          <a:bodyPr>
+              <a:t>Repo-to-repo collaboration: </a:t>
+            </a:r>
+            <a:r>
+              <a:rPr lang="en-US" sz="3200" b="1" dirty="0" err="1"/>
+              <a:t>git</a:t>
+            </a:r>
+            <a:r>
+              <a:rPr lang="en-US" sz="3200" b="1" dirty="0"/>
+              <a:t> push</a:t>
+            </a:r>
+          </a:p>
+        </p:txBody>
+      </p:sp>
+      <p:sp>
+        <p:nvSpPr>
+          <p:cNvPr id="4" name="Content Placeholder 2"/>
+          <p:cNvSpPr txBox="1">
+            <a:spLocks/>
+          </p:cNvSpPr>
+          <p:nvPr/>
+        </p:nvSpPr>
+        <p:spPr>
+          <a:xfrm>
+            <a:off x="936172" y="1867506"/>
+            <a:ext cx="10058400" cy="4023360"/>
+          </a:xfrm>
+          <a:prstGeom prst="rect">
+            <a:avLst/>
+          </a:prstGeom>
+        </p:spPr>
+        <p:txBody>
+          <a:bodyPr vert="horz" lIns="0" tIns="45720" rIns="0" bIns="45720" rtlCol="0">
             <a:normAutofit/>
           </a:bodyPr>
-          <a:lstStyle/>
-          <a:p>
-            <a:pPr lvl="1"/>
-            <a:r>
-              <a:rPr lang="en-US" spc="-50" dirty="0">
-                <a:latin typeface="+mj-lt"/>
-                <a:ea typeface="+mj-ea"/>
-                <a:cs typeface="+mj-cs"/>
-              </a:rPr>
-              <a:t>If you used </a:t>
-            </a:r>
-            <a:r>
-              <a:rPr lang="en-US" spc="-50" dirty="0" err="1">
+          <a:lstStyle>
+            <a:lvl1pPr marL="91440" indent="-91440" algn="l" defTabSz="914400" rtl="0" eaLnBrk="1" latinLnBrk="0" hangingPunct="1">
+              <a:lnSpc>
+                <a:spcPct val="90000"/>
+              </a:lnSpc>
+              <a:spcBef>
+                <a:spcPts val="1200"/>
+              </a:spcBef>
+              <a:spcAft>
+                <a:spcPts val="200"/>
+              </a:spcAft>
+              <a:buClr>
+                <a:schemeClr val="accent1"/>
+              </a:buClr>
+              <a:buSzPct val="100000"/>
+              <a:buFont typeface="Calibri" panose="020F0502020204030204" pitchFamily="34" charset="0"/>
+              <a:buChar char=" "/>
+              <a:defRPr sz="2000" kern="1200">
+                <a:solidFill>
+                  <a:schemeClr val="tx1">
+                    <a:lumMod val="75000"/>
+                    <a:lumOff val="25000"/>
+                  </a:schemeClr>
+                </a:solidFill>
+                <a:latin typeface="+mn-lt"/>
+                <a:ea typeface="+mn-ea"/>
+                <a:cs typeface="+mn-cs"/>
+              </a:defRPr>
+            </a:lvl1pPr>
+            <a:lvl2pPr marL="384048" indent="-182880" algn="l" defTabSz="914400" rtl="0" eaLnBrk="1" latinLnBrk="0" hangingPunct="1">
+              <a:lnSpc>
+                <a:spcPct val="90000"/>
+              </a:lnSpc>
+              <a:spcBef>
+                <a:spcPts val="200"/>
+              </a:spcBef>
+              <a:spcAft>
+                <a:spcPts val="400"/>
+              </a:spcAft>
+              <a:buClr>
+                <a:schemeClr val="accent1"/>
+              </a:buClr>
+              <a:buFont typeface="Calibri" pitchFamily="34" charset="0"/>
+              <a:buChar char="◦"/>
+              <a:defRPr sz="1800" kern="1200">
+                <a:solidFill>
+                  <a:schemeClr val="tx1">
+                    <a:lumMod val="75000"/>
+                    <a:lumOff val="25000"/>
+                  </a:schemeClr>
+                </a:solidFill>
+                <a:latin typeface="+mn-lt"/>
+                <a:ea typeface="+mn-ea"/>
+                <a:cs typeface="+mn-cs"/>
+              </a:defRPr>
+            </a:lvl2pPr>
+            <a:lvl3pPr marL="566928" indent="-182880" algn="l" defTabSz="914400" rtl="0" eaLnBrk="1" latinLnBrk="0" hangingPunct="1">
+              <a:lnSpc>
+                <a:spcPct val="90000"/>
+              </a:lnSpc>
+              <a:spcBef>
+                <a:spcPts val="200"/>
+              </a:spcBef>
+              <a:spcAft>
+                <a:spcPts val="400"/>
+              </a:spcAft>
+              <a:buClr>
+                <a:schemeClr val="accent1"/>
+              </a:buClr>
+              <a:buFont typeface="Calibri" pitchFamily="34" charset="0"/>
+              <a:buChar char="◦"/>
+              <a:defRPr sz="1400" kern="1200">
+                <a:solidFill>
+                  <a:schemeClr val="tx1">
+                    <a:lumMod val="75000"/>
+                    <a:lumOff val="25000"/>
+                  </a:schemeClr>
+                </a:solidFill>
+                <a:latin typeface="+mn-lt"/>
+                <a:ea typeface="+mn-ea"/>
+                <a:cs typeface="+mn-cs"/>
+              </a:defRPr>
+            </a:lvl3pPr>
+            <a:lvl4pPr marL="749808" indent="-182880" algn="l" defTabSz="914400" rtl="0" eaLnBrk="1" latinLnBrk="0" hangingPunct="1">
+              <a:lnSpc>
+                <a:spcPct val="90000"/>
+              </a:lnSpc>
+              <a:spcBef>
+                <a:spcPts val="200"/>
+              </a:spcBef>
+              <a:spcAft>
+                <a:spcPts val="400"/>
+              </a:spcAft>
+              <a:buClr>
+                <a:schemeClr val="accent1"/>
+              </a:buClr>
+              <a:buFont typeface="Calibri" pitchFamily="34" charset="0"/>
+              <a:buChar char="◦"/>
+              <a:defRPr sz="1400" kern="1200">
+                <a:solidFill>
+                  <a:schemeClr val="tx1">
+                    <a:lumMod val="75000"/>
+                    <a:lumOff val="25000"/>
+                  </a:schemeClr>
+                </a:solidFill>
+                <a:latin typeface="+mn-lt"/>
+                <a:ea typeface="+mn-ea"/>
+                <a:cs typeface="+mn-cs"/>
+              </a:defRPr>
+            </a:lvl4pPr>
+            <a:lvl5pPr marL="932688" indent="-182880" algn="l" defTabSz="914400" rtl="0" eaLnBrk="1" latinLnBrk="0" hangingPunct="1">
+              <a:lnSpc>
+                <a:spcPct val="90000"/>
+              </a:lnSpc>
+              <a:spcBef>
+                <a:spcPts val="200"/>
+              </a:spcBef>
+              <a:spcAft>
+                <a:spcPts val="400"/>
+              </a:spcAft>
+              <a:buClr>
+                <a:schemeClr val="accent1"/>
+              </a:buClr>
+              <a:buFont typeface="Calibri" pitchFamily="34" charset="0"/>
+              <a:buChar char="◦"/>
+              <a:defRPr sz="1400" kern="1200">
+                <a:solidFill>
+                  <a:schemeClr val="tx1">
+                    <a:lumMod val="75000"/>
+                    <a:lumOff val="25000"/>
+                  </a:schemeClr>
+                </a:solidFill>
+                <a:latin typeface="+mn-lt"/>
+                <a:ea typeface="+mn-ea"/>
+                <a:cs typeface="+mn-cs"/>
+              </a:defRPr>
+            </a:lvl5pPr>
+            <a:lvl6pPr marL="1100000" indent="-228600" algn="l" defTabSz="914400" rtl="0" eaLnBrk="1" latinLnBrk="0" hangingPunct="1">
+              <a:lnSpc>
+                <a:spcPct val="90000"/>
+              </a:lnSpc>
+              <a:spcBef>
+                <a:spcPts val="200"/>
+              </a:spcBef>
+              <a:spcAft>
+                <a:spcPts val="400"/>
+              </a:spcAft>
+              <a:buClr>
+                <a:schemeClr val="accent1"/>
+              </a:buClr>
+              <a:buFont typeface="Calibri" pitchFamily="34" charset="0"/>
+              <a:buChar char="◦"/>
+              <a:defRPr sz="1400" kern="1200">
+                <a:solidFill>
+                  <a:schemeClr val="tx1">
+                    <a:lumMod val="75000"/>
+                    <a:lumOff val="25000"/>
+                  </a:schemeClr>
+                </a:solidFill>
+                <a:latin typeface="+mn-lt"/>
+                <a:ea typeface="+mn-ea"/>
+                <a:cs typeface="+mn-cs"/>
+              </a:defRPr>
+            </a:lvl6pPr>
+            <a:lvl7pPr marL="1300000" indent="-228600" algn="l" defTabSz="914400" rtl="0" eaLnBrk="1" latinLnBrk="0" hangingPunct="1">
+              <a:lnSpc>
+                <a:spcPct val="90000"/>
+              </a:lnSpc>
+              <a:spcBef>
+                <a:spcPts val="200"/>
+              </a:spcBef>
+              <a:spcAft>
+                <a:spcPts val="400"/>
+              </a:spcAft>
+              <a:buClr>
+                <a:schemeClr val="accent1"/>
+              </a:buClr>
+              <a:buFont typeface="Calibri" pitchFamily="34" charset="0"/>
+              <a:buChar char="◦"/>
+              <a:defRPr sz="1400" kern="1200">
+                <a:solidFill>
+                  <a:schemeClr val="tx1">
+                    <a:lumMod val="75000"/>
+                    <a:lumOff val="25000"/>
+                  </a:schemeClr>
+                </a:solidFill>
+                <a:latin typeface="+mn-lt"/>
+                <a:ea typeface="+mn-ea"/>
+                <a:cs typeface="+mn-cs"/>
+              </a:defRPr>
+            </a:lvl7pPr>
+            <a:lvl8pPr marL="1500000" indent="-228600" algn="l" defTabSz="914400" rtl="0" eaLnBrk="1" latinLnBrk="0" hangingPunct="1">
+              <a:lnSpc>
+                <a:spcPct val="90000"/>
+              </a:lnSpc>
+              <a:spcBef>
+                <a:spcPts val="200"/>
+              </a:spcBef>
+              <a:spcAft>
+                <a:spcPts val="400"/>
+              </a:spcAft>
+              <a:buClr>
+                <a:schemeClr val="accent1"/>
+              </a:buClr>
+              <a:buFont typeface="Calibri" pitchFamily="34" charset="0"/>
+              <a:buChar char="◦"/>
+              <a:defRPr sz="1400" kern="1200">
+                <a:solidFill>
+                  <a:schemeClr val="tx1">
+                    <a:lumMod val="75000"/>
+                    <a:lumOff val="25000"/>
+                  </a:schemeClr>
+                </a:solidFill>
+                <a:latin typeface="+mn-lt"/>
+                <a:ea typeface="+mn-ea"/>
+                <a:cs typeface="+mn-cs"/>
+              </a:defRPr>
+            </a:lvl8pPr>
+            <a:lvl9pPr marL="1700000" indent="-228600" algn="l" defTabSz="914400" rtl="0" eaLnBrk="1" latinLnBrk="0" hangingPunct="1">
+              <a:lnSpc>
+                <a:spcPct val="90000"/>
+              </a:lnSpc>
+              <a:spcBef>
+                <a:spcPts val="200"/>
+              </a:spcBef>
+              <a:spcAft>
+                <a:spcPts val="400"/>
+              </a:spcAft>
+              <a:buClr>
+                <a:schemeClr val="accent1"/>
+              </a:buClr>
+              <a:buFont typeface="Calibri" pitchFamily="34" charset="0"/>
+              <a:buChar char="◦"/>
+              <a:defRPr sz="1400" kern="1200">
+                <a:solidFill>
+                  <a:schemeClr val="tx1">
+                    <a:lumMod val="75000"/>
+                    <a:lumOff val="25000"/>
+                  </a:schemeClr>
+                </a:solidFill>
+                <a:latin typeface="+mn-lt"/>
+                <a:ea typeface="+mn-ea"/>
+                <a:cs typeface="+mn-cs"/>
+              </a:defRPr>
+            </a:lvl9pPr>
+          </a:lstStyle>
+          <a:p>
+            <a:pPr lvl="1"/>
+            <a:r>
+              <a:rPr lang="en-US" spc="-50" dirty="0" smtClean="0">
+                <a:latin typeface="+mj-lt"/>
+                <a:ea typeface="+mj-ea"/>
+                <a:cs typeface="+mj-cs"/>
+              </a:rPr>
+              <a:t>Once you have a remote repo setup, you will need to add a remote repo </a:t>
+            </a:r>
+            <a:r>
+              <a:rPr lang="en-US" spc="-50" dirty="0" err="1" smtClean="0">
+                <a:latin typeface="+mj-lt"/>
+                <a:ea typeface="+mj-ea"/>
+                <a:cs typeface="+mj-cs"/>
+              </a:rPr>
+              <a:t>url</a:t>
+            </a:r>
+            <a:r>
+              <a:rPr lang="en-US" spc="-50" dirty="0" smtClean="0">
+                <a:latin typeface="+mj-lt"/>
+                <a:ea typeface="+mj-ea"/>
+                <a:cs typeface="+mj-cs"/>
+              </a:rPr>
+              <a:t> to your local </a:t>
+            </a:r>
+            <a:r>
+              <a:rPr lang="en-US" spc="-50" dirty="0" err="1" smtClean="0">
                 <a:latin typeface="+mj-lt"/>
                 <a:ea typeface="+mj-ea"/>
                 <a:cs typeface="+mj-cs"/>
@@ -3911,13 +4187,48 @@
               <a:t>git</a:t>
             </a:r>
             <a:r>
-              <a:rPr lang="en-US" spc="-50" dirty="0">
-                <a:latin typeface="+mj-lt"/>
-                <a:ea typeface="+mj-ea"/>
-                <a:cs typeface="+mj-cs"/>
-              </a:rPr>
-              <a:t> clone in the previous "Initializing a new Repository" section to set up your local repository, your repository is already configured for remote collaboration. </a:t>
-            </a:r>
+              <a:rPr lang="en-US" spc="-50" dirty="0" smtClean="0">
+                <a:latin typeface="+mj-lt"/>
+                <a:ea typeface="+mj-ea"/>
+                <a:cs typeface="+mj-cs"/>
+              </a:rPr>
+              <a:t> </a:t>
+            </a:r>
+            <a:r>
+              <a:rPr lang="en-US" spc="-50" dirty="0" err="1" smtClean="0">
+                <a:latin typeface="+mj-lt"/>
+                <a:ea typeface="+mj-ea"/>
+                <a:cs typeface="+mj-cs"/>
+              </a:rPr>
+              <a:t>config</a:t>
+            </a:r>
+            <a:r>
+              <a:rPr lang="en-US" spc="-50" dirty="0" smtClean="0">
+                <a:latin typeface="+mj-lt"/>
+                <a:ea typeface="+mj-ea"/>
+                <a:cs typeface="+mj-cs"/>
+              </a:rPr>
+              <a:t>, and set an upstream branch for your local branches. The </a:t>
+            </a:r>
+            <a:r>
+              <a:rPr lang="en-US" spc="-50" dirty="0" err="1" smtClean="0">
+                <a:latin typeface="+mj-lt"/>
+                <a:ea typeface="+mj-ea"/>
+                <a:cs typeface="+mj-cs"/>
+              </a:rPr>
+              <a:t>git</a:t>
+            </a:r>
+            <a:r>
+              <a:rPr lang="en-US" spc="-50" dirty="0" smtClean="0">
+                <a:latin typeface="+mj-lt"/>
+                <a:ea typeface="+mj-ea"/>
+                <a:cs typeface="+mj-cs"/>
+              </a:rPr>
+              <a:t> remote command offers such utility.</a:t>
+            </a:r>
+          </a:p>
+          <a:p>
+            <a:pPr lvl="1"/>
             <a:endParaRPr lang="en-US" spc="-50" dirty="0" smtClean="0">
               <a:latin typeface="+mj-lt"/>
               <a:ea typeface="+mj-ea"/>
@@ -3926,6 +4237,136 @@
           </a:p>
           <a:p>
             <a:pPr lvl="1"/>
+            <a:r>
+              <a:rPr lang="en-US" sz="2000" spc="-50" dirty="0" err="1" smtClean="0">
+                <a:solidFill>
+                  <a:schemeClr val="accent2">
+                    <a:lumMod val="75000"/>
+                  </a:schemeClr>
+                </a:solidFill>
+                <a:latin typeface="Consolas" panose="020B0609020204030204" pitchFamily="49" charset="0"/>
+                <a:cs typeface="Consolas" panose="020B0609020204030204" pitchFamily="49" charset="0"/>
+              </a:rPr>
+              <a:t>git</a:t>
+            </a:r>
+            <a:r>
+              <a:rPr lang="en-US" sz="2000" spc="-50" dirty="0" smtClean="0">
+                <a:solidFill>
+                  <a:schemeClr val="accent2">
+                    <a:lumMod val="75000"/>
+                  </a:schemeClr>
+                </a:solidFill>
+                <a:latin typeface="Consolas" panose="020B0609020204030204" pitchFamily="49" charset="0"/>
+                <a:cs typeface="Consolas" panose="020B0609020204030204" pitchFamily="49" charset="0"/>
+              </a:rPr>
+              <a:t> remote add &lt;</a:t>
+            </a:r>
+            <a:r>
+              <a:rPr lang="en-US" sz="2000" spc="-50" dirty="0" err="1" smtClean="0">
+                <a:solidFill>
+                  <a:schemeClr val="accent2">
+                    <a:lumMod val="75000"/>
+                  </a:schemeClr>
+                </a:solidFill>
+                <a:latin typeface="Consolas" panose="020B0609020204030204" pitchFamily="49" charset="0"/>
+                <a:cs typeface="Consolas" panose="020B0609020204030204" pitchFamily="49" charset="0"/>
+              </a:rPr>
+              <a:t>remote_name</a:t>
+            </a:r>
+            <a:r>
+              <a:rPr lang="en-US" sz="2000" spc="-50" dirty="0" smtClean="0">
+                <a:solidFill>
+                  <a:schemeClr val="accent2">
+                    <a:lumMod val="75000"/>
+                  </a:schemeClr>
+                </a:solidFill>
+                <a:latin typeface="Consolas" panose="020B0609020204030204" pitchFamily="49" charset="0"/>
+                <a:cs typeface="Consolas" panose="020B0609020204030204" pitchFamily="49" charset="0"/>
+              </a:rPr>
+              <a:t>&gt; &lt;</a:t>
+            </a:r>
+            <a:r>
+              <a:rPr lang="en-US" sz="2000" spc="-50" dirty="0" err="1" smtClean="0">
+                <a:solidFill>
+                  <a:schemeClr val="accent2">
+                    <a:lumMod val="75000"/>
+                  </a:schemeClr>
+                </a:solidFill>
+                <a:latin typeface="Consolas" panose="020B0609020204030204" pitchFamily="49" charset="0"/>
+                <a:cs typeface="Consolas" panose="020B0609020204030204" pitchFamily="49" charset="0"/>
+              </a:rPr>
+              <a:t>remote_repo_url</a:t>
+            </a:r>
+            <a:r>
+              <a:rPr lang="en-US" sz="2000" spc="-50" dirty="0" smtClean="0">
+                <a:solidFill>
+                  <a:schemeClr val="accent2">
+                    <a:lumMod val="75000"/>
+                  </a:schemeClr>
+                </a:solidFill>
+                <a:latin typeface="Consolas" panose="020B0609020204030204" pitchFamily="49" charset="0"/>
+                <a:cs typeface="Consolas" panose="020B0609020204030204" pitchFamily="49" charset="0"/>
+              </a:rPr>
+              <a:t>&gt;</a:t>
+            </a:r>
+          </a:p>
+          <a:p>
+            <a:pPr lvl="1"/>
+            <a:endParaRPr lang="en-US" sz="2000" spc="-50" dirty="0" smtClean="0">
+              <a:solidFill>
+                <a:schemeClr val="accent2">
+                  <a:lumMod val="75000"/>
+                </a:schemeClr>
+              </a:solidFill>
+              <a:latin typeface="Consolas" panose="020B0609020204030204" pitchFamily="49" charset="0"/>
+              <a:cs typeface="Consolas" panose="020B0609020204030204" pitchFamily="49" charset="0"/>
+            </a:endParaRPr>
+          </a:p>
+          <a:p>
+            <a:pPr lvl="1"/>
+            <a:r>
+              <a:rPr lang="en-US" spc="-50" dirty="0" smtClean="0">
+                <a:latin typeface="+mj-lt"/>
+                <a:ea typeface="+mj-ea"/>
+                <a:cs typeface="+mj-cs"/>
+              </a:rPr>
+              <a:t>This command will map remote repository at &lt;</a:t>
+            </a:r>
+            <a:r>
+              <a:rPr lang="en-US" spc="-50" dirty="0" err="1" smtClean="0">
+                <a:latin typeface="+mj-lt"/>
+                <a:ea typeface="+mj-ea"/>
+                <a:cs typeface="+mj-cs"/>
+              </a:rPr>
+              <a:t>remote_repo_url</a:t>
+            </a:r>
+            <a:r>
+              <a:rPr lang="en-US" spc="-50" dirty="0" smtClean="0">
+                <a:latin typeface="+mj-lt"/>
+                <a:ea typeface="+mj-ea"/>
+                <a:cs typeface="+mj-cs"/>
+              </a:rPr>
+              <a:t>&gt; to a ref in your local repo under &lt;</a:t>
+            </a:r>
+            <a:r>
+              <a:rPr lang="en-US" spc="-50" dirty="0" err="1" smtClean="0">
+                <a:latin typeface="+mj-lt"/>
+                <a:ea typeface="+mj-ea"/>
+                <a:cs typeface="+mj-cs"/>
+              </a:rPr>
+              <a:t>remote_name</a:t>
+            </a:r>
+            <a:r>
+              <a:rPr lang="en-US" spc="-50" dirty="0" smtClean="0">
+                <a:latin typeface="+mj-lt"/>
+                <a:ea typeface="+mj-ea"/>
+                <a:cs typeface="+mj-cs"/>
+              </a:rPr>
+              <a:t>&gt;. Once you have mapped the remote repo you can push local branches to it.</a:t>
+            </a:r>
+          </a:p>
+          <a:p>
+            <a:pPr lvl="1"/>
             <a:endParaRPr lang="en-US" spc="-50" dirty="0" smtClean="0">
               <a:latin typeface="+mj-lt"/>
               <a:ea typeface="+mj-ea"/>
@@ -3935,12 +4376,107 @@
           <a:p>
             <a:pPr lvl="1"/>
             <a:r>
+              <a:rPr lang="en-US" sz="2000" spc="-50" dirty="0" err="1" smtClean="0">
+                <a:solidFill>
+                  <a:schemeClr val="accent2">
+                    <a:lumMod val="75000"/>
+                  </a:schemeClr>
+                </a:solidFill>
+                <a:latin typeface="Consolas" panose="020B0609020204030204" pitchFamily="49" charset="0"/>
+                <a:cs typeface="Consolas" panose="020B0609020204030204" pitchFamily="49" charset="0"/>
+              </a:rPr>
+              <a:t>git</a:t>
+            </a:r>
+            <a:r>
+              <a:rPr lang="en-US" sz="2000" spc="-50" dirty="0" smtClean="0">
+                <a:solidFill>
+                  <a:schemeClr val="accent2">
+                    <a:lumMod val="75000"/>
+                  </a:schemeClr>
+                </a:solidFill>
+                <a:latin typeface="Consolas" panose="020B0609020204030204" pitchFamily="49" charset="0"/>
+                <a:cs typeface="Consolas" panose="020B0609020204030204" pitchFamily="49" charset="0"/>
+              </a:rPr>
+              <a:t> push -u &lt;</a:t>
+            </a:r>
+            <a:r>
+              <a:rPr lang="en-US" sz="2000" spc="-50" dirty="0" err="1" smtClean="0">
+                <a:solidFill>
+                  <a:schemeClr val="accent2">
+                    <a:lumMod val="75000"/>
+                  </a:schemeClr>
+                </a:solidFill>
+                <a:latin typeface="Consolas" panose="020B0609020204030204" pitchFamily="49" charset="0"/>
+                <a:cs typeface="Consolas" panose="020B0609020204030204" pitchFamily="49" charset="0"/>
+              </a:rPr>
+              <a:t>remote_name</a:t>
+            </a:r>
+            <a:r>
+              <a:rPr lang="en-US" sz="2000" spc="-50" dirty="0" smtClean="0">
+                <a:solidFill>
+                  <a:schemeClr val="accent2">
+                    <a:lumMod val="75000"/>
+                  </a:schemeClr>
+                </a:solidFill>
+                <a:latin typeface="Consolas" panose="020B0609020204030204" pitchFamily="49" charset="0"/>
+                <a:cs typeface="Consolas" panose="020B0609020204030204" pitchFamily="49" charset="0"/>
+              </a:rPr>
+              <a:t>&gt; &lt;</a:t>
+            </a:r>
+            <a:r>
+              <a:rPr lang="en-US" sz="2000" spc="-50" dirty="0" err="1" smtClean="0">
+                <a:solidFill>
+                  <a:schemeClr val="accent2">
+                    <a:lumMod val="75000"/>
+                  </a:schemeClr>
+                </a:solidFill>
+                <a:latin typeface="Consolas" panose="020B0609020204030204" pitchFamily="49" charset="0"/>
+                <a:cs typeface="Consolas" panose="020B0609020204030204" pitchFamily="49" charset="0"/>
+              </a:rPr>
+              <a:t>local_branch_name</a:t>
+            </a:r>
+            <a:r>
+              <a:rPr lang="en-US" sz="2000" spc="-50" dirty="0" smtClean="0">
+                <a:solidFill>
+                  <a:schemeClr val="accent2">
+                    <a:lumMod val="75000"/>
+                  </a:schemeClr>
+                </a:solidFill>
+                <a:latin typeface="Consolas" panose="020B0609020204030204" pitchFamily="49" charset="0"/>
+                <a:cs typeface="Consolas" panose="020B0609020204030204" pitchFamily="49" charset="0"/>
+              </a:rPr>
+              <a:t>&gt;</a:t>
+            </a:r>
+          </a:p>
+          <a:p>
+            <a:pPr lvl="1"/>
+            <a:endParaRPr lang="en-US" sz="2000" spc="-50" dirty="0" smtClean="0">
+              <a:solidFill>
+                <a:schemeClr val="accent2">
+                  <a:lumMod val="75000"/>
+                </a:schemeClr>
+              </a:solidFill>
+              <a:latin typeface="Consolas" panose="020B0609020204030204" pitchFamily="49" charset="0"/>
+              <a:cs typeface="Consolas" panose="020B0609020204030204" pitchFamily="49" charset="0"/>
+            </a:endParaRPr>
+          </a:p>
+          <a:p>
+            <a:pPr lvl="1"/>
+            <a:r>
+              <a:rPr lang="en-US" spc="-50" dirty="0" smtClean="0">
+                <a:latin typeface="+mj-lt"/>
+                <a:ea typeface="+mj-ea"/>
+                <a:cs typeface="+mj-cs"/>
+              </a:rPr>
+              <a:t>This command will push the local repo branch under &lt;</a:t>
+            </a:r>
+            <a:r>
               <a:rPr lang="en-US" spc="-50" dirty="0" err="1" smtClean="0">
                 <a:latin typeface="+mj-lt"/>
                 <a:ea typeface="+mj-ea"/>
                 <a:cs typeface="+mj-cs"/>
               </a:rPr>
-              <a:t>git</a:t>
+              <a:t>local_branc_name</a:t>
             </a:r>
             <a:r>
               <a:rPr lang="en-US" spc="-50" dirty="0" smtClean="0">
@@ -3948,186 +4484,36 @@
                 <a:ea typeface="+mj-ea"/>
                 <a:cs typeface="+mj-cs"/>
               </a:rPr>
-              <a:t> </a:t>
-            </a:r>
-            <a:r>
-              <a:rPr lang="en-US" spc="-50" dirty="0">
-                <a:latin typeface="+mj-lt"/>
-                <a:ea typeface="+mj-ea"/>
-                <a:cs typeface="+mj-cs"/>
-              </a:rPr>
-              <a:t>clone will automatically configure your repo with a remote pointed to the </a:t>
-            </a:r>
-            <a:r>
-              <a:rPr lang="en-US" spc="-50" dirty="0" err="1">
-                <a:latin typeface="+mj-lt"/>
-                <a:ea typeface="+mj-ea"/>
-                <a:cs typeface="+mj-cs"/>
-              </a:rPr>
-              <a:t>Git</a:t>
-            </a:r>
-            <a:r>
-              <a:rPr lang="en-US" spc="-50" dirty="0">
-                <a:latin typeface="+mj-lt"/>
-                <a:ea typeface="+mj-ea"/>
-                <a:cs typeface="+mj-cs"/>
-              </a:rPr>
-              <a:t> URL you cloned it from. This means that once you make changes to a file and commit them, you can </a:t>
-            </a:r>
-            <a:r>
-              <a:rPr lang="en-US" spc="-50" dirty="0" err="1">
-                <a:latin typeface="+mj-lt"/>
-                <a:ea typeface="+mj-ea"/>
-                <a:cs typeface="+mj-cs"/>
-              </a:rPr>
-              <a:t>git</a:t>
-            </a:r>
-            <a:r>
-              <a:rPr lang="en-US" spc="-50" dirty="0">
-                <a:latin typeface="+mj-lt"/>
-                <a:ea typeface="+mj-ea"/>
-                <a:cs typeface="+mj-cs"/>
-              </a:rPr>
-              <a:t> push those changes to the remote repository.</a:t>
-            </a:r>
-          </a:p>
-          <a:p>
-            <a:pPr lvl="1"/>
-            <a:endParaRPr lang="en-US" spc="-50" dirty="0" smtClean="0">
+              <a:t>&gt; to the remote repo at &lt;</a:t>
+            </a:r>
+            <a:r>
+              <a:rPr lang="en-US" spc="-50" dirty="0" err="1" smtClean="0">
+                <a:latin typeface="+mj-lt"/>
+                <a:ea typeface="+mj-ea"/>
+                <a:cs typeface="+mj-cs"/>
+              </a:rPr>
+              <a:t>remote_name</a:t>
+            </a:r>
+            <a:r>
+              <a:rPr lang="en-US" spc="-50" dirty="0" smtClean="0">
+                <a:latin typeface="+mj-lt"/>
+                <a:ea typeface="+mj-ea"/>
+                <a:cs typeface="+mj-cs"/>
+              </a:rPr>
+              <a:t>&gt;.</a:t>
+            </a:r>
+            <a:endParaRPr lang="en-US" spc="-50" dirty="0">
               <a:latin typeface="+mj-lt"/>
               <a:ea typeface="+mj-ea"/>
               <a:cs typeface="+mj-cs"/>
             </a:endParaRPr>
           </a:p>
-          <a:p>
-            <a:pPr lvl="1"/>
-            <a:r>
-              <a:rPr lang="en-US" spc="-50" dirty="0">
-                <a:latin typeface="+mj-lt"/>
-                <a:ea typeface="+mj-ea"/>
-                <a:cs typeface="+mj-cs"/>
-              </a:rPr>
-              <a:t>If you used </a:t>
-            </a:r>
-            <a:r>
-              <a:rPr lang="en-US" spc="-50" dirty="0" err="1">
-                <a:latin typeface="+mj-lt"/>
-                <a:ea typeface="+mj-ea"/>
-                <a:cs typeface="+mj-cs"/>
-              </a:rPr>
-              <a:t>git</a:t>
-            </a:r>
-            <a:r>
-              <a:rPr lang="en-US" spc="-50" dirty="0">
-                <a:latin typeface="+mj-lt"/>
-                <a:ea typeface="+mj-ea"/>
-                <a:cs typeface="+mj-cs"/>
-              </a:rPr>
-              <a:t> </a:t>
-            </a:r>
-            <a:r>
-              <a:rPr lang="en-US" spc="-50" dirty="0" err="1">
-                <a:latin typeface="+mj-lt"/>
-                <a:ea typeface="+mj-ea"/>
-                <a:cs typeface="+mj-cs"/>
-              </a:rPr>
-              <a:t>init</a:t>
-            </a:r>
-            <a:r>
-              <a:rPr lang="en-US" spc="-50" dirty="0">
-                <a:latin typeface="+mj-lt"/>
-                <a:ea typeface="+mj-ea"/>
-                <a:cs typeface="+mj-cs"/>
-              </a:rPr>
-              <a:t> to make a fresh repo, you'll have no remote repo to push changes to. A common pattern when initializing a new repo is to go to a hosted </a:t>
-            </a:r>
-            <a:r>
-              <a:rPr lang="en-US" spc="-50" dirty="0" err="1">
-                <a:latin typeface="+mj-lt"/>
-                <a:ea typeface="+mj-ea"/>
-                <a:cs typeface="+mj-cs"/>
-              </a:rPr>
-              <a:t>Git</a:t>
-            </a:r>
-            <a:r>
-              <a:rPr lang="en-US" spc="-50" dirty="0">
-                <a:latin typeface="+mj-lt"/>
-                <a:ea typeface="+mj-ea"/>
-                <a:cs typeface="+mj-cs"/>
-              </a:rPr>
-              <a:t> service like </a:t>
-            </a:r>
-            <a:r>
-              <a:rPr lang="en-US" spc="-50" dirty="0" smtClean="0">
-                <a:latin typeface="+mj-lt"/>
-                <a:ea typeface="+mj-ea"/>
-                <a:cs typeface="+mj-cs"/>
-              </a:rPr>
-              <a:t>GitHub </a:t>
-            </a:r>
-            <a:r>
-              <a:rPr lang="en-US" spc="-50" dirty="0">
-                <a:latin typeface="+mj-lt"/>
-                <a:ea typeface="+mj-ea"/>
-                <a:cs typeface="+mj-cs"/>
-              </a:rPr>
-              <a:t>and create a repo there. The service will provide a </a:t>
-            </a:r>
-            <a:r>
-              <a:rPr lang="en-US" spc="-50" dirty="0" err="1">
-                <a:latin typeface="+mj-lt"/>
-                <a:ea typeface="+mj-ea"/>
-                <a:cs typeface="+mj-cs"/>
-              </a:rPr>
-              <a:t>Git</a:t>
-            </a:r>
-            <a:r>
-              <a:rPr lang="en-US" spc="-50" dirty="0">
-                <a:latin typeface="+mj-lt"/>
-                <a:ea typeface="+mj-ea"/>
-                <a:cs typeface="+mj-cs"/>
-              </a:rPr>
-              <a:t> URL that you can then add to your local </a:t>
-            </a:r>
-            <a:r>
-              <a:rPr lang="en-US" spc="-50" dirty="0" err="1">
-                <a:latin typeface="+mj-lt"/>
-                <a:ea typeface="+mj-ea"/>
-                <a:cs typeface="+mj-cs"/>
-              </a:rPr>
-              <a:t>Git</a:t>
-            </a:r>
-            <a:r>
-              <a:rPr lang="en-US" spc="-50" dirty="0">
-                <a:latin typeface="+mj-lt"/>
-                <a:ea typeface="+mj-ea"/>
-                <a:cs typeface="+mj-cs"/>
-              </a:rPr>
-              <a:t> repository and </a:t>
-            </a:r>
-            <a:r>
-              <a:rPr lang="en-US" spc="-50" dirty="0" err="1">
-                <a:latin typeface="+mj-lt"/>
-                <a:ea typeface="+mj-ea"/>
-                <a:cs typeface="+mj-cs"/>
-              </a:rPr>
-              <a:t>git</a:t>
-            </a:r>
-            <a:r>
-              <a:rPr lang="en-US" spc="-50" dirty="0">
-                <a:latin typeface="+mj-lt"/>
-                <a:ea typeface="+mj-ea"/>
-                <a:cs typeface="+mj-cs"/>
-              </a:rPr>
-              <a:t> push to the hosted repo. </a:t>
-            </a:r>
-          </a:p>
         </p:txBody>
       </p:sp>
     </p:spTree>
     <p:extLst>
       <p:ext uri="{BB962C8B-B14F-4D97-AF65-F5344CB8AC3E}">
-        <p14:creationId xmlns:p14="http://schemas.microsoft.com/office/powerpoint/2010/main" val="769119695"/>
+        <p14:creationId xmlns:p14="http://schemas.microsoft.com/office/powerpoint/2010/main" val="1635055525"/>
       </p:ext>
     </p:extLst>
   </p:cSld>
@@ -4220,7 +4606,7 @@
                 <a:ea typeface="+mj-ea"/>
                 <a:cs typeface="+mj-cs"/>
               </a:rPr>
-              <a:t>Once you have a remote repo setup, you will need to add a remote repo </a:t>
+              <a:t>In addition to configuring a remote repo URL, you may also need to set global </a:t>
             </a:r>
             <a:r>
               <a:rPr lang="en-US" spc="-50" dirty="0" err="1">
@@ -4228,7 +4614,7 @@
                 <a:ea typeface="+mj-ea"/>
                 <a:cs typeface="+mj-cs"/>
               </a:rPr>
-              <a:t>url</a:t>
+              <a:t>Git</a:t>
             </a:r>
             <a:r>
               <a:rPr lang="en-US" spc="-50" dirty="0">
@@ -4236,7 +4622,7 @@
                 <a:ea typeface="+mj-ea"/>
                 <a:cs typeface="+mj-cs"/>
               </a:rPr>
-              <a:t> to your local </a:t>
+              <a:t> configuration options such as username, or email. The </a:t>
             </a:r>
             <a:r>
               <a:rPr lang="en-US" spc="-50" dirty="0" err="1">
@@ -4268,7 +4654,7 @@
                 <a:ea typeface="+mj-ea"/>
                 <a:cs typeface="+mj-cs"/>
               </a:rPr>
-              <a:t>, and set an upstream branch for your local branches. The </a:t>
+              <a:t> command lets you configure your </a:t>
             </a:r>
             <a:r>
               <a:rPr lang="en-US" spc="-50" dirty="0" err="1">
@@ -4276,7 +4662,7 @@
                 <a:ea typeface="+mj-ea"/>
                 <a:cs typeface="+mj-cs"/>
               </a:rPr>
-              <a:t>git</a:t>
+              <a:t>Git</a:t>
             </a:r>
             <a:r>
               <a:rPr lang="en-US" spc="-50" dirty="0">
@@ -4284,7 +4670,7 @@
                 <a:ea typeface="+mj-ea"/>
                 <a:cs typeface="+mj-cs"/>
               </a:rPr>
-              <a:t> remote command offers such utility</a:t>
+              <a:t> installation (or an individual repository) from the command line</a:t>
             </a:r>
             <a:r>
               <a:rPr lang="en-US" spc="-50" dirty="0" smtClean="0">
@@ -4306,139 +4692,20 @@
           <a:p>
             <a:pPr lvl="1"/>
             <a:r>
-              <a:rPr lang="en-US" sz="2000" spc="-50" dirty="0" err="1">
-                <a:solidFill>
-                  <a:schemeClr val="accent2">
-                    <a:lumMod val="75000"/>
-                  </a:schemeClr>
-                </a:solidFill>
-                <a:latin typeface="Consolas" panose="020B0609020204030204" pitchFamily="49" charset="0"/>
-                <a:cs typeface="Consolas" panose="020B0609020204030204" pitchFamily="49" charset="0"/>
-              </a:rPr>
-              <a:t>git</a:t>
-            </a:r>
-            <a:r>
-              <a:rPr lang="en-US" sz="2000" spc="-50" dirty="0">
-                <a:solidFill>
-                  <a:schemeClr val="accent2">
-                    <a:lumMod val="75000"/>
-                  </a:schemeClr>
-                </a:solidFill>
-                <a:latin typeface="Consolas" panose="020B0609020204030204" pitchFamily="49" charset="0"/>
-                <a:cs typeface="Consolas" panose="020B0609020204030204" pitchFamily="49" charset="0"/>
-              </a:rPr>
-              <a:t> remote add &lt;</a:t>
-            </a:r>
-            <a:r>
-              <a:rPr lang="en-US" sz="2000" spc="-50" dirty="0" err="1">
-                <a:solidFill>
-                  <a:schemeClr val="accent2">
-                    <a:lumMod val="75000"/>
-                  </a:schemeClr>
-                </a:solidFill>
-                <a:latin typeface="Consolas" panose="020B0609020204030204" pitchFamily="49" charset="0"/>
-                <a:cs typeface="Consolas" panose="020B0609020204030204" pitchFamily="49" charset="0"/>
-              </a:rPr>
-              <a:t>remote_name</a:t>
-            </a:r>
-            <a:r>
-              <a:rPr lang="en-US" sz="2000" spc="-50" dirty="0">
-                <a:solidFill>
-                  <a:schemeClr val="accent2">
-                    <a:lumMod val="75000"/>
-                  </a:schemeClr>
-                </a:solidFill>
-                <a:latin typeface="Consolas" panose="020B0609020204030204" pitchFamily="49" charset="0"/>
-                <a:cs typeface="Consolas" panose="020B0609020204030204" pitchFamily="49" charset="0"/>
-              </a:rPr>
-              <a:t>&gt; &lt;</a:t>
-            </a:r>
-            <a:r>
-              <a:rPr lang="en-US" sz="2000" spc="-50" dirty="0" err="1">
-                <a:solidFill>
-                  <a:schemeClr val="accent2">
-                    <a:lumMod val="75000"/>
-                  </a:schemeClr>
-                </a:solidFill>
-                <a:latin typeface="Consolas" panose="020B0609020204030204" pitchFamily="49" charset="0"/>
-                <a:cs typeface="Consolas" panose="020B0609020204030204" pitchFamily="49" charset="0"/>
-              </a:rPr>
-              <a:t>remote_repo_url</a:t>
-            </a:r>
-            <a:r>
-              <a:rPr lang="en-US" sz="2000" spc="-50" dirty="0" smtClean="0">
-                <a:solidFill>
-                  <a:schemeClr val="accent2">
-                    <a:lumMod val="75000"/>
-                  </a:schemeClr>
-                </a:solidFill>
-                <a:latin typeface="Consolas" panose="020B0609020204030204" pitchFamily="49" charset="0"/>
-                <a:cs typeface="Consolas" panose="020B0609020204030204" pitchFamily="49" charset="0"/>
-              </a:rPr>
-              <a:t>&gt;</a:t>
-            </a:r>
-          </a:p>
-          <a:p>
-            <a:pPr lvl="1"/>
-            <a:endParaRPr lang="en-US" sz="2000" spc="-50" dirty="0">
-              <a:solidFill>
-                <a:schemeClr val="accent2">
-                  <a:lumMod val="75000"/>
-                </a:schemeClr>
-              </a:solidFill>
-              <a:latin typeface="Consolas" panose="020B0609020204030204" pitchFamily="49" charset="0"/>
-              <a:cs typeface="Consolas" panose="020B0609020204030204" pitchFamily="49" charset="0"/>
-            </a:endParaRPr>
-          </a:p>
-          <a:p>
-            <a:pPr lvl="1"/>
+              <a:rPr lang="en-US" spc="-50" dirty="0" err="1">
+                <a:latin typeface="+mj-lt"/>
+                <a:ea typeface="+mj-ea"/>
+                <a:cs typeface="+mj-cs"/>
+              </a:rPr>
+              <a:t>Git</a:t>
+            </a:r>
             <a:r>
               <a:rPr lang="en-US" spc="-50" dirty="0">
                 <a:latin typeface="+mj-lt"/>
                 <a:ea typeface="+mj-ea"/>
                 <a:cs typeface="+mj-cs"/>
               </a:rPr>
-              <a:t>This command will map remote repository at &lt;</a:t>
-            </a:r>
-            <a:r>
-              <a:rPr lang="en-US" spc="-50" dirty="0" err="1">
-                <a:latin typeface="+mj-lt"/>
-                <a:ea typeface="+mj-ea"/>
-                <a:cs typeface="+mj-cs"/>
-              </a:rPr>
-              <a:t>remote_repo_url</a:t>
-            </a:r>
-            <a:r>
-              <a:rPr lang="en-US" spc="-50" dirty="0">
-                <a:latin typeface="+mj-lt"/>
-                <a:ea typeface="+mj-ea"/>
-                <a:cs typeface="+mj-cs"/>
-              </a:rPr>
-              <a:t>&gt; to a ref in your local repo under &lt;</a:t>
-            </a:r>
-            <a:r>
-              <a:rPr lang="en-US" spc="-50" dirty="0" err="1">
-                <a:latin typeface="+mj-lt"/>
-                <a:ea typeface="+mj-ea"/>
-                <a:cs typeface="+mj-cs"/>
-              </a:rPr>
-              <a:t>remote_name</a:t>
-            </a:r>
-            <a:r>
-              <a:rPr lang="en-US" spc="-50" dirty="0">
-                <a:latin typeface="+mj-lt"/>
-                <a:ea typeface="+mj-ea"/>
-                <a:cs typeface="+mj-cs"/>
-              </a:rPr>
-              <a:t>&gt;. </a:t>
-            </a:r>
-            <a:r>
-              <a:rPr lang="en-US" spc="-50" dirty="0">
-                <a:latin typeface="+mj-lt"/>
-                <a:ea typeface="+mj-ea"/>
-                <a:cs typeface="+mj-cs"/>
-              </a:rPr>
-              <a:t>Once you have mapped the remote repo you can push local branches to it</a:t>
+              <a:t> stores configuration options in three separate files, which lets you scope options to individual repositories (local), user (Global), or the entire system (system</a:t>
             </a:r>
             <a:r>
               <a:rPr lang="en-US" spc="-50" dirty="0" smtClean="0">
@@ -4446,11 +4713,8 @@
                 <a:ea typeface="+mj-ea"/>
                 <a:cs typeface="+mj-cs"/>
               </a:rPr>
-              <a:t>.</a:t>
-            </a:r>
-          </a:p>
-          <a:p>
-            <a:pPr lvl="1"/>
+              <a:t>):</a:t>
+            </a:r>
             <a:endParaRPr lang="en-US" spc="-50" dirty="0">
               <a:latin typeface="+mj-lt"/>
               <a:ea typeface="+mj-ea"/>
@@ -4459,133 +4723,132 @@
           </a:p>
           <a:p>
             <a:pPr lvl="1"/>
-            <a:r>
-              <a:rPr lang="en-US" sz="2000" spc="-50" dirty="0" err="1">
-                <a:solidFill>
-                  <a:schemeClr val="accent2">
-                    <a:lumMod val="75000"/>
-                  </a:schemeClr>
-                </a:solidFill>
-                <a:latin typeface="Consolas" panose="020B0609020204030204" pitchFamily="49" charset="0"/>
-                <a:cs typeface="Consolas" panose="020B0609020204030204" pitchFamily="49" charset="0"/>
+            <a:endParaRPr lang="en-US" spc="-50" dirty="0">
+              <a:latin typeface="+mj-lt"/>
+              <a:ea typeface="+mj-ea"/>
+              <a:cs typeface="+mj-cs"/>
+            </a:endParaRPr>
+          </a:p>
+          <a:p>
+            <a:pPr lvl="1"/>
+            <a:r>
+              <a:rPr lang="en-US" spc="-50" dirty="0">
+                <a:latin typeface="+mj-lt"/>
+                <a:ea typeface="+mj-ea"/>
+                <a:cs typeface="+mj-cs"/>
+              </a:rPr>
+              <a:t>    Local: &lt;repo&gt;/.</a:t>
+            </a:r>
+            <a:r>
+              <a:rPr lang="en-US" spc="-50" dirty="0" err="1">
+                <a:latin typeface="+mj-lt"/>
+                <a:ea typeface="+mj-ea"/>
+                <a:cs typeface="+mj-cs"/>
               </a:rPr>
               <a:t>git</a:t>
             </a:r>
             <a:r>
-              <a:rPr lang="en-US" sz="2000" spc="-50" dirty="0">
-                <a:solidFill>
-                  <a:schemeClr val="accent2">
-                    <a:lumMod val="75000"/>
-                  </a:schemeClr>
-                </a:solidFill>
-                <a:latin typeface="Consolas" panose="020B0609020204030204" pitchFamily="49" charset="0"/>
-                <a:cs typeface="Consolas" panose="020B0609020204030204" pitchFamily="49" charset="0"/>
-              </a:rPr>
-              <a:t> push -u &lt;</a:t>
-            </a:r>
-            <a:r>
-              <a:rPr lang="en-US" sz="2000" spc="-50" dirty="0" err="1">
-                <a:solidFill>
-                  <a:schemeClr val="accent2">
-                    <a:lumMod val="75000"/>
-                  </a:schemeClr>
-                </a:solidFill>
-                <a:latin typeface="Consolas" panose="020B0609020204030204" pitchFamily="49" charset="0"/>
-                <a:cs typeface="Consolas" panose="020B0609020204030204" pitchFamily="49" charset="0"/>
-              </a:rPr>
-              <a:t>remote_name</a:t>
-            </a:r>
-            <a:r>
-              <a:rPr lang="en-US" sz="2000" spc="-50" dirty="0">
-                <a:solidFill>
-                  <a:schemeClr val="accent2">
-                    <a:lumMod val="75000"/>
-                  </a:schemeClr>
-                </a:solidFill>
-                <a:latin typeface="Consolas" panose="020B0609020204030204" pitchFamily="49" charset="0"/>
-                <a:cs typeface="Consolas" panose="020B0609020204030204" pitchFamily="49" charset="0"/>
-              </a:rPr>
-              <a:t>&gt; &lt;</a:t>
-            </a:r>
-            <a:r>
-              <a:rPr lang="en-US" sz="2000" spc="-50" dirty="0" err="1">
-                <a:solidFill>
-                  <a:schemeClr val="accent2">
-                    <a:lumMod val="75000"/>
-                  </a:schemeClr>
-                </a:solidFill>
-                <a:latin typeface="Consolas" panose="020B0609020204030204" pitchFamily="49" charset="0"/>
-                <a:cs typeface="Consolas" panose="020B0609020204030204" pitchFamily="49" charset="0"/>
-              </a:rPr>
-              <a:t>local_branch_name</a:t>
-            </a:r>
-            <a:r>
-              <a:rPr lang="en-US" sz="2000" spc="-50" dirty="0" smtClean="0">
-                <a:solidFill>
-                  <a:schemeClr val="accent2">
-                    <a:lumMod val="75000"/>
-                  </a:schemeClr>
-                </a:solidFill>
-                <a:latin typeface="Consolas" panose="020B0609020204030204" pitchFamily="49" charset="0"/>
-                <a:cs typeface="Consolas" panose="020B0609020204030204" pitchFamily="49" charset="0"/>
-              </a:rPr>
-              <a:t>&gt;</a:t>
-            </a:r>
-          </a:p>
-          <a:p>
-            <a:pPr lvl="1"/>
-            <a:endParaRPr lang="en-US" sz="2000" spc="-50" dirty="0">
-              <a:solidFill>
-                <a:schemeClr val="accent2">
-                  <a:lumMod val="75000"/>
-                </a:schemeClr>
-              </a:solidFill>
-              <a:latin typeface="Consolas" panose="020B0609020204030204" pitchFamily="49" charset="0"/>
-              <a:cs typeface="Consolas" panose="020B0609020204030204" pitchFamily="49" charset="0"/>
+              <a:rPr lang="en-US" spc="-50" dirty="0">
+                <a:latin typeface="+mj-lt"/>
+                <a:ea typeface="+mj-ea"/>
+                <a:cs typeface="+mj-cs"/>
+              </a:rPr>
+              <a:t>/</a:t>
+            </a:r>
+            <a:r>
+              <a:rPr lang="en-US" spc="-50" dirty="0" err="1">
+                <a:latin typeface="+mj-lt"/>
+                <a:ea typeface="+mj-ea"/>
+                <a:cs typeface="+mj-cs"/>
+              </a:rPr>
+              <a:t>config</a:t>
+            </a:r>
+            <a:r>
+              <a:rPr lang="en-US" spc="-50" dirty="0">
+                <a:latin typeface="+mj-lt"/>
+                <a:ea typeface="+mj-ea"/>
+                <a:cs typeface="+mj-cs"/>
+              </a:rPr>
+              <a:t> – Repository-specific settings.</a:t>
+            </a:r>
+          </a:p>
+          <a:p>
+            <a:pPr lvl="1"/>
+            <a:r>
+              <a:rPr lang="en-US" spc="-50" dirty="0">
+                <a:latin typeface="+mj-lt"/>
+                <a:ea typeface="+mj-ea"/>
+                <a:cs typeface="+mj-cs"/>
+              </a:rPr>
+              <a:t>    Global: /.</a:t>
+            </a:r>
+            <a:r>
+              <a:rPr lang="en-US" spc="-50" dirty="0" err="1">
+                <a:latin typeface="+mj-lt"/>
+                <a:ea typeface="+mj-ea"/>
+                <a:cs typeface="+mj-cs"/>
+              </a:rPr>
+              <a:t>gitconfig</a:t>
+            </a:r>
+            <a:r>
+              <a:rPr lang="en-US" spc="-50" dirty="0">
+                <a:latin typeface="+mj-lt"/>
+                <a:ea typeface="+mj-ea"/>
+                <a:cs typeface="+mj-cs"/>
+              </a:rPr>
+              <a:t> – User-specific settings. This is where options set with the --global flag are stored.</a:t>
+            </a:r>
+          </a:p>
+          <a:p>
+            <a:pPr lvl="1"/>
+            <a:r>
+              <a:rPr lang="en-US" spc="-50" dirty="0">
+                <a:latin typeface="+mj-lt"/>
+                <a:ea typeface="+mj-ea"/>
+                <a:cs typeface="+mj-cs"/>
+              </a:rPr>
+              <a:t>    System: $(prefix)/</a:t>
+            </a:r>
+            <a:r>
+              <a:rPr lang="en-US" spc="-50" dirty="0" err="1">
+                <a:latin typeface="+mj-lt"/>
+                <a:ea typeface="+mj-ea"/>
+                <a:cs typeface="+mj-cs"/>
+              </a:rPr>
+              <a:t>etc</a:t>
+            </a:r>
+            <a:r>
+              <a:rPr lang="en-US" spc="-50" dirty="0">
+                <a:latin typeface="+mj-lt"/>
+                <a:ea typeface="+mj-ea"/>
+                <a:cs typeface="+mj-cs"/>
+              </a:rPr>
+              <a:t>/</a:t>
+            </a:r>
+            <a:r>
+              <a:rPr lang="en-US" spc="-50" dirty="0" err="1">
+                <a:latin typeface="+mj-lt"/>
+                <a:ea typeface="+mj-ea"/>
+                <a:cs typeface="+mj-cs"/>
+              </a:rPr>
+              <a:t>gitconfig</a:t>
+            </a:r>
+            <a:r>
+              <a:rPr lang="en-US" spc="-50" dirty="0">
+                <a:latin typeface="+mj-lt"/>
+                <a:ea typeface="+mj-ea"/>
+                <a:cs typeface="+mj-cs"/>
+              </a:rPr>
+              <a:t> – System-wide settings.</a:t>
+            </a:r>
+          </a:p>
+          <a:p>
+            <a:pPr lvl="1"/>
+            <a:endParaRPr lang="en-US" spc="-50" dirty="0">
+              <a:latin typeface="+mj-lt"/>
+              <a:ea typeface="+mj-ea"/>
+              <a:cs typeface="+mj-cs"/>
             </a:endParaRPr>
-          </a:p>
-          <a:p>
-            <a:pPr lvl="1"/>
-            <a:r>
-              <a:rPr lang="en-US" spc="-50" dirty="0">
-                <a:latin typeface="+mj-lt"/>
-                <a:ea typeface="+mj-ea"/>
-                <a:cs typeface="+mj-cs"/>
-              </a:rPr>
-              <a:t>This command will push the local repo branch under &lt;</a:t>
-            </a:r>
-            <a:r>
-              <a:rPr lang="en-US" spc="-50" dirty="0" err="1">
-                <a:latin typeface="+mj-lt"/>
-                <a:ea typeface="+mj-ea"/>
-                <a:cs typeface="+mj-cs"/>
-              </a:rPr>
-              <a:t>local_branc_name</a:t>
-            </a:r>
-            <a:r>
-              <a:rPr lang="en-US" spc="-50" dirty="0">
-                <a:latin typeface="+mj-lt"/>
-                <a:ea typeface="+mj-ea"/>
-                <a:cs typeface="+mj-cs"/>
-              </a:rPr>
-              <a:t>&gt; to the remote repo at &lt;</a:t>
-            </a:r>
-            <a:r>
-              <a:rPr lang="en-US" spc="-50" dirty="0" err="1">
-                <a:latin typeface="+mj-lt"/>
-                <a:ea typeface="+mj-ea"/>
-                <a:cs typeface="+mj-cs"/>
-              </a:rPr>
-              <a:t>remote_name</a:t>
-            </a:r>
-            <a:r>
-              <a:rPr lang="en-US" spc="-50" dirty="0">
-                <a:latin typeface="+mj-lt"/>
-                <a:ea typeface="+mj-ea"/>
-                <a:cs typeface="+mj-cs"/>
-              </a:rPr>
-              <a:t>&gt;.</a:t>
-            </a:r>
           </a:p>
         </p:txBody>
       </p:sp>
@@ -4642,26 +4905,22 @@
           <a:lstStyle/>
           <a:p>
             <a:r>
-              <a:rPr lang="en-US" sz="3200" b="1" dirty="0">
-                <a:solidFill>
-                  <a:schemeClr val="tx1"/>
-                </a:solidFill>
-              </a:rPr>
-              <a:t>Working software </a:t>
-            </a:r>
-            <a:r>
-              <a:rPr lang="en-US" sz="3200" dirty="0">
-                <a:solidFill>
-                  <a:schemeClr val="tx1"/>
-                </a:solidFill>
-              </a:rPr>
-              <a:t>over comprehensive documentation </a:t>
-            </a:r>
-            <a:r>
-              <a:rPr lang="en-US" dirty="0" smtClean="0"/>
-              <a:t>	</a:t>
-            </a:r>
-            <a:endParaRPr lang="en-US" dirty="0"/>
+              <a:rPr lang="en-US" sz="3200" dirty="0"/>
+              <a:t>Configuration &amp; set up: </a:t>
+            </a:r>
+            <a:r>
+              <a:rPr lang="en-US" sz="3200" b="1" dirty="0" err="1"/>
+              <a:t>git</a:t>
+            </a:r>
+            <a:r>
+              <a:rPr lang="en-US" sz="3200" b="1" dirty="0"/>
+              <a:t> </a:t>
+            </a:r>
+            <a:r>
+              <a:rPr lang="en-US" sz="3200" b="1" dirty="0" err="1"/>
+              <a:t>config</a:t>
+            </a:r>
+            <a:endParaRPr lang="en-US" sz="3200" b="1" dirty="0"/>
           </a:p>
         </p:txBody>
       </p:sp>
@@ -4684,119 +4943,237 @@
           <a:p>
             <a:pPr lvl="1"/>
             <a:r>
-              <a:rPr lang="en-US" dirty="0" smtClean="0">
-                <a:solidFill>
-                  <a:schemeClr val="tx1"/>
-                </a:solidFill>
-              </a:rPr>
-              <a:t>Huge software documents take a great deal of time to produce and </a:t>
-            </a:r>
-            <a:r>
-              <a:rPr lang="en-US" b="1" dirty="0" smtClean="0">
-                <a:solidFill>
-                  <a:srgbClr val="FF0000"/>
-                </a:solidFill>
-              </a:rPr>
-              <a:t>even more time to keep in sync with the code.</a:t>
-            </a:r>
-          </a:p>
-          <a:p>
-            <a:pPr lvl="1"/>
-            <a:r>
-              <a:rPr lang="en-US" dirty="0" smtClean="0">
-                <a:solidFill>
-                  <a:schemeClr val="tx1"/>
-                </a:solidFill>
-              </a:rPr>
-              <a:t>Documents need to be </a:t>
-            </a:r>
-            <a:r>
-              <a:rPr lang="en-US" b="1" dirty="0" smtClean="0">
-                <a:solidFill>
-                  <a:schemeClr val="tx1"/>
-                </a:solidFill>
-              </a:rPr>
-              <a:t>short</a:t>
-            </a:r>
-            <a:r>
-              <a:rPr lang="en-US" dirty="0" smtClean="0">
-                <a:solidFill>
-                  <a:schemeClr val="tx1"/>
-                </a:solidFill>
-              </a:rPr>
-              <a:t> and </a:t>
-            </a:r>
-            <a:r>
-              <a:rPr lang="en-US" dirty="0">
-                <a:solidFill>
-                  <a:schemeClr val="tx1"/>
-                </a:solidFill>
-              </a:rPr>
-              <a:t>pursuit.</a:t>
-            </a:r>
-            <a:endParaRPr lang="en-US" dirty="0" smtClean="0">
+              <a:rPr lang="en-US" spc="-50" dirty="0">
+                <a:latin typeface="+mj-lt"/>
+                <a:ea typeface="+mj-ea"/>
+                <a:cs typeface="+mj-cs"/>
+              </a:rPr>
+              <a:t>Define the author name to be used for all commits in the current repository. Typically, you’ll want to use the --global flag to set configuration options for the current user</a:t>
+            </a:r>
+            <a:r>
+              <a:rPr lang="en-US" spc="-50" dirty="0" smtClean="0">
+                <a:latin typeface="+mj-lt"/>
+                <a:ea typeface="+mj-ea"/>
+                <a:cs typeface="+mj-cs"/>
+              </a:rPr>
+              <a:t>.</a:t>
+            </a:r>
+          </a:p>
+          <a:p>
+            <a:pPr lvl="1"/>
+            <a:endParaRPr lang="en-US" spc="-50" dirty="0">
+              <a:latin typeface="+mj-lt"/>
+              <a:ea typeface="+mj-ea"/>
+              <a:cs typeface="+mj-cs"/>
+            </a:endParaRPr>
+          </a:p>
+          <a:p>
+            <a:pPr lvl="1"/>
+            <a:r>
+              <a:rPr lang="en-US" sz="2000" spc="-50" dirty="0" err="1">
+                <a:solidFill>
+                  <a:schemeClr val="accent2">
+                    <a:lumMod val="75000"/>
+                  </a:schemeClr>
+                </a:solidFill>
+                <a:latin typeface="Consolas" panose="020B0609020204030204" pitchFamily="49" charset="0"/>
+                <a:cs typeface="Consolas" panose="020B0609020204030204" pitchFamily="49" charset="0"/>
+              </a:rPr>
+              <a:t>git</a:t>
+            </a:r>
+            <a:r>
+              <a:rPr lang="en-US" sz="2000" spc="-50" dirty="0">
+                <a:solidFill>
+                  <a:schemeClr val="accent2">
+                    <a:lumMod val="75000"/>
+                  </a:schemeClr>
+                </a:solidFill>
+                <a:latin typeface="Consolas" panose="020B0609020204030204" pitchFamily="49" charset="0"/>
+                <a:cs typeface="Consolas" panose="020B0609020204030204" pitchFamily="49" charset="0"/>
+              </a:rPr>
+              <a:t> </a:t>
+            </a:r>
+            <a:r>
+              <a:rPr lang="en-US" sz="2000" spc="-50" dirty="0" err="1">
+                <a:solidFill>
+                  <a:schemeClr val="accent2">
+                    <a:lumMod val="75000"/>
+                  </a:schemeClr>
+                </a:solidFill>
+                <a:latin typeface="Consolas" panose="020B0609020204030204" pitchFamily="49" charset="0"/>
+                <a:cs typeface="Consolas" panose="020B0609020204030204" pitchFamily="49" charset="0"/>
+              </a:rPr>
+              <a:t>config</a:t>
+            </a:r>
+            <a:r>
+              <a:rPr lang="en-US" sz="2000" spc="-50" dirty="0">
+                <a:solidFill>
+                  <a:schemeClr val="accent2">
+                    <a:lumMod val="75000"/>
+                  </a:schemeClr>
+                </a:solidFill>
+                <a:latin typeface="Consolas" panose="020B0609020204030204" pitchFamily="49" charset="0"/>
+                <a:cs typeface="Consolas" panose="020B0609020204030204" pitchFamily="49" charset="0"/>
+              </a:rPr>
+              <a:t> --global user.name &lt;name</a:t>
+            </a:r>
+            <a:r>
+              <a:rPr lang="en-US" sz="2000" spc="-50" dirty="0" smtClean="0">
+                <a:solidFill>
+                  <a:schemeClr val="accent2">
+                    <a:lumMod val="75000"/>
+                  </a:schemeClr>
+                </a:solidFill>
+                <a:latin typeface="Consolas" panose="020B0609020204030204" pitchFamily="49" charset="0"/>
+                <a:cs typeface="Consolas" panose="020B0609020204030204" pitchFamily="49" charset="0"/>
+              </a:rPr>
+              <a:t>&gt;</a:t>
+            </a:r>
+          </a:p>
+          <a:p>
+            <a:pPr lvl="1"/>
+            <a:endParaRPr lang="en-US" sz="2000" spc="-50" dirty="0">
               <a:solidFill>
-                <a:schemeClr val="tx1"/>
+                <a:schemeClr val="accent2">
+                  <a:lumMod val="75000"/>
+                </a:schemeClr>
               </a:solidFill>
+              <a:latin typeface="Consolas" panose="020B0609020204030204" pitchFamily="49" charset="0"/>
+              <a:cs typeface="Consolas" panose="020B0609020204030204" pitchFamily="49" charset="0"/>
             </a:endParaRPr>
           </a:p>
           <a:p>
             <a:pPr lvl="1"/>
             <a:r>
-              <a:rPr lang="en-US" b="1" dirty="0" smtClean="0">
-                <a:solidFill>
-                  <a:schemeClr val="tx1"/>
-                </a:solidFill>
-              </a:rPr>
-              <a:t>By “salient”, I mean it should discus the overall design rational and structure document</a:t>
-            </a:r>
-            <a:r>
-              <a:rPr lang="en-US" dirty="0" smtClean="0">
-                <a:solidFill>
-                  <a:schemeClr val="tx1"/>
-                </a:solidFill>
+              <a:rPr lang="en-US" spc="-50" dirty="0">
+                <a:latin typeface="+mj-lt"/>
+                <a:ea typeface="+mj-ea"/>
+                <a:cs typeface="+mj-cs"/>
+              </a:rPr>
+              <a:t>Adding the --local option or not passing a </a:t>
+            </a:r>
+            <a:r>
+              <a:rPr lang="en-US" spc="-50" dirty="0" err="1">
+                <a:latin typeface="+mj-lt"/>
+                <a:ea typeface="+mj-ea"/>
+                <a:cs typeface="+mj-cs"/>
+              </a:rPr>
+              <a:t>config</a:t>
+            </a:r>
+            <a:r>
+              <a:rPr lang="en-US" spc="-50" dirty="0">
+                <a:latin typeface="+mj-lt"/>
+                <a:ea typeface="+mj-ea"/>
+                <a:cs typeface="+mj-cs"/>
+              </a:rPr>
+              <a:t> level option at all, will set the user.name for the current local </a:t>
+            </a:r>
+            <a:r>
+              <a:rPr lang="en-US" spc="-50">
+                <a:latin typeface="+mj-lt"/>
+                <a:ea typeface="+mj-ea"/>
+                <a:cs typeface="+mj-cs"/>
+              </a:rPr>
+              <a:t>repository</a:t>
+            </a:r>
+            <a:r>
+              <a:rPr lang="en-US" spc="-50" smtClean="0">
+                <a:latin typeface="+mj-lt"/>
+                <a:ea typeface="+mj-ea"/>
+                <a:cs typeface="+mj-cs"/>
               </a:rPr>
               <a:t>.</a:t>
             </a:r>
           </a:p>
           <a:p>
             <a:pPr lvl="1"/>
-            <a:endParaRPr lang="en-US" dirty="0">
-              <a:solidFill>
-                <a:schemeClr val="tx1"/>
-              </a:solidFill>
+            <a:endParaRPr lang="en-US" spc="-50" dirty="0" smtClean="0">
+              <a:latin typeface="+mj-lt"/>
+              <a:ea typeface="+mj-ea"/>
+              <a:cs typeface="+mj-cs"/>
             </a:endParaRPr>
           </a:p>
           <a:p>
             <a:pPr lvl="1"/>
             <a:r>
-              <a:rPr lang="en-US" dirty="0" smtClean="0">
-                <a:solidFill>
-                  <a:schemeClr val="tx1"/>
-                </a:solidFill>
-              </a:rPr>
-              <a:t>If all we have is a short rational and structure document, </a:t>
-            </a:r>
-            <a:r>
-              <a:rPr lang="en-US" sz="3200" b="1" dirty="0" smtClean="0">
-                <a:solidFill>
-                  <a:srgbClr val="FF0000"/>
-                </a:solidFill>
-              </a:rPr>
-              <a:t>how do we train new team members to work on the system?</a:t>
-            </a:r>
-            <a:endParaRPr lang="en-US" b="1" dirty="0" smtClean="0">
-              <a:solidFill>
-                <a:srgbClr val="FF0000"/>
-              </a:solidFill>
-            </a:endParaRPr>
-          </a:p>
-          <a:p>
-            <a:pPr lvl="1"/>
-            <a:endParaRPr lang="en-US" dirty="0" smtClean="0">
-              <a:solidFill>
-                <a:schemeClr val="tx1"/>
-              </a:solidFill>
+              <a:rPr lang="en-US" sz="2000" spc="-50" dirty="0" err="1">
+                <a:solidFill>
+                  <a:schemeClr val="accent2">
+                    <a:lumMod val="75000"/>
+                  </a:schemeClr>
+                </a:solidFill>
+                <a:latin typeface="Consolas" panose="020B0609020204030204" pitchFamily="49" charset="0"/>
+                <a:cs typeface="Consolas" panose="020B0609020204030204" pitchFamily="49" charset="0"/>
+              </a:rPr>
+              <a:t>git</a:t>
+            </a:r>
+            <a:r>
+              <a:rPr lang="en-US" sz="2000" spc="-50" dirty="0">
+                <a:solidFill>
+                  <a:schemeClr val="accent2">
+                    <a:lumMod val="75000"/>
+                  </a:schemeClr>
+                </a:solidFill>
+                <a:latin typeface="Consolas" panose="020B0609020204030204" pitchFamily="49" charset="0"/>
+                <a:cs typeface="Consolas" panose="020B0609020204030204" pitchFamily="49" charset="0"/>
+              </a:rPr>
+              <a:t> </a:t>
+            </a:r>
+            <a:r>
+              <a:rPr lang="en-US" sz="2000" spc="-50" dirty="0" err="1">
+                <a:solidFill>
+                  <a:schemeClr val="accent2">
+                    <a:lumMod val="75000"/>
+                  </a:schemeClr>
+                </a:solidFill>
+                <a:latin typeface="Consolas" panose="020B0609020204030204" pitchFamily="49" charset="0"/>
+                <a:cs typeface="Consolas" panose="020B0609020204030204" pitchFamily="49" charset="0"/>
+              </a:rPr>
+              <a:t>config</a:t>
+            </a:r>
+            <a:r>
+              <a:rPr lang="en-US" sz="2000" spc="-50" dirty="0">
+                <a:solidFill>
+                  <a:schemeClr val="accent2">
+                    <a:lumMod val="75000"/>
+                  </a:schemeClr>
+                </a:solidFill>
+                <a:latin typeface="Consolas" panose="020B0609020204030204" pitchFamily="49" charset="0"/>
+                <a:cs typeface="Consolas" panose="020B0609020204030204" pitchFamily="49" charset="0"/>
+              </a:rPr>
+              <a:t> --local </a:t>
+            </a:r>
+            <a:r>
+              <a:rPr lang="en-US" sz="2000" spc="-50" dirty="0" err="1">
+                <a:solidFill>
+                  <a:schemeClr val="accent2">
+                    <a:lumMod val="75000"/>
+                  </a:schemeClr>
+                </a:solidFill>
+                <a:latin typeface="Consolas" panose="020B0609020204030204" pitchFamily="49" charset="0"/>
+                <a:cs typeface="Consolas" panose="020B0609020204030204" pitchFamily="49" charset="0"/>
+              </a:rPr>
+              <a:t>user.email</a:t>
+            </a:r>
+            <a:r>
+              <a:rPr lang="en-US" sz="2000" spc="-50" dirty="0">
+                <a:solidFill>
+                  <a:schemeClr val="accent2">
+                    <a:lumMod val="75000"/>
+                  </a:schemeClr>
+                </a:solidFill>
+                <a:latin typeface="Consolas" panose="020B0609020204030204" pitchFamily="49" charset="0"/>
+                <a:cs typeface="Consolas" panose="020B0609020204030204" pitchFamily="49" charset="0"/>
+              </a:rPr>
+              <a:t> &lt;email&gt;</a:t>
+            </a:r>
+          </a:p>
+          <a:p>
+            <a:pPr lvl="1"/>
+            <a:endParaRPr lang="en-US" spc="-50" dirty="0">
+              <a:latin typeface="+mj-lt"/>
+              <a:ea typeface="+mj-ea"/>
+              <a:cs typeface="+mj-cs"/>
             </a:endParaRPr>
           </a:p>
         </p:txBody>
@@ -4804,7 +5181,7 @@
     </p:spTree>
     <p:extLst>
       <p:ext uri="{BB962C8B-B14F-4D97-AF65-F5344CB8AC3E}">
-        <p14:creationId xmlns:p14="http://schemas.microsoft.com/office/powerpoint/2010/main" val="2182063341"/>
+        <p14:creationId xmlns:p14="http://schemas.microsoft.com/office/powerpoint/2010/main" val="2213880816"/>
       </p:ext>
     </p:extLst>
   </p:cSld>
@@ -4854,22 +5231,22 @@
           <a:lstStyle/>
           <a:p>
             <a:r>
-              <a:rPr lang="en-US" sz="3200" dirty="0">
-                <a:solidFill>
-                  <a:schemeClr val="tx1"/>
-                </a:solidFill>
-              </a:rPr>
-              <a:t>how do we train new team members to work on the system</a:t>
-            </a:r>
-            <a:r>
-              <a:rPr lang="en-US" sz="3200" dirty="0" smtClean="0">
-                <a:solidFill>
-                  <a:schemeClr val="tx1"/>
-                </a:solidFill>
-              </a:rPr>
-              <a:t>?</a:t>
-            </a:r>
-            <a:endParaRPr lang="en-US" dirty="0"/>
+              <a:rPr lang="en-US" sz="3200" dirty="0"/>
+              <a:t>Configuration &amp; set up: </a:t>
+            </a:r>
+            <a:r>
+              <a:rPr lang="en-US" sz="3200" b="1" dirty="0" err="1"/>
+              <a:t>git</a:t>
+            </a:r>
+            <a:r>
+              <a:rPr lang="en-US" sz="3200" b="1" dirty="0"/>
+              <a:t> </a:t>
+            </a:r>
+            <a:r>
+              <a:rPr lang="en-US" sz="3200" b="1" dirty="0" err="1"/>
+              <a:t>config</a:t>
+            </a:r>
+            <a:endParaRPr lang="en-US" sz="3200" b="1" dirty="0"/>
           </a:p>
         </p:txBody>
       </p:sp>
@@ -4885,137 +5262,383 @@
         </p:nvSpPr>
         <p:spPr/>
         <p:txBody>
-          <a:bodyPr/>
+          <a:bodyPr>
+            <a:normAutofit/>
+          </a:bodyPr>
           <a:lstStyle/>
           <a:p>
             <a:pPr lvl="1"/>
             <a:r>
-              <a:rPr lang="en-US" dirty="0" smtClean="0">
-                <a:solidFill>
-                  <a:schemeClr val="tx1"/>
-                </a:solidFill>
-              </a:rPr>
-              <a:t>The </a:t>
-            </a:r>
-            <a:r>
-              <a:rPr lang="en-US" b="1" dirty="0" smtClean="0">
-                <a:solidFill>
-                  <a:schemeClr val="tx1"/>
-                </a:solidFill>
-              </a:rPr>
-              <a:t>two documents that are the best at transferring information </a:t>
-            </a:r>
-            <a:r>
-              <a:rPr lang="en-US" dirty="0" smtClean="0">
-                <a:solidFill>
-                  <a:schemeClr val="tx1"/>
-                </a:solidFill>
-              </a:rPr>
-              <a:t>to the new team member are the </a:t>
-            </a:r>
-            <a:r>
-              <a:rPr lang="en-US" sz="2000" b="1" dirty="0" smtClean="0">
-                <a:solidFill>
-                  <a:srgbClr val="FF0000"/>
-                </a:solidFill>
-              </a:rPr>
-              <a:t>code</a:t>
-            </a:r>
-            <a:r>
-              <a:rPr lang="en-US" dirty="0" smtClean="0">
-                <a:solidFill>
-                  <a:schemeClr val="tx1"/>
-                </a:solidFill>
-              </a:rPr>
-              <a:t> an the </a:t>
-            </a:r>
-            <a:r>
-              <a:rPr lang="en-US" sz="2000" b="1" dirty="0" smtClean="0">
-                <a:solidFill>
-                  <a:srgbClr val="FF0000"/>
-                </a:solidFill>
-              </a:rPr>
-              <a:t>team</a:t>
-            </a:r>
-            <a:r>
-              <a:rPr lang="en-US" dirty="0" smtClean="0">
-                <a:solidFill>
-                  <a:schemeClr val="tx1"/>
-                </a:solidFill>
+              <a:rPr lang="en-US" spc="-50" dirty="0">
+                <a:latin typeface="+mj-lt"/>
+                <a:ea typeface="+mj-ea"/>
+                <a:cs typeface="+mj-cs"/>
+              </a:rPr>
+              <a:t>Once you have a remote repo setup, you will need to add a remote repo </a:t>
+            </a:r>
+            <a:r>
+              <a:rPr lang="en-US" spc="-50" dirty="0" err="1">
+                <a:latin typeface="+mj-lt"/>
+                <a:ea typeface="+mj-ea"/>
+                <a:cs typeface="+mj-cs"/>
+              </a:rPr>
+              <a:t>url</a:t>
+            </a:r>
+            <a:r>
+              <a:rPr lang="en-US" spc="-50" dirty="0">
+                <a:latin typeface="+mj-lt"/>
+                <a:ea typeface="+mj-ea"/>
+                <a:cs typeface="+mj-cs"/>
+              </a:rPr>
+              <a:t> to your local </a:t>
+            </a:r>
+            <a:r>
+              <a:rPr lang="en-US" spc="-50" dirty="0" err="1">
+                <a:latin typeface="+mj-lt"/>
+                <a:ea typeface="+mj-ea"/>
+                <a:cs typeface="+mj-cs"/>
+              </a:rPr>
+              <a:t>git</a:t>
+            </a:r>
+            <a:r>
+              <a:rPr lang="en-US" spc="-50" dirty="0">
+                <a:latin typeface="+mj-lt"/>
+                <a:ea typeface="+mj-ea"/>
+                <a:cs typeface="+mj-cs"/>
+              </a:rPr>
+              <a:t> </a:t>
+            </a:r>
+            <a:r>
+              <a:rPr lang="en-US" spc="-50" dirty="0" err="1">
+                <a:latin typeface="+mj-lt"/>
+                <a:ea typeface="+mj-ea"/>
+                <a:cs typeface="+mj-cs"/>
+              </a:rPr>
+              <a:t>config</a:t>
+            </a:r>
+            <a:r>
+              <a:rPr lang="en-US" spc="-50" dirty="0">
+                <a:latin typeface="+mj-lt"/>
+                <a:ea typeface="+mj-ea"/>
+                <a:cs typeface="+mj-cs"/>
+              </a:rPr>
+              <a:t>, and set an upstream branch for your local branches. The </a:t>
+            </a:r>
+            <a:r>
+              <a:rPr lang="en-US" spc="-50" dirty="0" err="1">
+                <a:latin typeface="+mj-lt"/>
+                <a:ea typeface="+mj-ea"/>
+                <a:cs typeface="+mj-cs"/>
+              </a:rPr>
+              <a:t>git</a:t>
+            </a:r>
+            <a:r>
+              <a:rPr lang="en-US" spc="-50" dirty="0">
+                <a:latin typeface="+mj-lt"/>
+                <a:ea typeface="+mj-ea"/>
+                <a:cs typeface="+mj-cs"/>
+              </a:rPr>
+              <a:t> remote command offers such utility</a:t>
+            </a:r>
+            <a:r>
+              <a:rPr lang="en-US" spc="-50" dirty="0" smtClean="0">
+                <a:latin typeface="+mj-lt"/>
+                <a:ea typeface="+mj-ea"/>
+                <a:cs typeface="+mj-cs"/>
               </a:rPr>
               <a:t>.</a:t>
             </a:r>
           </a:p>
           <a:p>
             <a:pPr lvl="1"/>
-            <a:endParaRPr lang="en-US" dirty="0" smtClean="0">
+            <a:endParaRPr lang="en-US" spc="-50" dirty="0">
+              <a:latin typeface="+mj-lt"/>
+              <a:ea typeface="+mj-ea"/>
+              <a:cs typeface="+mj-cs"/>
+            </a:endParaRPr>
+          </a:p>
+          <a:p>
+            <a:pPr lvl="1"/>
+            <a:r>
+              <a:rPr lang="en-US" sz="2000" spc="-50" dirty="0" err="1">
+                <a:solidFill>
+                  <a:schemeClr val="accent2">
+                    <a:lumMod val="75000"/>
+                  </a:schemeClr>
+                </a:solidFill>
+                <a:latin typeface="Consolas" panose="020B0609020204030204" pitchFamily="49" charset="0"/>
+                <a:cs typeface="Consolas" panose="020B0609020204030204" pitchFamily="49" charset="0"/>
+              </a:rPr>
+              <a:t>git</a:t>
+            </a:r>
+            <a:r>
+              <a:rPr lang="en-US" sz="2000" spc="-50" dirty="0">
+                <a:solidFill>
+                  <a:schemeClr val="accent2">
+                    <a:lumMod val="75000"/>
+                  </a:schemeClr>
+                </a:solidFill>
+                <a:latin typeface="Consolas" panose="020B0609020204030204" pitchFamily="49" charset="0"/>
+                <a:cs typeface="Consolas" panose="020B0609020204030204" pitchFamily="49" charset="0"/>
+              </a:rPr>
+              <a:t> remote add &lt;</a:t>
+            </a:r>
+            <a:r>
+              <a:rPr lang="en-US" sz="2000" spc="-50" dirty="0" err="1">
+                <a:solidFill>
+                  <a:schemeClr val="accent2">
+                    <a:lumMod val="75000"/>
+                  </a:schemeClr>
+                </a:solidFill>
+                <a:latin typeface="Consolas" panose="020B0609020204030204" pitchFamily="49" charset="0"/>
+                <a:cs typeface="Consolas" panose="020B0609020204030204" pitchFamily="49" charset="0"/>
+              </a:rPr>
+              <a:t>remote_name</a:t>
+            </a:r>
+            <a:r>
+              <a:rPr lang="en-US" sz="2000" spc="-50" dirty="0">
+                <a:solidFill>
+                  <a:schemeClr val="accent2">
+                    <a:lumMod val="75000"/>
+                  </a:schemeClr>
+                </a:solidFill>
+                <a:latin typeface="Consolas" panose="020B0609020204030204" pitchFamily="49" charset="0"/>
+                <a:cs typeface="Consolas" panose="020B0609020204030204" pitchFamily="49" charset="0"/>
+              </a:rPr>
+              <a:t>&gt; &lt;</a:t>
+            </a:r>
+            <a:r>
+              <a:rPr lang="en-US" sz="2000" spc="-50" dirty="0" err="1">
+                <a:solidFill>
+                  <a:schemeClr val="accent2">
+                    <a:lumMod val="75000"/>
+                  </a:schemeClr>
+                </a:solidFill>
+                <a:latin typeface="Consolas" panose="020B0609020204030204" pitchFamily="49" charset="0"/>
+                <a:cs typeface="Consolas" panose="020B0609020204030204" pitchFamily="49" charset="0"/>
+              </a:rPr>
+              <a:t>remote_repo_url</a:t>
+            </a:r>
+            <a:r>
+              <a:rPr lang="en-US" sz="2000" spc="-50" dirty="0" smtClean="0">
+                <a:solidFill>
+                  <a:schemeClr val="accent2">
+                    <a:lumMod val="75000"/>
+                  </a:schemeClr>
+                </a:solidFill>
+                <a:latin typeface="Consolas" panose="020B0609020204030204" pitchFamily="49" charset="0"/>
+                <a:cs typeface="Consolas" panose="020B0609020204030204" pitchFamily="49" charset="0"/>
+              </a:rPr>
+              <a:t>&gt;</a:t>
+            </a:r>
+          </a:p>
+          <a:p>
+            <a:pPr lvl="1"/>
+            <a:endParaRPr lang="en-US" sz="2000" spc="-50" dirty="0">
               <a:solidFill>
-                <a:schemeClr val="tx1"/>
+                <a:schemeClr val="accent2">
+                  <a:lumMod val="75000"/>
+                </a:schemeClr>
               </a:solidFill>
+              <a:latin typeface="Consolas" panose="020B0609020204030204" pitchFamily="49" charset="0"/>
+              <a:cs typeface="Consolas" panose="020B0609020204030204" pitchFamily="49" charset="0"/>
             </a:endParaRPr>
           </a:p>
           <a:p>
             <a:pPr lvl="1"/>
             <a:r>
-              <a:rPr lang="en-US" dirty="0" smtClean="0">
-                <a:solidFill>
-                  <a:schemeClr val="tx1"/>
-                </a:solidFill>
-              </a:rPr>
-              <a:t>There is </a:t>
-            </a:r>
-            <a:r>
-              <a:rPr lang="en-US" b="1" dirty="0" smtClean="0">
-                <a:solidFill>
-                  <a:schemeClr val="tx1"/>
-                </a:solidFill>
-              </a:rPr>
-              <a:t>no faster </a:t>
-            </a:r>
-            <a:r>
-              <a:rPr lang="en-US" dirty="0" smtClean="0">
-                <a:solidFill>
-                  <a:schemeClr val="tx1"/>
-                </a:solidFill>
-              </a:rPr>
-              <a:t>and </a:t>
-            </a:r>
-            <a:r>
-              <a:rPr lang="en-US" b="1" dirty="0" smtClean="0">
-                <a:solidFill>
-                  <a:schemeClr val="tx1"/>
-                </a:solidFill>
-              </a:rPr>
-              <a:t>more efficient </a:t>
-            </a:r>
-            <a:r>
-              <a:rPr lang="en-US" dirty="0" smtClean="0">
-                <a:solidFill>
-                  <a:schemeClr val="tx1"/>
-                </a:solidFill>
-              </a:rPr>
-              <a:t>way to transfer that information to others than </a:t>
-            </a:r>
-            <a:r>
-              <a:rPr lang="en-US" sz="4800" b="1" dirty="0" smtClean="0">
-                <a:solidFill>
-                  <a:srgbClr val="FF0000"/>
-                </a:solidFill>
-              </a:rPr>
-              <a:t>human-to-human interaction.</a:t>
-            </a:r>
-            <a:endParaRPr lang="en-US" b="1" dirty="0">
+              <a:rPr lang="en-US" spc="-50" dirty="0">
+                <a:latin typeface="+mj-lt"/>
+                <a:ea typeface="+mj-ea"/>
+                <a:cs typeface="+mj-cs"/>
+              </a:rPr>
+              <a:t>This command will map remote repository at &lt;</a:t>
+            </a:r>
+            <a:r>
+              <a:rPr lang="en-US" spc="-50" dirty="0" err="1">
+                <a:latin typeface="+mj-lt"/>
+                <a:ea typeface="+mj-ea"/>
+                <a:cs typeface="+mj-cs"/>
+              </a:rPr>
+              <a:t>remote_repo_url</a:t>
+            </a:r>
+            <a:r>
+              <a:rPr lang="en-US" spc="-50" dirty="0">
+                <a:latin typeface="+mj-lt"/>
+                <a:ea typeface="+mj-ea"/>
+                <a:cs typeface="+mj-cs"/>
+              </a:rPr>
+              <a:t>&gt; to a ref in your local repo under &lt;</a:t>
+            </a:r>
+            <a:r>
+              <a:rPr lang="en-US" spc="-50" dirty="0" err="1">
+                <a:latin typeface="+mj-lt"/>
+                <a:ea typeface="+mj-ea"/>
+                <a:cs typeface="+mj-cs"/>
+              </a:rPr>
+              <a:t>remote_name</a:t>
+            </a:r>
+            <a:r>
+              <a:rPr lang="en-US" spc="-50" dirty="0">
+                <a:latin typeface="+mj-lt"/>
+                <a:ea typeface="+mj-ea"/>
+                <a:cs typeface="+mj-cs"/>
+              </a:rPr>
+              <a:t>&gt;. Once you have mapped the remote repo you can push local branches to it</a:t>
+            </a:r>
+            <a:r>
+              <a:rPr lang="en-US" spc="-50" dirty="0" smtClean="0">
+                <a:latin typeface="+mj-lt"/>
+                <a:ea typeface="+mj-ea"/>
+                <a:cs typeface="+mj-cs"/>
+              </a:rPr>
+              <a:t>.</a:t>
+            </a:r>
+          </a:p>
+          <a:p>
+            <a:pPr lvl="1"/>
+            <a:endParaRPr lang="en-US" spc="-50" dirty="0">
+              <a:latin typeface="+mj-lt"/>
+              <a:ea typeface="+mj-ea"/>
+              <a:cs typeface="+mj-cs"/>
+            </a:endParaRPr>
+          </a:p>
+          <a:p>
+            <a:pPr lvl="1"/>
+            <a:r>
+              <a:rPr lang="en-US" sz="2000" spc="-50" dirty="0" err="1">
+                <a:solidFill>
+                  <a:schemeClr val="accent2">
+                    <a:lumMod val="75000"/>
+                  </a:schemeClr>
+                </a:solidFill>
+                <a:latin typeface="Consolas" panose="020B0609020204030204" pitchFamily="49" charset="0"/>
+                <a:cs typeface="Consolas" panose="020B0609020204030204" pitchFamily="49" charset="0"/>
+              </a:rPr>
+              <a:t>git</a:t>
+            </a:r>
+            <a:r>
+              <a:rPr lang="en-US" sz="2000" spc="-50" dirty="0">
+                <a:solidFill>
+                  <a:schemeClr val="accent2">
+                    <a:lumMod val="75000"/>
+                  </a:schemeClr>
+                </a:solidFill>
+                <a:latin typeface="Consolas" panose="020B0609020204030204" pitchFamily="49" charset="0"/>
+                <a:cs typeface="Consolas" panose="020B0609020204030204" pitchFamily="49" charset="0"/>
+              </a:rPr>
+              <a:t> push -u &lt;</a:t>
+            </a:r>
+            <a:r>
+              <a:rPr lang="en-US" sz="2000" spc="-50" dirty="0" err="1">
+                <a:solidFill>
+                  <a:schemeClr val="accent2">
+                    <a:lumMod val="75000"/>
+                  </a:schemeClr>
+                </a:solidFill>
+                <a:latin typeface="Consolas" panose="020B0609020204030204" pitchFamily="49" charset="0"/>
+                <a:cs typeface="Consolas" panose="020B0609020204030204" pitchFamily="49" charset="0"/>
+              </a:rPr>
+              <a:t>remote_name</a:t>
+            </a:r>
+            <a:r>
+              <a:rPr lang="en-US" sz="2000" spc="-50" dirty="0">
+                <a:solidFill>
+                  <a:schemeClr val="accent2">
+                    <a:lumMod val="75000"/>
+                  </a:schemeClr>
+                </a:solidFill>
+                <a:latin typeface="Consolas" panose="020B0609020204030204" pitchFamily="49" charset="0"/>
+                <a:cs typeface="Consolas" panose="020B0609020204030204" pitchFamily="49" charset="0"/>
+              </a:rPr>
+              <a:t>&gt; &lt;</a:t>
+            </a:r>
+            <a:r>
+              <a:rPr lang="en-US" sz="2000" spc="-50" dirty="0" err="1">
+                <a:solidFill>
+                  <a:schemeClr val="accent2">
+                    <a:lumMod val="75000"/>
+                  </a:schemeClr>
+                </a:solidFill>
+                <a:latin typeface="Consolas" panose="020B0609020204030204" pitchFamily="49" charset="0"/>
+                <a:cs typeface="Consolas" panose="020B0609020204030204" pitchFamily="49" charset="0"/>
+              </a:rPr>
+              <a:t>local_branch_name</a:t>
+            </a:r>
+            <a:r>
+              <a:rPr lang="en-US" sz="2000" spc="-50" dirty="0" smtClean="0">
+                <a:solidFill>
+                  <a:schemeClr val="accent2">
+                    <a:lumMod val="75000"/>
+                  </a:schemeClr>
+                </a:solidFill>
+                <a:latin typeface="Consolas" panose="020B0609020204030204" pitchFamily="49" charset="0"/>
+                <a:cs typeface="Consolas" panose="020B0609020204030204" pitchFamily="49" charset="0"/>
+              </a:rPr>
+              <a:t>&gt;</a:t>
+            </a:r>
+          </a:p>
+          <a:p>
+            <a:pPr lvl="1"/>
+            <a:endParaRPr lang="en-US" sz="2000" spc="-50" dirty="0">
               <a:solidFill>
-                <a:srgbClr val="FF0000"/>
+                <a:schemeClr val="accent2">
+                  <a:lumMod val="75000"/>
+                </a:schemeClr>
               </a:solidFill>
+              <a:latin typeface="Consolas" panose="020B0609020204030204" pitchFamily="49" charset="0"/>
+              <a:cs typeface="Consolas" panose="020B0609020204030204" pitchFamily="49" charset="0"/>
             </a:endParaRPr>
+          </a:p>
+          <a:p>
+            <a:pPr lvl="1"/>
+            <a:r>
+              <a:rPr lang="en-US" spc="-50" dirty="0">
+                <a:latin typeface="+mj-lt"/>
+                <a:ea typeface="+mj-ea"/>
+                <a:cs typeface="+mj-cs"/>
+              </a:rPr>
+              <a:t>This command will push the local repo branch under &lt;</a:t>
+            </a:r>
+            <a:r>
+              <a:rPr lang="en-US" spc="-50" dirty="0" err="1">
+                <a:latin typeface="+mj-lt"/>
+                <a:ea typeface="+mj-ea"/>
+                <a:cs typeface="+mj-cs"/>
+              </a:rPr>
+              <a:t>local_branc_name</a:t>
+            </a:r>
+            <a:r>
+              <a:rPr lang="en-US" spc="-50" dirty="0">
+                <a:latin typeface="+mj-lt"/>
+                <a:ea typeface="+mj-ea"/>
+                <a:cs typeface="+mj-cs"/>
+              </a:rPr>
+              <a:t>&gt; to the remote repo at &lt;</a:t>
+            </a:r>
+            <a:r>
+              <a:rPr lang="en-US" spc="-50" dirty="0" err="1">
+                <a:latin typeface="+mj-lt"/>
+                <a:ea typeface="+mj-ea"/>
+                <a:cs typeface="+mj-cs"/>
+              </a:rPr>
+              <a:t>remote_name</a:t>
+            </a:r>
+            <a:r>
+              <a:rPr lang="en-US" spc="-50" dirty="0">
+                <a:latin typeface="+mj-lt"/>
+                <a:ea typeface="+mj-ea"/>
+                <a:cs typeface="+mj-cs"/>
+              </a:rPr>
+              <a:t>&gt;.</a:t>
+            </a:r>
           </a:p>
         </p:txBody>
       </p:sp>
     </p:spTree>
     <p:extLst>
       <p:ext uri="{BB962C8B-B14F-4D97-AF65-F5344CB8AC3E}">
-        <p14:creationId xmlns:p14="http://schemas.microsoft.com/office/powerpoint/2010/main" val="1858128029"/>
+        <p14:creationId xmlns:p14="http://schemas.microsoft.com/office/powerpoint/2010/main" val="204202877"/>
       </p:ext>
     </p:extLst>
   </p:cSld>
@@ -5065,12 +5688,24 @@
           <a:lstStyle/>
           <a:p>
             <a:r>
-              <a:rPr lang="en-US" sz="3200" dirty="0" smtClean="0">
-                <a:solidFill>
-                  <a:schemeClr val="tx1"/>
-                </a:solidFill>
-              </a:rPr>
-              <a:t>Martin’s first law of documentation</a:t>
+              <a:rPr lang="en-US" sz="3200" b="1" dirty="0">
+                <a:solidFill>
+                  <a:schemeClr val="tx1"/>
+                </a:solidFill>
+              </a:rPr>
+              <a:t>Working software </a:t>
+            </a:r>
+            <a:r>
+              <a:rPr lang="en-US" sz="3200" dirty="0">
+                <a:solidFill>
+                  <a:schemeClr val="tx1"/>
+                </a:solidFill>
+              </a:rPr>
+              <a:t>over comprehensive documentation </a:t>
+            </a:r>
+            <a:r>
+              <a:rPr lang="en-US" dirty="0" smtClean="0"/>
+              <a:t>	</a:t>
             </a:r>
             <a:endParaRPr lang="en-US" dirty="0"/>
           </a:p>
@@ -5095,31 +5730,140 @@
           <a:p>
             <a:pPr lvl="1"/>
             <a:r>
-              <a:rPr lang="en-US" sz="4400" b="1" dirty="0" smtClean="0">
+              <a:rPr lang="en-US" dirty="0" smtClean="0">
+                <a:solidFill>
+                  <a:schemeClr val="tx1"/>
+                </a:solidFill>
+              </a:rPr>
+              <a:t>Huge software documents take a great deal of time to produce and </a:t>
+            </a:r>
+            <a:r>
+              <a:rPr lang="en-US" b="1" dirty="0" smtClean="0">
                 <a:solidFill>
                   <a:srgbClr val="FF0000"/>
                 </a:solidFill>
               </a:rPr>
-              <a:t>Produce no document unless its need immediate and significant.</a:t>
-            </a:r>
-            <a:endParaRPr lang="en-US" sz="1600" b="1" dirty="0">
+              <a:t>even more time to keep in sync with the code.</a:t>
+            </a:r>
+          </a:p>
+          <a:p>
+            <a:pPr lvl="1"/>
+            <a:r>
+              <a:rPr lang="en-US" dirty="0" smtClean="0">
+                <a:solidFill>
+                  <a:schemeClr val="tx1"/>
+                </a:solidFill>
+              </a:rPr>
+              <a:t>Documents need to be </a:t>
+            </a:r>
+            <a:r>
+              <a:rPr lang="en-US" b="1" dirty="0" smtClean="0">
+                <a:solidFill>
+                  <a:schemeClr val="tx1"/>
+                </a:solidFill>
+              </a:rPr>
+              <a:t>short</a:t>
+            </a:r>
+            <a:r>
+              <a:rPr lang="en-US" dirty="0" smtClean="0">
+                <a:solidFill>
+                  <a:schemeClr val="tx1"/>
+                </a:solidFill>
+              </a:rPr>
+              <a:t> and </a:t>
+            </a:r>
+            <a:r>
+              <a:rPr lang="en-US" dirty="0">
+                <a:solidFill>
+                  <a:schemeClr val="tx1"/>
+                </a:solidFill>
+              </a:rPr>
+              <a:t>pursuit.</a:t>
+            </a:r>
+            <a:endParaRPr lang="en-US" dirty="0" smtClean="0">
+              <a:solidFill>
+                <a:schemeClr val="tx1"/>
+              </a:solidFill>
+            </a:endParaRPr>
+          </a:p>
+          <a:p>
+            <a:pPr lvl="1"/>
+            <a:r>
+              <a:rPr lang="en-US" b="1" dirty="0" smtClean="0">
+                <a:solidFill>
+                  <a:schemeClr val="tx1"/>
+                </a:solidFill>
+              </a:rPr>
+              <a:t>By “salient”, I mean it should discus the overall design rational and structure document</a:t>
+            </a:r>
+            <a:r>
+              <a:rPr lang="en-US" dirty="0" smtClean="0">
+                <a:solidFill>
+                  <a:schemeClr val="tx1"/>
+                </a:solidFill>
+              </a:rPr>
+              <a:t>.</a:t>
+            </a:r>
+          </a:p>
+          <a:p>
+            <a:pPr lvl="1"/>
+            <a:endParaRPr lang="en-US" dirty="0">
+              <a:solidFill>
+                <a:schemeClr val="tx1"/>
+              </a:solidFill>
+            </a:endParaRPr>
+          </a:p>
+          <a:p>
+            <a:pPr lvl="1"/>
+            <a:r>
+              <a:rPr lang="en-US" dirty="0" smtClean="0">
+                <a:solidFill>
+                  <a:schemeClr val="tx1"/>
+                </a:solidFill>
+              </a:rPr>
+              <a:t>If all we have is a short rational and structure document, </a:t>
+            </a:r>
+            <a:r>
+              <a:rPr lang="en-US" sz="3200" b="1" dirty="0" smtClean="0">
+                <a:solidFill>
+                  <a:srgbClr val="FF0000"/>
+                </a:solidFill>
+              </a:rPr>
+              <a:t>how do we train new team members to work on the system?</a:t>
+            </a:r>
+            <a:endParaRPr lang="en-US" b="1" dirty="0" smtClean="0">
               <a:solidFill>
                 <a:srgbClr val="FF0000"/>
               </a:solidFill>
             </a:endParaRPr>
           </a:p>
+          <a:p>
+            <a:pPr lvl="1"/>
+            <a:endParaRPr lang="en-US" dirty="0" smtClean="0">
+              <a:solidFill>
+                <a:schemeClr val="tx1"/>
+              </a:solidFill>
+            </a:endParaRPr>
+          </a:p>
         </p:txBody>
       </p:sp>
     </p:spTree>
     <p:extLst>
       <p:ext uri="{BB962C8B-B14F-4D97-AF65-F5344CB8AC3E}">
-        <p14:creationId xmlns:p14="http://schemas.microsoft.com/office/powerpoint/2010/main" val="1144780574"/>
+        <p14:creationId xmlns:p14="http://schemas.microsoft.com/office/powerpoint/2010/main" val="2182063341"/>
       </p:ext>
     </p:extLst>
   </p:cSld>
   <p:clrMapOvr>
     <a:masterClrMapping/>
   </p:clrMapOvr>
+  <p:timing>
+    <p:tnLst>
+      <p:par>
+        <p:cTn id="1" dur="indefinite" restart="never" nodeType="tmRoot"/>
+      </p:par>
+    </p:tnLst>
+  </p:timing>
 </p:sld>
 </file>
 
@@ -5156,12 +5900,12 @@
           <a:lstStyle/>
           <a:p>
             <a:r>
-              <a:rPr lang="en-US" sz="3200" b="1" dirty="0" smtClean="0">
-                <a:solidFill>
-                  <a:schemeClr val="tx1"/>
-                </a:solidFill>
-              </a:rPr>
-              <a:t>Customer collaboration </a:t>
+              <a:rPr lang="en-US" sz="3200" dirty="0">
+                <a:solidFill>
+                  <a:schemeClr val="tx1"/>
+                </a:solidFill>
+              </a:rPr>
+              <a:t>how do we train new team members to work on the system</a:t>
             </a:r>
             <a:r>
               <a:rPr lang="en-US" sz="3200" dirty="0" smtClean="0">
@@ -5169,7 +5913,7 @@
                   <a:schemeClr val="tx1"/>
                 </a:solidFill>
               </a:rPr>
-              <a:t>over contract negotiation</a:t>
+              <a:t>?</a:t>
             </a:r>
             <a:endParaRPr lang="en-US" dirty="0"/>
           </a:p>
@@ -5187,19 +5931,41 @@
         </p:nvSpPr>
         <p:spPr/>
         <p:txBody>
-          <a:bodyPr>
-            <a:normAutofit/>
-          </a:bodyPr>
+          <a:bodyPr/>
           <a:lstStyle/>
           <a:p>
             <a:pPr lvl="1"/>
             <a:r>
+              <a:rPr lang="en-US" dirty="0" smtClean="0">
+                <a:solidFill>
+                  <a:schemeClr val="tx1"/>
+                </a:solidFill>
+              </a:rPr>
+              <a:t>The </a:t>
+            </a:r>
+            <a:r>
               <a:rPr lang="en-US" b="1" dirty="0" smtClean="0">
                 <a:solidFill>
+                  <a:schemeClr val="tx1"/>
+                </a:solidFill>
+              </a:rPr>
+              <a:t>two documents that are the best at transferring information </a:t>
+            </a:r>
+            <a:r>
+              <a:rPr lang="en-US" dirty="0" smtClean="0">
+                <a:solidFill>
+                  <a:schemeClr val="tx1"/>
+                </a:solidFill>
+              </a:rPr>
+              <a:t>to the new team member are the </a:t>
+            </a:r>
+            <a:r>
+              <a:rPr lang="en-US" sz="2000" b="1" dirty="0" smtClean="0">
+                <a:solidFill>
                   <a:srgbClr val="FF0000"/>
                 </a:solidFill>
               </a:rPr>
-              <a:t>You cannot </a:t>
+              <a:t>code</a:t>
             </a:r>
             <a:r>
               <a:rPr lang="en-US" dirty="0" smtClean="0">
@@ -5207,15 +5973,15 @@
                   <a:schemeClr val="tx1"/>
                 </a:solidFill>
               </a:rPr>
-              <a:t>write a description of the software you want and then have someone develop it on a </a:t>
-            </a:r>
-            <a:r>
-              <a:rPr lang="en-US" b="1" dirty="0" smtClean="0">
+              <a:t> an the </a:t>
+            </a:r>
+            <a:r>
+              <a:rPr lang="en-US" sz="2000" b="1" dirty="0" smtClean="0">
                 <a:solidFill>
                   <a:srgbClr val="FF0000"/>
                 </a:solidFill>
               </a:rPr>
-              <a:t>fixed schedule</a:t>
+              <a:t>team</a:t>
             </a:r>
             <a:r>
               <a:rPr lang="en-US" dirty="0" smtClean="0">
@@ -5223,86 +5989,8 @@
                   <a:schemeClr val="tx1"/>
                 </a:solidFill>
               </a:rPr>
-              <a:t> for a </a:t>
-            </a:r>
-            <a:r>
-              <a:rPr lang="en-US" b="1" dirty="0" smtClean="0">
-                <a:solidFill>
-                  <a:srgbClr val="FF0000"/>
-                </a:solidFill>
-              </a:rPr>
-              <a:t>fixed price</a:t>
-            </a:r>
-            <a:r>
-              <a:rPr lang="en-US" dirty="0" smtClean="0">
-                <a:solidFill>
-                  <a:schemeClr val="tx1"/>
-                </a:solidFill>
-              </a:rPr>
               <a:t>.</a:t>
             </a:r>
-          </a:p>
-          <a:p>
-            <a:pPr lvl="1"/>
-            <a:r>
-              <a:rPr lang="en-US" b="1" dirty="0" smtClean="0">
-                <a:solidFill>
-                  <a:schemeClr val="tx1"/>
-                </a:solidFill>
-              </a:rPr>
-              <a:t>Successful projects </a:t>
-            </a:r>
-            <a:r>
-              <a:rPr lang="en-US" dirty="0" smtClean="0">
-                <a:solidFill>
-                  <a:schemeClr val="tx1"/>
-                </a:solidFill>
-              </a:rPr>
-              <a:t>involve </a:t>
-            </a:r>
-            <a:r>
-              <a:rPr lang="en-US" b="1" dirty="0" smtClean="0">
-                <a:solidFill>
-                  <a:schemeClr val="tx1"/>
-                </a:solidFill>
-              </a:rPr>
-              <a:t>customer feedback </a:t>
-            </a:r>
-            <a:r>
-              <a:rPr lang="en-US" dirty="0" smtClean="0">
-                <a:solidFill>
-                  <a:schemeClr val="tx1"/>
-                </a:solidFill>
-              </a:rPr>
-              <a:t>on a regular frequent basis.</a:t>
-            </a:r>
-          </a:p>
-          <a:p>
-            <a:pPr lvl="1"/>
-            <a:endParaRPr lang="en-US" dirty="0">
-              <a:solidFill>
-                <a:schemeClr val="tx1"/>
-              </a:solidFill>
-            </a:endParaRPr>
-          </a:p>
-          <a:p>
-            <a:pPr lvl="1"/>
-            <a:r>
-              <a:rPr lang="en-US" sz="3200" b="1" dirty="0" smtClean="0">
-                <a:solidFill>
-                  <a:srgbClr val="FF0000"/>
-                </a:solidFill>
-              </a:rPr>
-              <a:t>A contract that specifies the requirements, schedule and cost of a project is fundamentally flawed.</a:t>
-            </a:r>
-          </a:p>
-          <a:p>
-            <a:pPr lvl="1"/>
-            <a:endParaRPr lang="en-US" b="1" dirty="0" smtClean="0">
-              <a:solidFill>
-                <a:srgbClr val="FF0000"/>
-              </a:solidFill>
-            </a:endParaRPr>
           </a:p>
           <a:p>
             <a:pPr lvl="1"/>
@@ -5312,18 +6000,81 @@
               </a:solidFill>
             </a:endParaRPr>
           </a:p>
+          <a:p>
+            <a:pPr lvl="1"/>
+            <a:r>
+              <a:rPr lang="en-US" dirty="0" smtClean="0">
+                <a:solidFill>
+                  <a:schemeClr val="tx1"/>
+                </a:solidFill>
+              </a:rPr>
+              <a:t>There is </a:t>
+            </a:r>
+            <a:r>
+              <a:rPr lang="en-US" b="1" dirty="0" smtClean="0">
+                <a:solidFill>
+                  <a:schemeClr val="tx1"/>
+                </a:solidFill>
+              </a:rPr>
+              <a:t>no faster </a:t>
+            </a:r>
+            <a:r>
+              <a:rPr lang="en-US" dirty="0" smtClean="0">
+                <a:solidFill>
+                  <a:schemeClr val="tx1"/>
+                </a:solidFill>
+              </a:rPr>
+              <a:t>and </a:t>
+            </a:r>
+            <a:r>
+              <a:rPr lang="en-US" b="1" dirty="0" smtClean="0">
+                <a:solidFill>
+                  <a:schemeClr val="tx1"/>
+                </a:solidFill>
+              </a:rPr>
+              <a:t>more efficient </a:t>
+            </a:r>
+            <a:r>
+              <a:rPr lang="en-US" dirty="0" smtClean="0">
+                <a:solidFill>
+                  <a:schemeClr val="tx1"/>
+                </a:solidFill>
+              </a:rPr>
+              <a:t>way to transfer that information to others than </a:t>
+            </a:r>
+            <a:r>
+              <a:rPr lang="en-US" sz="4800" b="1" dirty="0" smtClean="0">
+                <a:solidFill>
+                  <a:srgbClr val="FF0000"/>
+                </a:solidFill>
+              </a:rPr>
+              <a:t>human-to-human interaction.</a:t>
+            </a:r>
+            <a:endParaRPr lang="en-US" b="1" dirty="0">
+              <a:solidFill>
+                <a:srgbClr val="FF0000"/>
+              </a:solidFill>
+            </a:endParaRPr>
+          </a:p>
         </p:txBody>
       </p:sp>
     </p:spTree>
     <p:extLst>
       <p:ext uri="{BB962C8B-B14F-4D97-AF65-F5344CB8AC3E}">
-        <p14:creationId xmlns:p14="http://schemas.microsoft.com/office/powerpoint/2010/main" val="131581117"/>
+        <p14:creationId xmlns:p14="http://schemas.microsoft.com/office/powerpoint/2010/main" val="1858128029"/>
       </p:ext>
     </p:extLst>
   </p:cSld>
   <p:clrMapOvr>
     <a:masterClrMapping/>
   </p:clrMapOvr>
+  <p:timing>
+    <p:tnLst>
+      <p:par>
+        <p:cTn id="1" dur="indefinite" restart="never" nodeType="tmRoot"/>
+      </p:par>
+    </p:tnLst>
+  </p:timing>
 </p:sld>
 </file>
 
@@ -5360,20 +6111,12 @@
           <a:lstStyle/>
           <a:p>
             <a:r>
-              <a:rPr lang="en-US" sz="3200" b="1" dirty="0" smtClean="0">
-                <a:solidFill>
-                  <a:schemeClr val="tx1"/>
-                </a:solidFill>
-              </a:rPr>
-              <a:t>Responding to change </a:t>
-            </a:r>
-            <a:r>
               <a:rPr lang="en-US" sz="3200" dirty="0" smtClean="0">
                 <a:solidFill>
                   <a:schemeClr val="tx1"/>
                 </a:solidFill>
               </a:rPr>
-              <a:t>over following a plan</a:t>
+              <a:t>Martin’s first law of documentation</a:t>
             </a:r>
             <a:endParaRPr lang="en-US" dirty="0"/>
           </a:p>
@@ -5398,174 +6141,25 @@
           <a:p>
             <a:pPr lvl="1"/>
             <a:r>
-              <a:rPr lang="en-US" dirty="0" smtClean="0">
-                <a:solidFill>
-                  <a:schemeClr val="tx1"/>
-                </a:solidFill>
-              </a:rPr>
-              <a:t>It is the </a:t>
-            </a:r>
-            <a:r>
-              <a:rPr lang="en-US" b="1" dirty="0" smtClean="0">
-                <a:solidFill>
-                  <a:schemeClr val="tx1"/>
-                </a:solidFill>
-              </a:rPr>
-              <a:t>ability to respond to change </a:t>
-            </a:r>
-            <a:r>
-              <a:rPr lang="en-US" dirty="0" smtClean="0">
-                <a:solidFill>
-                  <a:schemeClr val="tx1"/>
-                </a:solidFill>
-              </a:rPr>
-              <a:t>that often </a:t>
-            </a:r>
-            <a:r>
-              <a:rPr lang="en-US" b="1" dirty="0" smtClean="0">
-                <a:solidFill>
-                  <a:schemeClr val="tx1"/>
-                </a:solidFill>
-              </a:rPr>
-              <a:t>determines the </a:t>
-            </a:r>
-            <a:r>
-              <a:rPr lang="en-US" b="1" dirty="0" smtClean="0">
+              <a:rPr lang="en-US" sz="4400" b="1" dirty="0" smtClean="0">
                 <a:solidFill>
                   <a:srgbClr val="FF0000"/>
                 </a:solidFill>
               </a:rPr>
-              <a:t>success</a:t>
-            </a:r>
-            <a:r>
-              <a:rPr lang="en-US" b="1" dirty="0" smtClean="0">
-                <a:solidFill>
-                  <a:schemeClr val="tx1"/>
-                </a:solidFill>
-              </a:rPr>
-              <a:t> or </a:t>
-            </a:r>
-            <a:r>
-              <a:rPr lang="en-US" b="1" dirty="0" smtClean="0">
-                <a:solidFill>
-                  <a:srgbClr val="FF0000"/>
-                </a:solidFill>
-              </a:rPr>
-              <a:t>failure </a:t>
-            </a:r>
-            <a:r>
-              <a:rPr lang="en-US" b="1" dirty="0" smtClean="0">
-                <a:solidFill>
-                  <a:schemeClr val="tx1"/>
-                </a:solidFill>
-              </a:rPr>
-              <a:t>of a software project</a:t>
-            </a:r>
-            <a:r>
-              <a:rPr lang="en-US" dirty="0" smtClean="0">
-                <a:solidFill>
-                  <a:schemeClr val="tx1"/>
-                </a:solidFill>
-              </a:rPr>
-              <a:t>.</a:t>
-            </a:r>
-          </a:p>
-          <a:p>
-            <a:pPr lvl="1"/>
-            <a:endParaRPr lang="en-US" dirty="0" smtClean="0">
-              <a:solidFill>
-                <a:schemeClr val="tx1"/>
-              </a:solidFill>
-            </a:endParaRPr>
-          </a:p>
-          <a:p>
-            <a:pPr lvl="1"/>
-            <a:r>
-              <a:rPr lang="en-US" b="1" dirty="0" smtClean="0">
-                <a:solidFill>
-                  <a:schemeClr val="tx1"/>
-                </a:solidFill>
-              </a:rPr>
-              <a:t>We cannot planned very far into the future, because</a:t>
-            </a:r>
-            <a:r>
-              <a:rPr lang="en-US" dirty="0" smtClean="0">
-                <a:solidFill>
-                  <a:schemeClr val="tx1"/>
-                </a:solidFill>
-              </a:rPr>
-              <a:t>:</a:t>
-            </a:r>
-          </a:p>
-          <a:p>
-            <a:pPr marL="544068" lvl="1" indent="-342900">
-              <a:buFont typeface="+mj-lt"/>
-              <a:buAutoNum type="arabicPeriod"/>
-            </a:pPr>
-            <a:r>
-              <a:rPr lang="en-US" dirty="0" smtClean="0">
-                <a:solidFill>
-                  <a:schemeClr val="tx1"/>
-                </a:solidFill>
-              </a:rPr>
-              <a:t>The Business environment is likely to change, causing the requirements to shift</a:t>
-            </a:r>
-          </a:p>
-          <a:p>
-            <a:pPr marL="544068" lvl="1" indent="-342900">
-              <a:buFont typeface="+mj-lt"/>
-              <a:buAutoNum type="arabicPeriod"/>
-            </a:pPr>
-            <a:r>
-              <a:rPr lang="en-US" dirty="0" smtClean="0">
-                <a:solidFill>
-                  <a:schemeClr val="tx1"/>
-                </a:solidFill>
-              </a:rPr>
-              <a:t>Customers are likely to alter the requirements once they see the system start to function.</a:t>
-            </a:r>
-          </a:p>
-          <a:p>
-            <a:pPr marL="544068" lvl="1" indent="-342900">
-              <a:buFont typeface="+mj-lt"/>
-              <a:buAutoNum type="arabicPeriod"/>
-            </a:pPr>
-            <a:r>
-              <a:rPr lang="en-US" dirty="0" smtClean="0">
-                <a:solidFill>
-                  <a:schemeClr val="tx1"/>
-                </a:solidFill>
-              </a:rPr>
-              <a:t>Even if we know the requirements, and we are sure the won’t change, we are not very good at estimating how long it will take to develop them.</a:t>
-            </a:r>
-            <a:endParaRPr lang="en-US" dirty="0" smtClean="0">
+              <a:t>Produce no document unless its need immediate and significant.</a:t>
+            </a:r>
+            <a:endParaRPr lang="en-US" sz="1600" b="1" dirty="0">
               <a:solidFill>
                 <a:srgbClr val="FF0000"/>
               </a:solidFill>
             </a:endParaRPr>
           </a:p>
-          <a:p>
-            <a:pPr lvl="1"/>
-            <a:endParaRPr lang="en-US" b="1" dirty="0" smtClean="0">
-              <a:solidFill>
-                <a:srgbClr val="FF0000"/>
-              </a:solidFill>
-            </a:endParaRPr>
-          </a:p>
-          <a:p>
-            <a:pPr lvl="1"/>
-            <a:endParaRPr lang="en-US" dirty="0" smtClean="0">
-              <a:solidFill>
-                <a:schemeClr val="tx1"/>
-              </a:solidFill>
-            </a:endParaRPr>
-          </a:p>
         </p:txBody>
       </p:sp>
     </p:spTree>
     <p:extLst>
       <p:ext uri="{BB962C8B-B14F-4D97-AF65-F5344CB8AC3E}">
-        <p14:creationId xmlns:p14="http://schemas.microsoft.com/office/powerpoint/2010/main" val="860653948"/>
+        <p14:creationId xmlns:p14="http://schemas.microsoft.com/office/powerpoint/2010/main" val="1144780574"/>
       </p:ext>
     </p:extLst>
   </p:cSld>
@@ -5613,7 +6207,7 @@
                   <a:schemeClr val="tx1"/>
                 </a:solidFill>
               </a:rPr>
-              <a:t>Better </a:t>
+              <a:t>Customer collaboration </a:t>
             </a:r>
             <a:r>
               <a:rPr lang="en-US" sz="3200" dirty="0" smtClean="0">
@@ -5621,7 +6215,7 @@
                   <a:schemeClr val="tx1"/>
                 </a:solidFill>
               </a:rPr>
-              <a:t>planning strategy</a:t>
+              <a:t>over contract negotiation</a:t>
             </a:r>
             <a:endParaRPr lang="en-US" dirty="0"/>
           </a:p>
@@ -5648,10 +6242,10 @@
             <a:r>
               <a:rPr lang="en-US" b="1" dirty="0" smtClean="0">
                 <a:solidFill>
-                  <a:schemeClr val="tx1"/>
-                </a:solidFill>
-              </a:rPr>
-              <a:t>A better planning strategy</a:t>
+                  <a:srgbClr val="FF0000"/>
+                </a:solidFill>
+              </a:rPr>
+              <a:t>You cannot </a:t>
             </a:r>
             <a:r>
               <a:rPr lang="en-US" dirty="0" smtClean="0">
@@ -5659,15 +6253,15 @@
                   <a:schemeClr val="tx1"/>
                 </a:solidFill>
               </a:rPr>
-              <a:t> is to make </a:t>
-            </a:r>
-            <a:r>
-              <a:rPr lang="en-US" sz="2400" b="1" dirty="0" smtClean="0">
+              <a:t>write a description of the software you want and then have someone develop it on a </a:t>
+            </a:r>
+            <a:r>
+              <a:rPr lang="en-US" b="1" dirty="0" smtClean="0">
                 <a:solidFill>
                   <a:srgbClr val="FF0000"/>
                 </a:solidFill>
               </a:rPr>
-              <a:t>detailed plans for the next two weeks</a:t>
+              <a:t>fixed schedule</a:t>
             </a:r>
             <a:r>
               <a:rPr lang="en-US" dirty="0" smtClean="0">
@@ -5675,15 +6269,15 @@
                   <a:schemeClr val="tx1"/>
                 </a:solidFill>
               </a:rPr>
-              <a:t>, </a:t>
-            </a:r>
-            <a:r>
-              <a:rPr lang="en-US" sz="2400" b="1" dirty="0" smtClean="0">
+              <a:t> for a </a:t>
+            </a:r>
+            <a:r>
+              <a:rPr lang="en-US" b="1" dirty="0" smtClean="0">
                 <a:solidFill>
                   <a:srgbClr val="FF0000"/>
                 </a:solidFill>
               </a:rPr>
-              <a:t>very rough plans the next three month</a:t>
+              <a:t>fixed price</a:t>
             </a:r>
             <a:r>
               <a:rPr lang="en-US" dirty="0" smtClean="0">
@@ -5691,15 +6285,18 @@
                   <a:schemeClr val="tx1"/>
                 </a:solidFill>
               </a:rPr>
-              <a:t>, and </a:t>
-            </a:r>
-            <a:r>
-              <a:rPr lang="en-US" sz="2400" b="1" dirty="0" smtClean="0">
-                <a:solidFill>
-                  <a:srgbClr val="FF0000"/>
-                </a:solidFill>
-              </a:rPr>
-              <a:t>extremely crude plans beyond that</a:t>
+              <a:t>.</a:t>
+            </a:r>
+          </a:p>
+          <a:p>
+            <a:pPr lvl="1"/>
+            <a:r>
+              <a:rPr lang="en-US" b="1" dirty="0" smtClean="0">
+                <a:solidFill>
+                  <a:schemeClr val="tx1"/>
+                </a:solidFill>
+              </a:rPr>
+              <a:t>Successful projects </a:t>
             </a:r>
             <a:r>
               <a:rPr lang="en-US" dirty="0" smtClean="0">
@@ -5707,13 +6304,43 @@
                   <a:schemeClr val="tx1"/>
                 </a:solidFill>
               </a:rPr>
-              <a:t>.</a:t>
-            </a:r>
-            <a:endParaRPr lang="en-US" dirty="0" smtClean="0">
+              <a:t>involve </a:t>
+            </a:r>
+            <a:r>
+              <a:rPr lang="en-US" b="1" dirty="0" smtClean="0">
+                <a:solidFill>
+                  <a:schemeClr val="tx1"/>
+                </a:solidFill>
+              </a:rPr>
+              <a:t>customer feedback </a:t>
+            </a:r>
+            <a:r>
+              <a:rPr lang="en-US" dirty="0" smtClean="0">
+                <a:solidFill>
+                  <a:schemeClr val="tx1"/>
+                </a:solidFill>
+              </a:rPr>
+              <a:t>on a regular frequent basis.</a:t>
+            </a:r>
+          </a:p>
+          <a:p>
+            <a:pPr lvl="1"/>
+            <a:endParaRPr lang="en-US" dirty="0">
               <a:solidFill>
-                <a:srgbClr val="FF0000"/>
+                <a:schemeClr val="tx1"/>
               </a:solidFill>
             </a:endParaRPr>
+          </a:p>
+          <a:p>
+            <a:pPr lvl="1"/>
+            <a:r>
+              <a:rPr lang="en-US" sz="3200" b="1" dirty="0" smtClean="0">
+                <a:solidFill>
+                  <a:srgbClr val="FF0000"/>
+                </a:solidFill>
+              </a:rPr>
+              <a:t>A contract that specifies the requirements, schedule and cost of a project is fundamentally flawed.</a:t>
+            </a:r>
           </a:p>
           <a:p>
             <a:pPr lvl="1"/>
@@ -5736,7 +6363,7 @@
     </p:spTree>
     <p:extLst>
       <p:ext uri="{BB962C8B-B14F-4D97-AF65-F5344CB8AC3E}">
-        <p14:creationId xmlns:p14="http://schemas.microsoft.com/office/powerpoint/2010/main" val="1737505702"/>
+        <p14:creationId xmlns:p14="http://schemas.microsoft.com/office/powerpoint/2010/main" val="131581117"/>
       </p:ext>
     </p:extLst>
   </p:cSld>
@@ -5784,7 +6411,15 @@
                   <a:schemeClr val="tx1"/>
                 </a:solidFill>
               </a:rPr>
-              <a:t>Agile principles</a:t>
+              <a:t>Responding to change </a:t>
+            </a:r>
+            <a:r>
+              <a:rPr lang="en-US" sz="3200" dirty="0" smtClean="0">
+                <a:solidFill>
+                  <a:schemeClr val="tx1"/>
+                </a:solidFill>
+              </a:rPr>
+              <a:t>over following a plan</a:t>
             </a:r>
             <a:endParaRPr lang="en-US" dirty="0"/>
           </a:p>
@@ -5809,39 +6444,71 @@
           <a:p>
             <a:pPr lvl="1"/>
             <a:r>
-              <a:rPr lang="en-US" sz="2400" b="1" dirty="0" smtClean="0">
-                <a:solidFill>
-                  <a:schemeClr val="tx1"/>
-                </a:solidFill>
-              </a:rPr>
-              <a:t>1- Our highest priority is to satisfy the customer through </a:t>
-            </a:r>
-            <a:r>
-              <a:rPr lang="en-US" sz="2400" b="1" dirty="0" smtClean="0">
+              <a:rPr lang="en-US" dirty="0" smtClean="0">
+                <a:solidFill>
+                  <a:schemeClr val="tx1"/>
+                </a:solidFill>
+              </a:rPr>
+              <a:t>It is the </a:t>
+            </a:r>
+            <a:r>
+              <a:rPr lang="en-US" b="1" dirty="0" smtClean="0">
+                <a:solidFill>
+                  <a:schemeClr val="tx1"/>
+                </a:solidFill>
+              </a:rPr>
+              <a:t>ability to respond to change </a:t>
+            </a:r>
+            <a:r>
+              <a:rPr lang="en-US" dirty="0" smtClean="0">
+                <a:solidFill>
+                  <a:schemeClr val="tx1"/>
+                </a:solidFill>
+              </a:rPr>
+              <a:t>that often </a:t>
+            </a:r>
+            <a:r>
+              <a:rPr lang="en-US" b="1" dirty="0" smtClean="0">
+                <a:solidFill>
+                  <a:schemeClr val="tx1"/>
+                </a:solidFill>
+              </a:rPr>
+              <a:t>determines the </a:t>
+            </a:r>
+            <a:r>
+              <a:rPr lang="en-US" b="1" dirty="0" smtClean="0">
                 <a:solidFill>
                   <a:srgbClr val="FF0000"/>
                 </a:solidFill>
               </a:rPr>
-              <a:t>early</a:t>
-            </a:r>
-            <a:r>
-              <a:rPr lang="en-US" sz="2400" b="1" dirty="0" smtClean="0">
-                <a:solidFill>
-                  <a:schemeClr val="tx1"/>
-                </a:solidFill>
-              </a:rPr>
-              <a:t> and </a:t>
-            </a:r>
-            <a:r>
-              <a:rPr lang="en-US" sz="2400" b="1" dirty="0" smtClean="0">
+              <a:t>success</a:t>
+            </a:r>
+            <a:r>
+              <a:rPr lang="en-US" b="1" dirty="0" smtClean="0">
+                <a:solidFill>
+                  <a:schemeClr val="tx1"/>
+                </a:solidFill>
+              </a:rPr>
+              <a:t> or </a:t>
+            </a:r>
+            <a:r>
+              <a:rPr lang="en-US" b="1" dirty="0" smtClean="0">
                 <a:solidFill>
                   <a:srgbClr val="FF0000"/>
                 </a:solidFill>
               </a:rPr>
-              <a:t>continuous delivery of valuable software</a:t>
-            </a:r>
-            <a:r>
-              <a:rPr lang="en-US" sz="2400" b="1" dirty="0" smtClean="0">
+              <a:t>failure </a:t>
+            </a:r>
+            <a:r>
+              <a:rPr lang="en-US" b="1" dirty="0" smtClean="0">
+                <a:solidFill>
+                  <a:schemeClr val="tx1"/>
+                </a:solidFill>
+              </a:rPr>
+              <a:t>of a software project</a:t>
+            </a:r>
+            <a:r>
+              <a:rPr lang="en-US" dirty="0" smtClean="0">
                 <a:solidFill>
                   <a:schemeClr val="tx1"/>
                 </a:solidFill>
@@ -5851,7 +6518,7 @@
           </a:p>
           <a:p>
             <a:pPr lvl="1"/>
-            <a:endParaRPr lang="en-US" sz="2400" b="1" dirty="0">
+            <a:endParaRPr lang="en-US" dirty="0" smtClean="0">
               <a:solidFill>
                 <a:schemeClr val="tx1"/>
               </a:solidFill>
@@ -5860,20 +6527,91 @@
           <a:p>
             <a:pPr lvl="1"/>
             <a:r>
+              <a:rPr lang="en-US" b="1" dirty="0" smtClean="0">
+                <a:solidFill>
+                  <a:schemeClr val="tx1"/>
+                </a:solidFill>
+              </a:rPr>
+              <a:t>We cannot planned very far into the future, because</a:t>
+            </a:r>
+            <a:r>
               <a:rPr lang="en-US" dirty="0" smtClean="0">
                 <a:solidFill>
                   <a:schemeClr val="tx1"/>
                 </a:solidFill>
               </a:rPr>
-              <a:t>We strive to deliver rudimentary system within the first few weeks of the start of the project. Then, we strive to continue to delivers systems of increasing functionality every two weeks.</a:t>
-            </a:r>
+              <a:t>:</a:t>
+            </a:r>
+          </a:p>
+          <a:p>
+            <a:pPr marL="544068" lvl="1" indent="-342900">
+              <a:buFont typeface="+mj-lt"/>
+              <a:buAutoNum type="arabicPeriod"/>
+            </a:pPr>
+            <a:r>
+              <a:rPr lang="en-US" dirty="0" smtClean="0">
+                <a:solidFill>
+                  <a:schemeClr val="tx1"/>
+                </a:solidFill>
+              </a:rPr>
+              <a:t>The Business environment is likely to change, causing the requirements to shift</a:t>
+            </a:r>
+          </a:p>
+          <a:p>
+            <a:pPr marL="544068" lvl="1" indent="-342900">
+              <a:buFont typeface="+mj-lt"/>
+              <a:buAutoNum type="arabicPeriod"/>
+            </a:pPr>
+            <a:r>
+              <a:rPr lang="en-US" dirty="0" smtClean="0">
+                <a:solidFill>
+                  <a:schemeClr val="tx1"/>
+                </a:solidFill>
+              </a:rPr>
+              <a:t>Customers are likely to alter the requirements once they see the system start to function.</a:t>
+            </a:r>
+          </a:p>
+          <a:p>
+            <a:pPr marL="544068" lvl="1" indent="-342900">
+              <a:buFont typeface="+mj-lt"/>
+              <a:buAutoNum type="arabicPeriod"/>
+            </a:pPr>
+            <a:r>
+              <a:rPr lang="en-US" dirty="0" smtClean="0">
+                <a:solidFill>
+                  <a:schemeClr val="tx1"/>
+                </a:solidFill>
+              </a:rPr>
+              <a:t>Even if we know the requirements, and we are sure the won’t change, we are not very good at estimating how long it will take to develop them.</a:t>
+            </a:r>
+            <a:endParaRPr lang="en-US" dirty="0" smtClean="0">
+              <a:solidFill>
+                <a:srgbClr val="FF0000"/>
+              </a:solidFill>
+            </a:endParaRPr>
+          </a:p>
+          <a:p>
+            <a:pPr lvl="1"/>
+            <a:endParaRPr lang="en-US" b="1" dirty="0" smtClean="0">
+              <a:solidFill>
+                <a:srgbClr val="FF0000"/>
+              </a:solidFill>
+            </a:endParaRPr>
+          </a:p>
+          <a:p>
+            <a:pPr lvl="1"/>
+            <a:endParaRPr lang="en-US" dirty="0" smtClean="0">
+              <a:solidFill>
+                <a:schemeClr val="tx1"/>
+              </a:solidFill>
+            </a:endParaRPr>
           </a:p>
         </p:txBody>
       </p:sp>
     </p:spTree>
     <p:extLst>
       <p:ext uri="{BB962C8B-B14F-4D97-AF65-F5344CB8AC3E}">
-        <p14:creationId xmlns:p14="http://schemas.microsoft.com/office/powerpoint/2010/main" val="4243998663"/>
+        <p14:creationId xmlns:p14="http://schemas.microsoft.com/office/powerpoint/2010/main" val="860653948"/>
       </p:ext>
     </p:extLst>
   </p:cSld>
@@ -5921,7 +6659,15 @@
                   <a:schemeClr val="tx1"/>
                 </a:solidFill>
               </a:rPr>
-              <a:t>Agile principles</a:t>
+              <a:t>Better </a:t>
+            </a:r>
+            <a:r>
+              <a:rPr lang="en-US" sz="3200" dirty="0" smtClean="0">
+                <a:solidFill>
+                  <a:schemeClr val="tx1"/>
+                </a:solidFill>
+              </a:rPr>
+              <a:t>planning strategy</a:t>
             </a:r>
             <a:endParaRPr lang="en-US" dirty="0"/>
           </a:p>
@@ -5946,12 +6692,36 @@
           <a:p>
             <a:pPr lvl="1"/>
             <a:r>
+              <a:rPr lang="en-US" b="1" dirty="0" smtClean="0">
+                <a:solidFill>
+                  <a:schemeClr val="tx1"/>
+                </a:solidFill>
+              </a:rPr>
+              <a:t>A better planning strategy</a:t>
+            </a:r>
+            <a:r>
+              <a:rPr lang="en-US" dirty="0" smtClean="0">
+                <a:solidFill>
+                  <a:schemeClr val="tx1"/>
+                </a:solidFill>
+              </a:rPr>
+              <a:t> is to make </a:t>
+            </a:r>
+            <a:r>
               <a:rPr lang="en-US" sz="2400" b="1" dirty="0" smtClean="0">
                 <a:solidFill>
-                  <a:schemeClr val="tx1"/>
-                </a:solidFill>
-              </a:rPr>
-              <a:t>2- </a:t>
+                  <a:srgbClr val="FF0000"/>
+                </a:solidFill>
+              </a:rPr>
+              <a:t>detailed plans for the next two weeks</a:t>
+            </a:r>
+            <a:r>
+              <a:rPr lang="en-US" dirty="0" smtClean="0">
+                <a:solidFill>
+                  <a:schemeClr val="tx1"/>
+                </a:solidFill>
+              </a:rPr>
+              <a:t>, </a:t>
             </a:r>
             <a:r>
               <a:rPr lang="en-US" sz="2400" b="1" dirty="0" smtClean="0">
@@ -5959,58 +6729,60 @@
                   <a:srgbClr val="FF0000"/>
                 </a:solidFill>
               </a:rPr>
-              <a:t>Welcome changing requirements, even late in development</a:t>
+              <a:t>very rough plans the next three month</a:t>
+            </a:r>
+            <a:r>
+              <a:rPr lang="en-US" dirty="0" smtClean="0">
+                <a:solidFill>
+                  <a:schemeClr val="tx1"/>
+                </a:solidFill>
+              </a:rPr>
+              <a:t>, and </a:t>
             </a:r>
             <a:r>
               <a:rPr lang="en-US" sz="2400" b="1" dirty="0" smtClean="0">
                 <a:solidFill>
-                  <a:schemeClr val="tx1"/>
-                </a:solidFill>
-              </a:rPr>
-              <a:t>. Agile processes harness change for the customer’s competitive advantage.</a:t>
-            </a:r>
-          </a:p>
-          <a:p>
-            <a:pPr lvl="1"/>
-            <a:endParaRPr lang="en-US" sz="2400" b="1" dirty="0">
+                  <a:srgbClr val="FF0000"/>
+                </a:solidFill>
+              </a:rPr>
+              <a:t>extremely crude plans beyond that</a:t>
+            </a:r>
+            <a:r>
+              <a:rPr lang="en-US" dirty="0" smtClean="0">
+                <a:solidFill>
+                  <a:schemeClr val="tx1"/>
+                </a:solidFill>
+              </a:rPr>
+              <a:t>.</a:t>
+            </a:r>
+            <a:endParaRPr lang="en-US" dirty="0" smtClean="0">
+              <a:solidFill>
+                <a:srgbClr val="FF0000"/>
+              </a:solidFill>
+            </a:endParaRPr>
+          </a:p>
+          <a:p>
+            <a:pPr lvl="1"/>
+            <a:endParaRPr lang="en-US" b="1" dirty="0" smtClean="0">
+              <a:solidFill>
+                <a:srgbClr val="FF0000"/>
+              </a:solidFill>
+            </a:endParaRPr>
+          </a:p>
+          <a:p>
+            <a:pPr lvl="1"/>
+            <a:endParaRPr lang="en-US" dirty="0" smtClean="0">
               <a:solidFill>
                 <a:schemeClr val="tx1"/>
               </a:solidFill>
             </a:endParaRPr>
           </a:p>
-          <a:p>
-            <a:pPr lvl="1"/>
-            <a:r>
-              <a:rPr lang="en-US" dirty="0" smtClean="0">
-                <a:solidFill>
-                  <a:schemeClr val="tx1"/>
-                </a:solidFill>
-              </a:rPr>
-              <a:t>We should keep the structure of software flexible so that when requirements change, the impact to the system is minimal. We will learn the </a:t>
-            </a:r>
-            <a:r>
-              <a:rPr lang="en-US" b="1" dirty="0" smtClean="0">
-                <a:solidFill>
-                  <a:schemeClr val="tx1"/>
-                </a:solidFill>
-              </a:rPr>
-              <a:t>principles and patterns of object oriented design that help us to maintain this kind of flexibility</a:t>
-            </a:r>
-            <a:r>
-              <a:rPr lang="en-US" dirty="0" smtClean="0">
-                <a:solidFill>
-                  <a:schemeClr val="tx1"/>
-                </a:solidFill>
-              </a:rPr>
-              <a:t>.</a:t>
-            </a:r>
-          </a:p>
         </p:txBody>
       </p:sp>
     </p:spTree>
     <p:extLst>
       <p:ext uri="{BB962C8B-B14F-4D97-AF65-F5344CB8AC3E}">
-        <p14:creationId xmlns:p14="http://schemas.microsoft.com/office/powerpoint/2010/main" val="3547838475"/>
+        <p14:creationId xmlns:p14="http://schemas.microsoft.com/office/powerpoint/2010/main" val="1737505702"/>
       </p:ext>
     </p:extLst>
   </p:cSld>
@@ -6189,7 +6961,7 @@
                   <a:schemeClr val="tx1"/>
                 </a:solidFill>
               </a:rPr>
-              <a:t>3- </a:t>
+              <a:t>1- Our highest priority is to satisfy the customer through </a:t>
             </a:r>
             <a:r>
               <a:rPr lang="en-US" sz="2400" b="1" dirty="0" smtClean="0">
@@ -6197,7 +6969,7 @@
                   <a:srgbClr val="FF0000"/>
                 </a:solidFill>
               </a:rPr>
-              <a:t>Deliver working software frequently</a:t>
+              <a:t>early</a:t>
             </a:r>
             <a:r>
               <a:rPr lang="en-US" sz="2400" b="1" dirty="0" smtClean="0">
@@ -6205,7 +6977,23 @@
                   <a:schemeClr val="tx1"/>
                 </a:solidFill>
               </a:rPr>
-              <a:t>, from a couple of weeks to a couple of month, with a preference to the shorter time scale.</a:t>
+              <a:t> and </a:t>
+            </a:r>
+            <a:r>
+              <a:rPr lang="en-US" sz="2400" b="1" dirty="0" smtClean="0">
+                <a:solidFill>
+                  <a:srgbClr val="FF0000"/>
+                </a:solidFill>
+              </a:rPr>
+              <a:t>continuous delivery of valuable software</a:t>
+            </a:r>
+            <a:r>
+              <a:rPr lang="en-US" sz="2400" b="1" dirty="0" smtClean="0">
+                <a:solidFill>
+                  <a:schemeClr val="tx1"/>
+                </a:solidFill>
+              </a:rPr>
+              <a:t>.</a:t>
             </a:r>
           </a:p>
           <a:p>
@@ -6224,50 +7012,7 @@
                   <a:schemeClr val="tx1"/>
                 </a:solidFill>
               </a:rPr>
-              <a:t>We are </a:t>
-            </a:r>
-            <a:r>
-              <a:rPr lang="en-US" b="1" dirty="0" smtClean="0">
-                <a:solidFill>
-                  <a:schemeClr val="tx1"/>
-                </a:solidFill>
-              </a:rPr>
-              <a:t>not</a:t>
-            </a:r>
-            <a:r>
-              <a:rPr lang="en-US" dirty="0" smtClean="0">
-                <a:solidFill>
-                  <a:schemeClr val="tx1"/>
-                </a:solidFill>
-              </a:rPr>
-              <a:t> content with delivering </a:t>
-            </a:r>
-            <a:r>
-              <a:rPr lang="en-US" b="1" dirty="0" smtClean="0">
-                <a:solidFill>
-                  <a:schemeClr val="tx1"/>
-                </a:solidFill>
-              </a:rPr>
-              <a:t>bundles of documents or plans</a:t>
-            </a:r>
-            <a:r>
-              <a:rPr lang="en-US" dirty="0" smtClean="0">
-                <a:solidFill>
-                  <a:schemeClr val="tx1"/>
-                </a:solidFill>
-              </a:rPr>
-              <a:t>.</a:t>
-            </a:r>
-          </a:p>
-          <a:p>
-            <a:pPr lvl="1"/>
-            <a:r>
-              <a:rPr lang="en-US" dirty="0" smtClean="0">
-                <a:solidFill>
-                  <a:schemeClr val="tx1"/>
-                </a:solidFill>
-              </a:rPr>
-              <a:t>Our eye is on the goal of delivering software that satisfies the customers’ needs.</a:t>
+              <a:t>We strive to deliver rudimentary system within the first few weeks of the start of the project. Then, we strive to continue to delivers systems of increasing functionality every two weeks.</a:t>
             </a:r>
           </a:p>
         </p:txBody>
@@ -6275,7 +7020,7 @@
     </p:spTree>
     <p:extLst>
       <p:ext uri="{BB962C8B-B14F-4D97-AF65-F5344CB8AC3E}">
-        <p14:creationId xmlns:p14="http://schemas.microsoft.com/office/powerpoint/2010/main" val="4159166944"/>
+        <p14:creationId xmlns:p14="http://schemas.microsoft.com/office/powerpoint/2010/main" val="4243998663"/>
       </p:ext>
     </p:extLst>
   </p:cSld>
@@ -6353,7 +7098,7 @@
                   <a:schemeClr val="tx1"/>
                 </a:solidFill>
               </a:rPr>
-              <a:t>4- </a:t>
+              <a:t>2- </a:t>
             </a:r>
             <a:r>
               <a:rPr lang="en-US" sz="2400" b="1" dirty="0" smtClean="0">
@@ -6361,7 +7106,7 @@
                   <a:srgbClr val="FF0000"/>
                 </a:solidFill>
               </a:rPr>
-              <a:t>Business people </a:t>
+              <a:t>Welcome changing requirements, even late in development</a:t>
             </a:r>
             <a:r>
               <a:rPr lang="en-US" sz="2400" b="1" dirty="0" smtClean="0">
@@ -6369,39 +7114,7 @@
                   <a:schemeClr val="tx1"/>
                 </a:solidFill>
               </a:rPr>
-              <a:t>and </a:t>
-            </a:r>
-            <a:r>
-              <a:rPr lang="en-US" sz="2400" b="1" dirty="0" smtClean="0">
-                <a:solidFill>
-                  <a:srgbClr val="FF0000"/>
-                </a:solidFill>
-              </a:rPr>
-              <a:t>developers</a:t>
-            </a:r>
-            <a:r>
-              <a:rPr lang="en-US" sz="2400" b="1" dirty="0" smtClean="0">
-                <a:solidFill>
-                  <a:schemeClr val="tx1"/>
-                </a:solidFill>
-              </a:rPr>
-              <a:t> must </a:t>
-            </a:r>
-            <a:r>
-              <a:rPr lang="en-US" sz="2400" b="1" dirty="0" smtClean="0">
-                <a:solidFill>
-                  <a:srgbClr val="FF0000"/>
-                </a:solidFill>
-              </a:rPr>
-              <a:t>work together </a:t>
-            </a:r>
-            <a:r>
-              <a:rPr lang="en-US" sz="2400" b="1" dirty="0" smtClean="0">
-                <a:solidFill>
-                  <a:schemeClr val="tx1"/>
-                </a:solidFill>
-              </a:rPr>
-              <a:t>daily throughout the project.</a:t>
+              <a:t>. Agile processes harness change for the customer’s competitive advantage.</a:t>
             </a:r>
           </a:p>
           <a:p>
@@ -6415,28 +7128,20 @@
           <a:p>
             <a:pPr lvl="1"/>
             <a:r>
+              <a:rPr lang="en-US" dirty="0" smtClean="0">
+                <a:solidFill>
+                  <a:schemeClr val="tx1"/>
+                </a:solidFill>
+              </a:rPr>
+              <a:t>We should keep the structure of software flexible so that when requirements change, the impact to the system is minimal. We will learn the </a:t>
+            </a:r>
+            <a:r>
               <a:rPr lang="en-US" b="1" dirty="0" smtClean="0">
                 <a:solidFill>
                   <a:schemeClr val="tx1"/>
                 </a:solidFill>
               </a:rPr>
-              <a:t>In order for a project to be agile</a:t>
-            </a:r>
-            <a:r>
-              <a:rPr lang="en-US" dirty="0" smtClean="0">
-                <a:solidFill>
-                  <a:schemeClr val="tx1"/>
-                </a:solidFill>
-              </a:rPr>
-              <a:t>, there must be significant and </a:t>
-            </a:r>
-            <a:r>
-              <a:rPr lang="en-US" b="1" dirty="0" smtClean="0">
-                <a:solidFill>
-                  <a:schemeClr val="tx1"/>
-                </a:solidFill>
-              </a:rPr>
-              <a:t>frequent interaction between the customers, developers and stakeholders</a:t>
+              <a:t>principles and patterns of object oriented design that help us to maintain this kind of flexibility</a:t>
             </a:r>
             <a:r>
               <a:rPr lang="en-US" dirty="0" smtClean="0">
@@ -6452,7 +7157,7 @@
     </p:spTree>
     <p:extLst>
       <p:ext uri="{BB962C8B-B14F-4D97-AF65-F5344CB8AC3E}">
-        <p14:creationId xmlns:p14="http://schemas.microsoft.com/office/powerpoint/2010/main" val="3564536061"/>
+        <p14:creationId xmlns:p14="http://schemas.microsoft.com/office/powerpoint/2010/main" val="3547838475"/>
       </p:ext>
     </p:extLst>
   </p:cSld>
@@ -6530,7 +7235,7 @@
                   <a:schemeClr val="tx1"/>
                 </a:solidFill>
               </a:rPr>
-              <a:t>5- </a:t>
+              <a:t>3- </a:t>
             </a:r>
             <a:r>
               <a:rPr lang="en-US" sz="2400" b="1" dirty="0" smtClean="0">
@@ -6538,7 +7243,7 @@
                   <a:srgbClr val="FF0000"/>
                 </a:solidFill>
               </a:rPr>
-              <a:t>Build project around motivated individuals</a:t>
+              <a:t>Deliver working software frequently</a:t>
             </a:r>
             <a:r>
               <a:rPr lang="en-US" sz="2400" b="1" dirty="0" smtClean="0">
@@ -6546,7 +7251,7 @@
                   <a:schemeClr val="tx1"/>
                 </a:solidFill>
               </a:rPr>
-              <a:t>. Give them the environment and support the need, and trust them to get the job done.</a:t>
+              <a:t>, from a couple of weeks to a couple of month, with a preference to the shorter time scale.</a:t>
             </a:r>
           </a:p>
           <a:p>
@@ -6565,7 +7270,7 @@
                   <a:schemeClr val="tx1"/>
                 </a:solidFill>
               </a:rPr>
-              <a:t>An agile project is one in which people are considered the </a:t>
+              <a:t>We are </a:t>
             </a:r>
             <a:r>
               <a:rPr lang="en-US" b="1" dirty="0" smtClean="0">
@@ -6573,7 +7278,7 @@
                   <a:schemeClr val="tx1"/>
                 </a:solidFill>
               </a:rPr>
-              <a:t>most important factor of success</a:t>
+              <a:t>not</a:t>
             </a:r>
             <a:r>
               <a:rPr lang="en-US" dirty="0" smtClean="0">
@@ -6581,7 +7286,34 @@
                   <a:schemeClr val="tx1"/>
                 </a:solidFill>
               </a:rPr>
+              <a:t> content with delivering </a:t>
+            </a:r>
+            <a:r>
+              <a:rPr lang="en-US" b="1" dirty="0" smtClean="0">
+                <a:solidFill>
+                  <a:schemeClr val="tx1"/>
+                </a:solidFill>
+              </a:rPr>
+              <a:t>bundles of documents or plans</a:t>
+            </a:r>
+            <a:r>
+              <a:rPr lang="en-US" dirty="0" smtClean="0">
+                <a:solidFill>
+                  <a:schemeClr val="tx1"/>
+                </a:solidFill>
+              </a:rPr>
               <a:t>.</a:t>
+            </a:r>
+          </a:p>
+          <a:p>
+            <a:pPr lvl="1"/>
+            <a:r>
+              <a:rPr lang="en-US" dirty="0" smtClean="0">
+                <a:solidFill>
+                  <a:schemeClr val="tx1"/>
+                </a:solidFill>
+              </a:rPr>
+              <a:t>Our eye is on the goal of delivering software that satisfies the customers’ needs.</a:t>
             </a:r>
           </a:p>
         </p:txBody>
@@ -6589,7 +7321,7 @@
     </p:spTree>
     <p:extLst>
       <p:ext uri="{BB962C8B-B14F-4D97-AF65-F5344CB8AC3E}">
-        <p14:creationId xmlns:p14="http://schemas.microsoft.com/office/powerpoint/2010/main" val="81437376"/>
+        <p14:creationId xmlns:p14="http://schemas.microsoft.com/office/powerpoint/2010/main" val="4159166944"/>
       </p:ext>
     </p:extLst>
   </p:cSld>
@@ -6667,7 +7399,7 @@
                   <a:schemeClr val="tx1"/>
                 </a:solidFill>
               </a:rPr>
-              <a:t>6- </a:t>
+              <a:t>4- </a:t>
             </a:r>
             <a:r>
               <a:rPr lang="en-US" sz="2400" b="1" dirty="0" smtClean="0">
@@ -6675,7 +7407,7 @@
                   <a:srgbClr val="FF0000"/>
                 </a:solidFill>
               </a:rPr>
-              <a:t>The most efficient and effective method of conveying information </a:t>
+              <a:t>Business people </a:t>
             </a:r>
             <a:r>
               <a:rPr lang="en-US" sz="2400" b="1" dirty="0" smtClean="0">
@@ -6683,7 +7415,7 @@
                   <a:schemeClr val="tx1"/>
                 </a:solidFill>
               </a:rPr>
-              <a:t>to and within a development team is </a:t>
+              <a:t>and </a:t>
             </a:r>
             <a:r>
               <a:rPr lang="en-US" sz="2400" b="1" dirty="0" smtClean="0">
@@ -6691,7 +7423,7 @@
                   <a:srgbClr val="FF0000"/>
                 </a:solidFill>
               </a:rPr>
-              <a:t>face-to-face conversation</a:t>
+              <a:t>developers</a:t>
             </a:r>
             <a:r>
               <a:rPr lang="en-US" sz="2400" b="1" dirty="0" smtClean="0">
@@ -6699,7 +7431,23 @@
                   <a:schemeClr val="tx1"/>
                 </a:solidFill>
               </a:rPr>
-              <a:t>.</a:t>
+              <a:t> must </a:t>
+            </a:r>
+            <a:r>
+              <a:rPr lang="en-US" sz="2400" b="1" dirty="0" smtClean="0">
+                <a:solidFill>
+                  <a:srgbClr val="FF0000"/>
+                </a:solidFill>
+              </a:rPr>
+              <a:t>work together </a:t>
+            </a:r>
+            <a:r>
+              <a:rPr lang="en-US" sz="2400" b="1" dirty="0" smtClean="0">
+                <a:solidFill>
+                  <a:schemeClr val="tx1"/>
+                </a:solidFill>
+              </a:rPr>
+              <a:t>daily throughout the project.</a:t>
             </a:r>
           </a:p>
           <a:p>
@@ -6713,12 +7461,20 @@
           <a:p>
             <a:pPr lvl="1"/>
             <a:r>
+              <a:rPr lang="en-US" b="1" dirty="0" smtClean="0">
+                <a:solidFill>
+                  <a:schemeClr val="tx1"/>
+                </a:solidFill>
+              </a:rPr>
+              <a:t>In order for a project to be agile</a:t>
+            </a:r>
+            <a:r>
               <a:rPr lang="en-US" dirty="0" smtClean="0">
                 <a:solidFill>
                   <a:schemeClr val="tx1"/>
                 </a:solidFill>
               </a:rPr>
-              <a:t>The primary mode of communication is conversation. Documents may be created, but </a:t>
+              <a:t>, there must be significant and </a:t>
             </a:r>
             <a:r>
               <a:rPr lang="en-US" b="1" dirty="0" smtClean="0">
@@ -6726,7 +7482,7 @@
                   <a:schemeClr val="tx1"/>
                 </a:solidFill>
               </a:rPr>
-              <a:t>there is no attempt to capture all project information in writing</a:t>
+              <a:t>frequent interaction between the customers, developers and stakeholders</a:t>
             </a:r>
             <a:r>
               <a:rPr lang="en-US" dirty="0" smtClean="0">
@@ -6735,17 +7491,6 @@
                 </a:solidFill>
               </a:rPr>
               <a:t>.</a:t>
-            </a:r>
-          </a:p>
-          <a:p>
-            <a:pPr lvl="1"/>
-            <a:r>
-              <a:rPr lang="en-US" dirty="0" smtClean="0">
-                <a:solidFill>
-                  <a:schemeClr val="tx1"/>
-                </a:solidFill>
-              </a:rPr>
-              <a:t>An agile project team does not demand written specs, written plans or written designs.</a:t>
             </a:r>
           </a:p>
         </p:txBody>
@@ -6753,7 +7498,7 @@
     </p:spTree>
     <p:extLst>
       <p:ext uri="{BB962C8B-B14F-4D97-AF65-F5344CB8AC3E}">
-        <p14:creationId xmlns:p14="http://schemas.microsoft.com/office/powerpoint/2010/main" val="3373497987"/>
+        <p14:creationId xmlns:p14="http://schemas.microsoft.com/office/powerpoint/2010/main" val="3564536061"/>
       </p:ext>
     </p:extLst>
   </p:cSld>
@@ -6831,7 +7576,7 @@
                   <a:schemeClr val="tx1"/>
                 </a:solidFill>
               </a:rPr>
-              <a:t>7- </a:t>
+              <a:t>5- </a:t>
             </a:r>
             <a:r>
               <a:rPr lang="en-US" sz="2400" b="1" dirty="0" smtClean="0">
@@ -6839,7 +7584,7 @@
                   <a:srgbClr val="FF0000"/>
                 </a:solidFill>
               </a:rPr>
-              <a:t>Working software</a:t>
+              <a:t>Build project around motivated individuals</a:t>
             </a:r>
             <a:r>
               <a:rPr lang="en-US" sz="2400" b="1" dirty="0" smtClean="0">
@@ -6847,23 +7592,7 @@
                   <a:schemeClr val="tx1"/>
                 </a:solidFill>
               </a:rPr>
-              <a:t> is the </a:t>
-            </a:r>
-            <a:r>
-              <a:rPr lang="en-US" sz="2400" b="1" dirty="0" smtClean="0">
-                <a:solidFill>
-                  <a:srgbClr val="FF0000"/>
-                </a:solidFill>
-              </a:rPr>
-              <a:t>primary measure of progress</a:t>
-            </a:r>
-            <a:r>
-              <a:rPr lang="en-US" sz="2400" b="1" dirty="0" smtClean="0">
-                <a:solidFill>
-                  <a:schemeClr val="tx1"/>
-                </a:solidFill>
-              </a:rPr>
-              <a:t>.</a:t>
+              <a:t>. Give them the environment and support the need, and trust them to get the job done.</a:t>
             </a:r>
           </a:p>
           <a:p>
@@ -6877,12 +7606,20 @@
           <a:p>
             <a:pPr lvl="1"/>
             <a:r>
+              <a:rPr lang="en-US" dirty="0" smtClean="0">
+                <a:solidFill>
+                  <a:schemeClr val="tx1"/>
+                </a:solidFill>
+              </a:rPr>
+              <a:t>An agile project is one in which people are considered the </a:t>
+            </a:r>
+            <a:r>
               <a:rPr lang="en-US" b="1" dirty="0" smtClean="0">
                 <a:solidFill>
                   <a:schemeClr val="tx1"/>
                 </a:solidFill>
               </a:rPr>
-              <a:t>Agile team don’t measure their progress </a:t>
+              <a:t>most important factor of success</a:t>
             </a:r>
             <a:r>
               <a:rPr lang="en-US" dirty="0" smtClean="0">
@@ -6890,34 +7627,7 @@
                   <a:schemeClr val="tx1"/>
                 </a:solidFill>
               </a:rPr>
-              <a:t>in terms of phase that they are in or </a:t>
-            </a:r>
-            <a:r>
-              <a:rPr lang="en-US" b="1" dirty="0" smtClean="0">
-                <a:solidFill>
-                  <a:schemeClr val="tx1"/>
-                </a:solidFill>
-              </a:rPr>
-              <a:t>by the amount of infrastructure code they have created</a:t>
-            </a:r>
-            <a:r>
-              <a:rPr lang="en-US" dirty="0" smtClean="0">
-                <a:solidFill>
-                  <a:schemeClr val="tx1"/>
-                </a:solidFill>
-              </a:rPr>
               <a:t>.</a:t>
-            </a:r>
-          </a:p>
-          <a:p>
-            <a:pPr lvl="1"/>
-            <a:r>
-              <a:rPr lang="en-US" dirty="0" smtClean="0">
-                <a:solidFill>
-                  <a:schemeClr val="tx1"/>
-                </a:solidFill>
-              </a:rPr>
-              <a:t>They are 30% done when 30% of the necessary functionality is working.</a:t>
             </a:r>
           </a:p>
         </p:txBody>
@@ -6925,7 +7635,7 @@
     </p:spTree>
     <p:extLst>
       <p:ext uri="{BB962C8B-B14F-4D97-AF65-F5344CB8AC3E}">
-        <p14:creationId xmlns:p14="http://schemas.microsoft.com/office/powerpoint/2010/main" val="6786080"/>
+        <p14:creationId xmlns:p14="http://schemas.microsoft.com/office/powerpoint/2010/main" val="81437376"/>
       </p:ext>
     </p:extLst>
   </p:cSld>
@@ -7003,7 +7713,7 @@
                   <a:schemeClr val="tx1"/>
                 </a:solidFill>
               </a:rPr>
-              <a:t>8- </a:t>
+              <a:t>6- </a:t>
             </a:r>
             <a:r>
               <a:rPr lang="en-US" sz="2400" b="1" dirty="0" smtClean="0">
@@ -7011,7 +7721,7 @@
                   <a:srgbClr val="FF0000"/>
                 </a:solidFill>
               </a:rPr>
-              <a:t>Agile processes promote sustainable development</a:t>
+              <a:t>The most efficient and effective method of conveying information </a:t>
             </a:r>
             <a:r>
               <a:rPr lang="en-US" sz="2400" b="1" dirty="0" smtClean="0">
@@ -7019,7 +7729,23 @@
                   <a:schemeClr val="tx1"/>
                 </a:solidFill>
               </a:rPr>
-              <a:t>. The sponsors, developers, and users should be able to maintain a constant pace indefinitely.</a:t>
+              <a:t>to and within a development team is </a:t>
+            </a:r>
+            <a:r>
+              <a:rPr lang="en-US" sz="2400" b="1" dirty="0" smtClean="0">
+                <a:solidFill>
+                  <a:srgbClr val="FF0000"/>
+                </a:solidFill>
+              </a:rPr>
+              <a:t>face-to-face conversation</a:t>
+            </a:r>
+            <a:r>
+              <a:rPr lang="en-US" sz="2400" b="1" dirty="0" smtClean="0">
+                <a:solidFill>
+                  <a:schemeClr val="tx1"/>
+                </a:solidFill>
+              </a:rPr>
+              <a:t>.</a:t>
             </a:r>
           </a:p>
           <a:p>
@@ -7033,12 +7759,20 @@
           <a:p>
             <a:pPr lvl="1"/>
             <a:r>
+              <a:rPr lang="en-US" dirty="0" smtClean="0">
+                <a:solidFill>
+                  <a:schemeClr val="tx1"/>
+                </a:solidFill>
+              </a:rPr>
+              <a:t>The primary mode of communication is conversation. Documents may be created, but </a:t>
+            </a:r>
+            <a:r>
               <a:rPr lang="en-US" b="1" dirty="0" smtClean="0">
                 <a:solidFill>
                   <a:schemeClr val="tx1"/>
                 </a:solidFill>
               </a:rPr>
-              <a:t>The agile team does not take off at full speed </a:t>
+              <a:t>there is no attempt to capture all project information in writing</a:t>
             </a:r>
             <a:r>
               <a:rPr lang="en-US" dirty="0" smtClean="0">
@@ -7046,26 +7780,18 @@
                   <a:schemeClr val="tx1"/>
                 </a:solidFill>
               </a:rPr>
-              <a:t>and try to maintain that speed for duration. Rather they run at a fast, but sustainable, pace.</a:t>
-            </a:r>
-          </a:p>
-          <a:p>
-            <a:pPr lvl="1"/>
-            <a:r>
-              <a:rPr lang="en-US" b="1" dirty="0" smtClean="0">
-                <a:solidFill>
-                  <a:srgbClr val="FF0000"/>
-                </a:solidFill>
-              </a:rPr>
-              <a:t>They work at a rate that allows them to maintain the highest quality standards</a:t>
-            </a:r>
+              <a:t>.</a:t>
+            </a:r>
+          </a:p>
+          <a:p>
+            <a:pPr lvl="1"/>
             <a:r>
               <a:rPr lang="en-US" dirty="0" smtClean="0">
                 <a:solidFill>
                   <a:schemeClr val="tx1"/>
                 </a:solidFill>
               </a:rPr>
-              <a:t> for the duration of the project.</a:t>
+              <a:t>An agile project team does not demand written specs, written plans or written designs.</a:t>
             </a:r>
           </a:p>
         </p:txBody>
@@ -7073,7 +7799,7 @@
     </p:spTree>
     <p:extLst>
       <p:ext uri="{BB962C8B-B14F-4D97-AF65-F5344CB8AC3E}">
-        <p14:creationId xmlns:p14="http://schemas.microsoft.com/office/powerpoint/2010/main" val="1621845704"/>
+        <p14:creationId xmlns:p14="http://schemas.microsoft.com/office/powerpoint/2010/main" val="3373497987"/>
       </p:ext>
     </p:extLst>
   </p:cSld>
@@ -7151,7 +7877,7 @@
                   <a:schemeClr val="tx1"/>
                 </a:solidFill>
               </a:rPr>
-              <a:t>9- </a:t>
+              <a:t>7- </a:t>
             </a:r>
             <a:r>
               <a:rPr lang="en-US" sz="2400" b="1" dirty="0" smtClean="0">
@@ -7159,7 +7885,7 @@
                   <a:srgbClr val="FF0000"/>
                 </a:solidFill>
               </a:rPr>
-              <a:t>Continuous attention to technical excellence</a:t>
+              <a:t>Working software</a:t>
             </a:r>
             <a:r>
               <a:rPr lang="en-US" sz="2400" b="1" dirty="0" smtClean="0">
@@ -7167,7 +7893,23 @@
                   <a:schemeClr val="tx1"/>
                 </a:solidFill>
               </a:rPr>
-              <a:t> and good design enhances agility.</a:t>
+              <a:t> is the </a:t>
+            </a:r>
+            <a:r>
+              <a:rPr lang="en-US" sz="2400" b="1" dirty="0" smtClean="0">
+                <a:solidFill>
+                  <a:srgbClr val="FF0000"/>
+                </a:solidFill>
+              </a:rPr>
+              <a:t>primary measure of progress</a:t>
+            </a:r>
+            <a:r>
+              <a:rPr lang="en-US" sz="2400" b="1" dirty="0" smtClean="0">
+                <a:solidFill>
+                  <a:schemeClr val="tx1"/>
+                </a:solidFill>
+              </a:rPr>
+              <a:t>.</a:t>
             </a:r>
           </a:p>
           <a:p>
@@ -7183,10 +7925,18 @@
             <a:r>
               <a:rPr lang="en-US" b="1" dirty="0" smtClean="0">
                 <a:solidFill>
-                  <a:srgbClr val="FF0000"/>
-                </a:solidFill>
-              </a:rPr>
-              <a:t>High quality is the key to high speed</a:t>
+                  <a:schemeClr val="tx1"/>
+                </a:solidFill>
+              </a:rPr>
+              <a:t>Agile team don’t measure their progress </a:t>
+            </a:r>
+            <a:r>
+              <a:rPr lang="en-US" dirty="0" smtClean="0">
+                <a:solidFill>
+                  <a:schemeClr val="tx1"/>
+                </a:solidFill>
+              </a:rPr>
+              <a:t>in terms of phase that they are in or </a:t>
             </a:r>
             <a:r>
               <a:rPr lang="en-US" b="1" dirty="0" smtClean="0">
@@ -7194,7 +7944,7 @@
                   <a:schemeClr val="tx1"/>
                 </a:solidFill>
               </a:rPr>
-              <a:t>. </a:t>
+              <a:t>by the amount of infrastructure code they have created</a:t>
             </a:r>
             <a:r>
               <a:rPr lang="en-US" dirty="0" smtClean="0">
@@ -7202,7 +7952,7 @@
                   <a:schemeClr val="tx1"/>
                 </a:solidFill>
               </a:rPr>
-              <a:t>The way to go fast is to keep the software as clean and robust as possible.</a:t>
+              <a:t>.</a:t>
             </a:r>
           </a:p>
           <a:p>
@@ -7213,7 +7963,7 @@
                   <a:schemeClr val="tx1"/>
                 </a:solidFill>
               </a:rPr>
-              <a:t>They don’t make messes and then tell themselves they'll clean it when they have more time.</a:t>
+              <a:t>They are 30% done when 30% of the necessary functionality is working.</a:t>
             </a:r>
           </a:p>
         </p:txBody>
@@ -7221,7 +7971,7 @@
     </p:spTree>
     <p:extLst>
       <p:ext uri="{BB962C8B-B14F-4D97-AF65-F5344CB8AC3E}">
-        <p14:creationId xmlns:p14="http://schemas.microsoft.com/office/powerpoint/2010/main" val="1783716179"/>
+        <p14:creationId xmlns:p14="http://schemas.microsoft.com/office/powerpoint/2010/main" val="6786080"/>
       </p:ext>
     </p:extLst>
   </p:cSld>
@@ -7299,7 +8049,23 @@
                   <a:schemeClr val="tx1"/>
                 </a:solidFill>
               </a:rPr>
-              <a:t>10- Simplicity—the art of maximizing the amount of work not done—is essential</a:t>
+              <a:t>8- </a:t>
+            </a:r>
+            <a:r>
+              <a:rPr lang="en-US" sz="2400" b="1" dirty="0" smtClean="0">
+                <a:solidFill>
+                  <a:srgbClr val="FF0000"/>
+                </a:solidFill>
+              </a:rPr>
+              <a:t>Agile processes promote sustainable development</a:t>
+            </a:r>
+            <a:r>
+              <a:rPr lang="en-US" sz="2400" b="1" dirty="0" smtClean="0">
+                <a:solidFill>
+                  <a:schemeClr val="tx1"/>
+                </a:solidFill>
+              </a:rPr>
+              <a:t>. The sponsors, developers, and users should be able to maintain a constant pace indefinitely.</a:t>
             </a:r>
           </a:p>
           <a:p>
@@ -7312,26 +8078,48 @@
           </a:p>
           <a:p>
             <a:pPr lvl="1"/>
-            <a:endParaRPr lang="en-US" sz="2400" b="1" dirty="0" smtClean="0">
-              <a:solidFill>
-                <a:schemeClr val="tx1"/>
-              </a:solidFill>
-            </a:endParaRPr>
-          </a:p>
-          <a:p>
-            <a:pPr lvl="1"/>
-            <a:endParaRPr lang="en-US" sz="2400" b="1" dirty="0">
-              <a:solidFill>
-                <a:schemeClr val="tx1"/>
-              </a:solidFill>
-            </a:endParaRPr>
+            <a:r>
+              <a:rPr lang="en-US" b="1" dirty="0" smtClean="0">
+                <a:solidFill>
+                  <a:schemeClr val="tx1"/>
+                </a:solidFill>
+              </a:rPr>
+              <a:t>The agile team does not take off at full speed </a:t>
+            </a:r>
+            <a:r>
+              <a:rPr lang="en-US" dirty="0" smtClean="0">
+                <a:solidFill>
+                  <a:schemeClr val="tx1"/>
+                </a:solidFill>
+              </a:rPr>
+              <a:t>and try to maintain that speed for duration. Rather they run at a fast, but sustainable, pace.</a:t>
+            </a:r>
+          </a:p>
+          <a:p>
+            <a:pPr lvl="1"/>
+            <a:r>
+              <a:rPr lang="en-US" b="1" dirty="0" smtClean="0">
+                <a:solidFill>
+                  <a:srgbClr val="FF0000"/>
+                </a:solidFill>
+              </a:rPr>
+              <a:t>They work at a rate that allows them to maintain the highest quality standards</a:t>
+            </a:r>
+            <a:r>
+              <a:rPr lang="en-US" dirty="0" smtClean="0">
+                <a:solidFill>
+                  <a:schemeClr val="tx1"/>
+                </a:solidFill>
+              </a:rPr>
+              <a:t> for the duration of the project.</a:t>
+            </a:r>
           </a:p>
         </p:txBody>
       </p:sp>
     </p:spTree>
     <p:extLst>
       <p:ext uri="{BB962C8B-B14F-4D97-AF65-F5344CB8AC3E}">
-        <p14:creationId xmlns:p14="http://schemas.microsoft.com/office/powerpoint/2010/main" val="3264131792"/>
+        <p14:creationId xmlns:p14="http://schemas.microsoft.com/office/powerpoint/2010/main" val="1621845704"/>
       </p:ext>
     </p:extLst>
   </p:cSld>
@@ -7409,100 +8197,27 @@
                   <a:schemeClr val="tx1"/>
                 </a:solidFill>
               </a:rPr>
-              <a:t>11- </a:t>
-            </a:r>
-            <a:r>
-              <a:rPr lang="en-US" sz="2400" b="1" dirty="0">
-                <a:solidFill>
-                  <a:schemeClr val="tx1"/>
-                </a:solidFill>
-              </a:rPr>
-              <a:t>The best architectures, requirements, designs </a:t>
-            </a:r>
-            <a:r>
-              <a:rPr lang="en-US" sz="2400" b="1" dirty="0">
+              <a:t>9- </a:t>
+            </a:r>
+            <a:r>
+              <a:rPr lang="en-US" sz="2400" b="1" dirty="0" smtClean="0">
                 <a:solidFill>
                   <a:srgbClr val="FF0000"/>
                 </a:solidFill>
               </a:rPr>
-              <a:t>emerge from self-organizing </a:t>
+              <a:t>Continuous attention to technical excellence</a:t>
             </a:r>
             <a:r>
               <a:rPr lang="en-US" sz="2400" b="1" dirty="0" smtClean="0">
                 <a:solidFill>
-                  <a:srgbClr val="FF0000"/>
-                </a:solidFill>
-              </a:rPr>
-              <a:t>teams.</a:t>
-            </a:r>
-          </a:p>
-          <a:p>
-            <a:pPr marL="201168" lvl="1" indent="0">
-              <a:buNone/>
-            </a:pPr>
-            <a:endParaRPr lang="en-US" sz="2400" b="1" dirty="0" smtClean="0">
-              <a:solidFill>
-                <a:schemeClr val="tx1"/>
-              </a:solidFill>
-            </a:endParaRPr>
-          </a:p>
-          <a:p>
-            <a:pPr lvl="1">
-              <a:buClr>
-                <a:srgbClr val="1CADE4"/>
-              </a:buClr>
-            </a:pPr>
-            <a:r>
-              <a:rPr lang="en-US" dirty="0" smtClean="0">
-                <a:solidFill>
-                  <a:prstClr val="black"/>
-                </a:solidFill>
-              </a:rPr>
-              <a:t>An agile team is a self-organizing team. </a:t>
-            </a:r>
-            <a:r>
-              <a:rPr lang="en-US" b="1" dirty="0" smtClean="0">
-                <a:solidFill>
-                  <a:prstClr val="black"/>
-                </a:solidFill>
-              </a:rPr>
-              <a:t>Responsibilities are not handed to individuals team members from the outside.</a:t>
-            </a:r>
-          </a:p>
-          <a:p>
-            <a:pPr lvl="1">
-              <a:buClr>
-                <a:srgbClr val="1CADE4"/>
-              </a:buClr>
-            </a:pPr>
-            <a:r>
-              <a:rPr lang="en-US" dirty="0" smtClean="0">
-                <a:solidFill>
-                  <a:prstClr val="black"/>
-                </a:solidFill>
-              </a:rPr>
-              <a:t>Responsibilities are communicated to the team as whole, and </a:t>
-            </a:r>
-            <a:r>
-              <a:rPr lang="en-US" b="1" dirty="0" smtClean="0">
-                <a:solidFill>
-                  <a:prstClr val="black"/>
-                </a:solidFill>
-              </a:rPr>
-              <a:t>the team determines the best way to fulfill them.</a:t>
-            </a:r>
-            <a:endParaRPr lang="en-US" sz="2400" b="1" dirty="0">
-              <a:solidFill>
-                <a:prstClr val="black"/>
-              </a:solidFill>
-            </a:endParaRPr>
-          </a:p>
-          <a:p>
-            <a:pPr lvl="1">
-              <a:buClr>
-                <a:srgbClr val="1CADE4"/>
-              </a:buClr>
-            </a:pPr>
+                  <a:schemeClr val="tx1"/>
+                </a:solidFill>
+              </a:rPr>
+              <a:t> and good design enhances agility.</a:t>
+            </a:r>
+          </a:p>
+          <a:p>
+            <a:pPr lvl="1"/>
             <a:endParaRPr lang="en-US" sz="2400" b="1" dirty="0">
               <a:solidFill>
                 <a:schemeClr val="tx1"/>
@@ -7511,26 +8226,48 @@
           </a:p>
           <a:p>
             <a:pPr lvl="1"/>
-            <a:endParaRPr lang="en-US" sz="2400" b="1" dirty="0">
-              <a:solidFill>
-                <a:schemeClr val="tx1"/>
-              </a:solidFill>
-            </a:endParaRPr>
-          </a:p>
-          <a:p>
-            <a:pPr lvl="1"/>
-            <a:endParaRPr lang="en-US" sz="2400" b="1" dirty="0">
-              <a:solidFill>
-                <a:schemeClr val="tx1"/>
-              </a:solidFill>
-            </a:endParaRPr>
+            <a:r>
+              <a:rPr lang="en-US" b="1" dirty="0" smtClean="0">
+                <a:solidFill>
+                  <a:srgbClr val="FF0000"/>
+                </a:solidFill>
+              </a:rPr>
+              <a:t>High quality is the key to high speed</a:t>
+            </a:r>
+            <a:r>
+              <a:rPr lang="en-US" b="1" dirty="0" smtClean="0">
+                <a:solidFill>
+                  <a:schemeClr val="tx1"/>
+                </a:solidFill>
+              </a:rPr>
+              <a:t>. </a:t>
+            </a:r>
+            <a:r>
+              <a:rPr lang="en-US" dirty="0" smtClean="0">
+                <a:solidFill>
+                  <a:schemeClr val="tx1"/>
+                </a:solidFill>
+              </a:rPr>
+              <a:t>The way to go fast is to keep the software as clean and robust as possible.</a:t>
+            </a:r>
+          </a:p>
+          <a:p>
+            <a:pPr lvl="1"/>
+            <a:r>
+              <a:rPr lang="en-US" dirty="0" smtClean="0">
+                <a:solidFill>
+                  <a:schemeClr val="tx1"/>
+                </a:solidFill>
+              </a:rPr>
+              <a:t>They don’t make messes and then tell themselves they'll clean it when they have more time.</a:t>
+            </a:r>
           </a:p>
         </p:txBody>
       </p:sp>
     </p:spTree>
     <p:extLst>
       <p:ext uri="{BB962C8B-B14F-4D97-AF65-F5344CB8AC3E}">
-        <p14:creationId xmlns:p14="http://schemas.microsoft.com/office/powerpoint/2010/main" val="3635266435"/>
+        <p14:creationId xmlns:p14="http://schemas.microsoft.com/office/powerpoint/2010/main" val="1783716179"/>
       </p:ext>
     </p:extLst>
   </p:cSld>
@@ -7608,50 +8345,19 @@
                   <a:schemeClr val="tx1"/>
                 </a:solidFill>
               </a:rPr>
-              <a:t>12- </a:t>
-            </a:r>
-            <a:r>
-              <a:rPr lang="en-US" sz="2400" b="1" dirty="0" smtClean="0">
-                <a:solidFill>
-                  <a:srgbClr val="FF0000"/>
-                </a:solidFill>
-              </a:rPr>
-              <a:t>At regular intervals</a:t>
-            </a:r>
-            <a:r>
-              <a:rPr lang="en-US" sz="2400" b="1" dirty="0" smtClean="0">
-                <a:solidFill>
-                  <a:schemeClr val="tx1"/>
-                </a:solidFill>
-              </a:rPr>
-              <a:t>, </a:t>
-            </a:r>
-            <a:r>
-              <a:rPr lang="en-US" sz="2400" b="1" dirty="0" smtClean="0">
-                <a:solidFill>
-                  <a:srgbClr val="FF0000"/>
-                </a:solidFill>
-              </a:rPr>
-              <a:t>the team reflects on how to become more effective</a:t>
-            </a:r>
-            <a:r>
-              <a:rPr lang="en-US" sz="2400" b="1" dirty="0" smtClean="0">
-                <a:solidFill>
-                  <a:schemeClr val="tx1"/>
-                </a:solidFill>
-              </a:rPr>
-              <a:t>, then tunes and adjusts it’s behavior accordingly.</a:t>
-            </a:r>
-            <a:endParaRPr lang="en-US" sz="2400" b="1" dirty="0" smtClean="0">
+              <a:t>10- Simplicity—the art of maximizing the amount of work not done—is essential</a:t>
+            </a:r>
+          </a:p>
+          <a:p>
+            <a:pPr lvl="1"/>
+            <a:endParaRPr lang="en-US" sz="2400" b="1" dirty="0">
               <a:solidFill>
-                <a:srgbClr val="FF0000"/>
+                <a:schemeClr val="tx1"/>
               </a:solidFill>
             </a:endParaRPr>
           </a:p>
           <a:p>
-            <a:pPr marL="201168" lvl="1" indent="0">
-              <a:buNone/>
-            </a:pPr>
+            <a:pPr lvl="1"/>
             <a:endParaRPr lang="en-US" sz="2400" b="1" dirty="0" smtClean="0">
               <a:solidFill>
                 <a:schemeClr val="tx1"/>
@@ -7659,90 +8365,19 @@
             </a:endParaRPr>
           </a:p>
           <a:p>
-            <a:pPr lvl="1">
-              <a:buClr>
-                <a:srgbClr val="1CADE4"/>
-              </a:buClr>
-            </a:pPr>
-            <a:r>
-              <a:rPr lang="en-US" dirty="0" smtClean="0">
-                <a:solidFill>
-                  <a:prstClr val="black"/>
-                </a:solidFill>
-              </a:rPr>
-              <a:t>An agile team is a self-organizing team. </a:t>
-            </a:r>
-            <a:r>
-              <a:rPr lang="en-US" b="1" dirty="0" smtClean="0">
-                <a:solidFill>
-                  <a:prstClr val="black"/>
-                </a:solidFill>
-              </a:rPr>
-              <a:t>Responsibilities are not handed to individuals team members from the outside.</a:t>
-            </a:r>
-          </a:p>
-          <a:p>
-            <a:pPr lvl="1">
-              <a:buClr>
-                <a:srgbClr val="1CADE4"/>
-              </a:buClr>
-            </a:pPr>
-            <a:r>
-              <a:rPr lang="en-US" dirty="0" smtClean="0">
-                <a:solidFill>
-                  <a:prstClr val="black"/>
-                </a:solidFill>
-              </a:rPr>
-              <a:t>Responsibilities are communicated to the team as whole, and </a:t>
-            </a:r>
-            <a:r>
-              <a:rPr lang="en-US" b="1" dirty="0" smtClean="0">
-                <a:solidFill>
-                  <a:prstClr val="black"/>
-                </a:solidFill>
-              </a:rPr>
-              <a:t>the team determines the best way to fulfill them.</a:t>
-            </a:r>
-            <a:endParaRPr lang="en-US" sz="2400" b="1" dirty="0">
-              <a:solidFill>
-                <a:prstClr val="black"/>
-              </a:solidFill>
-            </a:endParaRPr>
-          </a:p>
-          <a:p>
-            <a:pPr lvl="1">
-              <a:buClr>
-                <a:srgbClr val="1CADE4"/>
-              </a:buClr>
-            </a:pPr>
+            <a:pPr lvl="1"/>
             <a:endParaRPr lang="en-US" sz="2400" b="1" dirty="0">
               <a:solidFill>
                 <a:schemeClr val="tx1"/>
               </a:solidFill>
             </a:endParaRPr>
           </a:p>
-          <a:p>
-            <a:pPr lvl="1"/>
-            <a:endParaRPr lang="en-US" sz="2400" b="1" dirty="0">
-              <a:solidFill>
-                <a:schemeClr val="tx1"/>
-              </a:solidFill>
-            </a:endParaRPr>
-          </a:p>
-          <a:p>
-            <a:pPr lvl="1"/>
-            <a:endParaRPr lang="en-US" sz="2400" b="1" dirty="0">
-              <a:solidFill>
-                <a:schemeClr val="tx1"/>
-              </a:solidFill>
-            </a:endParaRPr>
-          </a:p>
         </p:txBody>
       </p:sp>
     </p:spTree>
     <p:extLst>
       <p:ext uri="{BB962C8B-B14F-4D97-AF65-F5344CB8AC3E}">
-        <p14:creationId xmlns:p14="http://schemas.microsoft.com/office/powerpoint/2010/main" val="182062444"/>
+        <p14:creationId xmlns:p14="http://schemas.microsoft.com/office/powerpoint/2010/main" val="3264131792"/>
       </p:ext>
     </p:extLst>
   </p:cSld>
@@ -7903,6 +8538,417 @@
 </p:sld>
 </file>
 
+<file path=ppt/slides/slide30.xml><?xml version="1.0" encoding="utf-8"?>
+<p:sld xmlns:a="http://schemas.openxmlformats.org/drawingml/2006/main" xmlns:r="http://schemas.openxmlformats.org/officeDocument/2006/relationships" xmlns:p="http://schemas.openxmlformats.org/presentationml/2006/main">
+  <p:cSld>
+    <p:spTree>
+      <p:nvGrpSpPr>
+        <p:cNvPr id="1" name=""/>
+        <p:cNvGrpSpPr/>
+        <p:nvPr/>
+      </p:nvGrpSpPr>
+      <p:grpSpPr>
+        <a:xfrm>
+          <a:off x="0" y="0"/>
+          <a:ext cx="0" cy="0"/>
+          <a:chOff x="0" y="0"/>
+          <a:chExt cx="0" cy="0"/>
+        </a:xfrm>
+      </p:grpSpPr>
+      <p:sp>
+        <p:nvSpPr>
+          <p:cNvPr id="2" name="Title 1"/>
+          <p:cNvSpPr>
+            <a:spLocks noGrp="1"/>
+          </p:cNvSpPr>
+          <p:nvPr>
+            <p:ph type="title"/>
+          </p:nvPr>
+        </p:nvSpPr>
+        <p:spPr/>
+        <p:txBody>
+          <a:bodyPr/>
+          <a:lstStyle/>
+          <a:p>
+            <a:r>
+              <a:rPr lang="en-US" sz="3200" b="1" dirty="0" smtClean="0">
+                <a:solidFill>
+                  <a:schemeClr val="tx1"/>
+                </a:solidFill>
+              </a:rPr>
+              <a:t>Agile principles</a:t>
+            </a:r>
+            <a:endParaRPr lang="en-US" dirty="0"/>
+          </a:p>
+        </p:txBody>
+      </p:sp>
+      <p:sp>
+        <p:nvSpPr>
+          <p:cNvPr id="3" name="Content Placeholder 2"/>
+          <p:cNvSpPr>
+            <a:spLocks noGrp="1"/>
+          </p:cNvSpPr>
+          <p:nvPr>
+            <p:ph idx="1"/>
+          </p:nvPr>
+        </p:nvSpPr>
+        <p:spPr/>
+        <p:txBody>
+          <a:bodyPr>
+            <a:normAutofit/>
+          </a:bodyPr>
+          <a:lstStyle/>
+          <a:p>
+            <a:pPr lvl="1"/>
+            <a:r>
+              <a:rPr lang="en-US" sz="2400" b="1" dirty="0" smtClean="0">
+                <a:solidFill>
+                  <a:schemeClr val="tx1"/>
+                </a:solidFill>
+              </a:rPr>
+              <a:t>11- </a:t>
+            </a:r>
+            <a:r>
+              <a:rPr lang="en-US" sz="2400" b="1" dirty="0">
+                <a:solidFill>
+                  <a:schemeClr val="tx1"/>
+                </a:solidFill>
+              </a:rPr>
+              <a:t>The best architectures, requirements, designs </a:t>
+            </a:r>
+            <a:r>
+              <a:rPr lang="en-US" sz="2400" b="1" dirty="0">
+                <a:solidFill>
+                  <a:srgbClr val="FF0000"/>
+                </a:solidFill>
+              </a:rPr>
+              <a:t>emerge from self-organizing </a:t>
+            </a:r>
+            <a:r>
+              <a:rPr lang="en-US" sz="2400" b="1" dirty="0" smtClean="0">
+                <a:solidFill>
+                  <a:srgbClr val="FF0000"/>
+                </a:solidFill>
+              </a:rPr>
+              <a:t>teams.</a:t>
+            </a:r>
+          </a:p>
+          <a:p>
+            <a:pPr marL="201168" lvl="1" indent="0">
+              <a:buNone/>
+            </a:pPr>
+            <a:endParaRPr lang="en-US" sz="2400" b="1" dirty="0" smtClean="0">
+              <a:solidFill>
+                <a:schemeClr val="tx1"/>
+              </a:solidFill>
+            </a:endParaRPr>
+          </a:p>
+          <a:p>
+            <a:pPr lvl="1">
+              <a:buClr>
+                <a:srgbClr val="1CADE4"/>
+              </a:buClr>
+            </a:pPr>
+            <a:r>
+              <a:rPr lang="en-US" dirty="0" smtClean="0">
+                <a:solidFill>
+                  <a:prstClr val="black"/>
+                </a:solidFill>
+              </a:rPr>
+              <a:t>An agile team is a self-organizing team. </a:t>
+            </a:r>
+            <a:r>
+              <a:rPr lang="en-US" b="1" dirty="0" smtClean="0">
+                <a:solidFill>
+                  <a:prstClr val="black"/>
+                </a:solidFill>
+              </a:rPr>
+              <a:t>Responsibilities are not handed to individuals team members from the outside.</a:t>
+            </a:r>
+          </a:p>
+          <a:p>
+            <a:pPr lvl="1">
+              <a:buClr>
+                <a:srgbClr val="1CADE4"/>
+              </a:buClr>
+            </a:pPr>
+            <a:r>
+              <a:rPr lang="en-US" dirty="0" smtClean="0">
+                <a:solidFill>
+                  <a:prstClr val="black"/>
+                </a:solidFill>
+              </a:rPr>
+              <a:t>Responsibilities are communicated to the team as whole, and </a:t>
+            </a:r>
+            <a:r>
+              <a:rPr lang="en-US" b="1" dirty="0" smtClean="0">
+                <a:solidFill>
+                  <a:prstClr val="black"/>
+                </a:solidFill>
+              </a:rPr>
+              <a:t>the team determines the best way to fulfill them.</a:t>
+            </a:r>
+            <a:endParaRPr lang="en-US" sz="2400" b="1" dirty="0">
+              <a:solidFill>
+                <a:prstClr val="black"/>
+              </a:solidFill>
+            </a:endParaRPr>
+          </a:p>
+          <a:p>
+            <a:pPr lvl="1">
+              <a:buClr>
+                <a:srgbClr val="1CADE4"/>
+              </a:buClr>
+            </a:pPr>
+            <a:endParaRPr lang="en-US" sz="2400" b="1" dirty="0">
+              <a:solidFill>
+                <a:schemeClr val="tx1"/>
+              </a:solidFill>
+            </a:endParaRPr>
+          </a:p>
+          <a:p>
+            <a:pPr lvl="1"/>
+            <a:endParaRPr lang="en-US" sz="2400" b="1" dirty="0">
+              <a:solidFill>
+                <a:schemeClr val="tx1"/>
+              </a:solidFill>
+            </a:endParaRPr>
+          </a:p>
+          <a:p>
+            <a:pPr lvl="1"/>
+            <a:endParaRPr lang="en-US" sz="2400" b="1" dirty="0">
+              <a:solidFill>
+                <a:schemeClr val="tx1"/>
+              </a:solidFill>
+            </a:endParaRPr>
+          </a:p>
+        </p:txBody>
+      </p:sp>
+    </p:spTree>
+    <p:extLst>
+      <p:ext uri="{BB962C8B-B14F-4D97-AF65-F5344CB8AC3E}">
+        <p14:creationId xmlns:p14="http://schemas.microsoft.com/office/powerpoint/2010/main" val="3635266435"/>
+      </p:ext>
+    </p:extLst>
+  </p:cSld>
+  <p:clrMapOvr>
+    <a:masterClrMapping/>
+  </p:clrMapOvr>
+</p:sld>
+</file>
+
+<file path=ppt/slides/slide31.xml><?xml version="1.0" encoding="utf-8"?>
+<p:sld xmlns:a="http://schemas.openxmlformats.org/drawingml/2006/main" xmlns:r="http://schemas.openxmlformats.org/officeDocument/2006/relationships" xmlns:p="http://schemas.openxmlformats.org/presentationml/2006/main">
+  <p:cSld>
+    <p:spTree>
+      <p:nvGrpSpPr>
+        <p:cNvPr id="1" name=""/>
+        <p:cNvGrpSpPr/>
+        <p:nvPr/>
+      </p:nvGrpSpPr>
+      <p:grpSpPr>
+        <a:xfrm>
+          <a:off x="0" y="0"/>
+          <a:ext cx="0" cy="0"/>
+          <a:chOff x="0" y="0"/>
+          <a:chExt cx="0" cy="0"/>
+        </a:xfrm>
+      </p:grpSpPr>
+      <p:sp>
+        <p:nvSpPr>
+          <p:cNvPr id="2" name="Title 1"/>
+          <p:cNvSpPr>
+            <a:spLocks noGrp="1"/>
+          </p:cNvSpPr>
+          <p:nvPr>
+            <p:ph type="title"/>
+          </p:nvPr>
+        </p:nvSpPr>
+        <p:spPr/>
+        <p:txBody>
+          <a:bodyPr/>
+          <a:lstStyle/>
+          <a:p>
+            <a:r>
+              <a:rPr lang="en-US" sz="3200" b="1" dirty="0" smtClean="0">
+                <a:solidFill>
+                  <a:schemeClr val="tx1"/>
+                </a:solidFill>
+              </a:rPr>
+              <a:t>Agile principles</a:t>
+            </a:r>
+            <a:endParaRPr lang="en-US" dirty="0"/>
+          </a:p>
+        </p:txBody>
+      </p:sp>
+      <p:sp>
+        <p:nvSpPr>
+          <p:cNvPr id="3" name="Content Placeholder 2"/>
+          <p:cNvSpPr>
+            <a:spLocks noGrp="1"/>
+          </p:cNvSpPr>
+          <p:nvPr>
+            <p:ph idx="1"/>
+          </p:nvPr>
+        </p:nvSpPr>
+        <p:spPr/>
+        <p:txBody>
+          <a:bodyPr>
+            <a:normAutofit/>
+          </a:bodyPr>
+          <a:lstStyle/>
+          <a:p>
+            <a:pPr lvl="1"/>
+            <a:r>
+              <a:rPr lang="en-US" sz="2400" b="1" dirty="0" smtClean="0">
+                <a:solidFill>
+                  <a:schemeClr val="tx1"/>
+                </a:solidFill>
+              </a:rPr>
+              <a:t>12- </a:t>
+            </a:r>
+            <a:r>
+              <a:rPr lang="en-US" sz="2400" b="1" dirty="0" smtClean="0">
+                <a:solidFill>
+                  <a:srgbClr val="FF0000"/>
+                </a:solidFill>
+              </a:rPr>
+              <a:t>At regular intervals</a:t>
+            </a:r>
+            <a:r>
+              <a:rPr lang="en-US" sz="2400" b="1" dirty="0" smtClean="0">
+                <a:solidFill>
+                  <a:schemeClr val="tx1"/>
+                </a:solidFill>
+              </a:rPr>
+              <a:t>, </a:t>
+            </a:r>
+            <a:r>
+              <a:rPr lang="en-US" sz="2400" b="1" dirty="0" smtClean="0">
+                <a:solidFill>
+                  <a:srgbClr val="FF0000"/>
+                </a:solidFill>
+              </a:rPr>
+              <a:t>the team reflects on how to become more effective</a:t>
+            </a:r>
+            <a:r>
+              <a:rPr lang="en-US" sz="2400" b="1" dirty="0" smtClean="0">
+                <a:solidFill>
+                  <a:schemeClr val="tx1"/>
+                </a:solidFill>
+              </a:rPr>
+              <a:t>, then tunes and adjusts it’s behavior accordingly.</a:t>
+            </a:r>
+            <a:endParaRPr lang="en-US" sz="2400" b="1" dirty="0" smtClean="0">
+              <a:solidFill>
+                <a:srgbClr val="FF0000"/>
+              </a:solidFill>
+            </a:endParaRPr>
+          </a:p>
+          <a:p>
+            <a:pPr marL="201168" lvl="1" indent="0">
+              <a:buNone/>
+            </a:pPr>
+            <a:endParaRPr lang="en-US" sz="2400" b="1" dirty="0" smtClean="0">
+              <a:solidFill>
+                <a:schemeClr val="tx1"/>
+              </a:solidFill>
+            </a:endParaRPr>
+          </a:p>
+          <a:p>
+            <a:pPr lvl="1">
+              <a:buClr>
+                <a:srgbClr val="1CADE4"/>
+              </a:buClr>
+            </a:pPr>
+            <a:r>
+              <a:rPr lang="en-US" dirty="0" smtClean="0">
+                <a:solidFill>
+                  <a:prstClr val="black"/>
+                </a:solidFill>
+              </a:rPr>
+              <a:t>An agile team is a self-organizing team. </a:t>
+            </a:r>
+            <a:r>
+              <a:rPr lang="en-US" b="1" dirty="0" smtClean="0">
+                <a:solidFill>
+                  <a:prstClr val="black"/>
+                </a:solidFill>
+              </a:rPr>
+              <a:t>Responsibilities are not handed to individuals team members from the outside.</a:t>
+            </a:r>
+          </a:p>
+          <a:p>
+            <a:pPr lvl="1">
+              <a:buClr>
+                <a:srgbClr val="1CADE4"/>
+              </a:buClr>
+            </a:pPr>
+            <a:r>
+              <a:rPr lang="en-US" dirty="0" smtClean="0">
+                <a:solidFill>
+                  <a:prstClr val="black"/>
+                </a:solidFill>
+              </a:rPr>
+              <a:t>Responsibilities are communicated to the team as whole, and </a:t>
+            </a:r>
+            <a:r>
+              <a:rPr lang="en-US" b="1" dirty="0" smtClean="0">
+                <a:solidFill>
+                  <a:prstClr val="black"/>
+                </a:solidFill>
+              </a:rPr>
+              <a:t>the team determines the best way to fulfill them.</a:t>
+            </a:r>
+            <a:endParaRPr lang="en-US" sz="2400" b="1" dirty="0">
+              <a:solidFill>
+                <a:prstClr val="black"/>
+              </a:solidFill>
+            </a:endParaRPr>
+          </a:p>
+          <a:p>
+            <a:pPr lvl="1">
+              <a:buClr>
+                <a:srgbClr val="1CADE4"/>
+              </a:buClr>
+            </a:pPr>
+            <a:endParaRPr lang="en-US" sz="2400" b="1" dirty="0">
+              <a:solidFill>
+                <a:schemeClr val="tx1"/>
+              </a:solidFill>
+            </a:endParaRPr>
+          </a:p>
+          <a:p>
+            <a:pPr lvl="1"/>
+            <a:endParaRPr lang="en-US" sz="2400" b="1" dirty="0">
+              <a:solidFill>
+                <a:schemeClr val="tx1"/>
+              </a:solidFill>
+            </a:endParaRPr>
+          </a:p>
+          <a:p>
+            <a:pPr lvl="1"/>
+            <a:endParaRPr lang="en-US" sz="2400" b="1" dirty="0">
+              <a:solidFill>
+                <a:schemeClr val="tx1"/>
+              </a:solidFill>
+            </a:endParaRPr>
+          </a:p>
+        </p:txBody>
+      </p:sp>
+    </p:spTree>
+    <p:extLst>
+      <p:ext uri="{BB962C8B-B14F-4D97-AF65-F5344CB8AC3E}">
+        <p14:creationId xmlns:p14="http://schemas.microsoft.com/office/powerpoint/2010/main" val="182062444"/>
+      </p:ext>
+    </p:extLst>
+  </p:cSld>
+  <p:clrMapOvr>
+    <a:masterClrMapping/>
+  </p:clrMapOvr>
+</p:sld>
+</file>
+
 <file path=ppt/slides/slide4.xml><?xml version="1.0" encoding="utf-8"?>
 <p:sld xmlns:a="http://schemas.openxmlformats.org/drawingml/2006/main" xmlns:r="http://schemas.openxmlformats.org/officeDocument/2006/relationships" xmlns:p="http://schemas.openxmlformats.org/presentationml/2006/main">
   <p:cSld>
@@ -8357,15 +9403,7 @@
                 <a:ea typeface="+mj-ea"/>
                 <a:cs typeface="+mj-cs"/>
               </a:rPr>
-              <a:t> subdirectory in your current working directory. </a:t>
-            </a:r>
-            <a:r>
-              <a:rPr lang="en-US" spc="-50" dirty="0">
-                <a:latin typeface="+mj-lt"/>
-                <a:ea typeface="+mj-ea"/>
-                <a:cs typeface="+mj-cs"/>
-              </a:rPr>
-              <a:t>This will also create a new master branch. </a:t>
+              <a:t> subdirectory in your current working directory. This will also create a new master branch. </a:t>
             </a:r>
             <a:endParaRPr lang="en-US" spc="-50" dirty="0" smtClean="0">
               <a:latin typeface="+mj-lt"/>
@@ -9305,15 +10343,6 @@
               </a:rPr>
               <a:t> add --all will take any changed and untracked files in the repo and add them to the repo and update the repo's working tree.</a:t>
             </a:r>
-            <a:endParaRPr lang="en-US" spc="-50" dirty="0">
-              <a:solidFill>
-                <a:prstClr val="black">
-                  <a:lumMod val="75000"/>
-                  <a:lumOff val="25000"/>
-                </a:prstClr>
-              </a:solidFill>
-              <a:latin typeface="Calibri Light" panose="020F0302020204030204"/>
-            </a:endParaRPr>
           </a:p>
           <a:p>
             <a:pPr lvl="1"/>
@@ -9379,16 +10408,9 @@
           <a:p>
             <a:r>
               <a:rPr lang="en-US" sz="3200" dirty="0"/>
-              <a:t>Repo-to-repo collaboration: </a:t>
-            </a:r>
-            <a:r>
-              <a:rPr lang="en-US" sz="3200" b="1" dirty="0" err="1"/>
-              <a:t>git</a:t>
-            </a:r>
-            <a:r>
-              <a:rPr lang="en-US" sz="3200" b="1" dirty="0"/>
-              <a:t> push</a:t>
-            </a:r>
+              <a:t>Bare vs. cloned repositories</a:t>
+            </a:r>
+            <a:endParaRPr lang="en-US" sz="3200" b="1" dirty="0"/>
           </a:p>
         </p:txBody>
       </p:sp>
@@ -9410,18 +10432,240 @@
           <a:lstStyle/>
           <a:p>
             <a:pPr lvl="1"/>
-            <a:endParaRPr lang="en-US" spc="-50" dirty="0">
+            <a:r>
+              <a:rPr lang="en-US" spc="-50" dirty="0">
+                <a:latin typeface="+mj-lt"/>
+                <a:ea typeface="+mj-ea"/>
+                <a:cs typeface="+mj-cs"/>
+              </a:rPr>
+              <a:t>If you used </a:t>
+            </a:r>
+            <a:r>
+              <a:rPr lang="en-US" spc="-50" dirty="0" err="1">
+                <a:latin typeface="+mj-lt"/>
+                <a:ea typeface="+mj-ea"/>
+                <a:cs typeface="+mj-cs"/>
+              </a:rPr>
+              <a:t>git</a:t>
+            </a:r>
+            <a:r>
+              <a:rPr lang="en-US" spc="-50" dirty="0">
+                <a:latin typeface="+mj-lt"/>
+                <a:ea typeface="+mj-ea"/>
+                <a:cs typeface="+mj-cs"/>
+              </a:rPr>
+              <a:t> clone in the previous "Initializing a new Repository" section to set up your local repository, your repository is already configured for remote collaboration. </a:t>
+            </a:r>
+            <a:endParaRPr lang="en-US" spc="-50" dirty="0" smtClean="0">
               <a:latin typeface="+mj-lt"/>
               <a:ea typeface="+mj-ea"/>
               <a:cs typeface="+mj-cs"/>
             </a:endParaRPr>
           </a:p>
+          <a:p>
+            <a:pPr lvl="1"/>
+            <a:endParaRPr lang="en-US" spc="-50" dirty="0" smtClean="0">
+              <a:latin typeface="+mj-lt"/>
+              <a:ea typeface="+mj-ea"/>
+              <a:cs typeface="+mj-cs"/>
+            </a:endParaRPr>
+          </a:p>
+          <a:p>
+            <a:pPr lvl="1"/>
+            <a:r>
+              <a:rPr lang="en-US" spc="-50" dirty="0" err="1" smtClean="0">
+                <a:latin typeface="+mj-lt"/>
+                <a:ea typeface="+mj-ea"/>
+                <a:cs typeface="+mj-cs"/>
+              </a:rPr>
+              <a:t>git</a:t>
+            </a:r>
+            <a:r>
+              <a:rPr lang="en-US" spc="-50" dirty="0" smtClean="0">
+                <a:latin typeface="+mj-lt"/>
+                <a:ea typeface="+mj-ea"/>
+                <a:cs typeface="+mj-cs"/>
+              </a:rPr>
+              <a:t> </a:t>
+            </a:r>
+            <a:r>
+              <a:rPr lang="en-US" spc="-50" dirty="0">
+                <a:latin typeface="+mj-lt"/>
+                <a:ea typeface="+mj-ea"/>
+                <a:cs typeface="+mj-cs"/>
+              </a:rPr>
+              <a:t>clone will automatically configure your repo with a remote pointed to the </a:t>
+            </a:r>
+            <a:r>
+              <a:rPr lang="en-US" spc="-50" dirty="0" err="1">
+                <a:latin typeface="+mj-lt"/>
+                <a:ea typeface="+mj-ea"/>
+                <a:cs typeface="+mj-cs"/>
+              </a:rPr>
+              <a:t>Git</a:t>
+            </a:r>
+            <a:r>
+              <a:rPr lang="en-US" spc="-50" dirty="0">
+                <a:latin typeface="+mj-lt"/>
+                <a:ea typeface="+mj-ea"/>
+                <a:cs typeface="+mj-cs"/>
+              </a:rPr>
+              <a:t> URL you cloned it from. This means that once you make changes to a file and commit them, you can </a:t>
+            </a:r>
+            <a:r>
+              <a:rPr lang="en-US" spc="-50" dirty="0" err="1">
+                <a:latin typeface="+mj-lt"/>
+                <a:ea typeface="+mj-ea"/>
+                <a:cs typeface="+mj-cs"/>
+              </a:rPr>
+              <a:t>git</a:t>
+            </a:r>
+            <a:r>
+              <a:rPr lang="en-US" spc="-50" dirty="0">
+                <a:latin typeface="+mj-lt"/>
+                <a:ea typeface="+mj-ea"/>
+                <a:cs typeface="+mj-cs"/>
+              </a:rPr>
+              <a:t> push those changes to the remote repository.</a:t>
+            </a:r>
+          </a:p>
+          <a:p>
+            <a:pPr lvl="1"/>
+            <a:endParaRPr lang="en-US" spc="-50" dirty="0" smtClean="0">
+              <a:latin typeface="+mj-lt"/>
+              <a:ea typeface="+mj-ea"/>
+              <a:cs typeface="+mj-cs"/>
+            </a:endParaRPr>
+          </a:p>
+          <a:p>
+            <a:pPr lvl="1"/>
+            <a:r>
+              <a:rPr lang="en-US" spc="-50" dirty="0">
+                <a:latin typeface="+mj-lt"/>
+                <a:ea typeface="+mj-ea"/>
+                <a:cs typeface="+mj-cs"/>
+              </a:rPr>
+              <a:t>If you used </a:t>
+            </a:r>
+            <a:r>
+              <a:rPr lang="en-US" spc="-50" dirty="0" err="1">
+                <a:latin typeface="+mj-lt"/>
+                <a:ea typeface="+mj-ea"/>
+                <a:cs typeface="+mj-cs"/>
+              </a:rPr>
+              <a:t>git</a:t>
+            </a:r>
+            <a:r>
+              <a:rPr lang="en-US" spc="-50" dirty="0">
+                <a:latin typeface="+mj-lt"/>
+                <a:ea typeface="+mj-ea"/>
+                <a:cs typeface="+mj-cs"/>
+              </a:rPr>
+              <a:t> </a:t>
+            </a:r>
+            <a:r>
+              <a:rPr lang="en-US" spc="-50" dirty="0" err="1">
+                <a:latin typeface="+mj-lt"/>
+                <a:ea typeface="+mj-ea"/>
+                <a:cs typeface="+mj-cs"/>
+              </a:rPr>
+              <a:t>init</a:t>
+            </a:r>
+            <a:r>
+              <a:rPr lang="en-US" spc="-50" dirty="0">
+                <a:latin typeface="+mj-lt"/>
+                <a:ea typeface="+mj-ea"/>
+                <a:cs typeface="+mj-cs"/>
+              </a:rPr>
+              <a:t> to make a fresh repo, you'll have no remote repo to push changes to. A common pattern when initializing a new repo is to go to a hosted </a:t>
+            </a:r>
+            <a:r>
+              <a:rPr lang="en-US" spc="-50" dirty="0" err="1">
+                <a:latin typeface="+mj-lt"/>
+                <a:ea typeface="+mj-ea"/>
+                <a:cs typeface="+mj-cs"/>
+              </a:rPr>
+              <a:t>Git</a:t>
+            </a:r>
+            <a:r>
+              <a:rPr lang="en-US" spc="-50" dirty="0">
+                <a:latin typeface="+mj-lt"/>
+                <a:ea typeface="+mj-ea"/>
+                <a:cs typeface="+mj-cs"/>
+              </a:rPr>
+              <a:t> service like </a:t>
+            </a:r>
+            <a:r>
+              <a:rPr lang="en-US" spc="-50" dirty="0" smtClean="0">
+                <a:latin typeface="+mj-lt"/>
+                <a:ea typeface="+mj-ea"/>
+                <a:cs typeface="+mj-cs"/>
+              </a:rPr>
+              <a:t>GitHub </a:t>
+            </a:r>
+            <a:r>
+              <a:rPr lang="en-US" spc="-50" dirty="0">
+                <a:latin typeface="+mj-lt"/>
+                <a:ea typeface="+mj-ea"/>
+                <a:cs typeface="+mj-cs"/>
+              </a:rPr>
+              <a:t>and create a repo there. The service will provide a </a:t>
+            </a:r>
+            <a:r>
+              <a:rPr lang="en-US" spc="-50" dirty="0" err="1">
+                <a:latin typeface="+mj-lt"/>
+                <a:ea typeface="+mj-ea"/>
+                <a:cs typeface="+mj-cs"/>
+              </a:rPr>
+              <a:t>Git</a:t>
+            </a:r>
+            <a:r>
+              <a:rPr lang="en-US" spc="-50" dirty="0">
+                <a:latin typeface="+mj-lt"/>
+                <a:ea typeface="+mj-ea"/>
+                <a:cs typeface="+mj-cs"/>
+              </a:rPr>
+              <a:t> URL that you can then add to your local </a:t>
+            </a:r>
+            <a:r>
+              <a:rPr lang="en-US" spc="-50" dirty="0" err="1">
+                <a:latin typeface="+mj-lt"/>
+                <a:ea typeface="+mj-ea"/>
+                <a:cs typeface="+mj-cs"/>
+              </a:rPr>
+              <a:t>Git</a:t>
+            </a:r>
+            <a:r>
+              <a:rPr lang="en-US" spc="-50" dirty="0">
+                <a:latin typeface="+mj-lt"/>
+                <a:ea typeface="+mj-ea"/>
+                <a:cs typeface="+mj-cs"/>
+              </a:rPr>
+              <a:t> repository and </a:t>
+            </a:r>
+            <a:r>
+              <a:rPr lang="en-US" spc="-50" dirty="0" err="1">
+                <a:latin typeface="+mj-lt"/>
+                <a:ea typeface="+mj-ea"/>
+                <a:cs typeface="+mj-cs"/>
+              </a:rPr>
+              <a:t>git</a:t>
+            </a:r>
+            <a:r>
+              <a:rPr lang="en-US" spc="-50" dirty="0">
+                <a:latin typeface="+mj-lt"/>
+                <a:ea typeface="+mj-ea"/>
+                <a:cs typeface="+mj-cs"/>
+              </a:rPr>
+              <a:t> push to the hosted repo. </a:t>
+            </a:r>
+          </a:p>
         </p:txBody>
       </p:sp>
     </p:spTree>
     <p:extLst>
       <p:ext uri="{BB962C8B-B14F-4D97-AF65-F5344CB8AC3E}">
-        <p14:creationId xmlns:p14="http://schemas.microsoft.com/office/powerpoint/2010/main" val="1635055525"/>
+        <p14:creationId xmlns:p14="http://schemas.microsoft.com/office/powerpoint/2010/main" val="769119695"/>
       </p:ext>
     </p:extLst>
   </p:cSld>

--- a/session1/Version Control.pptx
+++ b/session1/Version Control.pptx
@@ -9,9 +9,9 @@
     <p:sldId id="258" r:id="rId3"/>
     <p:sldId id="259" r:id="rId4"/>
     <p:sldId id="260" r:id="rId5"/>
-    <p:sldId id="279" r:id="rId6"/>
-    <p:sldId id="280" r:id="rId7"/>
-    <p:sldId id="281" r:id="rId8"/>
+    <p:sldId id="288" r:id="rId6"/>
+    <p:sldId id="279" r:id="rId7"/>
+    <p:sldId id="280" r:id="rId8"/>
     <p:sldId id="283" r:id="rId9"/>
     <p:sldId id="284" r:id="rId10"/>
     <p:sldId id="282" r:id="rId11"/>
@@ -368,7 +368,7 @@
           <a:p>
             <a:fld id="{96DFF08F-DC6B-4601-B491-B0F83F6DD2DA}" type="datetimeFigureOut">
               <a:rPr lang="en-US" dirty="0"/>
-              <a:t>3/1/2019</a:t>
+              <a:t>3/3/2019</a:t>
             </a:fld>
             <a:endParaRPr lang="en-US" dirty="0"/>
           </a:p>
@@ -571,7 +571,7 @@
           <a:p>
             <a:fld id="{96DFF08F-DC6B-4601-B491-B0F83F6DD2DA}" type="datetimeFigureOut">
               <a:rPr lang="en-US" dirty="0"/>
-              <a:t>3/1/2019</a:t>
+              <a:t>3/3/2019</a:t>
             </a:fld>
             <a:endParaRPr lang="en-US" dirty="0"/>
           </a:p>
@@ -822,7 +822,7 @@
           <a:p>
             <a:fld id="{96DFF08F-DC6B-4601-B491-B0F83F6DD2DA}" type="datetimeFigureOut">
               <a:rPr lang="en-US" dirty="0"/>
-              <a:t>3/1/2019</a:t>
+              <a:t>3/3/2019</a:t>
             </a:fld>
             <a:endParaRPr lang="en-US" dirty="0"/>
           </a:p>
@@ -987,7 +987,7 @@
           <a:p>
             <a:fld id="{D62CEF3B-A037-46D0-B02C-1428F07E9383}" type="datetimeFigureOut">
               <a:rPr lang="en-US" dirty="0"/>
-              <a:t>3/1/2019</a:t>
+              <a:t>3/3/2019</a:t>
             </a:fld>
             <a:endParaRPr lang="en-US" dirty="0"/>
           </a:p>
@@ -1325,7 +1325,7 @@
           <a:p>
             <a:fld id="{96DFF08F-DC6B-4601-B491-B0F83F6DD2DA}" type="datetimeFigureOut">
               <a:rPr lang="en-US" dirty="0"/>
-              <a:t>3/1/2019</a:t>
+              <a:t>3/3/2019</a:t>
             </a:fld>
             <a:endParaRPr lang="en-US" dirty="0"/>
           </a:p>
@@ -1595,7 +1595,7 @@
           <a:p>
             <a:fld id="{96DFF08F-DC6B-4601-B491-B0F83F6DD2DA}" type="datetimeFigureOut">
               <a:rPr lang="en-US" dirty="0"/>
-              <a:t>3/1/2019</a:t>
+              <a:t>3/3/2019</a:t>
             </a:fld>
             <a:endParaRPr lang="en-US" dirty="0"/>
           </a:p>
@@ -1969,7 +1969,7 @@
           <a:p>
             <a:fld id="{96DFF08F-DC6B-4601-B491-B0F83F6DD2DA}" type="datetimeFigureOut">
               <a:rPr lang="en-US" dirty="0"/>
-              <a:t>3/1/2019</a:t>
+              <a:t>3/3/2019</a:t>
             </a:fld>
             <a:endParaRPr lang="en-US" dirty="0"/>
           </a:p>
@@ -2082,7 +2082,7 @@
           <a:p>
             <a:fld id="{96DFF08F-DC6B-4601-B491-B0F83F6DD2DA}" type="datetimeFigureOut">
               <a:rPr lang="en-US" dirty="0"/>
-              <a:t>3/1/2019</a:t>
+              <a:t>3/3/2019</a:t>
             </a:fld>
             <a:endParaRPr lang="en-US" dirty="0"/>
           </a:p>
@@ -2249,7 +2249,7 @@
             <a:fld id="{96DFF08F-DC6B-4601-B491-B0F83F6DD2DA}" type="datetimeFigureOut">
               <a:rPr lang="en-US" dirty="0"/>
               <a:pPr/>
-              <a:t>3/1/2019</a:t>
+              <a:t>3/3/2019</a:t>
             </a:fld>
             <a:endParaRPr lang="en-US" dirty="0"/>
           </a:p>
@@ -2600,7 +2600,7 @@
             <a:fld id="{96DFF08F-DC6B-4601-B491-B0F83F6DD2DA}" type="datetimeFigureOut">
               <a:rPr lang="en-US" dirty="0"/>
               <a:pPr/>
-              <a:t>3/1/2019</a:t>
+              <a:t>3/3/2019</a:t>
             </a:fld>
             <a:endParaRPr lang="en-US" dirty="0"/>
           </a:p>
@@ -2973,7 +2973,7 @@
           <a:p>
             <a:fld id="{96DFF08F-DC6B-4601-B491-B0F83F6DD2DA}" type="datetimeFigureOut">
               <a:rPr lang="en-US" dirty="0"/>
-              <a:t>3/1/2019</a:t>
+              <a:t>3/3/2019</a:t>
             </a:fld>
             <a:endParaRPr lang="en-US" dirty="0"/>
           </a:p>
@@ -3256,7 +3256,7 @@
             <a:fld id="{96DFF08F-DC6B-4601-B491-B0F83F6DD2DA}" type="datetimeFigureOut">
               <a:rPr lang="en-US" dirty="0"/>
               <a:pPr/>
-              <a:t>3/1/2019</a:t>
+              <a:t>3/3/2019</a:t>
             </a:fld>
             <a:endParaRPr lang="en-US" dirty="0"/>
           </a:p>
@@ -9160,11 +9160,15 @@
           <a:lstStyle/>
           <a:p>
             <a:r>
-              <a:rPr lang="en-US" sz="3200" dirty="0"/>
-              <a:t>Initializing a new repository</a:t>
-            </a:r>
-            <a:r>
-              <a:rPr lang="en-US" sz="3200" b="1" dirty="0"/>
+              <a:rPr lang="en-US" sz="3200" dirty="0" smtClean="0"/>
+              <a:t>Configure </a:t>
+            </a:r>
+            <a:r>
+              <a:rPr lang="en-US" sz="3200" dirty="0" err="1" smtClean="0"/>
+              <a:t>git</a:t>
+            </a:r>
+            <a:r>
+              <a:rPr lang="en-US" sz="3200" b="1" dirty="0" smtClean="0"/>
               <a:t>: </a:t>
             </a:r>
             <a:r>
@@ -9176,8 +9180,8 @@
               <a:t> </a:t>
             </a:r>
             <a:r>
-              <a:rPr lang="en-US" sz="3200" b="1" dirty="0" err="1"/>
-              <a:t>init</a:t>
+              <a:rPr lang="en-US" sz="3200" b="1" dirty="0" err="1" smtClean="0"/>
+              <a:t>config</a:t>
             </a:r>
             <a:endParaRPr lang="en-US" sz="3200" b="1" dirty="0"/>
           </a:p>
@@ -9202,7 +9206,7 @@
           <a:p>
             <a:pPr lvl="1"/>
             <a:r>
-              <a:rPr lang="en-US" sz="2000" spc="-50" dirty="0">
+              <a:rPr lang="en-US" sz="2000" spc="-50" dirty="0" err="1">
                 <a:solidFill>
                   <a:schemeClr val="accent2">
                     <a:lumMod val="75000"/>
@@ -9212,13 +9216,10 @@
                 <a:ea typeface="+mj-ea"/>
                 <a:cs typeface="Consolas" panose="020B0609020204030204" pitchFamily="49" charset="0"/>
               </a:rPr>
-              <a:t>cd /path/to/your/existing/code</a:t>
-            </a:r>
-          </a:p>
-          <a:p>
-            <a:pPr lvl="1"/>
-            <a:r>
-              <a:rPr lang="en-US" sz="2000" spc="-50" dirty="0" err="1">
+              <a:t>git</a:t>
+            </a:r>
+            <a:r>
+              <a:rPr lang="en-US" sz="2000" spc="-50" dirty="0">
                 <a:solidFill>
                   <a:schemeClr val="accent2">
                     <a:lumMod val="75000"/>
@@ -9228,10 +9229,10 @@
                 <a:ea typeface="+mj-ea"/>
                 <a:cs typeface="Consolas" panose="020B0609020204030204" pitchFamily="49" charset="0"/>
               </a:rPr>
-              <a:t>git</a:t>
-            </a:r>
-            <a:r>
-              <a:rPr lang="en-US" sz="2000" spc="-50" dirty="0">
+              <a:t> </a:t>
+            </a:r>
+            <a:r>
+              <a:rPr lang="en-US" sz="2000" spc="-50" dirty="0" err="1" smtClean="0">
                 <a:solidFill>
                   <a:schemeClr val="accent2">
                     <a:lumMod val="75000"/>
@@ -9241,10 +9242,10 @@
                 <a:ea typeface="+mj-ea"/>
                 <a:cs typeface="Consolas" panose="020B0609020204030204" pitchFamily="49" charset="0"/>
               </a:rPr>
-              <a:t> </a:t>
-            </a:r>
-            <a:r>
-              <a:rPr lang="en-US" sz="2000" spc="-50" dirty="0" err="1">
+              <a:t>config</a:t>
+            </a:r>
+            <a:r>
+              <a:rPr lang="en-US" sz="2000" spc="-50" dirty="0" smtClean="0">
                 <a:solidFill>
                   <a:schemeClr val="accent2">
                     <a:lumMod val="75000"/>
@@ -9254,9 +9255,110 @@
                 <a:ea typeface="+mj-ea"/>
                 <a:cs typeface="Consolas" panose="020B0609020204030204" pitchFamily="49" charset="0"/>
               </a:rPr>
-              <a:t>init</a:t>
-            </a:r>
+              <a:t> --global </a:t>
+            </a:r>
+            <a:r>
+              <a:rPr lang="en-US" sz="2000" spc="-50" dirty="0" err="1" smtClean="0">
+                <a:solidFill>
+                  <a:schemeClr val="accent2">
+                    <a:lumMod val="75000"/>
+                  </a:schemeClr>
+                </a:solidFill>
+                <a:latin typeface="Consolas" panose="020B0609020204030204" pitchFamily="49" charset="0"/>
+                <a:ea typeface="+mj-ea"/>
+                <a:cs typeface="Consolas" panose="020B0609020204030204" pitchFamily="49" charset="0"/>
+              </a:rPr>
+              <a:t>user.email</a:t>
+            </a:r>
+            <a:r>
+              <a:rPr lang="en-US" sz="2000" spc="-50" dirty="0" smtClean="0">
+                <a:solidFill>
+                  <a:schemeClr val="accent2">
+                    <a:lumMod val="75000"/>
+                  </a:schemeClr>
+                </a:solidFill>
+                <a:latin typeface="Consolas" panose="020B0609020204030204" pitchFamily="49" charset="0"/>
+                <a:ea typeface="+mj-ea"/>
+                <a:cs typeface="Consolas" panose="020B0609020204030204" pitchFamily="49" charset="0"/>
+              </a:rPr>
+              <a:t> ”username@host.com”</a:t>
+            </a:r>
+          </a:p>
+          <a:p>
+            <a:pPr lvl="1"/>
             <a:endParaRPr lang="en-US" sz="2000" spc="-50" dirty="0" smtClean="0">
+              <a:solidFill>
+                <a:schemeClr val="accent2">
+                  <a:lumMod val="75000"/>
+                </a:schemeClr>
+              </a:solidFill>
+              <a:latin typeface="Consolas" panose="020B0609020204030204" pitchFamily="49" charset="0"/>
+              <a:cs typeface="Consolas" panose="020B0609020204030204" pitchFamily="49" charset="0"/>
+            </a:endParaRPr>
+          </a:p>
+          <a:p>
+            <a:pPr lvl="1"/>
+            <a:r>
+              <a:rPr lang="en-US" sz="2000" spc="-50" dirty="0" err="1" smtClean="0">
+                <a:solidFill>
+                  <a:schemeClr val="accent2">
+                    <a:lumMod val="75000"/>
+                  </a:schemeClr>
+                </a:solidFill>
+                <a:latin typeface="Consolas" panose="020B0609020204030204" pitchFamily="49" charset="0"/>
+                <a:cs typeface="Consolas" panose="020B0609020204030204" pitchFamily="49" charset="0"/>
+              </a:rPr>
+              <a:t>git</a:t>
+            </a:r>
+            <a:r>
+              <a:rPr lang="en-US" sz="2000" spc="-50" dirty="0" smtClean="0">
+                <a:solidFill>
+                  <a:schemeClr val="accent2">
+                    <a:lumMod val="75000"/>
+                  </a:schemeClr>
+                </a:solidFill>
+                <a:latin typeface="Consolas" panose="020B0609020204030204" pitchFamily="49" charset="0"/>
+                <a:cs typeface="Consolas" panose="020B0609020204030204" pitchFamily="49" charset="0"/>
+              </a:rPr>
+              <a:t> </a:t>
+            </a:r>
+            <a:r>
+              <a:rPr lang="en-US" sz="2000" spc="-50" dirty="0" err="1">
+                <a:solidFill>
+                  <a:schemeClr val="accent2">
+                    <a:lumMod val="75000"/>
+                  </a:schemeClr>
+                </a:solidFill>
+                <a:latin typeface="Consolas" panose="020B0609020204030204" pitchFamily="49" charset="0"/>
+                <a:cs typeface="Consolas" panose="020B0609020204030204" pitchFamily="49" charset="0"/>
+              </a:rPr>
+              <a:t>config</a:t>
+            </a:r>
+            <a:r>
+              <a:rPr lang="en-US" sz="2000" spc="-50" dirty="0">
+                <a:solidFill>
+                  <a:schemeClr val="accent2">
+                    <a:lumMod val="75000"/>
+                  </a:schemeClr>
+                </a:solidFill>
+                <a:latin typeface="Consolas" panose="020B0609020204030204" pitchFamily="49" charset="0"/>
+                <a:cs typeface="Consolas" panose="020B0609020204030204" pitchFamily="49" charset="0"/>
+              </a:rPr>
+              <a:t> --global </a:t>
+            </a:r>
+            <a:r>
+              <a:rPr lang="en-US" sz="2000" spc="-50" dirty="0" smtClean="0">
+                <a:solidFill>
+                  <a:schemeClr val="accent2">
+                    <a:lumMod val="75000"/>
+                  </a:schemeClr>
+                </a:solidFill>
+                <a:latin typeface="Consolas" panose="020B0609020204030204" pitchFamily="49" charset="0"/>
+                <a:cs typeface="Consolas" panose="020B0609020204030204" pitchFamily="49" charset="0"/>
+              </a:rPr>
+              <a:t>user.name “username”</a:t>
+            </a:r>
+            <a:endParaRPr lang="en-US" sz="2000" spc="-50" dirty="0">
               <a:solidFill>
                 <a:schemeClr val="accent2">
                   <a:lumMod val="75000"/>
@@ -9275,211 +9377,12 @@
               <a:cs typeface="+mj-cs"/>
             </a:endParaRPr>
           </a:p>
-          <a:p>
-            <a:pPr lvl="1"/>
-            <a:r>
-              <a:rPr lang="en-US" spc="-50" dirty="0" smtClean="0">
-                <a:latin typeface="+mj-lt"/>
-                <a:ea typeface="+mj-ea"/>
-                <a:cs typeface="+mj-cs"/>
-              </a:rPr>
-              <a:t>To </a:t>
-            </a:r>
-            <a:r>
-              <a:rPr lang="en-US" spc="-50" dirty="0">
-                <a:latin typeface="+mj-lt"/>
-                <a:ea typeface="+mj-ea"/>
-                <a:cs typeface="+mj-cs"/>
-              </a:rPr>
-              <a:t>create a new repo, you'll use the </a:t>
-            </a:r>
-            <a:r>
-              <a:rPr lang="en-US" spc="-50" dirty="0" err="1">
-                <a:latin typeface="+mj-lt"/>
-                <a:ea typeface="+mj-ea"/>
-                <a:cs typeface="+mj-cs"/>
-              </a:rPr>
-              <a:t>git</a:t>
-            </a:r>
-            <a:r>
-              <a:rPr lang="en-US" spc="-50" dirty="0">
-                <a:latin typeface="+mj-lt"/>
-                <a:ea typeface="+mj-ea"/>
-                <a:cs typeface="+mj-cs"/>
-              </a:rPr>
-              <a:t> </a:t>
-            </a:r>
-            <a:r>
-              <a:rPr lang="en-US" spc="-50" dirty="0" err="1">
-                <a:latin typeface="+mj-lt"/>
-                <a:ea typeface="+mj-ea"/>
-                <a:cs typeface="+mj-cs"/>
-              </a:rPr>
-              <a:t>init</a:t>
-            </a:r>
-            <a:r>
-              <a:rPr lang="en-US" spc="-50" dirty="0">
-                <a:latin typeface="+mj-lt"/>
-                <a:ea typeface="+mj-ea"/>
-                <a:cs typeface="+mj-cs"/>
-              </a:rPr>
-              <a:t> command. </a:t>
-            </a:r>
-            <a:r>
-              <a:rPr lang="en-US" spc="-50" dirty="0" err="1">
-                <a:latin typeface="+mj-lt"/>
-                <a:ea typeface="+mj-ea"/>
-                <a:cs typeface="+mj-cs"/>
-              </a:rPr>
-              <a:t>git</a:t>
-            </a:r>
-            <a:r>
-              <a:rPr lang="en-US" spc="-50" dirty="0">
-                <a:latin typeface="+mj-lt"/>
-                <a:ea typeface="+mj-ea"/>
-                <a:cs typeface="+mj-cs"/>
-              </a:rPr>
-              <a:t> </a:t>
-            </a:r>
-            <a:r>
-              <a:rPr lang="en-US" spc="-50" dirty="0" err="1">
-                <a:latin typeface="+mj-lt"/>
-                <a:ea typeface="+mj-ea"/>
-                <a:cs typeface="+mj-cs"/>
-              </a:rPr>
-              <a:t>init</a:t>
-            </a:r>
-            <a:r>
-              <a:rPr lang="en-US" spc="-50" dirty="0">
-                <a:latin typeface="+mj-lt"/>
-                <a:ea typeface="+mj-ea"/>
-                <a:cs typeface="+mj-cs"/>
-              </a:rPr>
-              <a:t> is a one-time command you use during the initial setup of a new repo. </a:t>
-            </a:r>
-            <a:endParaRPr lang="en-US" spc="-50" dirty="0" smtClean="0">
-              <a:latin typeface="+mj-lt"/>
-              <a:ea typeface="+mj-ea"/>
-              <a:cs typeface="+mj-cs"/>
-            </a:endParaRPr>
-          </a:p>
-          <a:p>
-            <a:pPr lvl="1"/>
-            <a:endParaRPr lang="en-US" spc="-50" dirty="0">
-              <a:latin typeface="+mj-lt"/>
-              <a:ea typeface="+mj-ea"/>
-              <a:cs typeface="+mj-cs"/>
-            </a:endParaRPr>
-          </a:p>
-          <a:p>
-            <a:pPr lvl="1"/>
-            <a:r>
-              <a:rPr lang="en-US" spc="-50" dirty="0" smtClean="0">
-                <a:latin typeface="+mj-lt"/>
-                <a:ea typeface="+mj-ea"/>
-                <a:cs typeface="+mj-cs"/>
-              </a:rPr>
-              <a:t>Executing </a:t>
-            </a:r>
-            <a:r>
-              <a:rPr lang="en-US" spc="-50" dirty="0">
-                <a:latin typeface="+mj-lt"/>
-                <a:ea typeface="+mj-ea"/>
-                <a:cs typeface="+mj-cs"/>
-              </a:rPr>
-              <a:t>this command will create a new .</a:t>
-            </a:r>
-            <a:r>
-              <a:rPr lang="en-US" spc="-50" dirty="0" err="1">
-                <a:latin typeface="+mj-lt"/>
-                <a:ea typeface="+mj-ea"/>
-                <a:cs typeface="+mj-cs"/>
-              </a:rPr>
-              <a:t>git</a:t>
-            </a:r>
-            <a:r>
-              <a:rPr lang="en-US" spc="-50" dirty="0">
-                <a:latin typeface="+mj-lt"/>
-                <a:ea typeface="+mj-ea"/>
-                <a:cs typeface="+mj-cs"/>
-              </a:rPr>
-              <a:t> subdirectory in your current working directory. This will also create a new master branch. </a:t>
-            </a:r>
-            <a:endParaRPr lang="en-US" spc="-50" dirty="0" smtClean="0">
-              <a:latin typeface="+mj-lt"/>
-              <a:ea typeface="+mj-ea"/>
-              <a:cs typeface="+mj-cs"/>
-            </a:endParaRPr>
-          </a:p>
-          <a:p>
-            <a:pPr lvl="1"/>
-            <a:endParaRPr lang="en-US" spc="-50" dirty="0">
-              <a:latin typeface="+mj-lt"/>
-              <a:ea typeface="+mj-ea"/>
-              <a:cs typeface="+mj-cs"/>
-            </a:endParaRPr>
-          </a:p>
-          <a:p>
-            <a:pPr lvl="1"/>
-            <a:r>
-              <a:rPr lang="en-US" sz="2000" spc="-50" dirty="0" err="1">
-                <a:solidFill>
-                  <a:schemeClr val="accent2">
-                    <a:lumMod val="75000"/>
-                  </a:schemeClr>
-                </a:solidFill>
-                <a:latin typeface="Consolas" panose="020B0609020204030204" pitchFamily="49" charset="0"/>
-                <a:ea typeface="+mj-ea"/>
-                <a:cs typeface="Consolas" panose="020B0609020204030204" pitchFamily="49" charset="0"/>
-              </a:rPr>
-              <a:t>git</a:t>
-            </a:r>
-            <a:r>
-              <a:rPr lang="en-US" sz="2000" spc="-50" dirty="0">
-                <a:solidFill>
-                  <a:schemeClr val="accent2">
-                    <a:lumMod val="75000"/>
-                  </a:schemeClr>
-                </a:solidFill>
-                <a:latin typeface="Consolas" panose="020B0609020204030204" pitchFamily="49" charset="0"/>
-                <a:ea typeface="+mj-ea"/>
-                <a:cs typeface="Consolas" panose="020B0609020204030204" pitchFamily="49" charset="0"/>
-              </a:rPr>
-              <a:t> </a:t>
-            </a:r>
-            <a:r>
-              <a:rPr lang="en-US" sz="2000" spc="-50" dirty="0" err="1">
-                <a:solidFill>
-                  <a:schemeClr val="accent2">
-                    <a:lumMod val="75000"/>
-                  </a:schemeClr>
-                </a:solidFill>
-                <a:latin typeface="Consolas" panose="020B0609020204030204" pitchFamily="49" charset="0"/>
-                <a:ea typeface="+mj-ea"/>
-                <a:cs typeface="Consolas" panose="020B0609020204030204" pitchFamily="49" charset="0"/>
-              </a:rPr>
-              <a:t>init</a:t>
-            </a:r>
-            <a:r>
-              <a:rPr lang="en-US" sz="2000" spc="-50" dirty="0">
-                <a:solidFill>
-                  <a:schemeClr val="accent2">
-                    <a:lumMod val="75000"/>
-                  </a:schemeClr>
-                </a:solidFill>
-                <a:latin typeface="Consolas" panose="020B0609020204030204" pitchFamily="49" charset="0"/>
-                <a:ea typeface="+mj-ea"/>
-                <a:cs typeface="Consolas" panose="020B0609020204030204" pitchFamily="49" charset="0"/>
-              </a:rPr>
-              <a:t> &lt;project directory&gt;</a:t>
-            </a:r>
-          </a:p>
         </p:txBody>
       </p:sp>
     </p:spTree>
     <p:extLst>
       <p:ext uri="{BB962C8B-B14F-4D97-AF65-F5344CB8AC3E}">
-        <p14:creationId xmlns:p14="http://schemas.microsoft.com/office/powerpoint/2010/main" val="2356397593"/>
+        <p14:creationId xmlns:p14="http://schemas.microsoft.com/office/powerpoint/2010/main" val="1845080478"/>
       </p:ext>
     </p:extLst>
   </p:cSld>
@@ -9530,7 +9433,7 @@
           <a:p>
             <a:r>
               <a:rPr lang="en-US" sz="3200" dirty="0"/>
-              <a:t>Cloning an existing repository</a:t>
+              <a:t>Initializing a new repository</a:t>
             </a:r>
             <a:r>
               <a:rPr lang="en-US" sz="3200" b="1" dirty="0"/>
@@ -9542,8 +9445,13 @@
             </a:r>
             <a:r>
               <a:rPr lang="en-US" sz="3200" b="1" dirty="0"/>
-              <a:t> clone</a:t>
-            </a:r>
+              <a:t> </a:t>
+            </a:r>
+            <a:r>
+              <a:rPr lang="en-US" sz="3200" b="1" dirty="0" err="1"/>
+              <a:t>init</a:t>
+            </a:r>
+            <a:endParaRPr lang="en-US" sz="3200" b="1" dirty="0"/>
           </a:p>
         </p:txBody>
       </p:sp>
@@ -9566,7 +9474,7 @@
           <a:p>
             <a:pPr lvl="1"/>
             <a:r>
-              <a:rPr lang="en-US" sz="2000" spc="-50" dirty="0" err="1">
+              <a:rPr lang="en-US" sz="2000" spc="-50" dirty="0">
                 <a:solidFill>
                   <a:schemeClr val="accent2">
                     <a:lumMod val="75000"/>
@@ -9576,10 +9484,13 @@
                 <a:ea typeface="+mj-ea"/>
                 <a:cs typeface="Consolas" panose="020B0609020204030204" pitchFamily="49" charset="0"/>
               </a:rPr>
-              <a:t>git</a:t>
-            </a:r>
-            <a:r>
-              <a:rPr lang="en-US" sz="2000" spc="-50" dirty="0">
+              <a:t>cd /path/to/your/existing/code</a:t>
+            </a:r>
+          </a:p>
+          <a:p>
+            <a:pPr lvl="1"/>
+            <a:r>
+              <a:rPr lang="en-US" sz="2000" spc="-50" dirty="0" err="1">
                 <a:solidFill>
                   <a:schemeClr val="accent2">
                     <a:lumMod val="75000"/>
@@ -9589,10 +9500,10 @@
                 <a:ea typeface="+mj-ea"/>
                 <a:cs typeface="Consolas" panose="020B0609020204030204" pitchFamily="49" charset="0"/>
               </a:rPr>
-              <a:t> clone &lt;repo </a:t>
-            </a:r>
-            <a:r>
-              <a:rPr lang="en-US" sz="2000" spc="-50" dirty="0" err="1">
+              <a:t>git</a:t>
+            </a:r>
+            <a:r>
+              <a:rPr lang="en-US" sz="2000" spc="-50" dirty="0">
                 <a:solidFill>
                   <a:schemeClr val="accent2">
                     <a:lumMod val="75000"/>
@@ -9602,10 +9513,10 @@
                 <a:ea typeface="+mj-ea"/>
                 <a:cs typeface="Consolas" panose="020B0609020204030204" pitchFamily="49" charset="0"/>
               </a:rPr>
-              <a:t>url</a:t>
-            </a:r>
-            <a:r>
-              <a:rPr lang="en-US" sz="2000" spc="-50" dirty="0">
+              <a:t> </a:t>
+            </a:r>
+            <a:r>
+              <a:rPr lang="en-US" sz="2000" spc="-50" dirty="0" err="1">
                 <a:solidFill>
                   <a:schemeClr val="accent2">
                     <a:lumMod val="75000"/>
@@ -9615,8 +9526,18 @@
                 <a:ea typeface="+mj-ea"/>
                 <a:cs typeface="Consolas" panose="020B0609020204030204" pitchFamily="49" charset="0"/>
               </a:rPr>
-              <a:t>&gt;</a:t>
-            </a:r>
+              <a:t>init</a:t>
+            </a:r>
+            <a:endParaRPr lang="en-US" sz="2000" spc="-50" dirty="0" smtClean="0">
+              <a:solidFill>
+                <a:schemeClr val="accent2">
+                  <a:lumMod val="75000"/>
+                </a:schemeClr>
+              </a:solidFill>
+              <a:latin typeface="Consolas" panose="020B0609020204030204" pitchFamily="49" charset="0"/>
+              <a:ea typeface="+mj-ea"/>
+              <a:cs typeface="Consolas" panose="020B0609020204030204" pitchFamily="49" charset="0"/>
+            </a:endParaRPr>
           </a:p>
           <a:p>
             <a:pPr lvl="1"/>
@@ -9634,7 +9555,7 @@
                 <a:ea typeface="+mj-ea"/>
                 <a:cs typeface="+mj-cs"/>
               </a:rPr>
-              <a:t>If </a:t>
+              <a:t>To </a:t>
             </a:r>
             <a:r>
               <a:rPr lang="en-US" spc="-50" dirty="0">
@@ -9642,16 +9563,77 @@
                 <a:ea typeface="+mj-ea"/>
                 <a:cs typeface="+mj-cs"/>
               </a:rPr>
-              <a:t>a project has already been set up in a central repository, the clone command is the most common way for users to obtain a local development clone</a:t>
-            </a:r>
-            <a:r>
-              <a:rPr lang="en-US" spc="-50" dirty="0" smtClean="0">
-                <a:latin typeface="+mj-lt"/>
-                <a:ea typeface="+mj-ea"/>
-                <a:cs typeface="+mj-cs"/>
-              </a:rPr>
-              <a:t>.</a:t>
-            </a:r>
+              <a:t>create a new repo, you'll use the </a:t>
+            </a:r>
+            <a:r>
+              <a:rPr lang="en-US" spc="-50" dirty="0" err="1">
+                <a:latin typeface="+mj-lt"/>
+                <a:ea typeface="+mj-ea"/>
+                <a:cs typeface="+mj-cs"/>
+              </a:rPr>
+              <a:t>git</a:t>
+            </a:r>
+            <a:r>
+              <a:rPr lang="en-US" spc="-50" dirty="0">
+                <a:latin typeface="+mj-lt"/>
+                <a:ea typeface="+mj-ea"/>
+                <a:cs typeface="+mj-cs"/>
+              </a:rPr>
+              <a:t> </a:t>
+            </a:r>
+            <a:r>
+              <a:rPr lang="en-US" spc="-50" dirty="0" err="1">
+                <a:latin typeface="+mj-lt"/>
+                <a:ea typeface="+mj-ea"/>
+                <a:cs typeface="+mj-cs"/>
+              </a:rPr>
+              <a:t>init</a:t>
+            </a:r>
+            <a:r>
+              <a:rPr lang="en-US" spc="-50" dirty="0">
+                <a:latin typeface="+mj-lt"/>
+                <a:ea typeface="+mj-ea"/>
+                <a:cs typeface="+mj-cs"/>
+              </a:rPr>
+              <a:t> command. </a:t>
+            </a:r>
+            <a:r>
+              <a:rPr lang="en-US" spc="-50" dirty="0" err="1">
+                <a:latin typeface="+mj-lt"/>
+                <a:ea typeface="+mj-ea"/>
+                <a:cs typeface="+mj-cs"/>
+              </a:rPr>
+              <a:t>git</a:t>
+            </a:r>
+            <a:r>
+              <a:rPr lang="en-US" spc="-50" dirty="0">
+                <a:latin typeface="+mj-lt"/>
+                <a:ea typeface="+mj-ea"/>
+                <a:cs typeface="+mj-cs"/>
+              </a:rPr>
+              <a:t> </a:t>
+            </a:r>
+            <a:r>
+              <a:rPr lang="en-US" spc="-50" dirty="0" err="1">
+                <a:latin typeface="+mj-lt"/>
+                <a:ea typeface="+mj-ea"/>
+                <a:cs typeface="+mj-cs"/>
+              </a:rPr>
+              <a:t>init</a:t>
+            </a:r>
+            <a:r>
+              <a:rPr lang="en-US" spc="-50" dirty="0">
+                <a:latin typeface="+mj-lt"/>
+                <a:ea typeface="+mj-ea"/>
+                <a:cs typeface="+mj-cs"/>
+              </a:rPr>
+              <a:t> is a one-time command you use during the initial setup of a new repo. </a:t>
+            </a:r>
+            <a:endParaRPr lang="en-US" spc="-50" dirty="0" smtClean="0">
+              <a:latin typeface="+mj-lt"/>
+              <a:ea typeface="+mj-ea"/>
+              <a:cs typeface="+mj-cs"/>
+            </a:endParaRPr>
           </a:p>
           <a:p>
             <a:pPr lvl="1"/>
@@ -9664,12 +9646,28 @@
           <a:p>
             <a:pPr lvl="1"/>
             <a:r>
+              <a:rPr lang="en-US" spc="-50" dirty="0" smtClean="0">
+                <a:latin typeface="+mj-lt"/>
+                <a:ea typeface="+mj-ea"/>
+                <a:cs typeface="+mj-cs"/>
+              </a:rPr>
+              <a:t>Executing </a:t>
+            </a:r>
+            <a:r>
+              <a:rPr lang="en-US" spc="-50" dirty="0">
+                <a:latin typeface="+mj-lt"/>
+                <a:ea typeface="+mj-ea"/>
+                <a:cs typeface="+mj-cs"/>
+              </a:rPr>
+              <a:t>this command will create a new .</a:t>
+            </a:r>
+            <a:r>
               <a:rPr lang="en-US" spc="-50" dirty="0" err="1">
                 <a:latin typeface="+mj-lt"/>
                 <a:ea typeface="+mj-ea"/>
                 <a:cs typeface="+mj-cs"/>
               </a:rPr>
-              <a:t>Git</a:t>
+              <a:t>git</a:t>
             </a:r>
             <a:r>
               <a:rPr lang="en-US" spc="-50" dirty="0">
@@ -9677,16 +9675,13 @@
                 <a:ea typeface="+mj-ea"/>
                 <a:cs typeface="+mj-cs"/>
               </a:rPr>
-              <a:t> supports a few different network protocols and corresponding URL formats</a:t>
-            </a:r>
-            <a:r>
-              <a:rPr lang="en-US" spc="-50" dirty="0" smtClean="0">
-                <a:latin typeface="+mj-lt"/>
-                <a:ea typeface="+mj-ea"/>
-                <a:cs typeface="+mj-cs"/>
-              </a:rPr>
-              <a:t>.</a:t>
-            </a:r>
+              <a:t> subdirectory in your current working directory. This will also create a new master branch. </a:t>
+            </a:r>
+            <a:endParaRPr lang="en-US" spc="-50" dirty="0" smtClean="0">
+              <a:latin typeface="+mj-lt"/>
+              <a:ea typeface="+mj-ea"/>
+              <a:cs typeface="+mj-cs"/>
+            </a:endParaRPr>
           </a:p>
           <a:p>
             <a:pPr lvl="1"/>
@@ -9699,12 +9694,56 @@
           <a:p>
             <a:pPr lvl="1"/>
             <a:r>
-              <a:rPr lang="en-US" spc="-50" dirty="0">
-                <a:latin typeface="+mj-lt"/>
-                <a:ea typeface="+mj-ea"/>
-                <a:cs typeface="+mj-cs"/>
-              </a:rPr>
-              <a:t>When executed, the latest version of the remote repo files on the master branch will be pulled down and added to a new folder.</a:t>
+              <a:rPr lang="en-US" sz="2000" spc="-50" dirty="0" err="1">
+                <a:solidFill>
+                  <a:schemeClr val="accent2">
+                    <a:lumMod val="75000"/>
+                  </a:schemeClr>
+                </a:solidFill>
+                <a:latin typeface="Consolas" panose="020B0609020204030204" pitchFamily="49" charset="0"/>
+                <a:ea typeface="+mj-ea"/>
+                <a:cs typeface="Consolas" panose="020B0609020204030204" pitchFamily="49" charset="0"/>
+              </a:rPr>
+              <a:t>git</a:t>
+            </a:r>
+            <a:r>
+              <a:rPr lang="en-US" sz="2000" spc="-50" dirty="0">
+                <a:solidFill>
+                  <a:schemeClr val="accent2">
+                    <a:lumMod val="75000"/>
+                  </a:schemeClr>
+                </a:solidFill>
+                <a:latin typeface="Consolas" panose="020B0609020204030204" pitchFamily="49" charset="0"/>
+                <a:ea typeface="+mj-ea"/>
+                <a:cs typeface="Consolas" panose="020B0609020204030204" pitchFamily="49" charset="0"/>
+              </a:rPr>
+              <a:t> </a:t>
+            </a:r>
+            <a:r>
+              <a:rPr lang="en-US" sz="2000" spc="-50" dirty="0" err="1">
+                <a:solidFill>
+                  <a:schemeClr val="accent2">
+                    <a:lumMod val="75000"/>
+                  </a:schemeClr>
+                </a:solidFill>
+                <a:latin typeface="Consolas" panose="020B0609020204030204" pitchFamily="49" charset="0"/>
+                <a:ea typeface="+mj-ea"/>
+                <a:cs typeface="Consolas" panose="020B0609020204030204" pitchFamily="49" charset="0"/>
+              </a:rPr>
+              <a:t>init</a:t>
+            </a:r>
+            <a:r>
+              <a:rPr lang="en-US" sz="2000" spc="-50" dirty="0">
+                <a:solidFill>
+                  <a:schemeClr val="accent2">
+                    <a:lumMod val="75000"/>
+                  </a:schemeClr>
+                </a:solidFill>
+                <a:latin typeface="Consolas" panose="020B0609020204030204" pitchFamily="49" charset="0"/>
+                <a:ea typeface="+mj-ea"/>
+                <a:cs typeface="Consolas" panose="020B0609020204030204" pitchFamily="49" charset="0"/>
+              </a:rPr>
+              <a:t> &lt;project directory&gt;</a:t>
             </a:r>
           </a:p>
         </p:txBody>
@@ -9712,7 +9751,7 @@
     </p:spTree>
     <p:extLst>
       <p:ext uri="{BB962C8B-B14F-4D97-AF65-F5344CB8AC3E}">
-        <p14:creationId xmlns:p14="http://schemas.microsoft.com/office/powerpoint/2010/main" val="1052510690"/>
+        <p14:creationId xmlns:p14="http://schemas.microsoft.com/office/powerpoint/2010/main" val="2356397593"/>
       </p:ext>
     </p:extLst>
   </p:cSld>
@@ -9762,15 +9801,11 @@
           <a:lstStyle/>
           <a:p>
             <a:r>
-              <a:rPr lang="en-US" sz="3200" dirty="0" smtClean="0"/>
-              <a:t>Configure </a:t>
-            </a:r>
-            <a:r>
-              <a:rPr lang="en-US" sz="3200" dirty="0" err="1" smtClean="0"/>
-              <a:t>git</a:t>
-            </a:r>
-            <a:r>
-              <a:rPr lang="en-US" sz="3200" b="1" dirty="0" smtClean="0"/>
+              <a:rPr lang="en-US" sz="3200" dirty="0"/>
+              <a:t>Cloning an existing repository</a:t>
+            </a:r>
+            <a:r>
+              <a:rPr lang="en-US" sz="3200" b="1" dirty="0"/>
               <a:t>: </a:t>
             </a:r>
             <a:r>
@@ -9779,13 +9814,8 @@
             </a:r>
             <a:r>
               <a:rPr lang="en-US" sz="3200" b="1" dirty="0"/>
-              <a:t> </a:t>
-            </a:r>
-            <a:r>
-              <a:rPr lang="en-US" sz="3200" b="1" dirty="0" err="1" smtClean="0"/>
-              <a:t>config</a:t>
-            </a:r>
-            <a:endParaRPr lang="en-US" sz="3200" b="1" dirty="0"/>
+              <a:t> clone</a:t>
+            </a:r>
           </a:p>
         </p:txBody>
       </p:sp>
@@ -9831,10 +9861,10 @@
                 <a:ea typeface="+mj-ea"/>
                 <a:cs typeface="Consolas" panose="020B0609020204030204" pitchFamily="49" charset="0"/>
               </a:rPr>
-              <a:t> </a:t>
-            </a:r>
-            <a:r>
-              <a:rPr lang="en-US" sz="2000" spc="-50" dirty="0" err="1" smtClean="0">
+              <a:t> clone &lt;repo </a:t>
+            </a:r>
+            <a:r>
+              <a:rPr lang="en-US" sz="2000" spc="-50" dirty="0" err="1">
                 <a:solidFill>
                   <a:schemeClr val="accent2">
                     <a:lumMod val="75000"/>
@@ -9844,10 +9874,10 @@
                 <a:ea typeface="+mj-ea"/>
                 <a:cs typeface="Consolas" panose="020B0609020204030204" pitchFamily="49" charset="0"/>
               </a:rPr>
-              <a:t>config</a:t>
-            </a:r>
-            <a:r>
-              <a:rPr lang="en-US" sz="2000" spc="-50" dirty="0" smtClean="0">
+              <a:t>url</a:t>
+            </a:r>
+            <a:r>
+              <a:rPr lang="en-US" sz="2000" spc="-50" dirty="0">
                 <a:solidFill>
                   <a:schemeClr val="accent2">
                     <a:lumMod val="75000"/>
@@ -9857,119 +9887,8 @@
                 <a:ea typeface="+mj-ea"/>
                 <a:cs typeface="Consolas" panose="020B0609020204030204" pitchFamily="49" charset="0"/>
               </a:rPr>
-              <a:t> --global </a:t>
-            </a:r>
-            <a:r>
-              <a:rPr lang="en-US" sz="2000" spc="-50" dirty="0" err="1" smtClean="0">
-                <a:solidFill>
-                  <a:schemeClr val="accent2">
-                    <a:lumMod val="75000"/>
-                  </a:schemeClr>
-                </a:solidFill>
-                <a:latin typeface="Consolas" panose="020B0609020204030204" pitchFamily="49" charset="0"/>
-                <a:ea typeface="+mj-ea"/>
-                <a:cs typeface="Consolas" panose="020B0609020204030204" pitchFamily="49" charset="0"/>
-              </a:rPr>
-              <a:t>user.email</a:t>
-            </a:r>
-            <a:r>
-              <a:rPr lang="en-US" sz="2000" spc="-50" dirty="0" smtClean="0">
-                <a:solidFill>
-                  <a:schemeClr val="accent2">
-                    <a:lumMod val="75000"/>
-                  </a:schemeClr>
-                </a:solidFill>
-                <a:latin typeface="Consolas" panose="020B0609020204030204" pitchFamily="49" charset="0"/>
-                <a:ea typeface="+mj-ea"/>
-                <a:cs typeface="Consolas" panose="020B0609020204030204" pitchFamily="49" charset="0"/>
-              </a:rPr>
-              <a:t> ”username@host.com”</a:t>
-            </a:r>
-          </a:p>
-          <a:p>
-            <a:pPr lvl="1"/>
-            <a:endParaRPr lang="en-US" sz="2000" spc="-50" dirty="0" smtClean="0">
-              <a:solidFill>
-                <a:schemeClr val="accent2">
-                  <a:lumMod val="75000"/>
-                </a:schemeClr>
-              </a:solidFill>
-              <a:latin typeface="Consolas" panose="020B0609020204030204" pitchFamily="49" charset="0"/>
-              <a:cs typeface="Consolas" panose="020B0609020204030204" pitchFamily="49" charset="0"/>
-            </a:endParaRPr>
-          </a:p>
-          <a:p>
-            <a:pPr lvl="1"/>
-            <a:r>
-              <a:rPr lang="en-US" sz="2000" spc="-50" dirty="0" err="1" smtClean="0">
-                <a:solidFill>
-                  <a:schemeClr val="accent2">
-                    <a:lumMod val="75000"/>
-                  </a:schemeClr>
-                </a:solidFill>
-                <a:latin typeface="Consolas" panose="020B0609020204030204" pitchFamily="49" charset="0"/>
-                <a:cs typeface="Consolas" panose="020B0609020204030204" pitchFamily="49" charset="0"/>
-              </a:rPr>
-              <a:t>git</a:t>
-            </a:r>
-            <a:r>
-              <a:rPr lang="en-US" sz="2000" spc="-50" dirty="0" smtClean="0">
-                <a:solidFill>
-                  <a:schemeClr val="accent2">
-                    <a:lumMod val="75000"/>
-                  </a:schemeClr>
-                </a:solidFill>
-                <a:latin typeface="Consolas" panose="020B0609020204030204" pitchFamily="49" charset="0"/>
-                <a:cs typeface="Consolas" panose="020B0609020204030204" pitchFamily="49" charset="0"/>
-              </a:rPr>
-              <a:t> </a:t>
-            </a:r>
-            <a:r>
-              <a:rPr lang="en-US" sz="2000" spc="-50" dirty="0" err="1">
-                <a:solidFill>
-                  <a:schemeClr val="accent2">
-                    <a:lumMod val="75000"/>
-                  </a:schemeClr>
-                </a:solidFill>
-                <a:latin typeface="Consolas" panose="020B0609020204030204" pitchFamily="49" charset="0"/>
-                <a:cs typeface="Consolas" panose="020B0609020204030204" pitchFamily="49" charset="0"/>
-              </a:rPr>
-              <a:t>config</a:t>
-            </a:r>
-            <a:r>
-              <a:rPr lang="en-US" sz="2000" spc="-50" dirty="0">
-                <a:solidFill>
-                  <a:schemeClr val="accent2">
-                    <a:lumMod val="75000"/>
-                  </a:schemeClr>
-                </a:solidFill>
-                <a:latin typeface="Consolas" panose="020B0609020204030204" pitchFamily="49" charset="0"/>
-                <a:cs typeface="Consolas" panose="020B0609020204030204" pitchFamily="49" charset="0"/>
-              </a:rPr>
-              <a:t> --global </a:t>
-            </a:r>
-            <a:r>
-              <a:rPr lang="en-US" sz="2000" spc="-50" dirty="0" smtClean="0">
-                <a:solidFill>
-                  <a:schemeClr val="accent2">
-                    <a:lumMod val="75000"/>
-                  </a:schemeClr>
-                </a:solidFill>
-                <a:latin typeface="Consolas" panose="020B0609020204030204" pitchFamily="49" charset="0"/>
-                <a:cs typeface="Consolas" panose="020B0609020204030204" pitchFamily="49" charset="0"/>
-              </a:rPr>
-              <a:t>user.name “username”</a:t>
-            </a:r>
-            <a:endParaRPr lang="en-US" sz="2000" spc="-50" dirty="0">
-              <a:solidFill>
-                <a:schemeClr val="accent2">
-                  <a:lumMod val="75000"/>
-                </a:schemeClr>
-              </a:solidFill>
-              <a:latin typeface="Consolas" panose="020B0609020204030204" pitchFamily="49" charset="0"/>
-              <a:ea typeface="+mj-ea"/>
-              <a:cs typeface="Consolas" panose="020B0609020204030204" pitchFamily="49" charset="0"/>
-            </a:endParaRPr>
+              <a:t>&gt;</a:t>
+            </a:r>
           </a:p>
           <a:p>
             <a:pPr lvl="1"/>
@@ -9979,12 +9898,93 @@
               <a:cs typeface="+mj-cs"/>
             </a:endParaRPr>
           </a:p>
+          <a:p>
+            <a:pPr lvl="1"/>
+            <a:r>
+              <a:rPr lang="en-US" spc="-50" dirty="0" smtClean="0">
+                <a:latin typeface="+mj-lt"/>
+                <a:ea typeface="+mj-ea"/>
+                <a:cs typeface="+mj-cs"/>
+              </a:rPr>
+              <a:t>If </a:t>
+            </a:r>
+            <a:r>
+              <a:rPr lang="en-US" spc="-50" dirty="0">
+                <a:latin typeface="+mj-lt"/>
+                <a:ea typeface="+mj-ea"/>
+                <a:cs typeface="+mj-cs"/>
+              </a:rPr>
+              <a:t>a project has already been set up in a central repository, the clone command is the most common way for users to obtain a local development clone</a:t>
+            </a:r>
+            <a:r>
+              <a:rPr lang="en-US" spc="-50" dirty="0" smtClean="0">
+                <a:latin typeface="+mj-lt"/>
+                <a:ea typeface="+mj-ea"/>
+                <a:cs typeface="+mj-cs"/>
+              </a:rPr>
+              <a:t>.</a:t>
+            </a:r>
+          </a:p>
+          <a:p>
+            <a:pPr lvl="1"/>
+            <a:endParaRPr lang="en-US" spc="-50" dirty="0">
+              <a:latin typeface="+mj-lt"/>
+              <a:ea typeface="+mj-ea"/>
+              <a:cs typeface="+mj-cs"/>
+            </a:endParaRPr>
+          </a:p>
+          <a:p>
+            <a:pPr lvl="1"/>
+            <a:r>
+              <a:rPr lang="en-US" spc="-50" dirty="0" err="1">
+                <a:latin typeface="+mj-lt"/>
+                <a:ea typeface="+mj-ea"/>
+                <a:cs typeface="+mj-cs"/>
+              </a:rPr>
+              <a:t>Git</a:t>
+            </a:r>
+            <a:r>
+              <a:rPr lang="en-US" spc="-50" dirty="0">
+                <a:latin typeface="+mj-lt"/>
+                <a:ea typeface="+mj-ea"/>
+                <a:cs typeface="+mj-cs"/>
+              </a:rPr>
+              <a:t> supports a few different network protocols and corresponding URL formats</a:t>
+            </a:r>
+            <a:r>
+              <a:rPr lang="en-US" spc="-50" dirty="0" smtClean="0">
+                <a:latin typeface="+mj-lt"/>
+                <a:ea typeface="+mj-ea"/>
+                <a:cs typeface="+mj-cs"/>
+              </a:rPr>
+              <a:t>.</a:t>
+            </a:r>
+          </a:p>
+          <a:p>
+            <a:pPr lvl="1"/>
+            <a:endParaRPr lang="en-US" spc="-50" dirty="0">
+              <a:latin typeface="+mj-lt"/>
+              <a:ea typeface="+mj-ea"/>
+              <a:cs typeface="+mj-cs"/>
+            </a:endParaRPr>
+          </a:p>
+          <a:p>
+            <a:pPr lvl="1"/>
+            <a:r>
+              <a:rPr lang="en-US" spc="-50" dirty="0">
+                <a:latin typeface="+mj-lt"/>
+                <a:ea typeface="+mj-ea"/>
+                <a:cs typeface="+mj-cs"/>
+              </a:rPr>
+              <a:t>When executed, the latest version of the remote repo files on the master branch will be pulled down and added to a new folder.</a:t>
+            </a:r>
+          </a:p>
         </p:txBody>
       </p:sp>
     </p:spTree>
     <p:extLst>
       <p:ext uri="{BB962C8B-B14F-4D97-AF65-F5344CB8AC3E}">
-        <p14:creationId xmlns:p14="http://schemas.microsoft.com/office/powerpoint/2010/main" val="2205613459"/>
+        <p14:creationId xmlns:p14="http://schemas.microsoft.com/office/powerpoint/2010/main" val="1052510690"/>
       </p:ext>
     </p:extLst>
   </p:cSld>

--- a/session1/Version Control.pptx
+++ b/session1/Version Control.pptx
@@ -18,24 +18,6 @@
     <p:sldId id="285" r:id="rId12"/>
     <p:sldId id="287" r:id="rId13"/>
     <p:sldId id="286" r:id="rId14"/>
-    <p:sldId id="261" r:id="rId15"/>
-    <p:sldId id="262" r:id="rId16"/>
-    <p:sldId id="263" r:id="rId17"/>
-    <p:sldId id="264" r:id="rId18"/>
-    <p:sldId id="265" r:id="rId19"/>
-    <p:sldId id="266" r:id="rId20"/>
-    <p:sldId id="267" r:id="rId21"/>
-    <p:sldId id="268" r:id="rId22"/>
-    <p:sldId id="269" r:id="rId23"/>
-    <p:sldId id="270" r:id="rId24"/>
-    <p:sldId id="271" r:id="rId25"/>
-    <p:sldId id="272" r:id="rId26"/>
-    <p:sldId id="273" r:id="rId27"/>
-    <p:sldId id="274" r:id="rId28"/>
-    <p:sldId id="275" r:id="rId29"/>
-    <p:sldId id="276" r:id="rId30"/>
-    <p:sldId id="277" r:id="rId31"/>
-    <p:sldId id="278" r:id="rId32"/>
   </p:sldIdLst>
   <p:sldSz cx="12192000" cy="6858000"/>
   <p:notesSz cx="6858000" cy="9144000"/>
@@ -368,7 +350,7 @@
           <a:p>
             <a:fld id="{96DFF08F-DC6B-4601-B491-B0F83F6DD2DA}" type="datetimeFigureOut">
               <a:rPr lang="en-US" dirty="0"/>
-              <a:t>3/3/2019</a:t>
+              <a:t>3/5/2019</a:t>
             </a:fld>
             <a:endParaRPr lang="en-US" dirty="0"/>
           </a:p>
@@ -571,7 +553,7 @@
           <a:p>
             <a:fld id="{96DFF08F-DC6B-4601-B491-B0F83F6DD2DA}" type="datetimeFigureOut">
               <a:rPr lang="en-US" dirty="0"/>
-              <a:t>3/3/2019</a:t>
+              <a:t>3/5/2019</a:t>
             </a:fld>
             <a:endParaRPr lang="en-US" dirty="0"/>
           </a:p>
@@ -822,7 +804,7 @@
           <a:p>
             <a:fld id="{96DFF08F-DC6B-4601-B491-B0F83F6DD2DA}" type="datetimeFigureOut">
               <a:rPr lang="en-US" dirty="0"/>
-              <a:t>3/3/2019</a:t>
+              <a:t>3/5/2019</a:t>
             </a:fld>
             <a:endParaRPr lang="en-US" dirty="0"/>
           </a:p>
@@ -987,7 +969,7 @@
           <a:p>
             <a:fld id="{D62CEF3B-A037-46D0-B02C-1428F07E9383}" type="datetimeFigureOut">
               <a:rPr lang="en-US" dirty="0"/>
-              <a:t>3/3/2019</a:t>
+              <a:t>3/5/2019</a:t>
             </a:fld>
             <a:endParaRPr lang="en-US" dirty="0"/>
           </a:p>
@@ -1325,7 +1307,7 @@
           <a:p>
             <a:fld id="{96DFF08F-DC6B-4601-B491-B0F83F6DD2DA}" type="datetimeFigureOut">
               <a:rPr lang="en-US" dirty="0"/>
-              <a:t>3/3/2019</a:t>
+              <a:t>3/5/2019</a:t>
             </a:fld>
             <a:endParaRPr lang="en-US" dirty="0"/>
           </a:p>
@@ -1595,7 +1577,7 @@
           <a:p>
             <a:fld id="{96DFF08F-DC6B-4601-B491-B0F83F6DD2DA}" type="datetimeFigureOut">
               <a:rPr lang="en-US" dirty="0"/>
-              <a:t>3/3/2019</a:t>
+              <a:t>3/5/2019</a:t>
             </a:fld>
             <a:endParaRPr lang="en-US" dirty="0"/>
           </a:p>
@@ -1969,7 +1951,7 @@
           <a:p>
             <a:fld id="{96DFF08F-DC6B-4601-B491-B0F83F6DD2DA}" type="datetimeFigureOut">
               <a:rPr lang="en-US" dirty="0"/>
-              <a:t>3/3/2019</a:t>
+              <a:t>3/5/2019</a:t>
             </a:fld>
             <a:endParaRPr lang="en-US" dirty="0"/>
           </a:p>
@@ -2082,7 +2064,7 @@
           <a:p>
             <a:fld id="{96DFF08F-DC6B-4601-B491-B0F83F6DD2DA}" type="datetimeFigureOut">
               <a:rPr lang="en-US" dirty="0"/>
-              <a:t>3/3/2019</a:t>
+              <a:t>3/5/2019</a:t>
             </a:fld>
             <a:endParaRPr lang="en-US" dirty="0"/>
           </a:p>
@@ -2249,7 +2231,7 @@
             <a:fld id="{96DFF08F-DC6B-4601-B491-B0F83F6DD2DA}" type="datetimeFigureOut">
               <a:rPr lang="en-US" dirty="0"/>
               <a:pPr/>
-              <a:t>3/3/2019</a:t>
+              <a:t>3/5/2019</a:t>
             </a:fld>
             <a:endParaRPr lang="en-US" dirty="0"/>
           </a:p>
@@ -2600,7 +2582,7 @@
             <a:fld id="{96DFF08F-DC6B-4601-B491-B0F83F6DD2DA}" type="datetimeFigureOut">
               <a:rPr lang="en-US" dirty="0"/>
               <a:pPr/>
-              <a:t>3/3/2019</a:t>
+              <a:t>3/5/2019</a:t>
             </a:fld>
             <a:endParaRPr lang="en-US" dirty="0"/>
           </a:p>
@@ -2973,7 +2955,7 @@
           <a:p>
             <a:fld id="{96DFF08F-DC6B-4601-B491-B0F83F6DD2DA}" type="datetimeFigureOut">
               <a:rPr lang="en-US" dirty="0"/>
-              <a:t>3/3/2019</a:t>
+              <a:t>3/5/2019</a:t>
             </a:fld>
             <a:endParaRPr lang="en-US" dirty="0"/>
           </a:p>
@@ -3256,7 +3238,7 @@
             <a:fld id="{96DFF08F-DC6B-4601-B491-B0F83F6DD2DA}" type="datetimeFigureOut">
               <a:rPr lang="en-US" dirty="0"/>
               <a:pPr/>
-              <a:t>3/3/2019</a:t>
+              <a:t>3/5/2019</a:t>
             </a:fld>
             <a:endParaRPr lang="en-US" dirty="0"/>
           </a:p>
@@ -5655,1143 +5637,6 @@
 </p:sld>
 </file>
 
-<file path=ppt/slides/slide14.xml><?xml version="1.0" encoding="utf-8"?>
-<p:sld xmlns:a="http://schemas.openxmlformats.org/drawingml/2006/main" xmlns:r="http://schemas.openxmlformats.org/officeDocument/2006/relationships" xmlns:p="http://schemas.openxmlformats.org/presentationml/2006/main">
-  <p:cSld>
-    <p:spTree>
-      <p:nvGrpSpPr>
-        <p:cNvPr id="1" name=""/>
-        <p:cNvGrpSpPr/>
-        <p:nvPr/>
-      </p:nvGrpSpPr>
-      <p:grpSpPr>
-        <a:xfrm>
-          <a:off x="0" y="0"/>
-          <a:ext cx="0" cy="0"/>
-          <a:chOff x="0" y="0"/>
-          <a:chExt cx="0" cy="0"/>
-        </a:xfrm>
-      </p:grpSpPr>
-      <p:sp>
-        <p:nvSpPr>
-          <p:cNvPr id="2" name="Title 1"/>
-          <p:cNvSpPr>
-            <a:spLocks noGrp="1"/>
-          </p:cNvSpPr>
-          <p:nvPr>
-            <p:ph type="title"/>
-          </p:nvPr>
-        </p:nvSpPr>
-        <p:spPr/>
-        <p:txBody>
-          <a:bodyPr/>
-          <a:lstStyle/>
-          <a:p>
-            <a:r>
-              <a:rPr lang="en-US" sz="3200" b="1" dirty="0">
-                <a:solidFill>
-                  <a:schemeClr val="tx1"/>
-                </a:solidFill>
-              </a:rPr>
-              <a:t>Working software </a:t>
-            </a:r>
-            <a:r>
-              <a:rPr lang="en-US" sz="3200" dirty="0">
-                <a:solidFill>
-                  <a:schemeClr val="tx1"/>
-                </a:solidFill>
-              </a:rPr>
-              <a:t>over comprehensive documentation </a:t>
-            </a:r>
-            <a:r>
-              <a:rPr lang="en-US" dirty="0" smtClean="0"/>
-              <a:t>	</a:t>
-            </a:r>
-            <a:endParaRPr lang="en-US" dirty="0"/>
-          </a:p>
-        </p:txBody>
-      </p:sp>
-      <p:sp>
-        <p:nvSpPr>
-          <p:cNvPr id="3" name="Content Placeholder 2"/>
-          <p:cNvSpPr>
-            <a:spLocks noGrp="1"/>
-          </p:cNvSpPr>
-          <p:nvPr>
-            <p:ph idx="1"/>
-          </p:nvPr>
-        </p:nvSpPr>
-        <p:spPr/>
-        <p:txBody>
-          <a:bodyPr>
-            <a:normAutofit/>
-          </a:bodyPr>
-          <a:lstStyle/>
-          <a:p>
-            <a:pPr lvl="1"/>
-            <a:r>
-              <a:rPr lang="en-US" dirty="0" smtClean="0">
-                <a:solidFill>
-                  <a:schemeClr val="tx1"/>
-                </a:solidFill>
-              </a:rPr>
-              <a:t>Huge software documents take a great deal of time to produce and </a:t>
-            </a:r>
-            <a:r>
-              <a:rPr lang="en-US" b="1" dirty="0" smtClean="0">
-                <a:solidFill>
-                  <a:srgbClr val="FF0000"/>
-                </a:solidFill>
-              </a:rPr>
-              <a:t>even more time to keep in sync with the code.</a:t>
-            </a:r>
-          </a:p>
-          <a:p>
-            <a:pPr lvl="1"/>
-            <a:r>
-              <a:rPr lang="en-US" dirty="0" smtClean="0">
-                <a:solidFill>
-                  <a:schemeClr val="tx1"/>
-                </a:solidFill>
-              </a:rPr>
-              <a:t>Documents need to be </a:t>
-            </a:r>
-            <a:r>
-              <a:rPr lang="en-US" b="1" dirty="0" smtClean="0">
-                <a:solidFill>
-                  <a:schemeClr val="tx1"/>
-                </a:solidFill>
-              </a:rPr>
-              <a:t>short</a:t>
-            </a:r>
-            <a:r>
-              <a:rPr lang="en-US" dirty="0" smtClean="0">
-                <a:solidFill>
-                  <a:schemeClr val="tx1"/>
-                </a:solidFill>
-              </a:rPr>
-              <a:t> and </a:t>
-            </a:r>
-            <a:r>
-              <a:rPr lang="en-US" dirty="0">
-                <a:solidFill>
-                  <a:schemeClr val="tx1"/>
-                </a:solidFill>
-              </a:rPr>
-              <a:t>pursuit.</a:t>
-            </a:r>
-            <a:endParaRPr lang="en-US" dirty="0" smtClean="0">
-              <a:solidFill>
-                <a:schemeClr val="tx1"/>
-              </a:solidFill>
-            </a:endParaRPr>
-          </a:p>
-          <a:p>
-            <a:pPr lvl="1"/>
-            <a:r>
-              <a:rPr lang="en-US" b="1" dirty="0" smtClean="0">
-                <a:solidFill>
-                  <a:schemeClr val="tx1"/>
-                </a:solidFill>
-              </a:rPr>
-              <a:t>By “salient”, I mean it should discus the overall design rational and structure document</a:t>
-            </a:r>
-            <a:r>
-              <a:rPr lang="en-US" dirty="0" smtClean="0">
-                <a:solidFill>
-                  <a:schemeClr val="tx1"/>
-                </a:solidFill>
-              </a:rPr>
-              <a:t>.</a:t>
-            </a:r>
-          </a:p>
-          <a:p>
-            <a:pPr lvl="1"/>
-            <a:endParaRPr lang="en-US" dirty="0">
-              <a:solidFill>
-                <a:schemeClr val="tx1"/>
-              </a:solidFill>
-            </a:endParaRPr>
-          </a:p>
-          <a:p>
-            <a:pPr lvl="1"/>
-            <a:r>
-              <a:rPr lang="en-US" dirty="0" smtClean="0">
-                <a:solidFill>
-                  <a:schemeClr val="tx1"/>
-                </a:solidFill>
-              </a:rPr>
-              <a:t>If all we have is a short rational and structure document, </a:t>
-            </a:r>
-            <a:r>
-              <a:rPr lang="en-US" sz="3200" b="1" dirty="0" smtClean="0">
-                <a:solidFill>
-                  <a:srgbClr val="FF0000"/>
-                </a:solidFill>
-              </a:rPr>
-              <a:t>how do we train new team members to work on the system?</a:t>
-            </a:r>
-            <a:endParaRPr lang="en-US" b="1" dirty="0" smtClean="0">
-              <a:solidFill>
-                <a:srgbClr val="FF0000"/>
-              </a:solidFill>
-            </a:endParaRPr>
-          </a:p>
-          <a:p>
-            <a:pPr lvl="1"/>
-            <a:endParaRPr lang="en-US" dirty="0" smtClean="0">
-              <a:solidFill>
-                <a:schemeClr val="tx1"/>
-              </a:solidFill>
-            </a:endParaRPr>
-          </a:p>
-        </p:txBody>
-      </p:sp>
-    </p:spTree>
-    <p:extLst>
-      <p:ext uri="{BB962C8B-B14F-4D97-AF65-F5344CB8AC3E}">
-        <p14:creationId xmlns:p14="http://schemas.microsoft.com/office/powerpoint/2010/main" val="2182063341"/>
-      </p:ext>
-    </p:extLst>
-  </p:cSld>
-  <p:clrMapOvr>
-    <a:masterClrMapping/>
-  </p:clrMapOvr>
-  <p:timing>
-    <p:tnLst>
-      <p:par>
-        <p:cTn id="1" dur="indefinite" restart="never" nodeType="tmRoot"/>
-      </p:par>
-    </p:tnLst>
-  </p:timing>
-</p:sld>
-</file>
-
-<file path=ppt/slides/slide15.xml><?xml version="1.0" encoding="utf-8"?>
-<p:sld xmlns:a="http://schemas.openxmlformats.org/drawingml/2006/main" xmlns:r="http://schemas.openxmlformats.org/officeDocument/2006/relationships" xmlns:p="http://schemas.openxmlformats.org/presentationml/2006/main">
-  <p:cSld>
-    <p:spTree>
-      <p:nvGrpSpPr>
-        <p:cNvPr id="1" name=""/>
-        <p:cNvGrpSpPr/>
-        <p:nvPr/>
-      </p:nvGrpSpPr>
-      <p:grpSpPr>
-        <a:xfrm>
-          <a:off x="0" y="0"/>
-          <a:ext cx="0" cy="0"/>
-          <a:chOff x="0" y="0"/>
-          <a:chExt cx="0" cy="0"/>
-        </a:xfrm>
-      </p:grpSpPr>
-      <p:sp>
-        <p:nvSpPr>
-          <p:cNvPr id="2" name="Title 1"/>
-          <p:cNvSpPr>
-            <a:spLocks noGrp="1"/>
-          </p:cNvSpPr>
-          <p:nvPr>
-            <p:ph type="title"/>
-          </p:nvPr>
-        </p:nvSpPr>
-        <p:spPr/>
-        <p:txBody>
-          <a:bodyPr/>
-          <a:lstStyle/>
-          <a:p>
-            <a:r>
-              <a:rPr lang="en-US" sz="3200" dirty="0">
-                <a:solidFill>
-                  <a:schemeClr val="tx1"/>
-                </a:solidFill>
-              </a:rPr>
-              <a:t>how do we train new team members to work on the system</a:t>
-            </a:r>
-            <a:r>
-              <a:rPr lang="en-US" sz="3200" dirty="0" smtClean="0">
-                <a:solidFill>
-                  <a:schemeClr val="tx1"/>
-                </a:solidFill>
-              </a:rPr>
-              <a:t>?</a:t>
-            </a:r>
-            <a:endParaRPr lang="en-US" dirty="0"/>
-          </a:p>
-        </p:txBody>
-      </p:sp>
-      <p:sp>
-        <p:nvSpPr>
-          <p:cNvPr id="3" name="Content Placeholder 2"/>
-          <p:cNvSpPr>
-            <a:spLocks noGrp="1"/>
-          </p:cNvSpPr>
-          <p:nvPr>
-            <p:ph idx="1"/>
-          </p:nvPr>
-        </p:nvSpPr>
-        <p:spPr/>
-        <p:txBody>
-          <a:bodyPr/>
-          <a:lstStyle/>
-          <a:p>
-            <a:pPr lvl="1"/>
-            <a:r>
-              <a:rPr lang="en-US" dirty="0" smtClean="0">
-                <a:solidFill>
-                  <a:schemeClr val="tx1"/>
-                </a:solidFill>
-              </a:rPr>
-              <a:t>The </a:t>
-            </a:r>
-            <a:r>
-              <a:rPr lang="en-US" b="1" dirty="0" smtClean="0">
-                <a:solidFill>
-                  <a:schemeClr val="tx1"/>
-                </a:solidFill>
-              </a:rPr>
-              <a:t>two documents that are the best at transferring information </a:t>
-            </a:r>
-            <a:r>
-              <a:rPr lang="en-US" dirty="0" smtClean="0">
-                <a:solidFill>
-                  <a:schemeClr val="tx1"/>
-                </a:solidFill>
-              </a:rPr>
-              <a:t>to the new team member are the </a:t>
-            </a:r>
-            <a:r>
-              <a:rPr lang="en-US" sz="2000" b="1" dirty="0" smtClean="0">
-                <a:solidFill>
-                  <a:srgbClr val="FF0000"/>
-                </a:solidFill>
-              </a:rPr>
-              <a:t>code</a:t>
-            </a:r>
-            <a:r>
-              <a:rPr lang="en-US" dirty="0" smtClean="0">
-                <a:solidFill>
-                  <a:schemeClr val="tx1"/>
-                </a:solidFill>
-              </a:rPr>
-              <a:t> an the </a:t>
-            </a:r>
-            <a:r>
-              <a:rPr lang="en-US" sz="2000" b="1" dirty="0" smtClean="0">
-                <a:solidFill>
-                  <a:srgbClr val="FF0000"/>
-                </a:solidFill>
-              </a:rPr>
-              <a:t>team</a:t>
-            </a:r>
-            <a:r>
-              <a:rPr lang="en-US" dirty="0" smtClean="0">
-                <a:solidFill>
-                  <a:schemeClr val="tx1"/>
-                </a:solidFill>
-              </a:rPr>
-              <a:t>.</a:t>
-            </a:r>
-          </a:p>
-          <a:p>
-            <a:pPr lvl="1"/>
-            <a:endParaRPr lang="en-US" dirty="0" smtClean="0">
-              <a:solidFill>
-                <a:schemeClr val="tx1"/>
-              </a:solidFill>
-            </a:endParaRPr>
-          </a:p>
-          <a:p>
-            <a:pPr lvl="1"/>
-            <a:r>
-              <a:rPr lang="en-US" dirty="0" smtClean="0">
-                <a:solidFill>
-                  <a:schemeClr val="tx1"/>
-                </a:solidFill>
-              </a:rPr>
-              <a:t>There is </a:t>
-            </a:r>
-            <a:r>
-              <a:rPr lang="en-US" b="1" dirty="0" smtClean="0">
-                <a:solidFill>
-                  <a:schemeClr val="tx1"/>
-                </a:solidFill>
-              </a:rPr>
-              <a:t>no faster </a:t>
-            </a:r>
-            <a:r>
-              <a:rPr lang="en-US" dirty="0" smtClean="0">
-                <a:solidFill>
-                  <a:schemeClr val="tx1"/>
-                </a:solidFill>
-              </a:rPr>
-              <a:t>and </a:t>
-            </a:r>
-            <a:r>
-              <a:rPr lang="en-US" b="1" dirty="0" smtClean="0">
-                <a:solidFill>
-                  <a:schemeClr val="tx1"/>
-                </a:solidFill>
-              </a:rPr>
-              <a:t>more efficient </a:t>
-            </a:r>
-            <a:r>
-              <a:rPr lang="en-US" dirty="0" smtClean="0">
-                <a:solidFill>
-                  <a:schemeClr val="tx1"/>
-                </a:solidFill>
-              </a:rPr>
-              <a:t>way to transfer that information to others than </a:t>
-            </a:r>
-            <a:r>
-              <a:rPr lang="en-US" sz="4800" b="1" dirty="0" smtClean="0">
-                <a:solidFill>
-                  <a:srgbClr val="FF0000"/>
-                </a:solidFill>
-              </a:rPr>
-              <a:t>human-to-human interaction.</a:t>
-            </a:r>
-            <a:endParaRPr lang="en-US" b="1" dirty="0">
-              <a:solidFill>
-                <a:srgbClr val="FF0000"/>
-              </a:solidFill>
-            </a:endParaRPr>
-          </a:p>
-        </p:txBody>
-      </p:sp>
-    </p:spTree>
-    <p:extLst>
-      <p:ext uri="{BB962C8B-B14F-4D97-AF65-F5344CB8AC3E}">
-        <p14:creationId xmlns:p14="http://schemas.microsoft.com/office/powerpoint/2010/main" val="1858128029"/>
-      </p:ext>
-    </p:extLst>
-  </p:cSld>
-  <p:clrMapOvr>
-    <a:masterClrMapping/>
-  </p:clrMapOvr>
-  <p:timing>
-    <p:tnLst>
-      <p:par>
-        <p:cTn id="1" dur="indefinite" restart="never" nodeType="tmRoot"/>
-      </p:par>
-    </p:tnLst>
-  </p:timing>
-</p:sld>
-</file>
-
-<file path=ppt/slides/slide16.xml><?xml version="1.0" encoding="utf-8"?>
-<p:sld xmlns:a="http://schemas.openxmlformats.org/drawingml/2006/main" xmlns:r="http://schemas.openxmlformats.org/officeDocument/2006/relationships" xmlns:p="http://schemas.openxmlformats.org/presentationml/2006/main">
-  <p:cSld>
-    <p:spTree>
-      <p:nvGrpSpPr>
-        <p:cNvPr id="1" name=""/>
-        <p:cNvGrpSpPr/>
-        <p:nvPr/>
-      </p:nvGrpSpPr>
-      <p:grpSpPr>
-        <a:xfrm>
-          <a:off x="0" y="0"/>
-          <a:ext cx="0" cy="0"/>
-          <a:chOff x="0" y="0"/>
-          <a:chExt cx="0" cy="0"/>
-        </a:xfrm>
-      </p:grpSpPr>
-      <p:sp>
-        <p:nvSpPr>
-          <p:cNvPr id="2" name="Title 1"/>
-          <p:cNvSpPr>
-            <a:spLocks noGrp="1"/>
-          </p:cNvSpPr>
-          <p:nvPr>
-            <p:ph type="title"/>
-          </p:nvPr>
-        </p:nvSpPr>
-        <p:spPr/>
-        <p:txBody>
-          <a:bodyPr/>
-          <a:lstStyle/>
-          <a:p>
-            <a:r>
-              <a:rPr lang="en-US" sz="3200" dirty="0" smtClean="0">
-                <a:solidFill>
-                  <a:schemeClr val="tx1"/>
-                </a:solidFill>
-              </a:rPr>
-              <a:t>Martin’s first law of documentation</a:t>
-            </a:r>
-            <a:endParaRPr lang="en-US" dirty="0"/>
-          </a:p>
-        </p:txBody>
-      </p:sp>
-      <p:sp>
-        <p:nvSpPr>
-          <p:cNvPr id="3" name="Content Placeholder 2"/>
-          <p:cNvSpPr>
-            <a:spLocks noGrp="1"/>
-          </p:cNvSpPr>
-          <p:nvPr>
-            <p:ph idx="1"/>
-          </p:nvPr>
-        </p:nvSpPr>
-        <p:spPr/>
-        <p:txBody>
-          <a:bodyPr>
-            <a:normAutofit/>
-          </a:bodyPr>
-          <a:lstStyle/>
-          <a:p>
-            <a:pPr lvl="1"/>
-            <a:r>
-              <a:rPr lang="en-US" sz="4400" b="1" dirty="0" smtClean="0">
-                <a:solidFill>
-                  <a:srgbClr val="FF0000"/>
-                </a:solidFill>
-              </a:rPr>
-              <a:t>Produce no document unless its need immediate and significant.</a:t>
-            </a:r>
-            <a:endParaRPr lang="en-US" sz="1600" b="1" dirty="0">
-              <a:solidFill>
-                <a:srgbClr val="FF0000"/>
-              </a:solidFill>
-            </a:endParaRPr>
-          </a:p>
-        </p:txBody>
-      </p:sp>
-    </p:spTree>
-    <p:extLst>
-      <p:ext uri="{BB962C8B-B14F-4D97-AF65-F5344CB8AC3E}">
-        <p14:creationId xmlns:p14="http://schemas.microsoft.com/office/powerpoint/2010/main" val="1144780574"/>
-      </p:ext>
-    </p:extLst>
-  </p:cSld>
-  <p:clrMapOvr>
-    <a:masterClrMapping/>
-  </p:clrMapOvr>
-</p:sld>
-</file>
-
-<file path=ppt/slides/slide17.xml><?xml version="1.0" encoding="utf-8"?>
-<p:sld xmlns:a="http://schemas.openxmlformats.org/drawingml/2006/main" xmlns:r="http://schemas.openxmlformats.org/officeDocument/2006/relationships" xmlns:p="http://schemas.openxmlformats.org/presentationml/2006/main">
-  <p:cSld>
-    <p:spTree>
-      <p:nvGrpSpPr>
-        <p:cNvPr id="1" name=""/>
-        <p:cNvGrpSpPr/>
-        <p:nvPr/>
-      </p:nvGrpSpPr>
-      <p:grpSpPr>
-        <a:xfrm>
-          <a:off x="0" y="0"/>
-          <a:ext cx="0" cy="0"/>
-          <a:chOff x="0" y="0"/>
-          <a:chExt cx="0" cy="0"/>
-        </a:xfrm>
-      </p:grpSpPr>
-      <p:sp>
-        <p:nvSpPr>
-          <p:cNvPr id="2" name="Title 1"/>
-          <p:cNvSpPr>
-            <a:spLocks noGrp="1"/>
-          </p:cNvSpPr>
-          <p:nvPr>
-            <p:ph type="title"/>
-          </p:nvPr>
-        </p:nvSpPr>
-        <p:spPr/>
-        <p:txBody>
-          <a:bodyPr/>
-          <a:lstStyle/>
-          <a:p>
-            <a:r>
-              <a:rPr lang="en-US" sz="3200" b="1" dirty="0" smtClean="0">
-                <a:solidFill>
-                  <a:schemeClr val="tx1"/>
-                </a:solidFill>
-              </a:rPr>
-              <a:t>Customer collaboration </a:t>
-            </a:r>
-            <a:r>
-              <a:rPr lang="en-US" sz="3200" dirty="0" smtClean="0">
-                <a:solidFill>
-                  <a:schemeClr val="tx1"/>
-                </a:solidFill>
-              </a:rPr>
-              <a:t>over contract negotiation</a:t>
-            </a:r>
-            <a:endParaRPr lang="en-US" dirty="0"/>
-          </a:p>
-        </p:txBody>
-      </p:sp>
-      <p:sp>
-        <p:nvSpPr>
-          <p:cNvPr id="3" name="Content Placeholder 2"/>
-          <p:cNvSpPr>
-            <a:spLocks noGrp="1"/>
-          </p:cNvSpPr>
-          <p:nvPr>
-            <p:ph idx="1"/>
-          </p:nvPr>
-        </p:nvSpPr>
-        <p:spPr/>
-        <p:txBody>
-          <a:bodyPr>
-            <a:normAutofit/>
-          </a:bodyPr>
-          <a:lstStyle/>
-          <a:p>
-            <a:pPr lvl="1"/>
-            <a:r>
-              <a:rPr lang="en-US" b="1" dirty="0" smtClean="0">
-                <a:solidFill>
-                  <a:srgbClr val="FF0000"/>
-                </a:solidFill>
-              </a:rPr>
-              <a:t>You cannot </a:t>
-            </a:r>
-            <a:r>
-              <a:rPr lang="en-US" dirty="0" smtClean="0">
-                <a:solidFill>
-                  <a:schemeClr val="tx1"/>
-                </a:solidFill>
-              </a:rPr>
-              <a:t>write a description of the software you want and then have someone develop it on a </a:t>
-            </a:r>
-            <a:r>
-              <a:rPr lang="en-US" b="1" dirty="0" smtClean="0">
-                <a:solidFill>
-                  <a:srgbClr val="FF0000"/>
-                </a:solidFill>
-              </a:rPr>
-              <a:t>fixed schedule</a:t>
-            </a:r>
-            <a:r>
-              <a:rPr lang="en-US" dirty="0" smtClean="0">
-                <a:solidFill>
-                  <a:schemeClr val="tx1"/>
-                </a:solidFill>
-              </a:rPr>
-              <a:t> for a </a:t>
-            </a:r>
-            <a:r>
-              <a:rPr lang="en-US" b="1" dirty="0" smtClean="0">
-                <a:solidFill>
-                  <a:srgbClr val="FF0000"/>
-                </a:solidFill>
-              </a:rPr>
-              <a:t>fixed price</a:t>
-            </a:r>
-            <a:r>
-              <a:rPr lang="en-US" dirty="0" smtClean="0">
-                <a:solidFill>
-                  <a:schemeClr val="tx1"/>
-                </a:solidFill>
-              </a:rPr>
-              <a:t>.</a:t>
-            </a:r>
-          </a:p>
-          <a:p>
-            <a:pPr lvl="1"/>
-            <a:r>
-              <a:rPr lang="en-US" b="1" dirty="0" smtClean="0">
-                <a:solidFill>
-                  <a:schemeClr val="tx1"/>
-                </a:solidFill>
-              </a:rPr>
-              <a:t>Successful projects </a:t>
-            </a:r>
-            <a:r>
-              <a:rPr lang="en-US" dirty="0" smtClean="0">
-                <a:solidFill>
-                  <a:schemeClr val="tx1"/>
-                </a:solidFill>
-              </a:rPr>
-              <a:t>involve </a:t>
-            </a:r>
-            <a:r>
-              <a:rPr lang="en-US" b="1" dirty="0" smtClean="0">
-                <a:solidFill>
-                  <a:schemeClr val="tx1"/>
-                </a:solidFill>
-              </a:rPr>
-              <a:t>customer feedback </a:t>
-            </a:r>
-            <a:r>
-              <a:rPr lang="en-US" dirty="0" smtClean="0">
-                <a:solidFill>
-                  <a:schemeClr val="tx1"/>
-                </a:solidFill>
-              </a:rPr>
-              <a:t>on a regular frequent basis.</a:t>
-            </a:r>
-          </a:p>
-          <a:p>
-            <a:pPr lvl="1"/>
-            <a:endParaRPr lang="en-US" dirty="0">
-              <a:solidFill>
-                <a:schemeClr val="tx1"/>
-              </a:solidFill>
-            </a:endParaRPr>
-          </a:p>
-          <a:p>
-            <a:pPr lvl="1"/>
-            <a:r>
-              <a:rPr lang="en-US" sz="3200" b="1" dirty="0" smtClean="0">
-                <a:solidFill>
-                  <a:srgbClr val="FF0000"/>
-                </a:solidFill>
-              </a:rPr>
-              <a:t>A contract that specifies the requirements, schedule and cost of a project is fundamentally flawed.</a:t>
-            </a:r>
-          </a:p>
-          <a:p>
-            <a:pPr lvl="1"/>
-            <a:endParaRPr lang="en-US" b="1" dirty="0" smtClean="0">
-              <a:solidFill>
-                <a:srgbClr val="FF0000"/>
-              </a:solidFill>
-            </a:endParaRPr>
-          </a:p>
-          <a:p>
-            <a:pPr lvl="1"/>
-            <a:endParaRPr lang="en-US" dirty="0" smtClean="0">
-              <a:solidFill>
-                <a:schemeClr val="tx1"/>
-              </a:solidFill>
-            </a:endParaRPr>
-          </a:p>
-        </p:txBody>
-      </p:sp>
-    </p:spTree>
-    <p:extLst>
-      <p:ext uri="{BB962C8B-B14F-4D97-AF65-F5344CB8AC3E}">
-        <p14:creationId xmlns:p14="http://schemas.microsoft.com/office/powerpoint/2010/main" val="131581117"/>
-      </p:ext>
-    </p:extLst>
-  </p:cSld>
-  <p:clrMapOvr>
-    <a:masterClrMapping/>
-  </p:clrMapOvr>
-</p:sld>
-</file>
-
-<file path=ppt/slides/slide18.xml><?xml version="1.0" encoding="utf-8"?>
-<p:sld xmlns:a="http://schemas.openxmlformats.org/drawingml/2006/main" xmlns:r="http://schemas.openxmlformats.org/officeDocument/2006/relationships" xmlns:p="http://schemas.openxmlformats.org/presentationml/2006/main">
-  <p:cSld>
-    <p:spTree>
-      <p:nvGrpSpPr>
-        <p:cNvPr id="1" name=""/>
-        <p:cNvGrpSpPr/>
-        <p:nvPr/>
-      </p:nvGrpSpPr>
-      <p:grpSpPr>
-        <a:xfrm>
-          <a:off x="0" y="0"/>
-          <a:ext cx="0" cy="0"/>
-          <a:chOff x="0" y="0"/>
-          <a:chExt cx="0" cy="0"/>
-        </a:xfrm>
-      </p:grpSpPr>
-      <p:sp>
-        <p:nvSpPr>
-          <p:cNvPr id="2" name="Title 1"/>
-          <p:cNvSpPr>
-            <a:spLocks noGrp="1"/>
-          </p:cNvSpPr>
-          <p:nvPr>
-            <p:ph type="title"/>
-          </p:nvPr>
-        </p:nvSpPr>
-        <p:spPr/>
-        <p:txBody>
-          <a:bodyPr/>
-          <a:lstStyle/>
-          <a:p>
-            <a:r>
-              <a:rPr lang="en-US" sz="3200" b="1" dirty="0" smtClean="0">
-                <a:solidFill>
-                  <a:schemeClr val="tx1"/>
-                </a:solidFill>
-              </a:rPr>
-              <a:t>Responding to change </a:t>
-            </a:r>
-            <a:r>
-              <a:rPr lang="en-US" sz="3200" dirty="0" smtClean="0">
-                <a:solidFill>
-                  <a:schemeClr val="tx1"/>
-                </a:solidFill>
-              </a:rPr>
-              <a:t>over following a plan</a:t>
-            </a:r>
-            <a:endParaRPr lang="en-US" dirty="0"/>
-          </a:p>
-        </p:txBody>
-      </p:sp>
-      <p:sp>
-        <p:nvSpPr>
-          <p:cNvPr id="3" name="Content Placeholder 2"/>
-          <p:cNvSpPr>
-            <a:spLocks noGrp="1"/>
-          </p:cNvSpPr>
-          <p:nvPr>
-            <p:ph idx="1"/>
-          </p:nvPr>
-        </p:nvSpPr>
-        <p:spPr/>
-        <p:txBody>
-          <a:bodyPr>
-            <a:normAutofit/>
-          </a:bodyPr>
-          <a:lstStyle/>
-          <a:p>
-            <a:pPr lvl="1"/>
-            <a:r>
-              <a:rPr lang="en-US" dirty="0" smtClean="0">
-                <a:solidFill>
-                  <a:schemeClr val="tx1"/>
-                </a:solidFill>
-              </a:rPr>
-              <a:t>It is the </a:t>
-            </a:r>
-            <a:r>
-              <a:rPr lang="en-US" b="1" dirty="0" smtClean="0">
-                <a:solidFill>
-                  <a:schemeClr val="tx1"/>
-                </a:solidFill>
-              </a:rPr>
-              <a:t>ability to respond to change </a:t>
-            </a:r>
-            <a:r>
-              <a:rPr lang="en-US" dirty="0" smtClean="0">
-                <a:solidFill>
-                  <a:schemeClr val="tx1"/>
-                </a:solidFill>
-              </a:rPr>
-              <a:t>that often </a:t>
-            </a:r>
-            <a:r>
-              <a:rPr lang="en-US" b="1" dirty="0" smtClean="0">
-                <a:solidFill>
-                  <a:schemeClr val="tx1"/>
-                </a:solidFill>
-              </a:rPr>
-              <a:t>determines the </a:t>
-            </a:r>
-            <a:r>
-              <a:rPr lang="en-US" b="1" dirty="0" smtClean="0">
-                <a:solidFill>
-                  <a:srgbClr val="FF0000"/>
-                </a:solidFill>
-              </a:rPr>
-              <a:t>success</a:t>
-            </a:r>
-            <a:r>
-              <a:rPr lang="en-US" b="1" dirty="0" smtClean="0">
-                <a:solidFill>
-                  <a:schemeClr val="tx1"/>
-                </a:solidFill>
-              </a:rPr>
-              <a:t> or </a:t>
-            </a:r>
-            <a:r>
-              <a:rPr lang="en-US" b="1" dirty="0" smtClean="0">
-                <a:solidFill>
-                  <a:srgbClr val="FF0000"/>
-                </a:solidFill>
-              </a:rPr>
-              <a:t>failure </a:t>
-            </a:r>
-            <a:r>
-              <a:rPr lang="en-US" b="1" dirty="0" smtClean="0">
-                <a:solidFill>
-                  <a:schemeClr val="tx1"/>
-                </a:solidFill>
-              </a:rPr>
-              <a:t>of a software project</a:t>
-            </a:r>
-            <a:r>
-              <a:rPr lang="en-US" dirty="0" smtClean="0">
-                <a:solidFill>
-                  <a:schemeClr val="tx1"/>
-                </a:solidFill>
-              </a:rPr>
-              <a:t>.</a:t>
-            </a:r>
-          </a:p>
-          <a:p>
-            <a:pPr lvl="1"/>
-            <a:endParaRPr lang="en-US" dirty="0" smtClean="0">
-              <a:solidFill>
-                <a:schemeClr val="tx1"/>
-              </a:solidFill>
-            </a:endParaRPr>
-          </a:p>
-          <a:p>
-            <a:pPr lvl="1"/>
-            <a:r>
-              <a:rPr lang="en-US" b="1" dirty="0" smtClean="0">
-                <a:solidFill>
-                  <a:schemeClr val="tx1"/>
-                </a:solidFill>
-              </a:rPr>
-              <a:t>We cannot planned very far into the future, because</a:t>
-            </a:r>
-            <a:r>
-              <a:rPr lang="en-US" dirty="0" smtClean="0">
-                <a:solidFill>
-                  <a:schemeClr val="tx1"/>
-                </a:solidFill>
-              </a:rPr>
-              <a:t>:</a:t>
-            </a:r>
-          </a:p>
-          <a:p>
-            <a:pPr marL="544068" lvl="1" indent="-342900">
-              <a:buFont typeface="+mj-lt"/>
-              <a:buAutoNum type="arabicPeriod"/>
-            </a:pPr>
-            <a:r>
-              <a:rPr lang="en-US" dirty="0" smtClean="0">
-                <a:solidFill>
-                  <a:schemeClr val="tx1"/>
-                </a:solidFill>
-              </a:rPr>
-              <a:t>The Business environment is likely to change, causing the requirements to shift</a:t>
-            </a:r>
-          </a:p>
-          <a:p>
-            <a:pPr marL="544068" lvl="1" indent="-342900">
-              <a:buFont typeface="+mj-lt"/>
-              <a:buAutoNum type="arabicPeriod"/>
-            </a:pPr>
-            <a:r>
-              <a:rPr lang="en-US" dirty="0" smtClean="0">
-                <a:solidFill>
-                  <a:schemeClr val="tx1"/>
-                </a:solidFill>
-              </a:rPr>
-              <a:t>Customers are likely to alter the requirements once they see the system start to function.</a:t>
-            </a:r>
-          </a:p>
-          <a:p>
-            <a:pPr marL="544068" lvl="1" indent="-342900">
-              <a:buFont typeface="+mj-lt"/>
-              <a:buAutoNum type="arabicPeriod"/>
-            </a:pPr>
-            <a:r>
-              <a:rPr lang="en-US" dirty="0" smtClean="0">
-                <a:solidFill>
-                  <a:schemeClr val="tx1"/>
-                </a:solidFill>
-              </a:rPr>
-              <a:t>Even if we know the requirements, and we are sure the won’t change, we are not very good at estimating how long it will take to develop them.</a:t>
-            </a:r>
-            <a:endParaRPr lang="en-US" dirty="0" smtClean="0">
-              <a:solidFill>
-                <a:srgbClr val="FF0000"/>
-              </a:solidFill>
-            </a:endParaRPr>
-          </a:p>
-          <a:p>
-            <a:pPr lvl="1"/>
-            <a:endParaRPr lang="en-US" b="1" dirty="0" smtClean="0">
-              <a:solidFill>
-                <a:srgbClr val="FF0000"/>
-              </a:solidFill>
-            </a:endParaRPr>
-          </a:p>
-          <a:p>
-            <a:pPr lvl="1"/>
-            <a:endParaRPr lang="en-US" dirty="0" smtClean="0">
-              <a:solidFill>
-                <a:schemeClr val="tx1"/>
-              </a:solidFill>
-            </a:endParaRPr>
-          </a:p>
-        </p:txBody>
-      </p:sp>
-    </p:spTree>
-    <p:extLst>
-      <p:ext uri="{BB962C8B-B14F-4D97-AF65-F5344CB8AC3E}">
-        <p14:creationId xmlns:p14="http://schemas.microsoft.com/office/powerpoint/2010/main" val="860653948"/>
-      </p:ext>
-    </p:extLst>
-  </p:cSld>
-  <p:clrMapOvr>
-    <a:masterClrMapping/>
-  </p:clrMapOvr>
-</p:sld>
-</file>
-
-<file path=ppt/slides/slide19.xml><?xml version="1.0" encoding="utf-8"?>
-<p:sld xmlns:a="http://schemas.openxmlformats.org/drawingml/2006/main" xmlns:r="http://schemas.openxmlformats.org/officeDocument/2006/relationships" xmlns:p="http://schemas.openxmlformats.org/presentationml/2006/main">
-  <p:cSld>
-    <p:spTree>
-      <p:nvGrpSpPr>
-        <p:cNvPr id="1" name=""/>
-        <p:cNvGrpSpPr/>
-        <p:nvPr/>
-      </p:nvGrpSpPr>
-      <p:grpSpPr>
-        <a:xfrm>
-          <a:off x="0" y="0"/>
-          <a:ext cx="0" cy="0"/>
-          <a:chOff x="0" y="0"/>
-          <a:chExt cx="0" cy="0"/>
-        </a:xfrm>
-      </p:grpSpPr>
-      <p:sp>
-        <p:nvSpPr>
-          <p:cNvPr id="2" name="Title 1"/>
-          <p:cNvSpPr>
-            <a:spLocks noGrp="1"/>
-          </p:cNvSpPr>
-          <p:nvPr>
-            <p:ph type="title"/>
-          </p:nvPr>
-        </p:nvSpPr>
-        <p:spPr/>
-        <p:txBody>
-          <a:bodyPr/>
-          <a:lstStyle/>
-          <a:p>
-            <a:r>
-              <a:rPr lang="en-US" sz="3200" b="1" dirty="0" smtClean="0">
-                <a:solidFill>
-                  <a:schemeClr val="tx1"/>
-                </a:solidFill>
-              </a:rPr>
-              <a:t>Better </a:t>
-            </a:r>
-            <a:r>
-              <a:rPr lang="en-US" sz="3200" dirty="0" smtClean="0">
-                <a:solidFill>
-                  <a:schemeClr val="tx1"/>
-                </a:solidFill>
-              </a:rPr>
-              <a:t>planning strategy</a:t>
-            </a:r>
-            <a:endParaRPr lang="en-US" dirty="0"/>
-          </a:p>
-        </p:txBody>
-      </p:sp>
-      <p:sp>
-        <p:nvSpPr>
-          <p:cNvPr id="3" name="Content Placeholder 2"/>
-          <p:cNvSpPr>
-            <a:spLocks noGrp="1"/>
-          </p:cNvSpPr>
-          <p:nvPr>
-            <p:ph idx="1"/>
-          </p:nvPr>
-        </p:nvSpPr>
-        <p:spPr/>
-        <p:txBody>
-          <a:bodyPr>
-            <a:normAutofit/>
-          </a:bodyPr>
-          <a:lstStyle/>
-          <a:p>
-            <a:pPr lvl="1"/>
-            <a:r>
-              <a:rPr lang="en-US" b="1" dirty="0" smtClean="0">
-                <a:solidFill>
-                  <a:schemeClr val="tx1"/>
-                </a:solidFill>
-              </a:rPr>
-              <a:t>A better planning strategy</a:t>
-            </a:r>
-            <a:r>
-              <a:rPr lang="en-US" dirty="0" smtClean="0">
-                <a:solidFill>
-                  <a:schemeClr val="tx1"/>
-                </a:solidFill>
-              </a:rPr>
-              <a:t> is to make </a:t>
-            </a:r>
-            <a:r>
-              <a:rPr lang="en-US" sz="2400" b="1" dirty="0" smtClean="0">
-                <a:solidFill>
-                  <a:srgbClr val="FF0000"/>
-                </a:solidFill>
-              </a:rPr>
-              <a:t>detailed plans for the next two weeks</a:t>
-            </a:r>
-            <a:r>
-              <a:rPr lang="en-US" dirty="0" smtClean="0">
-                <a:solidFill>
-                  <a:schemeClr val="tx1"/>
-                </a:solidFill>
-              </a:rPr>
-              <a:t>, </a:t>
-            </a:r>
-            <a:r>
-              <a:rPr lang="en-US" sz="2400" b="1" dirty="0" smtClean="0">
-                <a:solidFill>
-                  <a:srgbClr val="FF0000"/>
-                </a:solidFill>
-              </a:rPr>
-              <a:t>very rough plans the next three month</a:t>
-            </a:r>
-            <a:r>
-              <a:rPr lang="en-US" dirty="0" smtClean="0">
-                <a:solidFill>
-                  <a:schemeClr val="tx1"/>
-                </a:solidFill>
-              </a:rPr>
-              <a:t>, and </a:t>
-            </a:r>
-            <a:r>
-              <a:rPr lang="en-US" sz="2400" b="1" dirty="0" smtClean="0">
-                <a:solidFill>
-                  <a:srgbClr val="FF0000"/>
-                </a:solidFill>
-              </a:rPr>
-              <a:t>extremely crude plans beyond that</a:t>
-            </a:r>
-            <a:r>
-              <a:rPr lang="en-US" dirty="0" smtClean="0">
-                <a:solidFill>
-                  <a:schemeClr val="tx1"/>
-                </a:solidFill>
-              </a:rPr>
-              <a:t>.</a:t>
-            </a:r>
-            <a:endParaRPr lang="en-US" dirty="0" smtClean="0">
-              <a:solidFill>
-                <a:srgbClr val="FF0000"/>
-              </a:solidFill>
-            </a:endParaRPr>
-          </a:p>
-          <a:p>
-            <a:pPr lvl="1"/>
-            <a:endParaRPr lang="en-US" b="1" dirty="0" smtClean="0">
-              <a:solidFill>
-                <a:srgbClr val="FF0000"/>
-              </a:solidFill>
-            </a:endParaRPr>
-          </a:p>
-          <a:p>
-            <a:pPr lvl="1"/>
-            <a:endParaRPr lang="en-US" dirty="0" smtClean="0">
-              <a:solidFill>
-                <a:schemeClr val="tx1"/>
-              </a:solidFill>
-            </a:endParaRPr>
-          </a:p>
-        </p:txBody>
-      </p:sp>
-    </p:spTree>
-    <p:extLst>
-      <p:ext uri="{BB962C8B-B14F-4D97-AF65-F5344CB8AC3E}">
-        <p14:creationId xmlns:p14="http://schemas.microsoft.com/office/powerpoint/2010/main" val="1737505702"/>
-      </p:ext>
-    </p:extLst>
-  </p:cSld>
-  <p:clrMapOvr>
-    <a:masterClrMapping/>
-  </p:clrMapOvr>
-</p:sld>
-</file>
-
 <file path=ppt/slides/slide2.xml><?xml version="1.0" encoding="utf-8"?>
 <p:sld xmlns:a="http://schemas.openxmlformats.org/drawingml/2006/main" xmlns:r="http://schemas.openxmlformats.org/officeDocument/2006/relationships" xmlns:p="http://schemas.openxmlformats.org/presentationml/2006/main">
   <p:cSld>
@@ -6890,1500 +5735,6 @@
       </p:par>
     </p:tnLst>
   </p:timing>
-</p:sld>
-</file>
-
-<file path=ppt/slides/slide20.xml><?xml version="1.0" encoding="utf-8"?>
-<p:sld xmlns:a="http://schemas.openxmlformats.org/drawingml/2006/main" xmlns:r="http://schemas.openxmlformats.org/officeDocument/2006/relationships" xmlns:p="http://schemas.openxmlformats.org/presentationml/2006/main">
-  <p:cSld>
-    <p:spTree>
-      <p:nvGrpSpPr>
-        <p:cNvPr id="1" name=""/>
-        <p:cNvGrpSpPr/>
-        <p:nvPr/>
-      </p:nvGrpSpPr>
-      <p:grpSpPr>
-        <a:xfrm>
-          <a:off x="0" y="0"/>
-          <a:ext cx="0" cy="0"/>
-          <a:chOff x="0" y="0"/>
-          <a:chExt cx="0" cy="0"/>
-        </a:xfrm>
-      </p:grpSpPr>
-      <p:sp>
-        <p:nvSpPr>
-          <p:cNvPr id="2" name="Title 1"/>
-          <p:cNvSpPr>
-            <a:spLocks noGrp="1"/>
-          </p:cNvSpPr>
-          <p:nvPr>
-            <p:ph type="title"/>
-          </p:nvPr>
-        </p:nvSpPr>
-        <p:spPr/>
-        <p:txBody>
-          <a:bodyPr/>
-          <a:lstStyle/>
-          <a:p>
-            <a:r>
-              <a:rPr lang="en-US" sz="3200" b="1" dirty="0" smtClean="0">
-                <a:solidFill>
-                  <a:schemeClr val="tx1"/>
-                </a:solidFill>
-              </a:rPr>
-              <a:t>Agile principles</a:t>
-            </a:r>
-            <a:endParaRPr lang="en-US" dirty="0"/>
-          </a:p>
-        </p:txBody>
-      </p:sp>
-      <p:sp>
-        <p:nvSpPr>
-          <p:cNvPr id="3" name="Content Placeholder 2"/>
-          <p:cNvSpPr>
-            <a:spLocks noGrp="1"/>
-          </p:cNvSpPr>
-          <p:nvPr>
-            <p:ph idx="1"/>
-          </p:nvPr>
-        </p:nvSpPr>
-        <p:spPr/>
-        <p:txBody>
-          <a:bodyPr>
-            <a:normAutofit/>
-          </a:bodyPr>
-          <a:lstStyle/>
-          <a:p>
-            <a:pPr lvl="1"/>
-            <a:r>
-              <a:rPr lang="en-US" sz="2400" b="1" dirty="0" smtClean="0">
-                <a:solidFill>
-                  <a:schemeClr val="tx1"/>
-                </a:solidFill>
-              </a:rPr>
-              <a:t>1- Our highest priority is to satisfy the customer through </a:t>
-            </a:r>
-            <a:r>
-              <a:rPr lang="en-US" sz="2400" b="1" dirty="0" smtClean="0">
-                <a:solidFill>
-                  <a:srgbClr val="FF0000"/>
-                </a:solidFill>
-              </a:rPr>
-              <a:t>early</a:t>
-            </a:r>
-            <a:r>
-              <a:rPr lang="en-US" sz="2400" b="1" dirty="0" smtClean="0">
-                <a:solidFill>
-                  <a:schemeClr val="tx1"/>
-                </a:solidFill>
-              </a:rPr>
-              <a:t> and </a:t>
-            </a:r>
-            <a:r>
-              <a:rPr lang="en-US" sz="2400" b="1" dirty="0" smtClean="0">
-                <a:solidFill>
-                  <a:srgbClr val="FF0000"/>
-                </a:solidFill>
-              </a:rPr>
-              <a:t>continuous delivery of valuable software</a:t>
-            </a:r>
-            <a:r>
-              <a:rPr lang="en-US" sz="2400" b="1" dirty="0" smtClean="0">
-                <a:solidFill>
-                  <a:schemeClr val="tx1"/>
-                </a:solidFill>
-              </a:rPr>
-              <a:t>.</a:t>
-            </a:r>
-          </a:p>
-          <a:p>
-            <a:pPr lvl="1"/>
-            <a:endParaRPr lang="en-US" sz="2400" b="1" dirty="0">
-              <a:solidFill>
-                <a:schemeClr val="tx1"/>
-              </a:solidFill>
-            </a:endParaRPr>
-          </a:p>
-          <a:p>
-            <a:pPr lvl="1"/>
-            <a:r>
-              <a:rPr lang="en-US" dirty="0" smtClean="0">
-                <a:solidFill>
-                  <a:schemeClr val="tx1"/>
-                </a:solidFill>
-              </a:rPr>
-              <a:t>We strive to deliver rudimentary system within the first few weeks of the start of the project. Then, we strive to continue to delivers systems of increasing functionality every two weeks.</a:t>
-            </a:r>
-          </a:p>
-        </p:txBody>
-      </p:sp>
-    </p:spTree>
-    <p:extLst>
-      <p:ext uri="{BB962C8B-B14F-4D97-AF65-F5344CB8AC3E}">
-        <p14:creationId xmlns:p14="http://schemas.microsoft.com/office/powerpoint/2010/main" val="4243998663"/>
-      </p:ext>
-    </p:extLst>
-  </p:cSld>
-  <p:clrMapOvr>
-    <a:masterClrMapping/>
-  </p:clrMapOvr>
-</p:sld>
-</file>
-
-<file path=ppt/slides/slide21.xml><?xml version="1.0" encoding="utf-8"?>
-<p:sld xmlns:a="http://schemas.openxmlformats.org/drawingml/2006/main" xmlns:r="http://schemas.openxmlformats.org/officeDocument/2006/relationships" xmlns:p="http://schemas.openxmlformats.org/presentationml/2006/main">
-  <p:cSld>
-    <p:spTree>
-      <p:nvGrpSpPr>
-        <p:cNvPr id="1" name=""/>
-        <p:cNvGrpSpPr/>
-        <p:nvPr/>
-      </p:nvGrpSpPr>
-      <p:grpSpPr>
-        <a:xfrm>
-          <a:off x="0" y="0"/>
-          <a:ext cx="0" cy="0"/>
-          <a:chOff x="0" y="0"/>
-          <a:chExt cx="0" cy="0"/>
-        </a:xfrm>
-      </p:grpSpPr>
-      <p:sp>
-        <p:nvSpPr>
-          <p:cNvPr id="2" name="Title 1"/>
-          <p:cNvSpPr>
-            <a:spLocks noGrp="1"/>
-          </p:cNvSpPr>
-          <p:nvPr>
-            <p:ph type="title"/>
-          </p:nvPr>
-        </p:nvSpPr>
-        <p:spPr/>
-        <p:txBody>
-          <a:bodyPr/>
-          <a:lstStyle/>
-          <a:p>
-            <a:r>
-              <a:rPr lang="en-US" sz="3200" b="1" dirty="0" smtClean="0">
-                <a:solidFill>
-                  <a:schemeClr val="tx1"/>
-                </a:solidFill>
-              </a:rPr>
-              <a:t>Agile principles</a:t>
-            </a:r>
-            <a:endParaRPr lang="en-US" dirty="0"/>
-          </a:p>
-        </p:txBody>
-      </p:sp>
-      <p:sp>
-        <p:nvSpPr>
-          <p:cNvPr id="3" name="Content Placeholder 2"/>
-          <p:cNvSpPr>
-            <a:spLocks noGrp="1"/>
-          </p:cNvSpPr>
-          <p:nvPr>
-            <p:ph idx="1"/>
-          </p:nvPr>
-        </p:nvSpPr>
-        <p:spPr/>
-        <p:txBody>
-          <a:bodyPr>
-            <a:normAutofit/>
-          </a:bodyPr>
-          <a:lstStyle/>
-          <a:p>
-            <a:pPr lvl="1"/>
-            <a:r>
-              <a:rPr lang="en-US" sz="2400" b="1" dirty="0" smtClean="0">
-                <a:solidFill>
-                  <a:schemeClr val="tx1"/>
-                </a:solidFill>
-              </a:rPr>
-              <a:t>2- </a:t>
-            </a:r>
-            <a:r>
-              <a:rPr lang="en-US" sz="2400" b="1" dirty="0" smtClean="0">
-                <a:solidFill>
-                  <a:srgbClr val="FF0000"/>
-                </a:solidFill>
-              </a:rPr>
-              <a:t>Welcome changing requirements, even late in development</a:t>
-            </a:r>
-            <a:r>
-              <a:rPr lang="en-US" sz="2400" b="1" dirty="0" smtClean="0">
-                <a:solidFill>
-                  <a:schemeClr val="tx1"/>
-                </a:solidFill>
-              </a:rPr>
-              <a:t>. Agile processes harness change for the customer’s competitive advantage.</a:t>
-            </a:r>
-          </a:p>
-          <a:p>
-            <a:pPr lvl="1"/>
-            <a:endParaRPr lang="en-US" sz="2400" b="1" dirty="0">
-              <a:solidFill>
-                <a:schemeClr val="tx1"/>
-              </a:solidFill>
-            </a:endParaRPr>
-          </a:p>
-          <a:p>
-            <a:pPr lvl="1"/>
-            <a:r>
-              <a:rPr lang="en-US" dirty="0" smtClean="0">
-                <a:solidFill>
-                  <a:schemeClr val="tx1"/>
-                </a:solidFill>
-              </a:rPr>
-              <a:t>We should keep the structure of software flexible so that when requirements change, the impact to the system is minimal. We will learn the </a:t>
-            </a:r>
-            <a:r>
-              <a:rPr lang="en-US" b="1" dirty="0" smtClean="0">
-                <a:solidFill>
-                  <a:schemeClr val="tx1"/>
-                </a:solidFill>
-              </a:rPr>
-              <a:t>principles and patterns of object oriented design that help us to maintain this kind of flexibility</a:t>
-            </a:r>
-            <a:r>
-              <a:rPr lang="en-US" dirty="0" smtClean="0">
-                <a:solidFill>
-                  <a:schemeClr val="tx1"/>
-                </a:solidFill>
-              </a:rPr>
-              <a:t>.</a:t>
-            </a:r>
-          </a:p>
-        </p:txBody>
-      </p:sp>
-    </p:spTree>
-    <p:extLst>
-      <p:ext uri="{BB962C8B-B14F-4D97-AF65-F5344CB8AC3E}">
-        <p14:creationId xmlns:p14="http://schemas.microsoft.com/office/powerpoint/2010/main" val="3547838475"/>
-      </p:ext>
-    </p:extLst>
-  </p:cSld>
-  <p:clrMapOvr>
-    <a:masterClrMapping/>
-  </p:clrMapOvr>
-</p:sld>
-</file>
-
-<file path=ppt/slides/slide22.xml><?xml version="1.0" encoding="utf-8"?>
-<p:sld xmlns:a="http://schemas.openxmlformats.org/drawingml/2006/main" xmlns:r="http://schemas.openxmlformats.org/officeDocument/2006/relationships" xmlns:p="http://schemas.openxmlformats.org/presentationml/2006/main">
-  <p:cSld>
-    <p:spTree>
-      <p:nvGrpSpPr>
-        <p:cNvPr id="1" name=""/>
-        <p:cNvGrpSpPr/>
-        <p:nvPr/>
-      </p:nvGrpSpPr>
-      <p:grpSpPr>
-        <a:xfrm>
-          <a:off x="0" y="0"/>
-          <a:ext cx="0" cy="0"/>
-          <a:chOff x="0" y="0"/>
-          <a:chExt cx="0" cy="0"/>
-        </a:xfrm>
-      </p:grpSpPr>
-      <p:sp>
-        <p:nvSpPr>
-          <p:cNvPr id="2" name="Title 1"/>
-          <p:cNvSpPr>
-            <a:spLocks noGrp="1"/>
-          </p:cNvSpPr>
-          <p:nvPr>
-            <p:ph type="title"/>
-          </p:nvPr>
-        </p:nvSpPr>
-        <p:spPr/>
-        <p:txBody>
-          <a:bodyPr/>
-          <a:lstStyle/>
-          <a:p>
-            <a:r>
-              <a:rPr lang="en-US" sz="3200" b="1" dirty="0" smtClean="0">
-                <a:solidFill>
-                  <a:schemeClr val="tx1"/>
-                </a:solidFill>
-              </a:rPr>
-              <a:t>Agile principles</a:t>
-            </a:r>
-            <a:endParaRPr lang="en-US" dirty="0"/>
-          </a:p>
-        </p:txBody>
-      </p:sp>
-      <p:sp>
-        <p:nvSpPr>
-          <p:cNvPr id="3" name="Content Placeholder 2"/>
-          <p:cNvSpPr>
-            <a:spLocks noGrp="1"/>
-          </p:cNvSpPr>
-          <p:nvPr>
-            <p:ph idx="1"/>
-          </p:nvPr>
-        </p:nvSpPr>
-        <p:spPr/>
-        <p:txBody>
-          <a:bodyPr>
-            <a:normAutofit/>
-          </a:bodyPr>
-          <a:lstStyle/>
-          <a:p>
-            <a:pPr lvl="1"/>
-            <a:r>
-              <a:rPr lang="en-US" sz="2400" b="1" dirty="0" smtClean="0">
-                <a:solidFill>
-                  <a:schemeClr val="tx1"/>
-                </a:solidFill>
-              </a:rPr>
-              <a:t>3- </a:t>
-            </a:r>
-            <a:r>
-              <a:rPr lang="en-US" sz="2400" b="1" dirty="0" smtClean="0">
-                <a:solidFill>
-                  <a:srgbClr val="FF0000"/>
-                </a:solidFill>
-              </a:rPr>
-              <a:t>Deliver working software frequently</a:t>
-            </a:r>
-            <a:r>
-              <a:rPr lang="en-US" sz="2400" b="1" dirty="0" smtClean="0">
-                <a:solidFill>
-                  <a:schemeClr val="tx1"/>
-                </a:solidFill>
-              </a:rPr>
-              <a:t>, from a couple of weeks to a couple of month, with a preference to the shorter time scale.</a:t>
-            </a:r>
-          </a:p>
-          <a:p>
-            <a:pPr lvl="1"/>
-            <a:endParaRPr lang="en-US" sz="2400" b="1" dirty="0">
-              <a:solidFill>
-                <a:schemeClr val="tx1"/>
-              </a:solidFill>
-            </a:endParaRPr>
-          </a:p>
-          <a:p>
-            <a:pPr lvl="1"/>
-            <a:r>
-              <a:rPr lang="en-US" dirty="0" smtClean="0">
-                <a:solidFill>
-                  <a:schemeClr val="tx1"/>
-                </a:solidFill>
-              </a:rPr>
-              <a:t>We are </a:t>
-            </a:r>
-            <a:r>
-              <a:rPr lang="en-US" b="1" dirty="0" smtClean="0">
-                <a:solidFill>
-                  <a:schemeClr val="tx1"/>
-                </a:solidFill>
-              </a:rPr>
-              <a:t>not</a:t>
-            </a:r>
-            <a:r>
-              <a:rPr lang="en-US" dirty="0" smtClean="0">
-                <a:solidFill>
-                  <a:schemeClr val="tx1"/>
-                </a:solidFill>
-              </a:rPr>
-              <a:t> content with delivering </a:t>
-            </a:r>
-            <a:r>
-              <a:rPr lang="en-US" b="1" dirty="0" smtClean="0">
-                <a:solidFill>
-                  <a:schemeClr val="tx1"/>
-                </a:solidFill>
-              </a:rPr>
-              <a:t>bundles of documents or plans</a:t>
-            </a:r>
-            <a:r>
-              <a:rPr lang="en-US" dirty="0" smtClean="0">
-                <a:solidFill>
-                  <a:schemeClr val="tx1"/>
-                </a:solidFill>
-              </a:rPr>
-              <a:t>.</a:t>
-            </a:r>
-          </a:p>
-          <a:p>
-            <a:pPr lvl="1"/>
-            <a:r>
-              <a:rPr lang="en-US" dirty="0" smtClean="0">
-                <a:solidFill>
-                  <a:schemeClr val="tx1"/>
-                </a:solidFill>
-              </a:rPr>
-              <a:t>Our eye is on the goal of delivering software that satisfies the customers’ needs.</a:t>
-            </a:r>
-          </a:p>
-        </p:txBody>
-      </p:sp>
-    </p:spTree>
-    <p:extLst>
-      <p:ext uri="{BB962C8B-B14F-4D97-AF65-F5344CB8AC3E}">
-        <p14:creationId xmlns:p14="http://schemas.microsoft.com/office/powerpoint/2010/main" val="4159166944"/>
-      </p:ext>
-    </p:extLst>
-  </p:cSld>
-  <p:clrMapOvr>
-    <a:masterClrMapping/>
-  </p:clrMapOvr>
-</p:sld>
-</file>
-
-<file path=ppt/slides/slide23.xml><?xml version="1.0" encoding="utf-8"?>
-<p:sld xmlns:a="http://schemas.openxmlformats.org/drawingml/2006/main" xmlns:r="http://schemas.openxmlformats.org/officeDocument/2006/relationships" xmlns:p="http://schemas.openxmlformats.org/presentationml/2006/main">
-  <p:cSld>
-    <p:spTree>
-      <p:nvGrpSpPr>
-        <p:cNvPr id="1" name=""/>
-        <p:cNvGrpSpPr/>
-        <p:nvPr/>
-      </p:nvGrpSpPr>
-      <p:grpSpPr>
-        <a:xfrm>
-          <a:off x="0" y="0"/>
-          <a:ext cx="0" cy="0"/>
-          <a:chOff x="0" y="0"/>
-          <a:chExt cx="0" cy="0"/>
-        </a:xfrm>
-      </p:grpSpPr>
-      <p:sp>
-        <p:nvSpPr>
-          <p:cNvPr id="2" name="Title 1"/>
-          <p:cNvSpPr>
-            <a:spLocks noGrp="1"/>
-          </p:cNvSpPr>
-          <p:nvPr>
-            <p:ph type="title"/>
-          </p:nvPr>
-        </p:nvSpPr>
-        <p:spPr/>
-        <p:txBody>
-          <a:bodyPr/>
-          <a:lstStyle/>
-          <a:p>
-            <a:r>
-              <a:rPr lang="en-US" sz="3200" b="1" dirty="0" smtClean="0">
-                <a:solidFill>
-                  <a:schemeClr val="tx1"/>
-                </a:solidFill>
-              </a:rPr>
-              <a:t>Agile principles</a:t>
-            </a:r>
-            <a:endParaRPr lang="en-US" dirty="0"/>
-          </a:p>
-        </p:txBody>
-      </p:sp>
-      <p:sp>
-        <p:nvSpPr>
-          <p:cNvPr id="3" name="Content Placeholder 2"/>
-          <p:cNvSpPr>
-            <a:spLocks noGrp="1"/>
-          </p:cNvSpPr>
-          <p:nvPr>
-            <p:ph idx="1"/>
-          </p:nvPr>
-        </p:nvSpPr>
-        <p:spPr/>
-        <p:txBody>
-          <a:bodyPr>
-            <a:normAutofit/>
-          </a:bodyPr>
-          <a:lstStyle/>
-          <a:p>
-            <a:pPr lvl="1"/>
-            <a:r>
-              <a:rPr lang="en-US" sz="2400" b="1" dirty="0" smtClean="0">
-                <a:solidFill>
-                  <a:schemeClr val="tx1"/>
-                </a:solidFill>
-              </a:rPr>
-              <a:t>4- </a:t>
-            </a:r>
-            <a:r>
-              <a:rPr lang="en-US" sz="2400" b="1" dirty="0" smtClean="0">
-                <a:solidFill>
-                  <a:srgbClr val="FF0000"/>
-                </a:solidFill>
-              </a:rPr>
-              <a:t>Business people </a:t>
-            </a:r>
-            <a:r>
-              <a:rPr lang="en-US" sz="2400" b="1" dirty="0" smtClean="0">
-                <a:solidFill>
-                  <a:schemeClr val="tx1"/>
-                </a:solidFill>
-              </a:rPr>
-              <a:t>and </a:t>
-            </a:r>
-            <a:r>
-              <a:rPr lang="en-US" sz="2400" b="1" dirty="0" smtClean="0">
-                <a:solidFill>
-                  <a:srgbClr val="FF0000"/>
-                </a:solidFill>
-              </a:rPr>
-              <a:t>developers</a:t>
-            </a:r>
-            <a:r>
-              <a:rPr lang="en-US" sz="2400" b="1" dirty="0" smtClean="0">
-                <a:solidFill>
-                  <a:schemeClr val="tx1"/>
-                </a:solidFill>
-              </a:rPr>
-              <a:t> must </a:t>
-            </a:r>
-            <a:r>
-              <a:rPr lang="en-US" sz="2400" b="1" dirty="0" smtClean="0">
-                <a:solidFill>
-                  <a:srgbClr val="FF0000"/>
-                </a:solidFill>
-              </a:rPr>
-              <a:t>work together </a:t>
-            </a:r>
-            <a:r>
-              <a:rPr lang="en-US" sz="2400" b="1" dirty="0" smtClean="0">
-                <a:solidFill>
-                  <a:schemeClr val="tx1"/>
-                </a:solidFill>
-              </a:rPr>
-              <a:t>daily throughout the project.</a:t>
-            </a:r>
-          </a:p>
-          <a:p>
-            <a:pPr lvl="1"/>
-            <a:endParaRPr lang="en-US" sz="2400" b="1" dirty="0">
-              <a:solidFill>
-                <a:schemeClr val="tx1"/>
-              </a:solidFill>
-            </a:endParaRPr>
-          </a:p>
-          <a:p>
-            <a:pPr lvl="1"/>
-            <a:r>
-              <a:rPr lang="en-US" b="1" dirty="0" smtClean="0">
-                <a:solidFill>
-                  <a:schemeClr val="tx1"/>
-                </a:solidFill>
-              </a:rPr>
-              <a:t>In order for a project to be agile</a:t>
-            </a:r>
-            <a:r>
-              <a:rPr lang="en-US" dirty="0" smtClean="0">
-                <a:solidFill>
-                  <a:schemeClr val="tx1"/>
-                </a:solidFill>
-              </a:rPr>
-              <a:t>, there must be significant and </a:t>
-            </a:r>
-            <a:r>
-              <a:rPr lang="en-US" b="1" dirty="0" smtClean="0">
-                <a:solidFill>
-                  <a:schemeClr val="tx1"/>
-                </a:solidFill>
-              </a:rPr>
-              <a:t>frequent interaction between the customers, developers and stakeholders</a:t>
-            </a:r>
-            <a:r>
-              <a:rPr lang="en-US" dirty="0" smtClean="0">
-                <a:solidFill>
-                  <a:schemeClr val="tx1"/>
-                </a:solidFill>
-              </a:rPr>
-              <a:t>.</a:t>
-            </a:r>
-          </a:p>
-        </p:txBody>
-      </p:sp>
-    </p:spTree>
-    <p:extLst>
-      <p:ext uri="{BB962C8B-B14F-4D97-AF65-F5344CB8AC3E}">
-        <p14:creationId xmlns:p14="http://schemas.microsoft.com/office/powerpoint/2010/main" val="3564536061"/>
-      </p:ext>
-    </p:extLst>
-  </p:cSld>
-  <p:clrMapOvr>
-    <a:masterClrMapping/>
-  </p:clrMapOvr>
-</p:sld>
-</file>
-
-<file path=ppt/slides/slide24.xml><?xml version="1.0" encoding="utf-8"?>
-<p:sld xmlns:a="http://schemas.openxmlformats.org/drawingml/2006/main" xmlns:r="http://schemas.openxmlformats.org/officeDocument/2006/relationships" xmlns:p="http://schemas.openxmlformats.org/presentationml/2006/main">
-  <p:cSld>
-    <p:spTree>
-      <p:nvGrpSpPr>
-        <p:cNvPr id="1" name=""/>
-        <p:cNvGrpSpPr/>
-        <p:nvPr/>
-      </p:nvGrpSpPr>
-      <p:grpSpPr>
-        <a:xfrm>
-          <a:off x="0" y="0"/>
-          <a:ext cx="0" cy="0"/>
-          <a:chOff x="0" y="0"/>
-          <a:chExt cx="0" cy="0"/>
-        </a:xfrm>
-      </p:grpSpPr>
-      <p:sp>
-        <p:nvSpPr>
-          <p:cNvPr id="2" name="Title 1"/>
-          <p:cNvSpPr>
-            <a:spLocks noGrp="1"/>
-          </p:cNvSpPr>
-          <p:nvPr>
-            <p:ph type="title"/>
-          </p:nvPr>
-        </p:nvSpPr>
-        <p:spPr/>
-        <p:txBody>
-          <a:bodyPr/>
-          <a:lstStyle/>
-          <a:p>
-            <a:r>
-              <a:rPr lang="en-US" sz="3200" b="1" dirty="0" smtClean="0">
-                <a:solidFill>
-                  <a:schemeClr val="tx1"/>
-                </a:solidFill>
-              </a:rPr>
-              <a:t>Agile principles</a:t>
-            </a:r>
-            <a:endParaRPr lang="en-US" dirty="0"/>
-          </a:p>
-        </p:txBody>
-      </p:sp>
-      <p:sp>
-        <p:nvSpPr>
-          <p:cNvPr id="3" name="Content Placeholder 2"/>
-          <p:cNvSpPr>
-            <a:spLocks noGrp="1"/>
-          </p:cNvSpPr>
-          <p:nvPr>
-            <p:ph idx="1"/>
-          </p:nvPr>
-        </p:nvSpPr>
-        <p:spPr/>
-        <p:txBody>
-          <a:bodyPr>
-            <a:normAutofit/>
-          </a:bodyPr>
-          <a:lstStyle/>
-          <a:p>
-            <a:pPr lvl="1"/>
-            <a:r>
-              <a:rPr lang="en-US" sz="2400" b="1" dirty="0" smtClean="0">
-                <a:solidFill>
-                  <a:schemeClr val="tx1"/>
-                </a:solidFill>
-              </a:rPr>
-              <a:t>5- </a:t>
-            </a:r>
-            <a:r>
-              <a:rPr lang="en-US" sz="2400" b="1" dirty="0" smtClean="0">
-                <a:solidFill>
-                  <a:srgbClr val="FF0000"/>
-                </a:solidFill>
-              </a:rPr>
-              <a:t>Build project around motivated individuals</a:t>
-            </a:r>
-            <a:r>
-              <a:rPr lang="en-US" sz="2400" b="1" dirty="0" smtClean="0">
-                <a:solidFill>
-                  <a:schemeClr val="tx1"/>
-                </a:solidFill>
-              </a:rPr>
-              <a:t>. Give them the environment and support the need, and trust them to get the job done.</a:t>
-            </a:r>
-          </a:p>
-          <a:p>
-            <a:pPr lvl="1"/>
-            <a:endParaRPr lang="en-US" sz="2400" b="1" dirty="0">
-              <a:solidFill>
-                <a:schemeClr val="tx1"/>
-              </a:solidFill>
-            </a:endParaRPr>
-          </a:p>
-          <a:p>
-            <a:pPr lvl="1"/>
-            <a:r>
-              <a:rPr lang="en-US" dirty="0" smtClean="0">
-                <a:solidFill>
-                  <a:schemeClr val="tx1"/>
-                </a:solidFill>
-              </a:rPr>
-              <a:t>An agile project is one in which people are considered the </a:t>
-            </a:r>
-            <a:r>
-              <a:rPr lang="en-US" b="1" dirty="0" smtClean="0">
-                <a:solidFill>
-                  <a:schemeClr val="tx1"/>
-                </a:solidFill>
-              </a:rPr>
-              <a:t>most important factor of success</a:t>
-            </a:r>
-            <a:r>
-              <a:rPr lang="en-US" dirty="0" smtClean="0">
-                <a:solidFill>
-                  <a:schemeClr val="tx1"/>
-                </a:solidFill>
-              </a:rPr>
-              <a:t>.</a:t>
-            </a:r>
-          </a:p>
-        </p:txBody>
-      </p:sp>
-    </p:spTree>
-    <p:extLst>
-      <p:ext uri="{BB962C8B-B14F-4D97-AF65-F5344CB8AC3E}">
-        <p14:creationId xmlns:p14="http://schemas.microsoft.com/office/powerpoint/2010/main" val="81437376"/>
-      </p:ext>
-    </p:extLst>
-  </p:cSld>
-  <p:clrMapOvr>
-    <a:masterClrMapping/>
-  </p:clrMapOvr>
-</p:sld>
-</file>
-
-<file path=ppt/slides/slide25.xml><?xml version="1.0" encoding="utf-8"?>
-<p:sld xmlns:a="http://schemas.openxmlformats.org/drawingml/2006/main" xmlns:r="http://schemas.openxmlformats.org/officeDocument/2006/relationships" xmlns:p="http://schemas.openxmlformats.org/presentationml/2006/main">
-  <p:cSld>
-    <p:spTree>
-      <p:nvGrpSpPr>
-        <p:cNvPr id="1" name=""/>
-        <p:cNvGrpSpPr/>
-        <p:nvPr/>
-      </p:nvGrpSpPr>
-      <p:grpSpPr>
-        <a:xfrm>
-          <a:off x="0" y="0"/>
-          <a:ext cx="0" cy="0"/>
-          <a:chOff x="0" y="0"/>
-          <a:chExt cx="0" cy="0"/>
-        </a:xfrm>
-      </p:grpSpPr>
-      <p:sp>
-        <p:nvSpPr>
-          <p:cNvPr id="2" name="Title 1"/>
-          <p:cNvSpPr>
-            <a:spLocks noGrp="1"/>
-          </p:cNvSpPr>
-          <p:nvPr>
-            <p:ph type="title"/>
-          </p:nvPr>
-        </p:nvSpPr>
-        <p:spPr/>
-        <p:txBody>
-          <a:bodyPr/>
-          <a:lstStyle/>
-          <a:p>
-            <a:r>
-              <a:rPr lang="en-US" sz="3200" b="1" dirty="0" smtClean="0">
-                <a:solidFill>
-                  <a:schemeClr val="tx1"/>
-                </a:solidFill>
-              </a:rPr>
-              <a:t>Agile principles</a:t>
-            </a:r>
-            <a:endParaRPr lang="en-US" dirty="0"/>
-          </a:p>
-        </p:txBody>
-      </p:sp>
-      <p:sp>
-        <p:nvSpPr>
-          <p:cNvPr id="3" name="Content Placeholder 2"/>
-          <p:cNvSpPr>
-            <a:spLocks noGrp="1"/>
-          </p:cNvSpPr>
-          <p:nvPr>
-            <p:ph idx="1"/>
-          </p:nvPr>
-        </p:nvSpPr>
-        <p:spPr/>
-        <p:txBody>
-          <a:bodyPr>
-            <a:normAutofit/>
-          </a:bodyPr>
-          <a:lstStyle/>
-          <a:p>
-            <a:pPr lvl="1"/>
-            <a:r>
-              <a:rPr lang="en-US" sz="2400" b="1" dirty="0" smtClean="0">
-                <a:solidFill>
-                  <a:schemeClr val="tx1"/>
-                </a:solidFill>
-              </a:rPr>
-              <a:t>6- </a:t>
-            </a:r>
-            <a:r>
-              <a:rPr lang="en-US" sz="2400" b="1" dirty="0" smtClean="0">
-                <a:solidFill>
-                  <a:srgbClr val="FF0000"/>
-                </a:solidFill>
-              </a:rPr>
-              <a:t>The most efficient and effective method of conveying information </a:t>
-            </a:r>
-            <a:r>
-              <a:rPr lang="en-US" sz="2400" b="1" dirty="0" smtClean="0">
-                <a:solidFill>
-                  <a:schemeClr val="tx1"/>
-                </a:solidFill>
-              </a:rPr>
-              <a:t>to and within a development team is </a:t>
-            </a:r>
-            <a:r>
-              <a:rPr lang="en-US" sz="2400" b="1" dirty="0" smtClean="0">
-                <a:solidFill>
-                  <a:srgbClr val="FF0000"/>
-                </a:solidFill>
-              </a:rPr>
-              <a:t>face-to-face conversation</a:t>
-            </a:r>
-            <a:r>
-              <a:rPr lang="en-US" sz="2400" b="1" dirty="0" smtClean="0">
-                <a:solidFill>
-                  <a:schemeClr val="tx1"/>
-                </a:solidFill>
-              </a:rPr>
-              <a:t>.</a:t>
-            </a:r>
-          </a:p>
-          <a:p>
-            <a:pPr lvl="1"/>
-            <a:endParaRPr lang="en-US" sz="2400" b="1" dirty="0">
-              <a:solidFill>
-                <a:schemeClr val="tx1"/>
-              </a:solidFill>
-            </a:endParaRPr>
-          </a:p>
-          <a:p>
-            <a:pPr lvl="1"/>
-            <a:r>
-              <a:rPr lang="en-US" dirty="0" smtClean="0">
-                <a:solidFill>
-                  <a:schemeClr val="tx1"/>
-                </a:solidFill>
-              </a:rPr>
-              <a:t>The primary mode of communication is conversation. Documents may be created, but </a:t>
-            </a:r>
-            <a:r>
-              <a:rPr lang="en-US" b="1" dirty="0" smtClean="0">
-                <a:solidFill>
-                  <a:schemeClr val="tx1"/>
-                </a:solidFill>
-              </a:rPr>
-              <a:t>there is no attempt to capture all project information in writing</a:t>
-            </a:r>
-            <a:r>
-              <a:rPr lang="en-US" dirty="0" smtClean="0">
-                <a:solidFill>
-                  <a:schemeClr val="tx1"/>
-                </a:solidFill>
-              </a:rPr>
-              <a:t>.</a:t>
-            </a:r>
-          </a:p>
-          <a:p>
-            <a:pPr lvl="1"/>
-            <a:r>
-              <a:rPr lang="en-US" dirty="0" smtClean="0">
-                <a:solidFill>
-                  <a:schemeClr val="tx1"/>
-                </a:solidFill>
-              </a:rPr>
-              <a:t>An agile project team does not demand written specs, written plans or written designs.</a:t>
-            </a:r>
-          </a:p>
-        </p:txBody>
-      </p:sp>
-    </p:spTree>
-    <p:extLst>
-      <p:ext uri="{BB962C8B-B14F-4D97-AF65-F5344CB8AC3E}">
-        <p14:creationId xmlns:p14="http://schemas.microsoft.com/office/powerpoint/2010/main" val="3373497987"/>
-      </p:ext>
-    </p:extLst>
-  </p:cSld>
-  <p:clrMapOvr>
-    <a:masterClrMapping/>
-  </p:clrMapOvr>
-</p:sld>
-</file>
-
-<file path=ppt/slides/slide26.xml><?xml version="1.0" encoding="utf-8"?>
-<p:sld xmlns:a="http://schemas.openxmlformats.org/drawingml/2006/main" xmlns:r="http://schemas.openxmlformats.org/officeDocument/2006/relationships" xmlns:p="http://schemas.openxmlformats.org/presentationml/2006/main">
-  <p:cSld>
-    <p:spTree>
-      <p:nvGrpSpPr>
-        <p:cNvPr id="1" name=""/>
-        <p:cNvGrpSpPr/>
-        <p:nvPr/>
-      </p:nvGrpSpPr>
-      <p:grpSpPr>
-        <a:xfrm>
-          <a:off x="0" y="0"/>
-          <a:ext cx="0" cy="0"/>
-          <a:chOff x="0" y="0"/>
-          <a:chExt cx="0" cy="0"/>
-        </a:xfrm>
-      </p:grpSpPr>
-      <p:sp>
-        <p:nvSpPr>
-          <p:cNvPr id="2" name="Title 1"/>
-          <p:cNvSpPr>
-            <a:spLocks noGrp="1"/>
-          </p:cNvSpPr>
-          <p:nvPr>
-            <p:ph type="title"/>
-          </p:nvPr>
-        </p:nvSpPr>
-        <p:spPr/>
-        <p:txBody>
-          <a:bodyPr/>
-          <a:lstStyle/>
-          <a:p>
-            <a:r>
-              <a:rPr lang="en-US" sz="3200" b="1" dirty="0" smtClean="0">
-                <a:solidFill>
-                  <a:schemeClr val="tx1"/>
-                </a:solidFill>
-              </a:rPr>
-              <a:t>Agile principles</a:t>
-            </a:r>
-            <a:endParaRPr lang="en-US" dirty="0"/>
-          </a:p>
-        </p:txBody>
-      </p:sp>
-      <p:sp>
-        <p:nvSpPr>
-          <p:cNvPr id="3" name="Content Placeholder 2"/>
-          <p:cNvSpPr>
-            <a:spLocks noGrp="1"/>
-          </p:cNvSpPr>
-          <p:nvPr>
-            <p:ph idx="1"/>
-          </p:nvPr>
-        </p:nvSpPr>
-        <p:spPr/>
-        <p:txBody>
-          <a:bodyPr>
-            <a:normAutofit/>
-          </a:bodyPr>
-          <a:lstStyle/>
-          <a:p>
-            <a:pPr lvl="1"/>
-            <a:r>
-              <a:rPr lang="en-US" sz="2400" b="1" dirty="0" smtClean="0">
-                <a:solidFill>
-                  <a:schemeClr val="tx1"/>
-                </a:solidFill>
-              </a:rPr>
-              <a:t>7- </a:t>
-            </a:r>
-            <a:r>
-              <a:rPr lang="en-US" sz="2400" b="1" dirty="0" smtClean="0">
-                <a:solidFill>
-                  <a:srgbClr val="FF0000"/>
-                </a:solidFill>
-              </a:rPr>
-              <a:t>Working software</a:t>
-            </a:r>
-            <a:r>
-              <a:rPr lang="en-US" sz="2400" b="1" dirty="0" smtClean="0">
-                <a:solidFill>
-                  <a:schemeClr val="tx1"/>
-                </a:solidFill>
-              </a:rPr>
-              <a:t> is the </a:t>
-            </a:r>
-            <a:r>
-              <a:rPr lang="en-US" sz="2400" b="1" dirty="0" smtClean="0">
-                <a:solidFill>
-                  <a:srgbClr val="FF0000"/>
-                </a:solidFill>
-              </a:rPr>
-              <a:t>primary measure of progress</a:t>
-            </a:r>
-            <a:r>
-              <a:rPr lang="en-US" sz="2400" b="1" dirty="0" smtClean="0">
-                <a:solidFill>
-                  <a:schemeClr val="tx1"/>
-                </a:solidFill>
-              </a:rPr>
-              <a:t>.</a:t>
-            </a:r>
-          </a:p>
-          <a:p>
-            <a:pPr lvl="1"/>
-            <a:endParaRPr lang="en-US" sz="2400" b="1" dirty="0">
-              <a:solidFill>
-                <a:schemeClr val="tx1"/>
-              </a:solidFill>
-            </a:endParaRPr>
-          </a:p>
-          <a:p>
-            <a:pPr lvl="1"/>
-            <a:r>
-              <a:rPr lang="en-US" b="1" dirty="0" smtClean="0">
-                <a:solidFill>
-                  <a:schemeClr val="tx1"/>
-                </a:solidFill>
-              </a:rPr>
-              <a:t>Agile team don’t measure their progress </a:t>
-            </a:r>
-            <a:r>
-              <a:rPr lang="en-US" dirty="0" smtClean="0">
-                <a:solidFill>
-                  <a:schemeClr val="tx1"/>
-                </a:solidFill>
-              </a:rPr>
-              <a:t>in terms of phase that they are in or </a:t>
-            </a:r>
-            <a:r>
-              <a:rPr lang="en-US" b="1" dirty="0" smtClean="0">
-                <a:solidFill>
-                  <a:schemeClr val="tx1"/>
-                </a:solidFill>
-              </a:rPr>
-              <a:t>by the amount of infrastructure code they have created</a:t>
-            </a:r>
-            <a:r>
-              <a:rPr lang="en-US" dirty="0" smtClean="0">
-                <a:solidFill>
-                  <a:schemeClr val="tx1"/>
-                </a:solidFill>
-              </a:rPr>
-              <a:t>.</a:t>
-            </a:r>
-          </a:p>
-          <a:p>
-            <a:pPr lvl="1"/>
-            <a:r>
-              <a:rPr lang="en-US" dirty="0" smtClean="0">
-                <a:solidFill>
-                  <a:schemeClr val="tx1"/>
-                </a:solidFill>
-              </a:rPr>
-              <a:t>They are 30% done when 30% of the necessary functionality is working.</a:t>
-            </a:r>
-          </a:p>
-        </p:txBody>
-      </p:sp>
-    </p:spTree>
-    <p:extLst>
-      <p:ext uri="{BB962C8B-B14F-4D97-AF65-F5344CB8AC3E}">
-        <p14:creationId xmlns:p14="http://schemas.microsoft.com/office/powerpoint/2010/main" val="6786080"/>
-      </p:ext>
-    </p:extLst>
-  </p:cSld>
-  <p:clrMapOvr>
-    <a:masterClrMapping/>
-  </p:clrMapOvr>
-</p:sld>
-</file>
-
-<file path=ppt/slides/slide27.xml><?xml version="1.0" encoding="utf-8"?>
-<p:sld xmlns:a="http://schemas.openxmlformats.org/drawingml/2006/main" xmlns:r="http://schemas.openxmlformats.org/officeDocument/2006/relationships" xmlns:p="http://schemas.openxmlformats.org/presentationml/2006/main">
-  <p:cSld>
-    <p:spTree>
-      <p:nvGrpSpPr>
-        <p:cNvPr id="1" name=""/>
-        <p:cNvGrpSpPr/>
-        <p:nvPr/>
-      </p:nvGrpSpPr>
-      <p:grpSpPr>
-        <a:xfrm>
-          <a:off x="0" y="0"/>
-          <a:ext cx="0" cy="0"/>
-          <a:chOff x="0" y="0"/>
-          <a:chExt cx="0" cy="0"/>
-        </a:xfrm>
-      </p:grpSpPr>
-      <p:sp>
-        <p:nvSpPr>
-          <p:cNvPr id="2" name="Title 1"/>
-          <p:cNvSpPr>
-            <a:spLocks noGrp="1"/>
-          </p:cNvSpPr>
-          <p:nvPr>
-            <p:ph type="title"/>
-          </p:nvPr>
-        </p:nvSpPr>
-        <p:spPr/>
-        <p:txBody>
-          <a:bodyPr/>
-          <a:lstStyle/>
-          <a:p>
-            <a:r>
-              <a:rPr lang="en-US" sz="3200" b="1" dirty="0" smtClean="0">
-                <a:solidFill>
-                  <a:schemeClr val="tx1"/>
-                </a:solidFill>
-              </a:rPr>
-              <a:t>Agile principles</a:t>
-            </a:r>
-            <a:endParaRPr lang="en-US" dirty="0"/>
-          </a:p>
-        </p:txBody>
-      </p:sp>
-      <p:sp>
-        <p:nvSpPr>
-          <p:cNvPr id="3" name="Content Placeholder 2"/>
-          <p:cNvSpPr>
-            <a:spLocks noGrp="1"/>
-          </p:cNvSpPr>
-          <p:nvPr>
-            <p:ph idx="1"/>
-          </p:nvPr>
-        </p:nvSpPr>
-        <p:spPr/>
-        <p:txBody>
-          <a:bodyPr>
-            <a:normAutofit/>
-          </a:bodyPr>
-          <a:lstStyle/>
-          <a:p>
-            <a:pPr lvl="1"/>
-            <a:r>
-              <a:rPr lang="en-US" sz="2400" b="1" dirty="0" smtClean="0">
-                <a:solidFill>
-                  <a:schemeClr val="tx1"/>
-                </a:solidFill>
-              </a:rPr>
-              <a:t>8- </a:t>
-            </a:r>
-            <a:r>
-              <a:rPr lang="en-US" sz="2400" b="1" dirty="0" smtClean="0">
-                <a:solidFill>
-                  <a:srgbClr val="FF0000"/>
-                </a:solidFill>
-              </a:rPr>
-              <a:t>Agile processes promote sustainable development</a:t>
-            </a:r>
-            <a:r>
-              <a:rPr lang="en-US" sz="2400" b="1" dirty="0" smtClean="0">
-                <a:solidFill>
-                  <a:schemeClr val="tx1"/>
-                </a:solidFill>
-              </a:rPr>
-              <a:t>. The sponsors, developers, and users should be able to maintain a constant pace indefinitely.</a:t>
-            </a:r>
-          </a:p>
-          <a:p>
-            <a:pPr lvl="1"/>
-            <a:endParaRPr lang="en-US" sz="2400" b="1" dirty="0">
-              <a:solidFill>
-                <a:schemeClr val="tx1"/>
-              </a:solidFill>
-            </a:endParaRPr>
-          </a:p>
-          <a:p>
-            <a:pPr lvl="1"/>
-            <a:r>
-              <a:rPr lang="en-US" b="1" dirty="0" smtClean="0">
-                <a:solidFill>
-                  <a:schemeClr val="tx1"/>
-                </a:solidFill>
-              </a:rPr>
-              <a:t>The agile team does not take off at full speed </a:t>
-            </a:r>
-            <a:r>
-              <a:rPr lang="en-US" dirty="0" smtClean="0">
-                <a:solidFill>
-                  <a:schemeClr val="tx1"/>
-                </a:solidFill>
-              </a:rPr>
-              <a:t>and try to maintain that speed for duration. Rather they run at a fast, but sustainable, pace.</a:t>
-            </a:r>
-          </a:p>
-          <a:p>
-            <a:pPr lvl="1"/>
-            <a:r>
-              <a:rPr lang="en-US" b="1" dirty="0" smtClean="0">
-                <a:solidFill>
-                  <a:srgbClr val="FF0000"/>
-                </a:solidFill>
-              </a:rPr>
-              <a:t>They work at a rate that allows them to maintain the highest quality standards</a:t>
-            </a:r>
-            <a:r>
-              <a:rPr lang="en-US" dirty="0" smtClean="0">
-                <a:solidFill>
-                  <a:schemeClr val="tx1"/>
-                </a:solidFill>
-              </a:rPr>
-              <a:t> for the duration of the project.</a:t>
-            </a:r>
-          </a:p>
-        </p:txBody>
-      </p:sp>
-    </p:spTree>
-    <p:extLst>
-      <p:ext uri="{BB962C8B-B14F-4D97-AF65-F5344CB8AC3E}">
-        <p14:creationId xmlns:p14="http://schemas.microsoft.com/office/powerpoint/2010/main" val="1621845704"/>
-      </p:ext>
-    </p:extLst>
-  </p:cSld>
-  <p:clrMapOvr>
-    <a:masterClrMapping/>
-  </p:clrMapOvr>
-</p:sld>
-</file>
-
-<file path=ppt/slides/slide28.xml><?xml version="1.0" encoding="utf-8"?>
-<p:sld xmlns:a="http://schemas.openxmlformats.org/drawingml/2006/main" xmlns:r="http://schemas.openxmlformats.org/officeDocument/2006/relationships" xmlns:p="http://schemas.openxmlformats.org/presentationml/2006/main">
-  <p:cSld>
-    <p:spTree>
-      <p:nvGrpSpPr>
-        <p:cNvPr id="1" name=""/>
-        <p:cNvGrpSpPr/>
-        <p:nvPr/>
-      </p:nvGrpSpPr>
-      <p:grpSpPr>
-        <a:xfrm>
-          <a:off x="0" y="0"/>
-          <a:ext cx="0" cy="0"/>
-          <a:chOff x="0" y="0"/>
-          <a:chExt cx="0" cy="0"/>
-        </a:xfrm>
-      </p:grpSpPr>
-      <p:sp>
-        <p:nvSpPr>
-          <p:cNvPr id="2" name="Title 1"/>
-          <p:cNvSpPr>
-            <a:spLocks noGrp="1"/>
-          </p:cNvSpPr>
-          <p:nvPr>
-            <p:ph type="title"/>
-          </p:nvPr>
-        </p:nvSpPr>
-        <p:spPr/>
-        <p:txBody>
-          <a:bodyPr/>
-          <a:lstStyle/>
-          <a:p>
-            <a:r>
-              <a:rPr lang="en-US" sz="3200" b="1" dirty="0" smtClean="0">
-                <a:solidFill>
-                  <a:schemeClr val="tx1"/>
-                </a:solidFill>
-              </a:rPr>
-              <a:t>Agile principles</a:t>
-            </a:r>
-            <a:endParaRPr lang="en-US" dirty="0"/>
-          </a:p>
-        </p:txBody>
-      </p:sp>
-      <p:sp>
-        <p:nvSpPr>
-          <p:cNvPr id="3" name="Content Placeholder 2"/>
-          <p:cNvSpPr>
-            <a:spLocks noGrp="1"/>
-          </p:cNvSpPr>
-          <p:nvPr>
-            <p:ph idx="1"/>
-          </p:nvPr>
-        </p:nvSpPr>
-        <p:spPr/>
-        <p:txBody>
-          <a:bodyPr>
-            <a:normAutofit/>
-          </a:bodyPr>
-          <a:lstStyle/>
-          <a:p>
-            <a:pPr lvl="1"/>
-            <a:r>
-              <a:rPr lang="en-US" sz="2400" b="1" dirty="0" smtClean="0">
-                <a:solidFill>
-                  <a:schemeClr val="tx1"/>
-                </a:solidFill>
-              </a:rPr>
-              <a:t>9- </a:t>
-            </a:r>
-            <a:r>
-              <a:rPr lang="en-US" sz="2400" b="1" dirty="0" smtClean="0">
-                <a:solidFill>
-                  <a:srgbClr val="FF0000"/>
-                </a:solidFill>
-              </a:rPr>
-              <a:t>Continuous attention to technical excellence</a:t>
-            </a:r>
-            <a:r>
-              <a:rPr lang="en-US" sz="2400" b="1" dirty="0" smtClean="0">
-                <a:solidFill>
-                  <a:schemeClr val="tx1"/>
-                </a:solidFill>
-              </a:rPr>
-              <a:t> and good design enhances agility.</a:t>
-            </a:r>
-          </a:p>
-          <a:p>
-            <a:pPr lvl="1"/>
-            <a:endParaRPr lang="en-US" sz="2400" b="1" dirty="0">
-              <a:solidFill>
-                <a:schemeClr val="tx1"/>
-              </a:solidFill>
-            </a:endParaRPr>
-          </a:p>
-          <a:p>
-            <a:pPr lvl="1"/>
-            <a:r>
-              <a:rPr lang="en-US" b="1" dirty="0" smtClean="0">
-                <a:solidFill>
-                  <a:srgbClr val="FF0000"/>
-                </a:solidFill>
-              </a:rPr>
-              <a:t>High quality is the key to high speed</a:t>
-            </a:r>
-            <a:r>
-              <a:rPr lang="en-US" b="1" dirty="0" smtClean="0">
-                <a:solidFill>
-                  <a:schemeClr val="tx1"/>
-                </a:solidFill>
-              </a:rPr>
-              <a:t>. </a:t>
-            </a:r>
-            <a:r>
-              <a:rPr lang="en-US" dirty="0" smtClean="0">
-                <a:solidFill>
-                  <a:schemeClr val="tx1"/>
-                </a:solidFill>
-              </a:rPr>
-              <a:t>The way to go fast is to keep the software as clean and robust as possible.</a:t>
-            </a:r>
-          </a:p>
-          <a:p>
-            <a:pPr lvl="1"/>
-            <a:r>
-              <a:rPr lang="en-US" dirty="0" smtClean="0">
-                <a:solidFill>
-                  <a:schemeClr val="tx1"/>
-                </a:solidFill>
-              </a:rPr>
-              <a:t>They don’t make messes and then tell themselves they'll clean it when they have more time.</a:t>
-            </a:r>
-          </a:p>
-        </p:txBody>
-      </p:sp>
-    </p:spTree>
-    <p:extLst>
-      <p:ext uri="{BB962C8B-B14F-4D97-AF65-F5344CB8AC3E}">
-        <p14:creationId xmlns:p14="http://schemas.microsoft.com/office/powerpoint/2010/main" val="1783716179"/>
-      </p:ext>
-    </p:extLst>
-  </p:cSld>
-  <p:clrMapOvr>
-    <a:masterClrMapping/>
-  </p:clrMapOvr>
-</p:sld>
-</file>
-
-<file path=ppt/slides/slide29.xml><?xml version="1.0" encoding="utf-8"?>
-<p:sld xmlns:a="http://schemas.openxmlformats.org/drawingml/2006/main" xmlns:r="http://schemas.openxmlformats.org/officeDocument/2006/relationships" xmlns:p="http://schemas.openxmlformats.org/presentationml/2006/main">
-  <p:cSld>
-    <p:spTree>
-      <p:nvGrpSpPr>
-        <p:cNvPr id="1" name=""/>
-        <p:cNvGrpSpPr/>
-        <p:nvPr/>
-      </p:nvGrpSpPr>
-      <p:grpSpPr>
-        <a:xfrm>
-          <a:off x="0" y="0"/>
-          <a:ext cx="0" cy="0"/>
-          <a:chOff x="0" y="0"/>
-          <a:chExt cx="0" cy="0"/>
-        </a:xfrm>
-      </p:grpSpPr>
-      <p:sp>
-        <p:nvSpPr>
-          <p:cNvPr id="2" name="Title 1"/>
-          <p:cNvSpPr>
-            <a:spLocks noGrp="1"/>
-          </p:cNvSpPr>
-          <p:nvPr>
-            <p:ph type="title"/>
-          </p:nvPr>
-        </p:nvSpPr>
-        <p:spPr/>
-        <p:txBody>
-          <a:bodyPr/>
-          <a:lstStyle/>
-          <a:p>
-            <a:r>
-              <a:rPr lang="en-US" sz="3200" b="1" dirty="0" smtClean="0">
-                <a:solidFill>
-                  <a:schemeClr val="tx1"/>
-                </a:solidFill>
-              </a:rPr>
-              <a:t>Agile principles</a:t>
-            </a:r>
-            <a:endParaRPr lang="en-US" dirty="0"/>
-          </a:p>
-        </p:txBody>
-      </p:sp>
-      <p:sp>
-        <p:nvSpPr>
-          <p:cNvPr id="3" name="Content Placeholder 2"/>
-          <p:cNvSpPr>
-            <a:spLocks noGrp="1"/>
-          </p:cNvSpPr>
-          <p:nvPr>
-            <p:ph idx="1"/>
-          </p:nvPr>
-        </p:nvSpPr>
-        <p:spPr/>
-        <p:txBody>
-          <a:bodyPr>
-            <a:normAutofit/>
-          </a:bodyPr>
-          <a:lstStyle/>
-          <a:p>
-            <a:pPr lvl="1"/>
-            <a:r>
-              <a:rPr lang="en-US" sz="2400" b="1" dirty="0" smtClean="0">
-                <a:solidFill>
-                  <a:schemeClr val="tx1"/>
-                </a:solidFill>
-              </a:rPr>
-              <a:t>10- Simplicity—the art of maximizing the amount of work not done—is essential</a:t>
-            </a:r>
-          </a:p>
-          <a:p>
-            <a:pPr lvl="1"/>
-            <a:endParaRPr lang="en-US" sz="2400" b="1" dirty="0">
-              <a:solidFill>
-                <a:schemeClr val="tx1"/>
-              </a:solidFill>
-            </a:endParaRPr>
-          </a:p>
-          <a:p>
-            <a:pPr lvl="1"/>
-            <a:endParaRPr lang="en-US" sz="2400" b="1" dirty="0" smtClean="0">
-              <a:solidFill>
-                <a:schemeClr val="tx1"/>
-              </a:solidFill>
-            </a:endParaRPr>
-          </a:p>
-          <a:p>
-            <a:pPr lvl="1"/>
-            <a:endParaRPr lang="en-US" sz="2400" b="1" dirty="0">
-              <a:solidFill>
-                <a:schemeClr val="tx1"/>
-              </a:solidFill>
-            </a:endParaRPr>
-          </a:p>
-        </p:txBody>
-      </p:sp>
-    </p:spTree>
-    <p:extLst>
-      <p:ext uri="{BB962C8B-B14F-4D97-AF65-F5344CB8AC3E}">
-        <p14:creationId xmlns:p14="http://schemas.microsoft.com/office/powerpoint/2010/main" val="3264131792"/>
-      </p:ext>
-    </p:extLst>
-  </p:cSld>
-  <p:clrMapOvr>
-    <a:masterClrMapping/>
-  </p:clrMapOvr>
 </p:sld>
 </file>
 
@@ -8535,417 +5886,6 @@
       </p:par>
     </p:tnLst>
   </p:timing>
-</p:sld>
-</file>
-
-<file path=ppt/slides/slide30.xml><?xml version="1.0" encoding="utf-8"?>
-<p:sld xmlns:a="http://schemas.openxmlformats.org/drawingml/2006/main" xmlns:r="http://schemas.openxmlformats.org/officeDocument/2006/relationships" xmlns:p="http://schemas.openxmlformats.org/presentationml/2006/main">
-  <p:cSld>
-    <p:spTree>
-      <p:nvGrpSpPr>
-        <p:cNvPr id="1" name=""/>
-        <p:cNvGrpSpPr/>
-        <p:nvPr/>
-      </p:nvGrpSpPr>
-      <p:grpSpPr>
-        <a:xfrm>
-          <a:off x="0" y="0"/>
-          <a:ext cx="0" cy="0"/>
-          <a:chOff x="0" y="0"/>
-          <a:chExt cx="0" cy="0"/>
-        </a:xfrm>
-      </p:grpSpPr>
-      <p:sp>
-        <p:nvSpPr>
-          <p:cNvPr id="2" name="Title 1"/>
-          <p:cNvSpPr>
-            <a:spLocks noGrp="1"/>
-          </p:cNvSpPr>
-          <p:nvPr>
-            <p:ph type="title"/>
-          </p:nvPr>
-        </p:nvSpPr>
-        <p:spPr/>
-        <p:txBody>
-          <a:bodyPr/>
-          <a:lstStyle/>
-          <a:p>
-            <a:r>
-              <a:rPr lang="en-US" sz="3200" b="1" dirty="0" smtClean="0">
-                <a:solidFill>
-                  <a:schemeClr val="tx1"/>
-                </a:solidFill>
-              </a:rPr>
-              <a:t>Agile principles</a:t>
-            </a:r>
-            <a:endParaRPr lang="en-US" dirty="0"/>
-          </a:p>
-        </p:txBody>
-      </p:sp>
-      <p:sp>
-        <p:nvSpPr>
-          <p:cNvPr id="3" name="Content Placeholder 2"/>
-          <p:cNvSpPr>
-            <a:spLocks noGrp="1"/>
-          </p:cNvSpPr>
-          <p:nvPr>
-            <p:ph idx="1"/>
-          </p:nvPr>
-        </p:nvSpPr>
-        <p:spPr/>
-        <p:txBody>
-          <a:bodyPr>
-            <a:normAutofit/>
-          </a:bodyPr>
-          <a:lstStyle/>
-          <a:p>
-            <a:pPr lvl="1"/>
-            <a:r>
-              <a:rPr lang="en-US" sz="2400" b="1" dirty="0" smtClean="0">
-                <a:solidFill>
-                  <a:schemeClr val="tx1"/>
-                </a:solidFill>
-              </a:rPr>
-              <a:t>11- </a:t>
-            </a:r>
-            <a:r>
-              <a:rPr lang="en-US" sz="2400" b="1" dirty="0">
-                <a:solidFill>
-                  <a:schemeClr val="tx1"/>
-                </a:solidFill>
-              </a:rPr>
-              <a:t>The best architectures, requirements, designs </a:t>
-            </a:r>
-            <a:r>
-              <a:rPr lang="en-US" sz="2400" b="1" dirty="0">
-                <a:solidFill>
-                  <a:srgbClr val="FF0000"/>
-                </a:solidFill>
-              </a:rPr>
-              <a:t>emerge from self-organizing </a:t>
-            </a:r>
-            <a:r>
-              <a:rPr lang="en-US" sz="2400" b="1" dirty="0" smtClean="0">
-                <a:solidFill>
-                  <a:srgbClr val="FF0000"/>
-                </a:solidFill>
-              </a:rPr>
-              <a:t>teams.</a:t>
-            </a:r>
-          </a:p>
-          <a:p>
-            <a:pPr marL="201168" lvl="1" indent="0">
-              <a:buNone/>
-            </a:pPr>
-            <a:endParaRPr lang="en-US" sz="2400" b="1" dirty="0" smtClean="0">
-              <a:solidFill>
-                <a:schemeClr val="tx1"/>
-              </a:solidFill>
-            </a:endParaRPr>
-          </a:p>
-          <a:p>
-            <a:pPr lvl="1">
-              <a:buClr>
-                <a:srgbClr val="1CADE4"/>
-              </a:buClr>
-            </a:pPr>
-            <a:r>
-              <a:rPr lang="en-US" dirty="0" smtClean="0">
-                <a:solidFill>
-                  <a:prstClr val="black"/>
-                </a:solidFill>
-              </a:rPr>
-              <a:t>An agile team is a self-organizing team. </a:t>
-            </a:r>
-            <a:r>
-              <a:rPr lang="en-US" b="1" dirty="0" smtClean="0">
-                <a:solidFill>
-                  <a:prstClr val="black"/>
-                </a:solidFill>
-              </a:rPr>
-              <a:t>Responsibilities are not handed to individuals team members from the outside.</a:t>
-            </a:r>
-          </a:p>
-          <a:p>
-            <a:pPr lvl="1">
-              <a:buClr>
-                <a:srgbClr val="1CADE4"/>
-              </a:buClr>
-            </a:pPr>
-            <a:r>
-              <a:rPr lang="en-US" dirty="0" smtClean="0">
-                <a:solidFill>
-                  <a:prstClr val="black"/>
-                </a:solidFill>
-              </a:rPr>
-              <a:t>Responsibilities are communicated to the team as whole, and </a:t>
-            </a:r>
-            <a:r>
-              <a:rPr lang="en-US" b="1" dirty="0" smtClean="0">
-                <a:solidFill>
-                  <a:prstClr val="black"/>
-                </a:solidFill>
-              </a:rPr>
-              <a:t>the team determines the best way to fulfill them.</a:t>
-            </a:r>
-            <a:endParaRPr lang="en-US" sz="2400" b="1" dirty="0">
-              <a:solidFill>
-                <a:prstClr val="black"/>
-              </a:solidFill>
-            </a:endParaRPr>
-          </a:p>
-          <a:p>
-            <a:pPr lvl="1">
-              <a:buClr>
-                <a:srgbClr val="1CADE4"/>
-              </a:buClr>
-            </a:pPr>
-            <a:endParaRPr lang="en-US" sz="2400" b="1" dirty="0">
-              <a:solidFill>
-                <a:schemeClr val="tx1"/>
-              </a:solidFill>
-            </a:endParaRPr>
-          </a:p>
-          <a:p>
-            <a:pPr lvl="1"/>
-            <a:endParaRPr lang="en-US" sz="2400" b="1" dirty="0">
-              <a:solidFill>
-                <a:schemeClr val="tx1"/>
-              </a:solidFill>
-            </a:endParaRPr>
-          </a:p>
-          <a:p>
-            <a:pPr lvl="1"/>
-            <a:endParaRPr lang="en-US" sz="2400" b="1" dirty="0">
-              <a:solidFill>
-                <a:schemeClr val="tx1"/>
-              </a:solidFill>
-            </a:endParaRPr>
-          </a:p>
-        </p:txBody>
-      </p:sp>
-    </p:spTree>
-    <p:extLst>
-      <p:ext uri="{BB962C8B-B14F-4D97-AF65-F5344CB8AC3E}">
-        <p14:creationId xmlns:p14="http://schemas.microsoft.com/office/powerpoint/2010/main" val="3635266435"/>
-      </p:ext>
-    </p:extLst>
-  </p:cSld>
-  <p:clrMapOvr>
-    <a:masterClrMapping/>
-  </p:clrMapOvr>
-</p:sld>
-</file>
-
-<file path=ppt/slides/slide31.xml><?xml version="1.0" encoding="utf-8"?>
-<p:sld xmlns:a="http://schemas.openxmlformats.org/drawingml/2006/main" xmlns:r="http://schemas.openxmlformats.org/officeDocument/2006/relationships" xmlns:p="http://schemas.openxmlformats.org/presentationml/2006/main">
-  <p:cSld>
-    <p:spTree>
-      <p:nvGrpSpPr>
-        <p:cNvPr id="1" name=""/>
-        <p:cNvGrpSpPr/>
-        <p:nvPr/>
-      </p:nvGrpSpPr>
-      <p:grpSpPr>
-        <a:xfrm>
-          <a:off x="0" y="0"/>
-          <a:ext cx="0" cy="0"/>
-          <a:chOff x="0" y="0"/>
-          <a:chExt cx="0" cy="0"/>
-        </a:xfrm>
-      </p:grpSpPr>
-      <p:sp>
-        <p:nvSpPr>
-          <p:cNvPr id="2" name="Title 1"/>
-          <p:cNvSpPr>
-            <a:spLocks noGrp="1"/>
-          </p:cNvSpPr>
-          <p:nvPr>
-            <p:ph type="title"/>
-          </p:nvPr>
-        </p:nvSpPr>
-        <p:spPr/>
-        <p:txBody>
-          <a:bodyPr/>
-          <a:lstStyle/>
-          <a:p>
-            <a:r>
-              <a:rPr lang="en-US" sz="3200" b="1" dirty="0" smtClean="0">
-                <a:solidFill>
-                  <a:schemeClr val="tx1"/>
-                </a:solidFill>
-              </a:rPr>
-              <a:t>Agile principles</a:t>
-            </a:r>
-            <a:endParaRPr lang="en-US" dirty="0"/>
-          </a:p>
-        </p:txBody>
-      </p:sp>
-      <p:sp>
-        <p:nvSpPr>
-          <p:cNvPr id="3" name="Content Placeholder 2"/>
-          <p:cNvSpPr>
-            <a:spLocks noGrp="1"/>
-          </p:cNvSpPr>
-          <p:nvPr>
-            <p:ph idx="1"/>
-          </p:nvPr>
-        </p:nvSpPr>
-        <p:spPr/>
-        <p:txBody>
-          <a:bodyPr>
-            <a:normAutofit/>
-          </a:bodyPr>
-          <a:lstStyle/>
-          <a:p>
-            <a:pPr lvl="1"/>
-            <a:r>
-              <a:rPr lang="en-US" sz="2400" b="1" dirty="0" smtClean="0">
-                <a:solidFill>
-                  <a:schemeClr val="tx1"/>
-                </a:solidFill>
-              </a:rPr>
-              <a:t>12- </a:t>
-            </a:r>
-            <a:r>
-              <a:rPr lang="en-US" sz="2400" b="1" dirty="0" smtClean="0">
-                <a:solidFill>
-                  <a:srgbClr val="FF0000"/>
-                </a:solidFill>
-              </a:rPr>
-              <a:t>At regular intervals</a:t>
-            </a:r>
-            <a:r>
-              <a:rPr lang="en-US" sz="2400" b="1" dirty="0" smtClean="0">
-                <a:solidFill>
-                  <a:schemeClr val="tx1"/>
-                </a:solidFill>
-              </a:rPr>
-              <a:t>, </a:t>
-            </a:r>
-            <a:r>
-              <a:rPr lang="en-US" sz="2400" b="1" dirty="0" smtClean="0">
-                <a:solidFill>
-                  <a:srgbClr val="FF0000"/>
-                </a:solidFill>
-              </a:rPr>
-              <a:t>the team reflects on how to become more effective</a:t>
-            </a:r>
-            <a:r>
-              <a:rPr lang="en-US" sz="2400" b="1" dirty="0" smtClean="0">
-                <a:solidFill>
-                  <a:schemeClr val="tx1"/>
-                </a:solidFill>
-              </a:rPr>
-              <a:t>, then tunes and adjusts it’s behavior accordingly.</a:t>
-            </a:r>
-            <a:endParaRPr lang="en-US" sz="2400" b="1" dirty="0" smtClean="0">
-              <a:solidFill>
-                <a:srgbClr val="FF0000"/>
-              </a:solidFill>
-            </a:endParaRPr>
-          </a:p>
-          <a:p>
-            <a:pPr marL="201168" lvl="1" indent="0">
-              <a:buNone/>
-            </a:pPr>
-            <a:endParaRPr lang="en-US" sz="2400" b="1" dirty="0" smtClean="0">
-              <a:solidFill>
-                <a:schemeClr val="tx1"/>
-              </a:solidFill>
-            </a:endParaRPr>
-          </a:p>
-          <a:p>
-            <a:pPr lvl="1">
-              <a:buClr>
-                <a:srgbClr val="1CADE4"/>
-              </a:buClr>
-            </a:pPr>
-            <a:r>
-              <a:rPr lang="en-US" dirty="0" smtClean="0">
-                <a:solidFill>
-                  <a:prstClr val="black"/>
-                </a:solidFill>
-              </a:rPr>
-              <a:t>An agile team is a self-organizing team. </a:t>
-            </a:r>
-            <a:r>
-              <a:rPr lang="en-US" b="1" dirty="0" smtClean="0">
-                <a:solidFill>
-                  <a:prstClr val="black"/>
-                </a:solidFill>
-              </a:rPr>
-              <a:t>Responsibilities are not handed to individuals team members from the outside.</a:t>
-            </a:r>
-          </a:p>
-          <a:p>
-            <a:pPr lvl="1">
-              <a:buClr>
-                <a:srgbClr val="1CADE4"/>
-              </a:buClr>
-            </a:pPr>
-            <a:r>
-              <a:rPr lang="en-US" dirty="0" smtClean="0">
-                <a:solidFill>
-                  <a:prstClr val="black"/>
-                </a:solidFill>
-              </a:rPr>
-              <a:t>Responsibilities are communicated to the team as whole, and </a:t>
-            </a:r>
-            <a:r>
-              <a:rPr lang="en-US" b="1" dirty="0" smtClean="0">
-                <a:solidFill>
-                  <a:prstClr val="black"/>
-                </a:solidFill>
-              </a:rPr>
-              <a:t>the team determines the best way to fulfill them.</a:t>
-            </a:r>
-            <a:endParaRPr lang="en-US" sz="2400" b="1" dirty="0">
-              <a:solidFill>
-                <a:prstClr val="black"/>
-              </a:solidFill>
-            </a:endParaRPr>
-          </a:p>
-          <a:p>
-            <a:pPr lvl="1">
-              <a:buClr>
-                <a:srgbClr val="1CADE4"/>
-              </a:buClr>
-            </a:pPr>
-            <a:endParaRPr lang="en-US" sz="2400" b="1" dirty="0">
-              <a:solidFill>
-                <a:schemeClr val="tx1"/>
-              </a:solidFill>
-            </a:endParaRPr>
-          </a:p>
-          <a:p>
-            <a:pPr lvl="1"/>
-            <a:endParaRPr lang="en-US" sz="2400" b="1" dirty="0">
-              <a:solidFill>
-                <a:schemeClr val="tx1"/>
-              </a:solidFill>
-            </a:endParaRPr>
-          </a:p>
-          <a:p>
-            <a:pPr lvl="1"/>
-            <a:endParaRPr lang="en-US" sz="2400" b="1" dirty="0">
-              <a:solidFill>
-                <a:schemeClr val="tx1"/>
-              </a:solidFill>
-            </a:endParaRPr>
-          </a:p>
-        </p:txBody>
-      </p:sp>
-    </p:spTree>
-    <p:extLst>
-      <p:ext uri="{BB962C8B-B14F-4D97-AF65-F5344CB8AC3E}">
-        <p14:creationId xmlns:p14="http://schemas.microsoft.com/office/powerpoint/2010/main" val="182062444"/>
-      </p:ext>
-    </p:extLst>
-  </p:cSld>
-  <p:clrMapOvr>
-    <a:masterClrMapping/>
-  </p:clrMapOvr>
 </p:sld>
 </file>
 

--- a/session1/Version Control.pptx
+++ b/session1/Version Control.pptx
@@ -254,7 +254,7 @@
           </a:lstStyle>
           <a:p>
             <a:r>
-              <a:rPr lang="en-US" smtClean="0"/>
+              <a:rPr lang="en-US"/>
               <a:t>Click to edit Master title style</a:t>
             </a:r>
             <a:endParaRPr lang="en-US" dirty="0"/>
@@ -326,7 +326,7 @@
           </a:lstStyle>
           <a:p>
             <a:r>
-              <a:rPr lang="en-US" smtClean="0"/>
+              <a:rPr lang="en-US"/>
               <a:t>Click to edit Master subtitle style</a:t>
             </a:r>
             <a:endParaRPr lang="en-US" dirty="0"/>
@@ -350,7 +350,7 @@
           <a:p>
             <a:fld id="{96DFF08F-DC6B-4601-B491-B0F83F6DD2DA}" type="datetimeFigureOut">
               <a:rPr lang="en-US" dirty="0"/>
-              <a:t>3/5/2019</a:t>
+              <a:t>3/6/2019</a:t>
             </a:fld>
             <a:endParaRPr lang="en-US" dirty="0"/>
           </a:p>
@@ -477,7 +477,7 @@
           <a:lstStyle/>
           <a:p>
             <a:r>
-              <a:rPr lang="en-US" smtClean="0"/>
+              <a:rPr lang="en-US"/>
               <a:t>Click to edit Master title style</a:t>
             </a:r>
             <a:endParaRPr lang="en-US" dirty="0"/>
@@ -501,35 +501,35 @@
           <a:p>
             <a:pPr lvl="0"/>
             <a:r>
-              <a:rPr lang="en-US" smtClean="0"/>
+              <a:rPr lang="en-US"/>
               <a:t>Edit Master text styles</a:t>
             </a:r>
           </a:p>
           <a:p>
             <a:pPr lvl="1"/>
             <a:r>
-              <a:rPr lang="en-US" smtClean="0"/>
+              <a:rPr lang="en-US"/>
               <a:t>Second level</a:t>
             </a:r>
           </a:p>
           <a:p>
             <a:pPr lvl="2"/>
             <a:r>
-              <a:rPr lang="en-US" smtClean="0"/>
+              <a:rPr lang="en-US"/>
               <a:t>Third level</a:t>
             </a:r>
           </a:p>
           <a:p>
             <a:pPr lvl="3"/>
             <a:r>
-              <a:rPr lang="en-US" smtClean="0"/>
+              <a:rPr lang="en-US"/>
               <a:t>Fourth level</a:t>
             </a:r>
           </a:p>
           <a:p>
             <a:pPr lvl="4"/>
             <a:r>
-              <a:rPr lang="en-US" smtClean="0"/>
+              <a:rPr lang="en-US"/>
               <a:t>Fifth level</a:t>
             </a:r>
             <a:endParaRPr lang="en-US" dirty="0"/>
@@ -553,7 +553,7 @@
           <a:p>
             <a:fld id="{96DFF08F-DC6B-4601-B491-B0F83F6DD2DA}" type="datetimeFigureOut">
               <a:rPr lang="en-US" dirty="0"/>
-              <a:t>3/5/2019</a:t>
+              <a:t>3/6/2019</a:t>
             </a:fld>
             <a:endParaRPr lang="en-US" dirty="0"/>
           </a:p>
@@ -723,7 +723,7 @@
           <a:lstStyle/>
           <a:p>
             <a:r>
-              <a:rPr lang="en-US" smtClean="0"/>
+              <a:rPr lang="en-US"/>
               <a:t>Click to edit Master title style</a:t>
             </a:r>
             <a:endParaRPr lang="en-US" dirty="0"/>
@@ -752,35 +752,35 @@
           <a:p>
             <a:pPr lvl="0"/>
             <a:r>
-              <a:rPr lang="en-US" smtClean="0"/>
+              <a:rPr lang="en-US"/>
               <a:t>Edit Master text styles</a:t>
             </a:r>
           </a:p>
           <a:p>
             <a:pPr lvl="1"/>
             <a:r>
-              <a:rPr lang="en-US" smtClean="0"/>
+              <a:rPr lang="en-US"/>
               <a:t>Second level</a:t>
             </a:r>
           </a:p>
           <a:p>
             <a:pPr lvl="2"/>
             <a:r>
-              <a:rPr lang="en-US" smtClean="0"/>
+              <a:rPr lang="en-US"/>
               <a:t>Third level</a:t>
             </a:r>
           </a:p>
           <a:p>
             <a:pPr lvl="3"/>
             <a:r>
-              <a:rPr lang="en-US" smtClean="0"/>
+              <a:rPr lang="en-US"/>
               <a:t>Fourth level</a:t>
             </a:r>
           </a:p>
           <a:p>
             <a:pPr lvl="4"/>
             <a:r>
-              <a:rPr lang="en-US" smtClean="0"/>
+              <a:rPr lang="en-US"/>
               <a:t>Fifth level</a:t>
             </a:r>
             <a:endParaRPr lang="en-US" dirty="0"/>
@@ -804,7 +804,7 @@
           <a:p>
             <a:fld id="{96DFF08F-DC6B-4601-B491-B0F83F6DD2DA}" type="datetimeFigureOut">
               <a:rPr lang="en-US" dirty="0"/>
-              <a:t>3/5/2019</a:t>
+              <a:t>3/6/2019</a:t>
             </a:fld>
             <a:endParaRPr lang="en-US" dirty="0"/>
           </a:p>
@@ -893,7 +893,7 @@
           <a:lstStyle/>
           <a:p>
             <a:r>
-              <a:rPr lang="en-US" smtClean="0"/>
+              <a:rPr lang="en-US"/>
               <a:t>Click to edit Master title style</a:t>
             </a:r>
             <a:endParaRPr lang="en-US" dirty="0"/>
@@ -917,35 +917,35 @@
           <a:p>
             <a:pPr lvl="0"/>
             <a:r>
-              <a:rPr lang="en-US" smtClean="0"/>
+              <a:rPr lang="en-US"/>
               <a:t>Edit Master text styles</a:t>
             </a:r>
           </a:p>
           <a:p>
             <a:pPr lvl="1"/>
             <a:r>
-              <a:rPr lang="en-US" smtClean="0"/>
+              <a:rPr lang="en-US"/>
               <a:t>Second level</a:t>
             </a:r>
           </a:p>
           <a:p>
             <a:pPr lvl="2"/>
             <a:r>
-              <a:rPr lang="en-US" smtClean="0"/>
+              <a:rPr lang="en-US"/>
               <a:t>Third level</a:t>
             </a:r>
           </a:p>
           <a:p>
             <a:pPr lvl="3"/>
             <a:r>
-              <a:rPr lang="en-US" smtClean="0"/>
+              <a:rPr lang="en-US"/>
               <a:t>Fourth level</a:t>
             </a:r>
           </a:p>
           <a:p>
             <a:pPr lvl="4"/>
             <a:r>
-              <a:rPr lang="en-US" smtClean="0"/>
+              <a:rPr lang="en-US"/>
               <a:t>Fifth level</a:t>
             </a:r>
             <a:endParaRPr lang="en-US" dirty="0"/>
@@ -969,7 +969,7 @@
           <a:p>
             <a:fld id="{D62CEF3B-A037-46D0-B02C-1428F07E9383}" type="datetimeFigureOut">
               <a:rPr lang="en-US" dirty="0"/>
-              <a:t>3/5/2019</a:t>
+              <a:t>3/6/2019</a:t>
             </a:fld>
             <a:endParaRPr lang="en-US" dirty="0"/>
           </a:p>
@@ -1163,7 +1163,7 @@
           </a:lstStyle>
           <a:p>
             <a:r>
-              <a:rPr lang="en-US" smtClean="0"/>
+              <a:rPr lang="en-US"/>
               <a:t>Click to edit Master title style</a:t>
             </a:r>
             <a:endParaRPr lang="en-US" dirty="0"/>
@@ -1284,7 +1284,7 @@
           <a:p>
             <a:pPr lvl="0"/>
             <a:r>
-              <a:rPr lang="en-US" smtClean="0"/>
+              <a:rPr lang="en-US"/>
               <a:t>Edit Master text styles</a:t>
             </a:r>
           </a:p>
@@ -1307,7 +1307,7 @@
           <a:p>
             <a:fld id="{96DFF08F-DC6B-4601-B491-B0F83F6DD2DA}" type="datetimeFigureOut">
               <a:rPr lang="en-US" dirty="0"/>
-              <a:t>3/5/2019</a:t>
+              <a:t>3/6/2019</a:t>
             </a:fld>
             <a:endParaRPr lang="en-US" dirty="0"/>
           </a:p>
@@ -1439,7 +1439,7 @@
           <a:lstStyle/>
           <a:p>
             <a:r>
-              <a:rPr lang="en-US" smtClean="0"/>
+              <a:rPr lang="en-US"/>
               <a:t>Click to edit Master title style</a:t>
             </a:r>
             <a:endParaRPr lang="en-US" dirty="0"/>
@@ -1468,35 +1468,35 @@
           <a:p>
             <a:pPr lvl="0"/>
             <a:r>
-              <a:rPr lang="en-US" smtClean="0"/>
+              <a:rPr lang="en-US"/>
               <a:t>Edit Master text styles</a:t>
             </a:r>
           </a:p>
           <a:p>
             <a:pPr lvl="1"/>
             <a:r>
-              <a:rPr lang="en-US" smtClean="0"/>
+              <a:rPr lang="en-US"/>
               <a:t>Second level</a:t>
             </a:r>
           </a:p>
           <a:p>
             <a:pPr lvl="2"/>
             <a:r>
-              <a:rPr lang="en-US" smtClean="0"/>
+              <a:rPr lang="en-US"/>
               <a:t>Third level</a:t>
             </a:r>
           </a:p>
           <a:p>
             <a:pPr lvl="3"/>
             <a:r>
-              <a:rPr lang="en-US" smtClean="0"/>
+              <a:rPr lang="en-US"/>
               <a:t>Fourth level</a:t>
             </a:r>
           </a:p>
           <a:p>
             <a:pPr lvl="4"/>
             <a:r>
-              <a:rPr lang="en-US" smtClean="0"/>
+              <a:rPr lang="en-US"/>
               <a:t>Fifth level</a:t>
             </a:r>
             <a:endParaRPr lang="en-US" dirty="0"/>
@@ -1525,35 +1525,35 @@
           <a:p>
             <a:pPr lvl="0"/>
             <a:r>
-              <a:rPr lang="en-US" smtClean="0"/>
+              <a:rPr lang="en-US"/>
               <a:t>Edit Master text styles</a:t>
             </a:r>
           </a:p>
           <a:p>
             <a:pPr lvl="1"/>
             <a:r>
-              <a:rPr lang="en-US" smtClean="0"/>
+              <a:rPr lang="en-US"/>
               <a:t>Second level</a:t>
             </a:r>
           </a:p>
           <a:p>
             <a:pPr lvl="2"/>
             <a:r>
-              <a:rPr lang="en-US" smtClean="0"/>
+              <a:rPr lang="en-US"/>
               <a:t>Third level</a:t>
             </a:r>
           </a:p>
           <a:p>
             <a:pPr lvl="3"/>
             <a:r>
-              <a:rPr lang="en-US" smtClean="0"/>
+              <a:rPr lang="en-US"/>
               <a:t>Fourth level</a:t>
             </a:r>
           </a:p>
           <a:p>
             <a:pPr lvl="4"/>
             <a:r>
-              <a:rPr lang="en-US" smtClean="0"/>
+              <a:rPr lang="en-US"/>
               <a:t>Fifth level</a:t>
             </a:r>
             <a:endParaRPr lang="en-US" dirty="0"/>
@@ -1577,7 +1577,7 @@
           <a:p>
             <a:fld id="{96DFF08F-DC6B-4601-B491-B0F83F6DD2DA}" type="datetimeFigureOut">
               <a:rPr lang="en-US" dirty="0"/>
-              <a:t>3/5/2019</a:t>
+              <a:t>3/6/2019</a:t>
             </a:fld>
             <a:endParaRPr lang="en-US" dirty="0"/>
           </a:p>
@@ -1671,7 +1671,7 @@
           <a:lstStyle/>
           <a:p>
             <a:r>
-              <a:rPr lang="en-US" smtClean="0"/>
+              <a:rPr lang="en-US"/>
               <a:t>Click to edit Master title style</a:t>
             </a:r>
             <a:endParaRPr lang="en-US" dirty="0"/>
@@ -1743,7 +1743,7 @@
           <a:p>
             <a:pPr lvl="0"/>
             <a:r>
-              <a:rPr lang="en-US" smtClean="0"/>
+              <a:rPr lang="en-US"/>
               <a:t>Edit Master text styles</a:t>
             </a:r>
           </a:p>
@@ -1771,35 +1771,35 @@
           <a:p>
             <a:pPr lvl="0"/>
             <a:r>
-              <a:rPr lang="en-US" smtClean="0"/>
+              <a:rPr lang="en-US"/>
               <a:t>Edit Master text styles</a:t>
             </a:r>
           </a:p>
           <a:p>
             <a:pPr lvl="1"/>
             <a:r>
-              <a:rPr lang="en-US" smtClean="0"/>
+              <a:rPr lang="en-US"/>
               <a:t>Second level</a:t>
             </a:r>
           </a:p>
           <a:p>
             <a:pPr lvl="2"/>
             <a:r>
-              <a:rPr lang="en-US" smtClean="0"/>
+              <a:rPr lang="en-US"/>
               <a:t>Third level</a:t>
             </a:r>
           </a:p>
           <a:p>
             <a:pPr lvl="3"/>
             <a:r>
-              <a:rPr lang="en-US" smtClean="0"/>
+              <a:rPr lang="en-US"/>
               <a:t>Fourth level</a:t>
             </a:r>
           </a:p>
           <a:p>
             <a:pPr lvl="4"/>
             <a:r>
-              <a:rPr lang="en-US" smtClean="0"/>
+              <a:rPr lang="en-US"/>
               <a:t>Fifth level</a:t>
             </a:r>
             <a:endParaRPr lang="en-US" dirty="0"/>
@@ -1871,7 +1871,7 @@
           <a:p>
             <a:pPr lvl="0"/>
             <a:r>
-              <a:rPr lang="en-US" smtClean="0"/>
+              <a:rPr lang="en-US"/>
               <a:t>Edit Master text styles</a:t>
             </a:r>
           </a:p>
@@ -1899,35 +1899,35 @@
           <a:p>
             <a:pPr lvl="0"/>
             <a:r>
-              <a:rPr lang="en-US" smtClean="0"/>
+              <a:rPr lang="en-US"/>
               <a:t>Edit Master text styles</a:t>
             </a:r>
           </a:p>
           <a:p>
             <a:pPr lvl="1"/>
             <a:r>
-              <a:rPr lang="en-US" smtClean="0"/>
+              <a:rPr lang="en-US"/>
               <a:t>Second level</a:t>
             </a:r>
           </a:p>
           <a:p>
             <a:pPr lvl="2"/>
             <a:r>
-              <a:rPr lang="en-US" smtClean="0"/>
+              <a:rPr lang="en-US"/>
               <a:t>Third level</a:t>
             </a:r>
           </a:p>
           <a:p>
             <a:pPr lvl="3"/>
             <a:r>
-              <a:rPr lang="en-US" smtClean="0"/>
+              <a:rPr lang="en-US"/>
               <a:t>Fourth level</a:t>
             </a:r>
           </a:p>
           <a:p>
             <a:pPr lvl="4"/>
             <a:r>
-              <a:rPr lang="en-US" smtClean="0"/>
+              <a:rPr lang="en-US"/>
               <a:t>Fifth level</a:t>
             </a:r>
             <a:endParaRPr lang="en-US" dirty="0"/>
@@ -1951,7 +1951,7 @@
           <a:p>
             <a:fld id="{96DFF08F-DC6B-4601-B491-B0F83F6DD2DA}" type="datetimeFigureOut">
               <a:rPr lang="en-US" dirty="0"/>
-              <a:t>3/5/2019</a:t>
+              <a:t>3/6/2019</a:t>
             </a:fld>
             <a:endParaRPr lang="en-US" dirty="0"/>
           </a:p>
@@ -2040,7 +2040,7 @@
           <a:lstStyle/>
           <a:p>
             <a:r>
-              <a:rPr lang="en-US" smtClean="0"/>
+              <a:rPr lang="en-US"/>
               <a:t>Click to edit Master title style</a:t>
             </a:r>
             <a:endParaRPr lang="en-US" dirty="0"/>
@@ -2064,7 +2064,7 @@
           <a:p>
             <a:fld id="{96DFF08F-DC6B-4601-B491-B0F83F6DD2DA}" type="datetimeFigureOut">
               <a:rPr lang="en-US" dirty="0"/>
-              <a:t>3/5/2019</a:t>
+              <a:t>3/6/2019</a:t>
             </a:fld>
             <a:endParaRPr lang="en-US" dirty="0"/>
           </a:p>
@@ -2231,7 +2231,7 @@
             <a:fld id="{96DFF08F-DC6B-4601-B491-B0F83F6DD2DA}" type="datetimeFigureOut">
               <a:rPr lang="en-US" dirty="0"/>
               <a:pPr/>
-              <a:t>3/5/2019</a:t>
+              <a:t>3/6/2019</a:t>
             </a:fld>
             <a:endParaRPr lang="en-US" dirty="0"/>
           </a:p>
@@ -2420,7 +2420,7 @@
           </a:lstStyle>
           <a:p>
             <a:r>
-              <a:rPr lang="en-US" smtClean="0"/>
+              <a:rPr lang="en-US"/>
               <a:t>Click to edit Master title style</a:t>
             </a:r>
             <a:endParaRPr lang="en-US" dirty="0"/>
@@ -2449,35 +2449,35 @@
           <a:p>
             <a:pPr lvl="0"/>
             <a:r>
-              <a:rPr lang="en-US" smtClean="0"/>
+              <a:rPr lang="en-US"/>
               <a:t>Edit Master text styles</a:t>
             </a:r>
           </a:p>
           <a:p>
             <a:pPr lvl="1"/>
             <a:r>
-              <a:rPr lang="en-US" smtClean="0"/>
+              <a:rPr lang="en-US"/>
               <a:t>Second level</a:t>
             </a:r>
           </a:p>
           <a:p>
             <a:pPr lvl="2"/>
             <a:r>
-              <a:rPr lang="en-US" smtClean="0"/>
+              <a:rPr lang="en-US"/>
               <a:t>Third level</a:t>
             </a:r>
           </a:p>
           <a:p>
             <a:pPr lvl="3"/>
             <a:r>
-              <a:rPr lang="en-US" smtClean="0"/>
+              <a:rPr lang="en-US"/>
               <a:t>Fourth level</a:t>
             </a:r>
           </a:p>
           <a:p>
             <a:pPr lvl="4"/>
             <a:r>
-              <a:rPr lang="en-US" smtClean="0"/>
+              <a:rPr lang="en-US"/>
               <a:t>Fifth level</a:t>
             </a:r>
             <a:endParaRPr lang="en-US" dirty="0"/>
@@ -2549,7 +2549,7 @@
           <a:p>
             <a:pPr lvl="0"/>
             <a:r>
-              <a:rPr lang="en-US" smtClean="0"/>
+              <a:rPr lang="en-US"/>
               <a:t>Edit Master text styles</a:t>
             </a:r>
           </a:p>
@@ -2582,7 +2582,7 @@
             <a:fld id="{96DFF08F-DC6B-4601-B491-B0F83F6DD2DA}" type="datetimeFigureOut">
               <a:rPr lang="en-US" dirty="0"/>
               <a:pPr/>
-              <a:t>3/5/2019</a:t>
+              <a:t>3/6/2019</a:t>
             </a:fld>
             <a:endParaRPr lang="en-US" dirty="0"/>
           </a:p>
@@ -2784,7 +2784,7 @@
           </a:lstStyle>
           <a:p>
             <a:r>
-              <a:rPr lang="en-US" smtClean="0"/>
+              <a:rPr lang="en-US"/>
               <a:t>Click to edit Master title style</a:t>
             </a:r>
             <a:endParaRPr lang="en-US" dirty="0"/>
@@ -2854,7 +2854,7 @@
           </a:lstStyle>
           <a:p>
             <a:r>
-              <a:rPr lang="en-US" smtClean="0"/>
+              <a:rPr lang="en-US"/>
               <a:t>Click icon to add picture</a:t>
             </a:r>
             <a:endParaRPr lang="en-US" dirty="0"/>
@@ -2932,7 +2932,7 @@
           <a:p>
             <a:pPr lvl="0"/>
             <a:r>
-              <a:rPr lang="en-US" smtClean="0"/>
+              <a:rPr lang="en-US"/>
               <a:t>Edit Master text styles</a:t>
             </a:r>
           </a:p>
@@ -2955,7 +2955,7 @@
           <a:p>
             <a:fld id="{96DFF08F-DC6B-4601-B491-B0F83F6DD2DA}" type="datetimeFigureOut">
               <a:rPr lang="en-US" dirty="0"/>
-              <a:t>3/5/2019</a:t>
+              <a:t>3/6/2019</a:t>
             </a:fld>
             <a:endParaRPr lang="en-US" dirty="0"/>
           </a:p>
@@ -3135,7 +3135,7 @@
           <a:lstStyle/>
           <a:p>
             <a:r>
-              <a:rPr lang="en-US" smtClean="0"/>
+              <a:rPr lang="en-US"/>
               <a:t>Click to edit Master title style</a:t>
             </a:r>
             <a:endParaRPr lang="en-US" dirty="0"/>
@@ -3169,35 +3169,35 @@
           <a:p>
             <a:pPr lvl="0"/>
             <a:r>
-              <a:rPr lang="en-US" smtClean="0"/>
+              <a:rPr lang="en-US"/>
               <a:t>Edit Master text styles</a:t>
             </a:r>
           </a:p>
           <a:p>
             <a:pPr lvl="1"/>
             <a:r>
-              <a:rPr lang="en-US" smtClean="0"/>
+              <a:rPr lang="en-US"/>
               <a:t>Second level</a:t>
             </a:r>
           </a:p>
           <a:p>
             <a:pPr lvl="2"/>
             <a:r>
-              <a:rPr lang="en-US" smtClean="0"/>
+              <a:rPr lang="en-US"/>
               <a:t>Third level</a:t>
             </a:r>
           </a:p>
           <a:p>
             <a:pPr lvl="3"/>
             <a:r>
-              <a:rPr lang="en-US" smtClean="0"/>
+              <a:rPr lang="en-US"/>
               <a:t>Fourth level</a:t>
             </a:r>
           </a:p>
           <a:p>
             <a:pPr lvl="4"/>
             <a:r>
-              <a:rPr lang="en-US" smtClean="0"/>
+              <a:rPr lang="en-US"/>
               <a:t>Fifth level</a:t>
             </a:r>
             <a:endParaRPr lang="en-US" dirty="0"/>
@@ -3238,7 +3238,7 @@
             <a:fld id="{96DFF08F-DC6B-4601-B491-B0F83F6DD2DA}" type="datetimeFigureOut">
               <a:rPr lang="en-US" dirty="0"/>
               <a:pPr/>
-              <a:t>3/5/2019</a:t>
+              <a:t>3/6/2019</a:t>
             </a:fld>
             <a:endParaRPr lang="en-US" dirty="0"/>
           </a:p>
@@ -3774,10 +3774,9 @@
           <a:lstStyle/>
           <a:p>
             <a:r>
-              <a:rPr lang="en-US" dirty="0" smtClean="0"/>
+              <a:rPr lang="en-US" dirty="0"/>
               <a:t>Version Control</a:t>
             </a:r>
-            <a:endParaRPr lang="en-US" dirty="0"/>
           </a:p>
         </p:txBody>
       </p:sp>
@@ -3810,13 +3809,6 @@
   <p:clrMapOvr>
     <a:masterClrMapping/>
   </p:clrMapOvr>
-  <p:timing>
-    <p:tnLst>
-      <p:par>
-        <p:cTn id="1" dur="indefinite" restart="never" nodeType="tmRoot"/>
-      </p:par>
-    </p:tnLst>
-  </p:timing>
 </p:sld>
 </file>
 
@@ -4137,7 +4129,7 @@
           <a:p>
             <a:pPr lvl="1"/>
             <a:r>
-              <a:rPr lang="en-US" spc="-50" dirty="0" smtClean="0">
+              <a:rPr lang="en-US" spc="-50" dirty="0">
                 <a:latin typeface="+mj-lt"/>
                 <a:ea typeface="+mj-ea"/>
                 <a:cs typeface="+mj-cs"/>
@@ -4145,7 +4137,7 @@
               <a:t>Once you have a remote repo setup, you will need to add a remote repo </a:t>
             </a:r>
             <a:r>
-              <a:rPr lang="en-US" spc="-50" dirty="0" err="1" smtClean="0">
+              <a:rPr lang="en-US" spc="-50" dirty="0" err="1">
                 <a:latin typeface="+mj-lt"/>
                 <a:ea typeface="+mj-ea"/>
                 <a:cs typeface="+mj-cs"/>
@@ -4153,7 +4145,7 @@
               <a:t>url</a:t>
             </a:r>
             <a:r>
-              <a:rPr lang="en-US" spc="-50" dirty="0" smtClean="0">
+              <a:rPr lang="en-US" spc="-50" dirty="0">
                 <a:latin typeface="+mj-lt"/>
                 <a:ea typeface="+mj-ea"/>
                 <a:cs typeface="+mj-cs"/>
@@ -4161,7 +4153,7 @@
               <a:t> to your local </a:t>
             </a:r>
             <a:r>
-              <a:rPr lang="en-US" spc="-50" dirty="0" err="1" smtClean="0">
+              <a:rPr lang="en-US" spc="-50" dirty="0" err="1">
                 <a:latin typeface="+mj-lt"/>
                 <a:ea typeface="+mj-ea"/>
                 <a:cs typeface="+mj-cs"/>
@@ -4169,7 +4161,7 @@
               <a:t>git</a:t>
             </a:r>
             <a:r>
-              <a:rPr lang="en-US" spc="-50" dirty="0" smtClean="0">
+              <a:rPr lang="en-US" spc="-50" dirty="0">
                 <a:latin typeface="+mj-lt"/>
                 <a:ea typeface="+mj-ea"/>
                 <a:cs typeface="+mj-cs"/>
@@ -4177,7 +4169,7 @@
               <a:t> </a:t>
             </a:r>
             <a:r>
-              <a:rPr lang="en-US" spc="-50" dirty="0" err="1" smtClean="0">
+              <a:rPr lang="en-US" spc="-50" dirty="0" err="1">
                 <a:latin typeface="+mj-lt"/>
                 <a:ea typeface="+mj-ea"/>
                 <a:cs typeface="+mj-cs"/>
@@ -4185,7 +4177,7 @@
               <a:t>config</a:t>
             </a:r>
             <a:r>
-              <a:rPr lang="en-US" spc="-50" dirty="0" smtClean="0">
+              <a:rPr lang="en-US" spc="-50" dirty="0">
                 <a:latin typeface="+mj-lt"/>
                 <a:ea typeface="+mj-ea"/>
                 <a:cs typeface="+mj-cs"/>
@@ -4193,7 +4185,7 @@
               <a:t>, and set an upstream branch for your local branches. The </a:t>
             </a:r>
             <a:r>
-              <a:rPr lang="en-US" spc="-50" dirty="0" err="1" smtClean="0">
+              <a:rPr lang="en-US" spc="-50" dirty="0" err="1">
                 <a:latin typeface="+mj-lt"/>
                 <a:ea typeface="+mj-ea"/>
                 <a:cs typeface="+mj-cs"/>
@@ -4201,7 +4193,7 @@
               <a:t>git</a:t>
             </a:r>
             <a:r>
-              <a:rPr lang="en-US" spc="-50" dirty="0" smtClean="0">
+              <a:rPr lang="en-US" spc="-50" dirty="0">
                 <a:latin typeface="+mj-lt"/>
                 <a:ea typeface="+mj-ea"/>
                 <a:cs typeface="+mj-cs"/>
@@ -4211,7 +4203,7 @@
           </a:p>
           <a:p>
             <a:pPr lvl="1"/>
-            <a:endParaRPr lang="en-US" spc="-50" dirty="0" smtClean="0">
+            <a:endParaRPr lang="en-US" spc="-50" dirty="0">
               <a:latin typeface="+mj-lt"/>
               <a:ea typeface="+mj-ea"/>
               <a:cs typeface="+mj-cs"/>
@@ -4220,7 +4212,7 @@
           <a:p>
             <a:pPr lvl="1"/>
             <a:r>
-              <a:rPr lang="en-US" sz="2000" spc="-50" dirty="0" err="1" smtClean="0">
+              <a:rPr lang="en-US" sz="2000" spc="-50" dirty="0" err="1">
                 <a:solidFill>
                   <a:schemeClr val="accent2">
                     <a:lumMod val="75000"/>
@@ -4232,7 +4224,7 @@
               <a:t>git</a:t>
             </a:r>
             <a:r>
-              <a:rPr lang="en-US" sz="2000" spc="-50" dirty="0" smtClean="0">
+              <a:rPr lang="en-US" sz="2000" spc="-50" dirty="0">
                 <a:solidFill>
                   <a:schemeClr val="accent2">
                     <a:lumMod val="75000"/>
@@ -4244,7 +4236,7 @@
               <a:t> remote add &lt;</a:t>
             </a:r>
             <a:r>
-              <a:rPr lang="en-US" sz="2000" spc="-50" dirty="0" err="1" smtClean="0">
+              <a:rPr lang="en-US" sz="2000" spc="-50" dirty="0" err="1">
                 <a:solidFill>
                   <a:schemeClr val="accent2">
                     <a:lumMod val="75000"/>
@@ -4256,7 +4248,7 @@
               <a:t>remote_name</a:t>
             </a:r>
             <a:r>
-              <a:rPr lang="en-US" sz="2000" spc="-50" dirty="0" smtClean="0">
+              <a:rPr lang="en-US" sz="2000" spc="-50" dirty="0">
                 <a:solidFill>
                   <a:schemeClr val="accent2">
                     <a:lumMod val="75000"/>
@@ -4268,7 +4260,7 @@
               <a:t>&gt; &lt;</a:t>
             </a:r>
             <a:r>
-              <a:rPr lang="en-US" sz="2000" spc="-50" dirty="0" err="1" smtClean="0">
+              <a:rPr lang="en-US" sz="2000" spc="-50" dirty="0" err="1">
                 <a:solidFill>
                   <a:schemeClr val="accent2">
                     <a:lumMod val="75000"/>
@@ -4280,7 +4272,7 @@
               <a:t>remote_repo_url</a:t>
             </a:r>
             <a:r>
-              <a:rPr lang="en-US" sz="2000" spc="-50" dirty="0" smtClean="0">
+              <a:rPr lang="en-US" sz="2000" spc="-50" dirty="0">
                 <a:solidFill>
                   <a:schemeClr val="accent2">
                     <a:lumMod val="75000"/>
@@ -4294,7 +4286,7 @@
           </a:p>
           <a:p>
             <a:pPr lvl="1"/>
-            <a:endParaRPr lang="en-US" sz="2000" spc="-50" dirty="0" smtClean="0">
+            <a:endParaRPr lang="en-US" sz="2000" spc="-50" dirty="0">
               <a:solidFill>
                 <a:schemeClr val="accent2">
                   <a:lumMod val="75000"/>
@@ -4307,7 +4299,7 @@
           <a:p>
             <a:pPr lvl="1"/>
             <a:r>
-              <a:rPr lang="en-US" spc="-50" dirty="0" smtClean="0">
+              <a:rPr lang="en-US" spc="-50" dirty="0">
                 <a:latin typeface="+mj-lt"/>
                 <a:ea typeface="+mj-ea"/>
                 <a:cs typeface="+mj-cs"/>
@@ -4315,7 +4307,7 @@
               <a:t>This command will map remote repository at &lt;</a:t>
             </a:r>
             <a:r>
-              <a:rPr lang="en-US" spc="-50" dirty="0" err="1" smtClean="0">
+              <a:rPr lang="en-US" spc="-50" dirty="0" err="1">
                 <a:latin typeface="+mj-lt"/>
                 <a:ea typeface="+mj-ea"/>
                 <a:cs typeface="+mj-cs"/>
@@ -4323,7 +4315,7 @@
               <a:t>remote_repo_url</a:t>
             </a:r>
             <a:r>
-              <a:rPr lang="en-US" spc="-50" dirty="0" smtClean="0">
+              <a:rPr lang="en-US" spc="-50" dirty="0">
                 <a:latin typeface="+mj-lt"/>
                 <a:ea typeface="+mj-ea"/>
                 <a:cs typeface="+mj-cs"/>
@@ -4331,7 +4323,7 @@
               <a:t>&gt; to a ref in your local repo under &lt;</a:t>
             </a:r>
             <a:r>
-              <a:rPr lang="en-US" spc="-50" dirty="0" err="1" smtClean="0">
+              <a:rPr lang="en-US" spc="-50" dirty="0" err="1">
                 <a:latin typeface="+mj-lt"/>
                 <a:ea typeface="+mj-ea"/>
                 <a:cs typeface="+mj-cs"/>
@@ -4339,7 +4331,7 @@
               <a:t>remote_name</a:t>
             </a:r>
             <a:r>
-              <a:rPr lang="en-US" spc="-50" dirty="0" smtClean="0">
+              <a:rPr lang="en-US" spc="-50" dirty="0">
                 <a:latin typeface="+mj-lt"/>
                 <a:ea typeface="+mj-ea"/>
                 <a:cs typeface="+mj-cs"/>
@@ -4349,7 +4341,7 @@
           </a:p>
           <a:p>
             <a:pPr lvl="1"/>
-            <a:endParaRPr lang="en-US" spc="-50" dirty="0" smtClean="0">
+            <a:endParaRPr lang="en-US" spc="-50" dirty="0">
               <a:latin typeface="+mj-lt"/>
               <a:ea typeface="+mj-ea"/>
               <a:cs typeface="+mj-cs"/>
@@ -4358,7 +4350,7 @@
           <a:p>
             <a:pPr lvl="1"/>
             <a:r>
-              <a:rPr lang="en-US" sz="2000" spc="-50" dirty="0" err="1" smtClean="0">
+              <a:rPr lang="en-US" sz="2000" spc="-50" dirty="0" err="1">
                 <a:solidFill>
                   <a:schemeClr val="accent2">
                     <a:lumMod val="75000"/>
@@ -4370,7 +4362,7 @@
               <a:t>git</a:t>
             </a:r>
             <a:r>
-              <a:rPr lang="en-US" sz="2000" spc="-50" dirty="0" smtClean="0">
+              <a:rPr lang="en-US" sz="2000" spc="-50" dirty="0">
                 <a:solidFill>
                   <a:schemeClr val="accent2">
                     <a:lumMod val="75000"/>
@@ -4382,7 +4374,7 @@
               <a:t> push -u &lt;</a:t>
             </a:r>
             <a:r>
-              <a:rPr lang="en-US" sz="2000" spc="-50" dirty="0" err="1" smtClean="0">
+              <a:rPr lang="en-US" sz="2000" spc="-50" dirty="0" err="1">
                 <a:solidFill>
                   <a:schemeClr val="accent2">
                     <a:lumMod val="75000"/>
@@ -4394,7 +4386,7 @@
               <a:t>remote_name</a:t>
             </a:r>
             <a:r>
-              <a:rPr lang="en-US" sz="2000" spc="-50" dirty="0" smtClean="0">
+              <a:rPr lang="en-US" sz="2000" spc="-50" dirty="0">
                 <a:solidFill>
                   <a:schemeClr val="accent2">
                     <a:lumMod val="75000"/>
@@ -4406,7 +4398,7 @@
               <a:t>&gt; &lt;</a:t>
             </a:r>
             <a:r>
-              <a:rPr lang="en-US" sz="2000" spc="-50" dirty="0" err="1" smtClean="0">
+              <a:rPr lang="en-US" sz="2000" spc="-50" dirty="0" err="1">
                 <a:solidFill>
                   <a:schemeClr val="accent2">
                     <a:lumMod val="75000"/>
@@ -4418,7 +4410,7 @@
               <a:t>local_branch_name</a:t>
             </a:r>
             <a:r>
-              <a:rPr lang="en-US" sz="2000" spc="-50" dirty="0" smtClean="0">
+              <a:rPr lang="en-US" sz="2000" spc="-50" dirty="0">
                 <a:solidFill>
                   <a:schemeClr val="accent2">
                     <a:lumMod val="75000"/>
@@ -4432,7 +4424,7 @@
           </a:p>
           <a:p>
             <a:pPr lvl="1"/>
-            <a:endParaRPr lang="en-US" sz="2000" spc="-50" dirty="0" smtClean="0">
+            <a:endParaRPr lang="en-US" sz="2000" spc="-50" dirty="0">
               <a:solidFill>
                 <a:schemeClr val="accent2">
                   <a:lumMod val="75000"/>
@@ -4445,7 +4437,7 @@
           <a:p>
             <a:pPr lvl="1"/>
             <a:r>
-              <a:rPr lang="en-US" spc="-50" dirty="0" smtClean="0">
+              <a:rPr lang="en-US" spc="-50" dirty="0">
                 <a:latin typeface="+mj-lt"/>
                 <a:ea typeface="+mj-ea"/>
                 <a:cs typeface="+mj-cs"/>
@@ -4453,7 +4445,7 @@
               <a:t>This command will push the local repo branch under &lt;</a:t>
             </a:r>
             <a:r>
-              <a:rPr lang="en-US" spc="-50" dirty="0" err="1" smtClean="0">
+              <a:rPr lang="en-US" spc="-50" dirty="0" err="1">
                 <a:latin typeface="+mj-lt"/>
                 <a:ea typeface="+mj-ea"/>
                 <a:cs typeface="+mj-cs"/>
@@ -4461,7 +4453,7 @@
               <a:t>local_branc_name</a:t>
             </a:r>
             <a:r>
-              <a:rPr lang="en-US" spc="-50" dirty="0" smtClean="0">
+              <a:rPr lang="en-US" spc="-50" dirty="0">
                 <a:latin typeface="+mj-lt"/>
                 <a:ea typeface="+mj-ea"/>
                 <a:cs typeface="+mj-cs"/>
@@ -4469,7 +4461,7 @@
               <a:t>&gt; to the remote repo at &lt;</a:t>
             </a:r>
             <a:r>
-              <a:rPr lang="en-US" spc="-50" dirty="0" err="1" smtClean="0">
+              <a:rPr lang="en-US" spc="-50" dirty="0" err="1">
                 <a:latin typeface="+mj-lt"/>
                 <a:ea typeface="+mj-ea"/>
                 <a:cs typeface="+mj-cs"/>
@@ -4477,18 +4469,13 @@
               <a:t>remote_name</a:t>
             </a:r>
             <a:r>
-              <a:rPr lang="en-US" spc="-50" dirty="0" smtClean="0">
+              <a:rPr lang="en-US" spc="-50" dirty="0">
                 <a:latin typeface="+mj-lt"/>
                 <a:ea typeface="+mj-ea"/>
                 <a:cs typeface="+mj-cs"/>
               </a:rPr>
               <a:t>&gt;.</a:t>
             </a:r>
-            <a:endParaRPr lang="en-US" spc="-50" dirty="0">
-              <a:latin typeface="+mj-lt"/>
-              <a:ea typeface="+mj-ea"/>
-              <a:cs typeface="+mj-cs"/>
-            </a:endParaRPr>
           </a:p>
         </p:txBody>
       </p:sp>
@@ -4502,13 +4489,6 @@
   <p:clrMapOvr>
     <a:masterClrMapping/>
   </p:clrMapOvr>
-  <p:timing>
-    <p:tnLst>
-      <p:par>
-        <p:cTn id="1" dur="indefinite" restart="never" nodeType="tmRoot"/>
-      </p:par>
-    </p:tnLst>
-  </p:timing>
 </p:sld>
 </file>
 
@@ -4652,15 +4632,7 @@
                 <a:ea typeface="+mj-ea"/>
                 <a:cs typeface="+mj-cs"/>
               </a:rPr>
-              <a:t> installation (or an individual repository) from the command line</a:t>
-            </a:r>
-            <a:r>
-              <a:rPr lang="en-US" spc="-50" dirty="0" smtClean="0">
-                <a:latin typeface="+mj-lt"/>
-                <a:ea typeface="+mj-ea"/>
-                <a:cs typeface="+mj-cs"/>
-              </a:rPr>
-              <a:t>.</a:t>
+              <a:t> installation (or an individual repository) from the command line.</a:t>
             </a:r>
           </a:p>
           <a:p>
@@ -4687,21 +4659,8 @@
                 <a:ea typeface="+mj-ea"/>
                 <a:cs typeface="+mj-cs"/>
               </a:rPr>
-              <a:t> stores configuration options in three separate files, which lets you scope options to individual repositories (local), user (Global), or the entire system (system</a:t>
-            </a:r>
-            <a:r>
-              <a:rPr lang="en-US" spc="-50" dirty="0" smtClean="0">
-                <a:latin typeface="+mj-lt"/>
-                <a:ea typeface="+mj-ea"/>
-                <a:cs typeface="+mj-cs"/>
-              </a:rPr>
-              <a:t>):</a:t>
-            </a:r>
-            <a:endParaRPr lang="en-US" spc="-50" dirty="0">
-              <a:latin typeface="+mj-lt"/>
-              <a:ea typeface="+mj-ea"/>
-              <a:cs typeface="+mj-cs"/>
-            </a:endParaRPr>
+              <a:t> stores configuration options in three separate files, which lets you scope options to individual repositories (local), user (Global), or the entire system (system):</a:t>
+            </a:r>
           </a:p>
           <a:p>
             <a:pPr lvl="1"/>
@@ -4844,13 +4803,6 @@
   <p:clrMapOvr>
     <a:masterClrMapping/>
   </p:clrMapOvr>
-  <p:timing>
-    <p:tnLst>
-      <p:par>
-        <p:cTn id="1" dur="indefinite" restart="never" nodeType="tmRoot"/>
-      </p:par>
-    </p:tnLst>
-  </p:timing>
 </p:sld>
 </file>
 
@@ -4930,15 +4882,7 @@
                 <a:ea typeface="+mj-ea"/>
                 <a:cs typeface="+mj-cs"/>
               </a:rPr>
-              <a:t>Define the author name to be used for all commits in the current repository. Typically, you’ll want to use the --global flag to set configuration options for the current user</a:t>
-            </a:r>
-            <a:r>
-              <a:rPr lang="en-US" spc="-50" dirty="0" smtClean="0">
-                <a:latin typeface="+mj-lt"/>
-                <a:ea typeface="+mj-ea"/>
-                <a:cs typeface="+mj-cs"/>
-              </a:rPr>
-              <a:t>.</a:t>
+              <a:t>Define the author name to be used for all commits in the current repository. Typically, you’ll want to use the --global flag to set configuration options for the current user.</a:t>
             </a:r>
           </a:p>
           <a:p>
@@ -4997,19 +4941,7 @@
                 <a:latin typeface="Consolas" panose="020B0609020204030204" pitchFamily="49" charset="0"/>
                 <a:cs typeface="Consolas" panose="020B0609020204030204" pitchFamily="49" charset="0"/>
               </a:rPr>
-              <a:t> --global user.name &lt;name</a:t>
-            </a:r>
-            <a:r>
-              <a:rPr lang="en-US" sz="2000" spc="-50" dirty="0" smtClean="0">
-                <a:solidFill>
-                  <a:schemeClr val="accent2">
-                    <a:lumMod val="75000"/>
-                  </a:schemeClr>
-                </a:solidFill>
-                <a:latin typeface="Consolas" panose="020B0609020204030204" pitchFamily="49" charset="0"/>
-                <a:cs typeface="Consolas" panose="020B0609020204030204" pitchFamily="49" charset="0"/>
-              </a:rPr>
-              <a:t>&gt;</a:t>
+              <a:t> --global user.name &lt;name&gt;</a:t>
             </a:r>
           </a:p>
           <a:p>
@@ -5056,20 +4988,12 @@
                 <a:ea typeface="+mj-ea"/>
                 <a:cs typeface="+mj-cs"/>
               </a:rPr>
-              <a:t>repository</a:t>
-            </a:r>
-            <a:r>
-              <a:rPr lang="en-US" spc="-50" smtClean="0">
-                <a:latin typeface="+mj-lt"/>
-                <a:ea typeface="+mj-ea"/>
-                <a:cs typeface="+mj-cs"/>
-              </a:rPr>
-              <a:t>.</a:t>
+              <a:t>repository.</a:t>
             </a:r>
           </a:p>
           <a:p>
             <a:pPr lvl="1"/>
-            <a:endParaRPr lang="en-US" spc="-50" dirty="0" smtClean="0">
+            <a:endParaRPr lang="en-US" spc="-50" dirty="0">
               <a:latin typeface="+mj-lt"/>
               <a:ea typeface="+mj-ea"/>
               <a:cs typeface="+mj-cs"/>
@@ -5170,13 +5094,6 @@
   <p:clrMapOvr>
     <a:masterClrMapping/>
   </p:clrMapOvr>
-  <p:timing>
-    <p:tnLst>
-      <p:par>
-        <p:cTn id="1" dur="indefinite" restart="never" nodeType="tmRoot"/>
-      </p:par>
-    </p:tnLst>
-  </p:timing>
 </p:sld>
 </file>
 
@@ -5320,15 +5237,7 @@
                 <a:ea typeface="+mj-ea"/>
                 <a:cs typeface="+mj-cs"/>
               </a:rPr>
-              <a:t> remote command offers such utility</a:t>
-            </a:r>
-            <a:r>
-              <a:rPr lang="en-US" spc="-50" dirty="0" smtClean="0">
-                <a:latin typeface="+mj-lt"/>
-                <a:ea typeface="+mj-ea"/>
-                <a:cs typeface="+mj-cs"/>
-              </a:rPr>
-              <a:t>.</a:t>
+              <a:t> remote command offers such utility.</a:t>
             </a:r>
           </a:p>
           <a:p>
@@ -5402,7 +5311,7 @@
               <a:t>remote_repo_url</a:t>
             </a:r>
             <a:r>
-              <a:rPr lang="en-US" sz="2000" spc="-50" dirty="0" smtClean="0">
+              <a:rPr lang="en-US" sz="2000" spc="-50" dirty="0">
                 <a:solidFill>
                   <a:schemeClr val="accent2">
                     <a:lumMod val="75000"/>
@@ -5466,15 +5375,7 @@
                 <a:ea typeface="+mj-ea"/>
                 <a:cs typeface="+mj-cs"/>
               </a:rPr>
-              <a:t>&gt;. Once you have mapped the remote repo you can push local branches to it</a:t>
-            </a:r>
-            <a:r>
-              <a:rPr lang="en-US" spc="-50" dirty="0" smtClean="0">
-                <a:latin typeface="+mj-lt"/>
-                <a:ea typeface="+mj-ea"/>
-                <a:cs typeface="+mj-cs"/>
-              </a:rPr>
-              <a:t>.</a:t>
+              <a:t>&gt;. Once you have mapped the remote repo you can push local branches to it.</a:t>
             </a:r>
           </a:p>
           <a:p>
@@ -5548,7 +5449,7 @@
               <a:t>local_branch_name</a:t>
             </a:r>
             <a:r>
-              <a:rPr lang="en-US" sz="2000" spc="-50" dirty="0" smtClean="0">
+              <a:rPr lang="en-US" sz="2000" spc="-50" dirty="0">
                 <a:solidFill>
                   <a:schemeClr val="accent2">
                     <a:lumMod val="75000"/>
@@ -5627,13 +5528,6 @@
   <p:clrMapOvr>
     <a:masterClrMapping/>
   </p:clrMapOvr>
-  <p:timing>
-    <p:tnLst>
-      <p:par>
-        <p:cTn id="1" dur="indefinite" restart="never" nodeType="tmRoot"/>
-      </p:par>
-    </p:tnLst>
-  </p:timing>
 </p:sld>
 </file>
 
@@ -5670,10 +5564,9 @@
           <a:lstStyle/>
           <a:p>
             <a:r>
-              <a:rPr lang="en-US" dirty="0" smtClean="0"/>
+              <a:rPr lang="en-US" dirty="0"/>
               <a:t>What is version control?</a:t>
             </a:r>
-            <a:endParaRPr lang="en-US" dirty="0"/>
           </a:p>
         </p:txBody>
       </p:sp>
@@ -5696,19 +5589,14 @@
               <a:rPr lang="en-US" dirty="0"/>
               <a:t>Version control systems are a category of software tools that help a software team manage changes to source code over time. Version control software keeps track of every modification to the code in a special kind of database. </a:t>
             </a:r>
-            <a:endParaRPr lang="en-US" dirty="0" smtClean="0"/>
           </a:p>
           <a:p>
             <a:endParaRPr lang="en-US" dirty="0"/>
           </a:p>
           <a:p>
             <a:r>
-              <a:rPr lang="en-US" dirty="0" smtClean="0"/>
-              <a:t>If </a:t>
-            </a:r>
-            <a:r>
               <a:rPr lang="en-US" dirty="0"/>
-              <a:t>a mistake is made, developers can turn back the clock and compare earlier versions of the code to help fix the mistake while minimizing disruption to all team members.</a:t>
+              <a:t>If a mistake is made, developers can turn back the clock and compare earlier versions of the code to help fix the mistake while minimizing disruption to all team members.</a:t>
             </a:r>
             <a:endParaRPr lang="en-US" dirty="0">
               <a:solidFill>
@@ -5728,13 +5616,6 @@
   <p:clrMapOvr>
     <a:masterClrMapping/>
   </p:clrMapOvr>
-  <p:timing>
-    <p:tnLst>
-      <p:par>
-        <p:cTn id="1" dur="indefinite" restart="never" nodeType="tmRoot"/>
-      </p:par>
-    </p:tnLst>
-  </p:timing>
 </p:sld>
 </file>
 
@@ -5783,14 +5664,13 @@
               <a:t>What is </a:t>
             </a:r>
             <a:r>
-              <a:rPr lang="en-US" dirty="0" err="1" smtClean="0"/>
+              <a:rPr lang="en-US" dirty="0" err="1"/>
               <a:t>Git</a:t>
             </a:r>
             <a:r>
-              <a:rPr lang="en-US" dirty="0" smtClean="0"/>
+              <a:rPr lang="en-US" dirty="0"/>
               <a:t>?</a:t>
             </a:r>
-            <a:endParaRPr lang="en-US" dirty="0"/>
           </a:p>
         </p:txBody>
       </p:sp>
@@ -5818,26 +5698,22 @@
               <a:t>Git</a:t>
             </a:r>
             <a:r>
-              <a:rPr lang="en-US" dirty="0" smtClean="0"/>
+              <a:rPr lang="en-US" dirty="0"/>
               <a:t>.</a:t>
             </a:r>
           </a:p>
           <a:p>
             <a:r>
-              <a:rPr lang="en-US" dirty="0" err="1" smtClean="0"/>
+              <a:rPr lang="en-US" dirty="0" err="1"/>
               <a:t>Git</a:t>
             </a:r>
             <a:r>
-              <a:rPr lang="en-US" dirty="0" smtClean="0"/>
-              <a:t> is </a:t>
-            </a:r>
-            <a:r>
               <a:rPr lang="en-US" dirty="0"/>
-              <a:t>a distributed version control system.</a:t>
-            </a:r>
-          </a:p>
-          <a:p>
-            <a:endParaRPr lang="en-US" dirty="0" smtClean="0">
+              <a:t> is a distributed version control system.</a:t>
+            </a:r>
+          </a:p>
+          <a:p>
+            <a:endParaRPr lang="en-US" dirty="0">
               <a:solidFill>
                 <a:schemeClr val="tx1"/>
               </a:solidFill>
@@ -5879,13 +5755,6 @@
   <p:clrMapOvr>
     <a:masterClrMapping/>
   </p:clrMapOvr>
-  <p:timing>
-    <p:tnLst>
-      <p:par>
-        <p:cTn id="1" dur="indefinite" restart="never" nodeType="tmRoot"/>
-      </p:par>
-    </p:tnLst>
-  </p:timing>
 </p:sld>
 </file>
 
@@ -5922,7 +5791,7 @@
           <a:lstStyle/>
           <a:p>
             <a:r>
-              <a:rPr lang="en-US" sz="3200" b="1" dirty="0" smtClean="0"/>
+              <a:rPr lang="en-US" sz="3200" b="1" dirty="0"/>
               <a:t>Setting up a repository</a:t>
             </a:r>
             <a:endParaRPr lang="en-US" dirty="0"/>
@@ -5948,7 +5817,7 @@
           <a:p>
             <a:pPr lvl="1"/>
             <a:r>
-              <a:rPr lang="en-US" sz="2400" dirty="0" err="1" smtClean="0">
+              <a:rPr lang="en-US" sz="2400" dirty="0" err="1">
                 <a:solidFill>
                   <a:schemeClr val="tx1"/>
                 </a:solidFill>
@@ -5958,7 +5827,7 @@
               <a:t>git</a:t>
             </a:r>
             <a:r>
-              <a:rPr lang="en-US" sz="2400" dirty="0" smtClean="0">
+              <a:rPr lang="en-US" sz="2400" dirty="0">
                 <a:solidFill>
                   <a:schemeClr val="tx1"/>
                 </a:solidFill>
@@ -5968,7 +5837,7 @@
               <a:t> </a:t>
             </a:r>
             <a:r>
-              <a:rPr lang="en-US" sz="2400" dirty="0" err="1" smtClean="0">
+              <a:rPr lang="en-US" sz="2400" dirty="0" err="1">
                 <a:solidFill>
                   <a:schemeClr val="tx1"/>
                 </a:solidFill>
@@ -5978,7 +5847,7 @@
               <a:t>init</a:t>
             </a:r>
             <a:r>
-              <a:rPr lang="en-US" sz="2400" dirty="0" smtClean="0">
+              <a:rPr lang="en-US" sz="2400" dirty="0">
                 <a:solidFill>
                   <a:schemeClr val="tx1"/>
                 </a:solidFill>
@@ -5988,7 +5857,7 @@
               <a:t> / </a:t>
             </a:r>
             <a:r>
-              <a:rPr lang="en-US" sz="2400" dirty="0" err="1" smtClean="0">
+              <a:rPr lang="en-US" sz="2400" dirty="0" err="1">
                 <a:solidFill>
                   <a:schemeClr val="tx1"/>
                 </a:solidFill>
@@ -5998,7 +5867,7 @@
               <a:t>git</a:t>
             </a:r>
             <a:r>
-              <a:rPr lang="en-US" sz="2400" dirty="0" smtClean="0">
+              <a:rPr lang="en-US" sz="2400" dirty="0">
                 <a:solidFill>
                   <a:schemeClr val="tx1"/>
                 </a:solidFill>
@@ -6008,7 +5877,7 @@
               <a:t> clone / </a:t>
             </a:r>
             <a:r>
-              <a:rPr lang="en-US" sz="2400" dirty="0" err="1" smtClean="0">
+              <a:rPr lang="en-US" sz="2400" dirty="0" err="1">
                 <a:solidFill>
                   <a:schemeClr val="tx1"/>
                 </a:solidFill>
@@ -6018,7 +5887,7 @@
               <a:t>git</a:t>
             </a:r>
             <a:r>
-              <a:rPr lang="en-US" sz="2400" dirty="0" smtClean="0">
+              <a:rPr lang="en-US" sz="2400" dirty="0">
                 <a:solidFill>
                   <a:schemeClr val="tx1"/>
                 </a:solidFill>
@@ -6028,7 +5897,7 @@
               <a:t> </a:t>
             </a:r>
             <a:r>
-              <a:rPr lang="en-US" sz="2400" dirty="0" err="1" smtClean="0">
+              <a:rPr lang="en-US" sz="2400" dirty="0" err="1">
                 <a:solidFill>
                   <a:schemeClr val="tx1"/>
                 </a:solidFill>
@@ -6037,7 +5906,7 @@
               </a:rPr>
               <a:t>config</a:t>
             </a:r>
-            <a:endParaRPr lang="en-US" sz="2400" dirty="0" smtClean="0">
+            <a:endParaRPr lang="en-US" sz="2400" dirty="0">
               <a:solidFill>
                 <a:schemeClr val="tx1"/>
               </a:solidFill>
@@ -6057,13 +5926,6 @@
   <p:clrMapOvr>
     <a:masterClrMapping/>
   </p:clrMapOvr>
-  <p:timing>
-    <p:tnLst>
-      <p:par>
-        <p:cTn id="1" dur="indefinite" restart="never" nodeType="tmRoot"/>
-      </p:par>
-    </p:tnLst>
-  </p:timing>
 </p:sld>
 </file>
 
@@ -6100,15 +5962,15 @@
           <a:lstStyle/>
           <a:p>
             <a:r>
-              <a:rPr lang="en-US" sz="3200" dirty="0" smtClean="0"/>
+              <a:rPr lang="en-US" sz="3200" dirty="0"/>
               <a:t>Configure </a:t>
             </a:r>
             <a:r>
-              <a:rPr lang="en-US" sz="3200" dirty="0" err="1" smtClean="0"/>
+              <a:rPr lang="en-US" sz="3200" dirty="0" err="1"/>
               <a:t>git</a:t>
             </a:r>
             <a:r>
-              <a:rPr lang="en-US" sz="3200" b="1" dirty="0" smtClean="0"/>
+              <a:rPr lang="en-US" sz="3200" b="1" dirty="0"/>
               <a:t>: </a:t>
             </a:r>
             <a:r>
@@ -6120,7 +5982,7 @@
               <a:t> </a:t>
             </a:r>
             <a:r>
-              <a:rPr lang="en-US" sz="3200" b="1" dirty="0" err="1" smtClean="0"/>
+              <a:rPr lang="en-US" sz="3200" b="1" dirty="0" err="1"/>
               <a:t>config</a:t>
             </a:r>
             <a:endParaRPr lang="en-US" sz="3200" b="1" dirty="0"/>
@@ -6172,7 +6034,7 @@
               <a:t> </a:t>
             </a:r>
             <a:r>
-              <a:rPr lang="en-US" sz="2000" spc="-50" dirty="0" err="1" smtClean="0">
+              <a:rPr lang="en-US" sz="2000" spc="-50" dirty="0" err="1">
                 <a:solidFill>
                   <a:schemeClr val="accent2">
                     <a:lumMod val="75000"/>
@@ -6185,7 +6047,7 @@
               <a:t>config</a:t>
             </a:r>
             <a:r>
-              <a:rPr lang="en-US" sz="2000" spc="-50" dirty="0" smtClean="0">
+              <a:rPr lang="en-US" sz="2000" spc="-50" dirty="0">
                 <a:solidFill>
                   <a:schemeClr val="accent2">
                     <a:lumMod val="75000"/>
@@ -6198,7 +6060,7 @@
               <a:t> --global </a:t>
             </a:r>
             <a:r>
-              <a:rPr lang="en-US" sz="2000" spc="-50" dirty="0" err="1" smtClean="0">
+              <a:rPr lang="en-US" sz="2000" spc="-50" dirty="0" err="1">
                 <a:solidFill>
                   <a:schemeClr val="accent2">
                     <a:lumMod val="75000"/>
@@ -6211,7 +6073,7 @@
               <a:t>user.email</a:t>
             </a:r>
             <a:r>
-              <a:rPr lang="en-US" sz="2000" spc="-50" dirty="0" smtClean="0">
+              <a:rPr lang="en-US" sz="2000" spc="-50" dirty="0">
                 <a:solidFill>
                   <a:schemeClr val="accent2">
                     <a:lumMod val="75000"/>
@@ -6226,7 +6088,7 @@
           </a:p>
           <a:p>
             <a:pPr lvl="1"/>
-            <a:endParaRPr lang="en-US" sz="2000" spc="-50" dirty="0" smtClean="0">
+            <a:endParaRPr lang="en-US" sz="2000" spc="-50" dirty="0">
               <a:solidFill>
                 <a:schemeClr val="accent2">
                   <a:lumMod val="75000"/>
@@ -6239,7 +6101,7 @@
           <a:p>
             <a:pPr lvl="1"/>
             <a:r>
-              <a:rPr lang="en-US" sz="2000" spc="-50" dirty="0" err="1" smtClean="0">
+              <a:rPr lang="en-US" sz="2000" spc="-50" dirty="0" err="1">
                 <a:solidFill>
                   <a:schemeClr val="accent2">
                     <a:lumMod val="75000"/>
@@ -6251,7 +6113,7 @@
               <a:t>git</a:t>
             </a:r>
             <a:r>
-              <a:rPr lang="en-US" sz="2000" spc="-50" dirty="0" smtClean="0">
+              <a:rPr lang="en-US" sz="2000" spc="-50" dirty="0">
                 <a:solidFill>
                   <a:schemeClr val="accent2">
                     <a:lumMod val="75000"/>
@@ -6284,19 +6146,7 @@
                 <a:latin typeface="Consolas" panose="020B0609020204030204" pitchFamily="49" charset="0"/>
                 <a:cs typeface="Consolas" panose="020B0609020204030204" pitchFamily="49" charset="0"/>
               </a:rPr>
-              <a:t> --global </a:t>
-            </a:r>
-            <a:r>
-              <a:rPr lang="en-US" sz="2000" spc="-50" dirty="0" smtClean="0">
-                <a:solidFill>
-                  <a:schemeClr val="accent2">
-                    <a:lumMod val="75000"/>
-                  </a:schemeClr>
-                </a:solidFill>
-                <a:latin typeface="Consolas" panose="020B0609020204030204" pitchFamily="49" charset="0"/>
-                <a:cs typeface="Consolas" panose="020B0609020204030204" pitchFamily="49" charset="0"/>
-              </a:rPr>
-              <a:t>user.name “username”</a:t>
+              <a:t> --global user.name “username”</a:t>
             </a:r>
             <a:endParaRPr lang="en-US" sz="2000" spc="-50" dirty="0">
               <a:solidFill>
@@ -6329,13 +6179,6 @@
   <p:clrMapOvr>
     <a:masterClrMapping/>
   </p:clrMapOvr>
-  <p:timing>
-    <p:tnLst>
-      <p:par>
-        <p:cTn id="1" dur="indefinite" restart="never" nodeType="tmRoot"/>
-      </p:par>
-    </p:tnLst>
-  </p:timing>
 </p:sld>
 </file>
 
@@ -6468,7 +6311,7 @@
               </a:rPr>
               <a:t>init</a:t>
             </a:r>
-            <a:endParaRPr lang="en-US" sz="2000" spc="-50" dirty="0" smtClean="0">
+            <a:endParaRPr lang="en-US" sz="2000" spc="-50" dirty="0">
               <a:solidFill>
                 <a:schemeClr val="accent2">
                   <a:lumMod val="75000"/>
@@ -6490,20 +6333,12 @@
           <a:p>
             <a:pPr lvl="1"/>
             <a:r>
-              <a:rPr lang="en-US" spc="-50" dirty="0" smtClean="0">
-                <a:latin typeface="+mj-lt"/>
-                <a:ea typeface="+mj-ea"/>
-                <a:cs typeface="+mj-cs"/>
-              </a:rPr>
-              <a:t>To </a:t>
-            </a:r>
-            <a:r>
               <a:rPr lang="en-US" spc="-50" dirty="0">
                 <a:latin typeface="+mj-lt"/>
                 <a:ea typeface="+mj-ea"/>
                 <a:cs typeface="+mj-cs"/>
               </a:rPr>
-              <a:t>create a new repo, you'll use the </a:t>
+              <a:t>To create a new repo, you'll use the </a:t>
             </a:r>
             <a:r>
               <a:rPr lang="en-US" spc="-50" dirty="0" err="1">
@@ -6569,11 +6404,6 @@
               </a:rPr>
               <a:t> is a one-time command you use during the initial setup of a new repo. </a:t>
             </a:r>
-            <a:endParaRPr lang="en-US" spc="-50" dirty="0" smtClean="0">
-              <a:latin typeface="+mj-lt"/>
-              <a:ea typeface="+mj-ea"/>
-              <a:cs typeface="+mj-cs"/>
-            </a:endParaRPr>
           </a:p>
           <a:p>
             <a:pPr lvl="1"/>
@@ -6586,20 +6416,12 @@
           <a:p>
             <a:pPr lvl="1"/>
             <a:r>
-              <a:rPr lang="en-US" spc="-50" dirty="0" smtClean="0">
-                <a:latin typeface="+mj-lt"/>
-                <a:ea typeface="+mj-ea"/>
-                <a:cs typeface="+mj-cs"/>
-              </a:rPr>
-              <a:t>Executing </a:t>
-            </a:r>
-            <a:r>
               <a:rPr lang="en-US" spc="-50" dirty="0">
                 <a:latin typeface="+mj-lt"/>
                 <a:ea typeface="+mj-ea"/>
                 <a:cs typeface="+mj-cs"/>
               </a:rPr>
-              <a:t>this command will create a new .</a:t>
+              <a:t>Executing this command will create a new .</a:t>
             </a:r>
             <a:r>
               <a:rPr lang="en-US" spc="-50" dirty="0" err="1">
@@ -6617,11 +6439,6 @@
               </a:rPr>
               <a:t> subdirectory in your current working directory. This will also create a new master branch. </a:t>
             </a:r>
-            <a:endParaRPr lang="en-US" spc="-50" dirty="0" smtClean="0">
-              <a:latin typeface="+mj-lt"/>
-              <a:ea typeface="+mj-ea"/>
-              <a:cs typeface="+mj-cs"/>
-            </a:endParaRPr>
           </a:p>
           <a:p>
             <a:pPr lvl="1"/>
@@ -6698,13 +6515,6 @@
   <p:clrMapOvr>
     <a:masterClrMapping/>
   </p:clrMapOvr>
-  <p:timing>
-    <p:tnLst>
-      <p:par>
-        <p:cTn id="1" dur="indefinite" restart="never" nodeType="tmRoot"/>
-      </p:par>
-    </p:tnLst>
-  </p:timing>
 </p:sld>
 </file>
 
@@ -6841,28 +6651,12 @@
           <a:p>
             <a:pPr lvl="1"/>
             <a:r>
-              <a:rPr lang="en-US" spc="-50" dirty="0" smtClean="0">
-                <a:latin typeface="+mj-lt"/>
-                <a:ea typeface="+mj-ea"/>
-                <a:cs typeface="+mj-cs"/>
-              </a:rPr>
-              <a:t>If </a:t>
-            </a:r>
-            <a:r>
               <a:rPr lang="en-US" spc="-50" dirty="0">
                 <a:latin typeface="+mj-lt"/>
                 <a:ea typeface="+mj-ea"/>
                 <a:cs typeface="+mj-cs"/>
               </a:rPr>
-              <a:t>a project has already been set up in a central repository, the clone command is the most common way for users to obtain a local development clone</a:t>
-            </a:r>
-            <a:r>
-              <a:rPr lang="en-US" spc="-50" dirty="0" smtClean="0">
-                <a:latin typeface="+mj-lt"/>
-                <a:ea typeface="+mj-ea"/>
-                <a:cs typeface="+mj-cs"/>
-              </a:rPr>
-              <a:t>.</a:t>
+              <a:t>If a project has already been set up in a central repository, the clone command is the most common way for users to obtain a local development clone.</a:t>
             </a:r>
           </a:p>
           <a:p>
@@ -6889,15 +6683,7 @@
                 <a:ea typeface="+mj-ea"/>
                 <a:cs typeface="+mj-cs"/>
               </a:rPr>
-              <a:t> supports a few different network protocols and corresponding URL formats</a:t>
-            </a:r>
-            <a:r>
-              <a:rPr lang="en-US" spc="-50" dirty="0" smtClean="0">
-                <a:latin typeface="+mj-lt"/>
-                <a:ea typeface="+mj-ea"/>
-                <a:cs typeface="+mj-cs"/>
-              </a:rPr>
-              <a:t>.</a:t>
+              <a:t> supports a few different network protocols and corresponding URL formats.</a:t>
             </a:r>
           </a:p>
           <a:p>
@@ -6931,13 +6717,6 @@
   <p:clrMapOvr>
     <a:masterClrMapping/>
   </p:clrMapOvr>
-  <p:timing>
-    <p:tnLst>
-      <p:par>
-        <p:cTn id="1" dur="indefinite" restart="never" nodeType="tmRoot"/>
-      </p:par>
-    </p:tnLst>
-  </p:timing>
 </p:sld>
 </file>
 
@@ -7015,7 +6794,7 @@
           <a:p>
             <a:pPr lvl="1"/>
             <a:r>
-              <a:rPr lang="en-US" sz="2000" spc="-50" dirty="0" smtClean="0">
+              <a:rPr lang="en-US" sz="2000" spc="-50" dirty="0">
                 <a:solidFill>
                   <a:schemeClr val="accent2">
                     <a:lumMod val="75000"/>
@@ -7024,8 +6803,11 @@
                 <a:latin typeface="Consolas" panose="020B0609020204030204" pitchFamily="49" charset="0"/>
                 <a:cs typeface="Consolas" panose="020B0609020204030204" pitchFamily="49" charset="0"/>
               </a:rPr>
-              <a:t>cd </a:t>
-            </a:r>
+              <a:t>cd /path/to/project</a:t>
+            </a:r>
+          </a:p>
+          <a:p>
+            <a:pPr lvl="1"/>
             <a:r>
               <a:rPr lang="en-US" sz="2000" spc="-50" dirty="0">
                 <a:solidFill>
@@ -7036,13 +6818,10 @@
                 <a:latin typeface="Consolas" panose="020B0609020204030204" pitchFamily="49" charset="0"/>
                 <a:cs typeface="Consolas" panose="020B0609020204030204" pitchFamily="49" charset="0"/>
               </a:rPr>
-              <a:t>/path/to/project</a:t>
-            </a:r>
-          </a:p>
-          <a:p>
-            <a:pPr lvl="1"/>
-            <a:r>
-              <a:rPr lang="en-US" sz="2000" spc="-50" dirty="0">
+              <a:t>echo "test content for </a:t>
+            </a:r>
+            <a:r>
+              <a:rPr lang="en-US" sz="2000" spc="-50" dirty="0" err="1">
                 <a:solidFill>
                   <a:schemeClr val="accent2">
                     <a:lumMod val="75000"/>
@@ -7051,10 +6830,10 @@
                 <a:latin typeface="Consolas" panose="020B0609020204030204" pitchFamily="49" charset="0"/>
                 <a:cs typeface="Consolas" panose="020B0609020204030204" pitchFamily="49" charset="0"/>
               </a:rPr>
-              <a:t>echo "test content for </a:t>
-            </a:r>
-            <a:r>
-              <a:rPr lang="en-US" sz="2000" spc="-50" dirty="0" err="1">
+              <a:t>git</a:t>
+            </a:r>
+            <a:r>
+              <a:rPr lang="en-US" sz="2000" spc="-50" dirty="0">
                 <a:solidFill>
                   <a:schemeClr val="accent2">
                     <a:lumMod val="75000"/>
@@ -7063,10 +6842,13 @@
                 <a:latin typeface="Consolas" panose="020B0609020204030204" pitchFamily="49" charset="0"/>
                 <a:cs typeface="Consolas" panose="020B0609020204030204" pitchFamily="49" charset="0"/>
               </a:rPr>
-              <a:t>git</a:t>
-            </a:r>
-            <a:r>
-              <a:rPr lang="en-US" sz="2000" spc="-50" dirty="0">
+              <a:t> tutorial" &gt;&gt; CommitTest.txt</a:t>
+            </a:r>
+          </a:p>
+          <a:p>
+            <a:pPr lvl="1"/>
+            <a:r>
+              <a:rPr lang="en-US" sz="2000" spc="-50" dirty="0" err="1">
                 <a:solidFill>
                   <a:schemeClr val="accent2">
                     <a:lumMod val="75000"/>
@@ -7075,13 +6857,10 @@
                 <a:latin typeface="Consolas" panose="020B0609020204030204" pitchFamily="49" charset="0"/>
                 <a:cs typeface="Consolas" panose="020B0609020204030204" pitchFamily="49" charset="0"/>
               </a:rPr>
-              <a:t> tutorial" &gt;&gt; CommitTest.txt</a:t>
-            </a:r>
-          </a:p>
-          <a:p>
-            <a:pPr lvl="1"/>
-            <a:r>
-              <a:rPr lang="en-US" sz="2000" spc="-50" dirty="0" err="1">
+              <a:t>git</a:t>
+            </a:r>
+            <a:r>
+              <a:rPr lang="en-US" sz="2000" spc="-50" dirty="0">
                 <a:solidFill>
                   <a:schemeClr val="accent2">
                     <a:lumMod val="75000"/>
@@ -7090,10 +6869,13 @@
                 <a:latin typeface="Consolas" panose="020B0609020204030204" pitchFamily="49" charset="0"/>
                 <a:cs typeface="Consolas" panose="020B0609020204030204" pitchFamily="49" charset="0"/>
               </a:rPr>
-              <a:t>git</a:t>
-            </a:r>
-            <a:r>
-              <a:rPr lang="en-US" sz="2000" spc="-50" dirty="0">
+              <a:t> add CommitTest.txt</a:t>
+            </a:r>
+          </a:p>
+          <a:p>
+            <a:pPr lvl="1"/>
+            <a:r>
+              <a:rPr lang="en-US" sz="2000" spc="-50" dirty="0" err="1">
                 <a:solidFill>
                   <a:schemeClr val="accent2">
                     <a:lumMod val="75000"/>
@@ -7102,13 +6884,10 @@
                 <a:latin typeface="Consolas" panose="020B0609020204030204" pitchFamily="49" charset="0"/>
                 <a:cs typeface="Consolas" panose="020B0609020204030204" pitchFamily="49" charset="0"/>
               </a:rPr>
-              <a:t> add CommitTest.txt</a:t>
-            </a:r>
-          </a:p>
-          <a:p>
-            <a:pPr lvl="1"/>
-            <a:r>
-              <a:rPr lang="en-US" sz="2000" spc="-50" dirty="0" err="1">
+              <a:t>git</a:t>
+            </a:r>
+            <a:r>
+              <a:rPr lang="en-US" sz="2000" spc="-50" dirty="0">
                 <a:solidFill>
                   <a:schemeClr val="accent2">
                     <a:lumMod val="75000"/>
@@ -7117,31 +6896,7 @@
                 <a:latin typeface="Consolas" panose="020B0609020204030204" pitchFamily="49" charset="0"/>
                 <a:cs typeface="Consolas" panose="020B0609020204030204" pitchFamily="49" charset="0"/>
               </a:rPr>
-              <a:t>git</a:t>
-            </a:r>
-            <a:r>
-              <a:rPr lang="en-US" sz="2000" spc="-50" dirty="0">
-                <a:solidFill>
-                  <a:schemeClr val="accent2">
-                    <a:lumMod val="75000"/>
-                  </a:schemeClr>
-                </a:solidFill>
-                <a:latin typeface="Consolas" panose="020B0609020204030204" pitchFamily="49" charset="0"/>
-                <a:cs typeface="Consolas" panose="020B0609020204030204" pitchFamily="49" charset="0"/>
-              </a:rPr>
-              <a:t> commit -m "added CommitTest.txt to the repo</a:t>
-            </a:r>
-            <a:r>
-              <a:rPr lang="en-US" sz="2000" spc="-50" dirty="0" smtClean="0">
-                <a:solidFill>
-                  <a:schemeClr val="accent2">
-                    <a:lumMod val="75000"/>
-                  </a:schemeClr>
-                </a:solidFill>
-                <a:latin typeface="Consolas" panose="020B0609020204030204" pitchFamily="49" charset="0"/>
-                <a:cs typeface="Consolas" panose="020B0609020204030204" pitchFamily="49" charset="0"/>
-              </a:rPr>
-              <a:t>"</a:t>
+              <a:t> commit -m "added CommitTest.txt to the repo"</a:t>
             </a:r>
             <a:endParaRPr lang="en-US" sz="2000" spc="-50" dirty="0">
               <a:solidFill>
@@ -7153,53 +6908,6 @@
               <a:ea typeface="+mj-ea"/>
               <a:cs typeface="Consolas" panose="020B0609020204030204" pitchFamily="49" charset="0"/>
             </a:endParaRPr>
-          </a:p>
-          <a:p>
-            <a:pPr lvl="1">
-              <a:buClr>
-                <a:srgbClr val="1CADE4"/>
-              </a:buClr>
-            </a:pPr>
-            <a:endParaRPr lang="en-US" spc="-50" dirty="0" smtClean="0">
-              <a:solidFill>
-                <a:prstClr val="black">
-                  <a:lumMod val="75000"/>
-                  <a:lumOff val="25000"/>
-                </a:prstClr>
-              </a:solidFill>
-              <a:latin typeface="Calibri Light" panose="020F0302020204030204"/>
-            </a:endParaRPr>
-          </a:p>
-          <a:p>
-            <a:pPr lvl="1">
-              <a:buClr>
-                <a:srgbClr val="1CADE4"/>
-              </a:buClr>
-            </a:pPr>
-            <a:r>
-              <a:rPr lang="en-US" spc="-50" dirty="0">
-                <a:solidFill>
-                  <a:prstClr val="black">
-                    <a:lumMod val="75000"/>
-                    <a:lumOff val="25000"/>
-                  </a:prstClr>
-                </a:solidFill>
-                <a:latin typeface="Calibri Light" panose="020F0302020204030204"/>
-              </a:rPr>
-              <a:t>After executing this example, your repo will now have CommitTest.txt added to the history and will track future updates to the file</a:t>
-            </a:r>
-            <a:r>
-              <a:rPr lang="en-US" spc="-50" dirty="0" smtClean="0">
-                <a:solidFill>
-                  <a:prstClr val="black">
-                    <a:lumMod val="75000"/>
-                    <a:lumOff val="25000"/>
-                  </a:prstClr>
-                </a:solidFill>
-                <a:latin typeface="Calibri Light" panose="020F0302020204030204"/>
-              </a:rPr>
-              <a:t>.</a:t>
-            </a:r>
           </a:p>
           <a:p>
             <a:pPr lvl="1">
@@ -7233,6 +6941,41 @@
                 </a:solidFill>
                 <a:latin typeface="Calibri Light" panose="020F0302020204030204"/>
               </a:rPr>
+              <a:t>After executing this example, your repo will now have CommitTest.txt added to the history and will track future updates to the file.</a:t>
+            </a:r>
+          </a:p>
+          <a:p>
+            <a:pPr lvl="1">
+              <a:buClr>
+                <a:srgbClr val="1CADE4"/>
+              </a:buClr>
+            </a:pPr>
+            <a:endParaRPr lang="en-US" spc="-50" dirty="0">
+              <a:solidFill>
+                <a:prstClr val="black">
+                  <a:lumMod val="75000"/>
+                  <a:lumOff val="25000"/>
+                </a:prstClr>
+              </a:solidFill>
+              <a:latin typeface="Calibri Light" panose="020F0302020204030204"/>
+            </a:endParaRPr>
+          </a:p>
+          <a:p>
+            <a:pPr lvl="1">
+              <a:buClr>
+                <a:srgbClr val="1CADE4"/>
+              </a:buClr>
+            </a:pPr>
+            <a:r>
+              <a:rPr lang="en-US" spc="-50" dirty="0">
+                <a:solidFill>
+                  <a:prstClr val="black">
+                    <a:lumMod val="75000"/>
+                    <a:lumOff val="25000"/>
+                  </a:prstClr>
+                </a:solidFill>
+                <a:latin typeface="Calibri Light" panose="020F0302020204030204"/>
+              </a:rPr>
               <a:t>Another common use case for </a:t>
             </a:r>
             <a:r>
@@ -7304,13 +7047,6 @@
   <p:clrMapOvr>
     <a:masterClrMapping/>
   </p:clrMapOvr>
-  <p:timing>
-    <p:tnLst>
-      <p:par>
-        <p:cTn id="1" dur="indefinite" restart="never" nodeType="tmRoot"/>
-      </p:par>
-    </p:tnLst>
-  </p:timing>
 </p:sld>
 </file>
 
@@ -7396,7 +7132,10 @@
               </a:rPr>
               <a:t> clone in the previous "Initializing a new Repository" section to set up your local repository, your repository is already configured for remote collaboration. </a:t>
             </a:r>
-            <a:endParaRPr lang="en-US" spc="-50" dirty="0" smtClean="0">
+          </a:p>
+          <a:p>
+            <a:pPr lvl="1"/>
+            <a:endParaRPr lang="en-US" spc="-50" dirty="0">
               <a:latin typeface="+mj-lt"/>
               <a:ea typeface="+mj-ea"/>
               <a:cs typeface="+mj-cs"/>
@@ -7404,7 +7143,58 @@
           </a:p>
           <a:p>
             <a:pPr lvl="1"/>
-            <a:endParaRPr lang="en-US" spc="-50" dirty="0" smtClean="0">
+            <a:r>
+              <a:rPr lang="en-US" spc="-50" dirty="0" err="1">
+                <a:latin typeface="+mj-lt"/>
+                <a:ea typeface="+mj-ea"/>
+                <a:cs typeface="+mj-cs"/>
+              </a:rPr>
+              <a:t>git</a:t>
+            </a:r>
+            <a:r>
+              <a:rPr lang="en-US" spc="-50" dirty="0">
+                <a:latin typeface="+mj-lt"/>
+                <a:ea typeface="+mj-ea"/>
+                <a:cs typeface="+mj-cs"/>
+              </a:rPr>
+              <a:t> clone will automatically configure your repo with a remote pointed to the </a:t>
+            </a:r>
+            <a:r>
+              <a:rPr lang="en-US" spc="-50" dirty="0" err="1">
+                <a:latin typeface="+mj-lt"/>
+                <a:ea typeface="+mj-ea"/>
+                <a:cs typeface="+mj-cs"/>
+              </a:rPr>
+              <a:t>Git</a:t>
+            </a:r>
+            <a:r>
+              <a:rPr lang="en-US" spc="-50" dirty="0">
+                <a:latin typeface="+mj-lt"/>
+                <a:ea typeface="+mj-ea"/>
+                <a:cs typeface="+mj-cs"/>
+              </a:rPr>
+              <a:t> URL you cloned it from. This means that once you make changes to a file and commit them, you can </a:t>
+            </a:r>
+            <a:r>
+              <a:rPr lang="en-US" spc="-50" dirty="0" err="1">
+                <a:latin typeface="+mj-lt"/>
+                <a:ea typeface="+mj-ea"/>
+                <a:cs typeface="+mj-cs"/>
+              </a:rPr>
+              <a:t>git</a:t>
+            </a:r>
+            <a:r>
+              <a:rPr lang="en-US" spc="-50" dirty="0">
+                <a:latin typeface="+mj-lt"/>
+                <a:ea typeface="+mj-ea"/>
+                <a:cs typeface="+mj-cs"/>
+              </a:rPr>
+              <a:t> push those changes to the remote repository.</a:t>
+            </a:r>
+          </a:p>
+          <a:p>
+            <a:pPr lvl="1"/>
+            <a:endParaRPr lang="en-US" spc="-50" dirty="0">
               <a:latin typeface="+mj-lt"/>
               <a:ea typeface="+mj-ea"/>
               <a:cs typeface="+mj-cs"/>
@@ -7413,7 +7203,15 @@
           <a:p>
             <a:pPr lvl="1"/>
             <a:r>
-              <a:rPr lang="en-US" spc="-50" dirty="0" err="1" smtClean="0">
+              <a:rPr lang="en-US" spc="-50" dirty="0">
+                <a:latin typeface="+mj-lt"/>
+                <a:ea typeface="+mj-ea"/>
+                <a:cs typeface="+mj-cs"/>
+              </a:rPr>
+              <a:t>If you used </a:t>
+            </a:r>
+            <a:r>
+              <a:rPr lang="en-US" spc="-50" dirty="0" err="1">
                 <a:latin typeface="+mj-lt"/>
                 <a:ea typeface="+mj-ea"/>
                 <a:cs typeface="+mj-cs"/>
@@ -7421,7 +7219,7 @@
               <a:t>git</a:t>
             </a:r>
             <a:r>
-              <a:rPr lang="en-US" spc="-50" dirty="0" smtClean="0">
+              <a:rPr lang="en-US" spc="-50" dirty="0">
                 <a:latin typeface="+mj-lt"/>
                 <a:ea typeface="+mj-ea"/>
                 <a:cs typeface="+mj-cs"/>
@@ -7429,12 +7227,20 @@
               <a:t> </a:t>
             </a:r>
             <a:r>
+              <a:rPr lang="en-US" spc="-50" dirty="0" err="1">
+                <a:latin typeface="+mj-lt"/>
+                <a:ea typeface="+mj-ea"/>
+                <a:cs typeface="+mj-cs"/>
+              </a:rPr>
+              <a:t>init</a:t>
+            </a:r>
+            <a:r>
               <a:rPr lang="en-US" spc="-50" dirty="0">
                 <a:latin typeface="+mj-lt"/>
                 <a:ea typeface="+mj-ea"/>
                 <a:cs typeface="+mj-cs"/>
               </a:rPr>
-              <a:t>clone will automatically configure your repo with a remote pointed to the </a:t>
+              <a:t> to make a fresh repo, you'll have no remote repo to push changes to. A common pattern when initializing a new repo is to go to a hosted </a:t>
             </a:r>
             <a:r>
               <a:rPr lang="en-US" spc="-50" dirty="0" err="1">
@@ -7450,106 +7256,7 @@
                 <a:ea typeface="+mj-ea"/>
                 <a:cs typeface="+mj-cs"/>
               </a:rPr>
-              <a:t> URL you cloned it from. This means that once you make changes to a file and commit them, you can </a:t>
-            </a:r>
-            <a:r>
-              <a:rPr lang="en-US" spc="-50" dirty="0" err="1">
-                <a:latin typeface="+mj-lt"/>
-                <a:ea typeface="+mj-ea"/>
-                <a:cs typeface="+mj-cs"/>
-              </a:rPr>
-              <a:t>git</a:t>
-            </a:r>
-            <a:r>
-              <a:rPr lang="en-US" spc="-50" dirty="0">
-                <a:latin typeface="+mj-lt"/>
-                <a:ea typeface="+mj-ea"/>
-                <a:cs typeface="+mj-cs"/>
-              </a:rPr>
-              <a:t> push those changes to the remote repository.</a:t>
-            </a:r>
-          </a:p>
-          <a:p>
-            <a:pPr lvl="1"/>
-            <a:endParaRPr lang="en-US" spc="-50" dirty="0" smtClean="0">
-              <a:latin typeface="+mj-lt"/>
-              <a:ea typeface="+mj-ea"/>
-              <a:cs typeface="+mj-cs"/>
-            </a:endParaRPr>
-          </a:p>
-          <a:p>
-            <a:pPr lvl="1"/>
-            <a:r>
-              <a:rPr lang="en-US" spc="-50" dirty="0">
-                <a:latin typeface="+mj-lt"/>
-                <a:ea typeface="+mj-ea"/>
-                <a:cs typeface="+mj-cs"/>
-              </a:rPr>
-              <a:t>If you used </a:t>
-            </a:r>
-            <a:r>
-              <a:rPr lang="en-US" spc="-50" dirty="0" err="1">
-                <a:latin typeface="+mj-lt"/>
-                <a:ea typeface="+mj-ea"/>
-                <a:cs typeface="+mj-cs"/>
-              </a:rPr>
-              <a:t>git</a:t>
-            </a:r>
-            <a:r>
-              <a:rPr lang="en-US" spc="-50" dirty="0">
-                <a:latin typeface="+mj-lt"/>
-                <a:ea typeface="+mj-ea"/>
-                <a:cs typeface="+mj-cs"/>
-              </a:rPr>
-              <a:t> </a:t>
-            </a:r>
-            <a:r>
-              <a:rPr lang="en-US" spc="-50" dirty="0" err="1">
-                <a:latin typeface="+mj-lt"/>
-                <a:ea typeface="+mj-ea"/>
-                <a:cs typeface="+mj-cs"/>
-              </a:rPr>
-              <a:t>init</a:t>
-            </a:r>
-            <a:r>
-              <a:rPr lang="en-US" spc="-50" dirty="0">
-                <a:latin typeface="+mj-lt"/>
-                <a:ea typeface="+mj-ea"/>
-                <a:cs typeface="+mj-cs"/>
-              </a:rPr>
-              <a:t> to make a fresh repo, you'll have no remote repo to push changes to. A common pattern when initializing a new repo is to go to a hosted </a:t>
-            </a:r>
-            <a:r>
-              <a:rPr lang="en-US" spc="-50" dirty="0" err="1">
-                <a:latin typeface="+mj-lt"/>
-                <a:ea typeface="+mj-ea"/>
-                <a:cs typeface="+mj-cs"/>
-              </a:rPr>
-              <a:t>Git</a:t>
-            </a:r>
-            <a:r>
-              <a:rPr lang="en-US" spc="-50" dirty="0">
-                <a:latin typeface="+mj-lt"/>
-                <a:ea typeface="+mj-ea"/>
-                <a:cs typeface="+mj-cs"/>
-              </a:rPr>
-              <a:t> service like </a:t>
-            </a:r>
-            <a:r>
-              <a:rPr lang="en-US" spc="-50" dirty="0" smtClean="0">
-                <a:latin typeface="+mj-lt"/>
-                <a:ea typeface="+mj-ea"/>
-                <a:cs typeface="+mj-cs"/>
-              </a:rPr>
-              <a:t>GitHub </a:t>
-            </a:r>
-            <a:r>
-              <a:rPr lang="en-US" spc="-50" dirty="0">
-                <a:latin typeface="+mj-lt"/>
-                <a:ea typeface="+mj-ea"/>
-                <a:cs typeface="+mj-cs"/>
-              </a:rPr>
-              <a:t>and create a repo there. The service will provide a </a:t>
+              <a:t> service like GitHub and create a repo there. The service will provide a </a:t>
             </a:r>
             <a:r>
               <a:rPr lang="en-US" spc="-50" dirty="0" err="1">
@@ -7612,13 +7319,6 @@
   <p:clrMapOvr>
     <a:masterClrMapping/>
   </p:clrMapOvr>
-  <p:timing>
-    <p:tnLst>
-      <p:par>
-        <p:cTn id="1" dur="indefinite" restart="never" nodeType="tmRoot"/>
-      </p:par>
-    </p:tnLst>
-  </p:timing>
 </p:sld>
 </file>
 
